--- a/Presentation.pptx
+++ b/Presentation.pptx
@@ -117,16 +117,350 @@
 </p:presentation>
 </file>
 
-<file path=ppt/revisionInfo.xml><?xml version="1.0" encoding="utf-8"?>
-<p1510:revInfo xmlns:a="http://schemas.openxmlformats.org/drawingml/2006/main" xmlns:r="http://schemas.openxmlformats.org/officeDocument/2006/relationships" xmlns:p1510="http://schemas.microsoft.com/office/powerpoint/2015/10/main">
-  <p1510:revLst>
-    <p1510:client id="{36E7C8E4-7FFB-448F-ADE0-B64A1369299D}" v="54" dt="2024-05-24T21:51:41.042"/>
-  </p1510:revLst>
-</p1510:revInfo>
-</file>
-
 <file path=ppt/changesInfos/changesInfo1.xml><?xml version="1.0" encoding="utf-8"?>
 <pc:chgInfo xmlns:a="http://schemas.openxmlformats.org/drawingml/2006/main" xmlns:r="http://schemas.openxmlformats.org/officeDocument/2006/relationships" xmlns:ac="http://schemas.microsoft.com/office/drawing/2013/main/command" xmlns:pc="http://schemas.microsoft.com/office/powerpoint/2013/main/command">
+  <pc:docChgLst>
+    <pc:chgData name="Eduardo Savian" userId="83fefb37af455394" providerId="Windows Live" clId="Web-{B10124E6-5CE1-46B9-81E2-9DF613E845DA}"/>
+    <pc:docChg chg="addSld delSld modSld">
+      <pc:chgData name="Eduardo Savian" userId="83fefb37af455394" providerId="Windows Live" clId="Web-{B10124E6-5CE1-46B9-81E2-9DF613E845DA}" dt="2024-05-18T19:37:28.234" v="48"/>
+      <pc:docMkLst>
+        <pc:docMk/>
+      </pc:docMkLst>
+      <pc:sldChg chg="addSp delSp modSp del mod modClrScheme chgLayout">
+        <pc:chgData name="Eduardo Savian" userId="83fefb37af455394" providerId="Windows Live" clId="Web-{B10124E6-5CE1-46B9-81E2-9DF613E845DA}" dt="2024-05-18T19:35:57.404" v="32"/>
+        <pc:sldMkLst>
+          <pc:docMk/>
+          <pc:sldMk cId="4042955426" sldId="270"/>
+        </pc:sldMkLst>
+        <pc:spChg chg="add del">
+          <ac:chgData name="Eduardo Savian" userId="83fefb37af455394" providerId="Windows Live" clId="Web-{B10124E6-5CE1-46B9-81E2-9DF613E845DA}" dt="2024-05-18T19:33:13.696" v="10"/>
+          <ac:spMkLst>
+            <pc:docMk/>
+            <pc:sldMk cId="4042955426" sldId="270"/>
+            <ac:spMk id="2" creationId="{C97A6806-306D-5DE8-D246-239AA4809B3A}"/>
+          </ac:spMkLst>
+        </pc:spChg>
+        <pc:spChg chg="del mod">
+          <ac:chgData name="Eduardo Savian" userId="83fefb37af455394" providerId="Windows Live" clId="Web-{B10124E6-5CE1-46B9-81E2-9DF613E845DA}" dt="2024-05-18T19:32:42.023" v="2"/>
+          <ac:spMkLst>
+            <pc:docMk/>
+            <pc:sldMk cId="4042955426" sldId="270"/>
+            <ac:spMk id="3" creationId="{662D8E06-1103-5E8B-88E0-2CC1191423C4}"/>
+          </ac:spMkLst>
+        </pc:spChg>
+        <pc:spChg chg="mod">
+          <ac:chgData name="Eduardo Savian" userId="83fefb37af455394" providerId="Windows Live" clId="Web-{B10124E6-5CE1-46B9-81E2-9DF613E845DA}" dt="2024-05-18T19:33:13.696" v="10"/>
+          <ac:spMkLst>
+            <pc:docMk/>
+            <pc:sldMk cId="4042955426" sldId="270"/>
+            <ac:spMk id="4" creationId="{EC249B81-C847-2969-D44C-7D08B169C2F4}"/>
+          </ac:spMkLst>
+        </pc:spChg>
+        <pc:spChg chg="mod">
+          <ac:chgData name="Eduardo Savian" userId="83fefb37af455394" providerId="Windows Live" clId="Web-{B10124E6-5CE1-46B9-81E2-9DF613E845DA}" dt="2024-05-18T19:33:13.696" v="10"/>
+          <ac:spMkLst>
+            <pc:docMk/>
+            <pc:sldMk cId="4042955426" sldId="270"/>
+            <ac:spMk id="5" creationId="{B04CFF83-CA02-9F22-4CBF-D20905127DC9}"/>
+          </ac:spMkLst>
+        </pc:spChg>
+        <pc:spChg chg="mod">
+          <ac:chgData name="Eduardo Savian" userId="83fefb37af455394" providerId="Windows Live" clId="Web-{B10124E6-5CE1-46B9-81E2-9DF613E845DA}" dt="2024-05-18T19:33:13.696" v="10"/>
+          <ac:spMkLst>
+            <pc:docMk/>
+            <pc:sldMk cId="4042955426" sldId="270"/>
+            <ac:spMk id="6" creationId="{9831A95B-48A2-16FC-98E0-779D34F17AF7}"/>
+          </ac:spMkLst>
+        </pc:spChg>
+        <pc:spChg chg="add del mod">
+          <ac:chgData name="Eduardo Savian" userId="83fefb37af455394" providerId="Windows Live" clId="Web-{B10124E6-5CE1-46B9-81E2-9DF613E845DA}" dt="2024-05-18T19:33:13.696" v="10"/>
+          <ac:spMkLst>
+            <pc:docMk/>
+            <pc:sldMk cId="4042955426" sldId="270"/>
+            <ac:spMk id="12" creationId="{30774746-80CE-838A-AE40-BBFAF719DFE4}"/>
+          </ac:spMkLst>
+        </pc:spChg>
+        <pc:spChg chg="add del mod">
+          <ac:chgData name="Eduardo Savian" userId="83fefb37af455394" providerId="Windows Live" clId="Web-{B10124E6-5CE1-46B9-81E2-9DF613E845DA}" dt="2024-05-18T19:33:13.696" v="10"/>
+          <ac:spMkLst>
+            <pc:docMk/>
+            <pc:sldMk cId="4042955426" sldId="270"/>
+            <ac:spMk id="14" creationId="{B66501AF-2C6C-2C99-F5CD-368990638F10}"/>
+          </ac:spMkLst>
+        </pc:spChg>
+        <pc:spChg chg="add del mod">
+          <ac:chgData name="Eduardo Savian" userId="83fefb37af455394" providerId="Windows Live" clId="Web-{B10124E6-5CE1-46B9-81E2-9DF613E845DA}" dt="2024-05-18T19:33:10.649" v="8"/>
+          <ac:spMkLst>
+            <pc:docMk/>
+            <pc:sldMk cId="4042955426" sldId="270"/>
+            <ac:spMk id="19" creationId="{F069AC9D-E807-B817-5D21-B9CA00B35108}"/>
+          </ac:spMkLst>
+        </pc:spChg>
+        <pc:picChg chg="add mod ord">
+          <ac:chgData name="Eduardo Savian" userId="83fefb37af455394" providerId="Windows Live" clId="Web-{B10124E6-5CE1-46B9-81E2-9DF613E845DA}" dt="2024-05-18T19:33:13.696" v="10"/>
+          <ac:picMkLst>
+            <pc:docMk/>
+            <pc:sldMk cId="4042955426" sldId="270"/>
+            <ac:picMk id="7" creationId="{90295225-2ED7-CBBC-645A-FE5DC8994668}"/>
+          </ac:picMkLst>
+        </pc:picChg>
+      </pc:sldChg>
+      <pc:sldChg chg="addSp delSp modSp new del">
+        <pc:chgData name="Eduardo Savian" userId="83fefb37af455394" providerId="Windows Live" clId="Web-{B10124E6-5CE1-46B9-81E2-9DF613E845DA}" dt="2024-05-18T19:35:56.466" v="31"/>
+        <pc:sldMkLst>
+          <pc:docMk/>
+          <pc:sldMk cId="1562725996" sldId="271"/>
+        </pc:sldMkLst>
+        <pc:spChg chg="del mod">
+          <ac:chgData name="Eduardo Savian" userId="83fefb37af455394" providerId="Windows Live" clId="Web-{B10124E6-5CE1-46B9-81E2-9DF613E845DA}" dt="2024-05-18T19:33:55.494" v="14"/>
+          <ac:spMkLst>
+            <pc:docMk/>
+            <pc:sldMk cId="1562725996" sldId="271"/>
+            <ac:spMk id="3" creationId="{2D074F8F-942C-74E3-9363-49E237AB4A25}"/>
+          </ac:spMkLst>
+        </pc:spChg>
+        <pc:spChg chg="add del mod">
+          <ac:chgData name="Eduardo Savian" userId="83fefb37af455394" providerId="Windows Live" clId="Web-{B10124E6-5CE1-46B9-81E2-9DF613E845DA}" dt="2024-05-18T19:35:04.418" v="21"/>
+          <ac:spMkLst>
+            <pc:docMk/>
+            <pc:sldMk cId="1562725996" sldId="271"/>
+            <ac:spMk id="9" creationId="{2352341E-6D98-E594-3855-F54F1BD8E299}"/>
+          </ac:spMkLst>
+        </pc:spChg>
+        <pc:picChg chg="add del mod ord">
+          <ac:chgData name="Eduardo Savian" userId="83fefb37af455394" providerId="Windows Live" clId="Web-{B10124E6-5CE1-46B9-81E2-9DF613E845DA}" dt="2024-05-18T19:35:04.418" v="21"/>
+          <ac:picMkLst>
+            <pc:docMk/>
+            <pc:sldMk cId="1562725996" sldId="271"/>
+            <ac:picMk id="7" creationId="{4E7F57FD-AD53-1A6A-52D2-F1C464969006}"/>
+          </ac:picMkLst>
+        </pc:picChg>
+      </pc:sldChg>
+      <pc:sldChg chg="addSp delSp modSp new">
+        <pc:chgData name="Eduardo Savian" userId="83fefb37af455394" providerId="Windows Live" clId="Web-{B10124E6-5CE1-46B9-81E2-9DF613E845DA}" dt="2024-05-18T19:35:34.606" v="28"/>
+        <pc:sldMkLst>
+          <pc:docMk/>
+          <pc:sldMk cId="1909084433" sldId="272"/>
+        </pc:sldMkLst>
+        <pc:spChg chg="del mod">
+          <ac:chgData name="Eduardo Savian" userId="83fefb37af455394" providerId="Windows Live" clId="Web-{B10124E6-5CE1-46B9-81E2-9DF613E845DA}" dt="2024-05-18T19:35:34.606" v="28"/>
+          <ac:spMkLst>
+            <pc:docMk/>
+            <pc:sldMk cId="1909084433" sldId="272"/>
+            <ac:spMk id="3" creationId="{8E002528-1E90-B4D8-B7CA-234AF12D83C6}"/>
+          </ac:spMkLst>
+        </pc:spChg>
+        <pc:picChg chg="add mod ord">
+          <ac:chgData name="Eduardo Savian" userId="83fefb37af455394" providerId="Windows Live" clId="Web-{B10124E6-5CE1-46B9-81E2-9DF613E845DA}" dt="2024-05-18T19:35:34.606" v="28"/>
+          <ac:picMkLst>
+            <pc:docMk/>
+            <pc:sldMk cId="1909084433" sldId="272"/>
+            <ac:picMk id="7" creationId="{BBD67D61-1BC2-13AF-E8C5-D2DE5DC1AE75}"/>
+          </ac:picMkLst>
+        </pc:picChg>
+      </pc:sldChg>
+      <pc:sldChg chg="addSp delSp modSp new del">
+        <pc:chgData name="Eduardo Savian" userId="83fefb37af455394" providerId="Windows Live" clId="Web-{B10124E6-5CE1-46B9-81E2-9DF613E845DA}" dt="2024-05-18T19:35:07.074" v="22"/>
+        <pc:sldMkLst>
+          <pc:docMk/>
+          <pc:sldMk cId="2235354735" sldId="272"/>
+        </pc:sldMkLst>
+        <pc:spChg chg="add del">
+          <ac:chgData name="Eduardo Savian" userId="83fefb37af455394" providerId="Windows Live" clId="Web-{B10124E6-5CE1-46B9-81E2-9DF613E845DA}" dt="2024-05-18T19:34:55.949" v="19"/>
+          <ac:spMkLst>
+            <pc:docMk/>
+            <pc:sldMk cId="2235354735" sldId="272"/>
+            <ac:spMk id="3" creationId="{FA61A4B7-7010-D5E7-9783-98BB4C9472ED}"/>
+          </ac:spMkLst>
+        </pc:spChg>
+        <pc:picChg chg="add del mod ord">
+          <ac:chgData name="Eduardo Savian" userId="83fefb37af455394" providerId="Windows Live" clId="Web-{B10124E6-5CE1-46B9-81E2-9DF613E845DA}" dt="2024-05-18T19:34:21.307" v="17"/>
+          <ac:picMkLst>
+            <pc:docMk/>
+            <pc:sldMk cId="2235354735" sldId="272"/>
+            <ac:picMk id="7" creationId="{A134B4C2-DF8F-C87A-9C32-6B990484D1E5}"/>
+          </ac:picMkLst>
+        </pc:picChg>
+        <pc:picChg chg="add del mod ord">
+          <ac:chgData name="Eduardo Savian" userId="83fefb37af455394" providerId="Windows Live" clId="Web-{B10124E6-5CE1-46B9-81E2-9DF613E845DA}" dt="2024-05-18T19:34:55.949" v="19"/>
+          <ac:picMkLst>
+            <pc:docMk/>
+            <pc:sldMk cId="2235354735" sldId="272"/>
+            <ac:picMk id="8" creationId="{BD0FC381-616D-7F80-516C-4B2B9FDD1C1A}"/>
+          </ac:picMkLst>
+        </pc:picChg>
+      </pc:sldChg>
+      <pc:sldChg chg="addSp delSp modSp new">
+        <pc:chgData name="Eduardo Savian" userId="83fefb37af455394" providerId="Windows Live" clId="Web-{B10124E6-5CE1-46B9-81E2-9DF613E845DA}" dt="2024-05-18T19:35:52.794" v="30"/>
+        <pc:sldMkLst>
+          <pc:docMk/>
+          <pc:sldMk cId="4112802808" sldId="273"/>
+        </pc:sldMkLst>
+        <pc:spChg chg="del">
+          <ac:chgData name="Eduardo Savian" userId="83fefb37af455394" providerId="Windows Live" clId="Web-{B10124E6-5CE1-46B9-81E2-9DF613E845DA}" dt="2024-05-18T19:35:52.794" v="30"/>
+          <ac:spMkLst>
+            <pc:docMk/>
+            <pc:sldMk cId="4112802808" sldId="273"/>
+            <ac:spMk id="3" creationId="{48B76A36-821B-00B4-EDA6-B58B8DB664A9}"/>
+          </ac:spMkLst>
+        </pc:spChg>
+        <pc:picChg chg="add mod ord">
+          <ac:chgData name="Eduardo Savian" userId="83fefb37af455394" providerId="Windows Live" clId="Web-{B10124E6-5CE1-46B9-81E2-9DF613E845DA}" dt="2024-05-18T19:35:52.794" v="30"/>
+          <ac:picMkLst>
+            <pc:docMk/>
+            <pc:sldMk cId="4112802808" sldId="273"/>
+            <ac:picMk id="7" creationId="{BF68005B-EE7C-3D5E-4B58-4E5E71FC63D9}"/>
+          </ac:picMkLst>
+        </pc:picChg>
+      </pc:sldChg>
+      <pc:sldChg chg="addSp delSp modSp new">
+        <pc:chgData name="Eduardo Savian" userId="83fefb37af455394" providerId="Windows Live" clId="Web-{B10124E6-5CE1-46B9-81E2-9DF613E845DA}" dt="2024-05-18T19:36:48.343" v="46"/>
+        <pc:sldMkLst>
+          <pc:docMk/>
+          <pc:sldMk cId="2620471646" sldId="274"/>
+        </pc:sldMkLst>
+        <pc:spChg chg="add del mod">
+          <ac:chgData name="Eduardo Savian" userId="83fefb37af455394" providerId="Windows Live" clId="Web-{B10124E6-5CE1-46B9-81E2-9DF613E845DA}" dt="2024-05-18T19:36:48.343" v="46"/>
+          <ac:spMkLst>
+            <pc:docMk/>
+            <pc:sldMk cId="2620471646" sldId="274"/>
+            <ac:spMk id="3" creationId="{89455F0D-AD8E-DCE2-78D1-6E0FEF8648C0}"/>
+          </ac:spMkLst>
+        </pc:spChg>
+        <pc:spChg chg="add del mod">
+          <ac:chgData name="Eduardo Savian" userId="83fefb37af455394" providerId="Windows Live" clId="Web-{B10124E6-5CE1-46B9-81E2-9DF613E845DA}" dt="2024-05-18T19:36:20.592" v="41"/>
+          <ac:spMkLst>
+            <pc:docMk/>
+            <pc:sldMk cId="2620471646" sldId="274"/>
+            <ac:spMk id="7" creationId="{FA194680-CE60-F939-9D2E-969888CDA40F}"/>
+          </ac:spMkLst>
+        </pc:spChg>
+        <pc:picChg chg="add del mod ord">
+          <ac:chgData name="Eduardo Savian" userId="83fefb37af455394" providerId="Windows Live" clId="Web-{B10124E6-5CE1-46B9-81E2-9DF613E845DA}" dt="2024-05-18T19:36:37.342" v="45"/>
+          <ac:picMkLst>
+            <pc:docMk/>
+            <pc:sldMk cId="2620471646" sldId="274"/>
+            <ac:picMk id="8" creationId="{CF5A0A99-597A-F596-5219-39B7331894AE}"/>
+          </ac:picMkLst>
+        </pc:picChg>
+        <pc:picChg chg="add mod ord">
+          <ac:chgData name="Eduardo Savian" userId="83fefb37af455394" providerId="Windows Live" clId="Web-{B10124E6-5CE1-46B9-81E2-9DF613E845DA}" dt="2024-05-18T19:36:48.343" v="46"/>
+          <ac:picMkLst>
+            <pc:docMk/>
+            <pc:sldMk cId="2620471646" sldId="274"/>
+            <ac:picMk id="9" creationId="{6B3D4CF9-E4D9-CE70-77E7-5B5CC17A207F}"/>
+          </ac:picMkLst>
+        </pc:picChg>
+      </pc:sldChg>
+      <pc:sldChg chg="modSp new del">
+        <pc:chgData name="Eduardo Savian" userId="83fefb37af455394" providerId="Windows Live" clId="Web-{B10124E6-5CE1-46B9-81E2-9DF613E845DA}" dt="2024-05-18T19:36:16.686" v="37"/>
+        <pc:sldMkLst>
+          <pc:docMk/>
+          <pc:sldMk cId="22181432" sldId="275"/>
+        </pc:sldMkLst>
+        <pc:spChg chg="mod">
+          <ac:chgData name="Eduardo Savian" userId="83fefb37af455394" providerId="Windows Live" clId="Web-{B10124E6-5CE1-46B9-81E2-9DF613E845DA}" dt="2024-05-18T19:36:15.623" v="36"/>
+          <ac:spMkLst>
+            <pc:docMk/>
+            <pc:sldMk cId="22181432" sldId="275"/>
+            <ac:spMk id="3" creationId="{E48659BD-2243-9220-1B20-084CA9C015C0}"/>
+          </ac:spMkLst>
+        </pc:spChg>
+      </pc:sldChg>
+      <pc:sldChg chg="addSp delSp modSp new">
+        <pc:chgData name="Eduardo Savian" userId="83fefb37af455394" providerId="Windows Live" clId="Web-{B10124E6-5CE1-46B9-81E2-9DF613E845DA}" dt="2024-05-18T19:37:28.234" v="48"/>
+        <pc:sldMkLst>
+          <pc:docMk/>
+          <pc:sldMk cId="346760889" sldId="275"/>
+        </pc:sldMkLst>
+        <pc:spChg chg="del">
+          <ac:chgData name="Eduardo Savian" userId="83fefb37af455394" providerId="Windows Live" clId="Web-{B10124E6-5CE1-46B9-81E2-9DF613E845DA}" dt="2024-05-18T19:37:28.234" v="48"/>
+          <ac:spMkLst>
+            <pc:docMk/>
+            <pc:sldMk cId="346760889" sldId="275"/>
+            <ac:spMk id="3" creationId="{109E92D5-FAD7-5BC1-1534-06038A2AA196}"/>
+          </ac:spMkLst>
+        </pc:spChg>
+        <pc:picChg chg="add mod ord">
+          <ac:chgData name="Eduardo Savian" userId="83fefb37af455394" providerId="Windows Live" clId="Web-{B10124E6-5CE1-46B9-81E2-9DF613E845DA}" dt="2024-05-18T19:37:28.234" v="48"/>
+          <ac:picMkLst>
+            <pc:docMk/>
+            <pc:sldMk cId="346760889" sldId="275"/>
+            <ac:picMk id="7" creationId="{C8BADD49-1D18-6B75-7A7D-8B2089EF92EB}"/>
+          </ac:picMkLst>
+        </pc:picChg>
+      </pc:sldChg>
+    </pc:docChg>
+  </pc:docChgLst>
+  <pc:docChgLst>
+    <pc:chgData name="Eduardo Savian" userId="83fefb37af455394" providerId="LiveId" clId="{212EF4F1-877B-4B80-88EE-35A0BC77C71A}"/>
+    <pc:docChg chg="custSel addSld modSld">
+      <pc:chgData name="Eduardo Savian" userId="83fefb37af455394" providerId="LiveId" clId="{212EF4F1-877B-4B80-88EE-35A0BC77C71A}" dt="2024-05-03T19:36:56.092" v="52" actId="20577"/>
+      <pc:docMkLst>
+        <pc:docMk/>
+      </pc:docMkLst>
+      <pc:sldChg chg="modSp new mod">
+        <pc:chgData name="Eduardo Savian" userId="83fefb37af455394" providerId="LiveId" clId="{212EF4F1-877B-4B80-88EE-35A0BC77C71A}" dt="2024-05-03T18:53:11.223" v="29" actId="20577"/>
+        <pc:sldMkLst>
+          <pc:docMk/>
+          <pc:sldMk cId="3775945265" sldId="257"/>
+        </pc:sldMkLst>
+        <pc:spChg chg="mod">
+          <ac:chgData name="Eduardo Savian" userId="83fefb37af455394" providerId="LiveId" clId="{212EF4F1-877B-4B80-88EE-35A0BC77C71A}" dt="2024-05-03T18:53:11.223" v="29" actId="20577"/>
+          <ac:spMkLst>
+            <pc:docMk/>
+            <pc:sldMk cId="3775945265" sldId="257"/>
+            <ac:spMk id="2" creationId="{D6ADE00D-4311-50C4-8DF9-71AEE4CBFBA6}"/>
+          </ac:spMkLst>
+        </pc:spChg>
+      </pc:sldChg>
+      <pc:sldChg chg="modSp new mod">
+        <pc:chgData name="Eduardo Savian" userId="83fefb37af455394" providerId="LiveId" clId="{212EF4F1-877B-4B80-88EE-35A0BC77C71A}" dt="2024-05-03T19:36:56.092" v="52" actId="20577"/>
+        <pc:sldMkLst>
+          <pc:docMk/>
+          <pc:sldMk cId="1767302655" sldId="258"/>
+        </pc:sldMkLst>
+        <pc:spChg chg="mod">
+          <ac:chgData name="Eduardo Savian" userId="83fefb37af455394" providerId="LiveId" clId="{212EF4F1-877B-4B80-88EE-35A0BC77C71A}" dt="2024-05-03T19:36:56.092" v="52" actId="20577"/>
+          <ac:spMkLst>
+            <pc:docMk/>
+            <pc:sldMk cId="1767302655" sldId="258"/>
+            <ac:spMk id="2" creationId="{3DA2759E-6509-5739-997F-79FBA3389A58}"/>
+          </ac:spMkLst>
+        </pc:spChg>
+      </pc:sldChg>
+      <pc:sldChg chg="new">
+        <pc:chgData name="Eduardo Savian" userId="83fefb37af455394" providerId="LiveId" clId="{212EF4F1-877B-4B80-88EE-35A0BC77C71A}" dt="2024-05-03T18:52:10.151" v="2" actId="680"/>
+        <pc:sldMkLst>
+          <pc:docMk/>
+          <pc:sldMk cId="1967995460" sldId="259"/>
+        </pc:sldMkLst>
+      </pc:sldChg>
+      <pc:sldChg chg="delSp modSp new mod">
+        <pc:chgData name="Eduardo Savian" userId="83fefb37af455394" providerId="LiveId" clId="{212EF4F1-877B-4B80-88EE-35A0BC77C71A}" dt="2024-05-03T18:53:01.392" v="19" actId="1076"/>
+        <pc:sldMkLst>
+          <pc:docMk/>
+          <pc:sldMk cId="2210678312" sldId="260"/>
+        </pc:sldMkLst>
+        <pc:spChg chg="mod">
+          <ac:chgData name="Eduardo Savian" userId="83fefb37af455394" providerId="LiveId" clId="{212EF4F1-877B-4B80-88EE-35A0BC77C71A}" dt="2024-05-03T18:53:01.392" v="19" actId="1076"/>
+          <ac:spMkLst>
+            <pc:docMk/>
+            <pc:sldMk cId="2210678312" sldId="260"/>
+            <ac:spMk id="2" creationId="{B1F35A36-4B8A-CC21-A7B3-D24FC5357485}"/>
+          </ac:spMkLst>
+        </pc:spChg>
+        <pc:spChg chg="del">
+          <ac:chgData name="Eduardo Savian" userId="83fefb37af455394" providerId="LiveId" clId="{212EF4F1-877B-4B80-88EE-35A0BC77C71A}" dt="2024-05-03T18:52:32.529" v="12" actId="478"/>
+          <ac:spMkLst>
+            <pc:docMk/>
+            <pc:sldMk cId="2210678312" sldId="260"/>
+            <ac:spMk id="3" creationId="{4F31A53A-45B9-5159-56F8-275BCFA8167B}"/>
+          </ac:spMkLst>
+        </pc:spChg>
+      </pc:sldChg>
+    </pc:docChg>
+  </pc:docChgLst>
   <pc:docChgLst>
     <pc:chgData name="Eduardo Savian" userId="83fefb37af455394" providerId="Windows Live" clId="Web-{236A428B-EB3A-4EDA-8B94-5C42A3C67680}"/>
     <pc:docChg chg="modSld addMainMaster delMainMaster">
@@ -622,6 +956,1746 @@
           </pc:sldLayoutMkLst>
         </pc:sldLayoutChg>
       </pc:sldMasterChg>
+    </pc:docChg>
+  </pc:docChgLst>
+  <pc:docChgLst>
+    <pc:chgData name="Eduardo Savian" userId="83fefb37af455394" providerId="LiveId" clId="{9027FE1D-C861-432B-B1C8-11A99DB4171A}"/>
+    <pc:docChg chg="undo redo custSel addSld delSld modSld sldOrd">
+      <pc:chgData name="Eduardo Savian" userId="83fefb37af455394" providerId="LiveId" clId="{9027FE1D-C861-432B-B1C8-11A99DB4171A}" dt="2024-05-08T21:45:57.566" v="977" actId="27636"/>
+      <pc:docMkLst>
+        <pc:docMk/>
+      </pc:docMkLst>
+      <pc:sldChg chg="modSp mod">
+        <pc:chgData name="Eduardo Savian" userId="83fefb37af455394" providerId="LiveId" clId="{9027FE1D-C861-432B-B1C8-11A99DB4171A}" dt="2024-05-08T21:26:36.303" v="783" actId="20577"/>
+        <pc:sldMkLst>
+          <pc:docMk/>
+          <pc:sldMk cId="3775945265" sldId="257"/>
+        </pc:sldMkLst>
+        <pc:spChg chg="mod">
+          <ac:chgData name="Eduardo Savian" userId="83fefb37af455394" providerId="LiveId" clId="{9027FE1D-C861-432B-B1C8-11A99DB4171A}" dt="2024-05-08T21:26:36.303" v="783" actId="20577"/>
+          <ac:spMkLst>
+            <pc:docMk/>
+            <pc:sldMk cId="3775945265" sldId="257"/>
+            <ac:spMk id="3" creationId="{A3B4ADFF-18FA-819A-E2DD-F32D67BA3A8E}"/>
+          </ac:spMkLst>
+        </pc:spChg>
+      </pc:sldChg>
+      <pc:sldChg chg="add del">
+        <pc:chgData name="Eduardo Savian" userId="83fefb37af455394" providerId="LiveId" clId="{9027FE1D-C861-432B-B1C8-11A99DB4171A}" dt="2024-05-08T21:05:36.378" v="77" actId="2696"/>
+        <pc:sldMkLst>
+          <pc:docMk/>
+          <pc:sldMk cId="1767302655" sldId="258"/>
+        </pc:sldMkLst>
+      </pc:sldChg>
+      <pc:sldChg chg="addSp delSp modSp mod">
+        <pc:chgData name="Eduardo Savian" userId="83fefb37af455394" providerId="LiveId" clId="{9027FE1D-C861-432B-B1C8-11A99DB4171A}" dt="2024-05-08T21:28:22.277" v="799" actId="20577"/>
+        <pc:sldMkLst>
+          <pc:docMk/>
+          <pc:sldMk cId="1967995460" sldId="259"/>
+        </pc:sldMkLst>
+        <pc:spChg chg="mod">
+          <ac:chgData name="Eduardo Savian" userId="83fefb37af455394" providerId="LiveId" clId="{9027FE1D-C861-432B-B1C8-11A99DB4171A}" dt="2024-05-08T21:28:22.277" v="799" actId="20577"/>
+          <ac:spMkLst>
+            <pc:docMk/>
+            <pc:sldMk cId="1967995460" sldId="259"/>
+            <ac:spMk id="2" creationId="{39887D89-22FC-622C-690A-E2571C8358CE}"/>
+          </ac:spMkLst>
+        </pc:spChg>
+        <pc:spChg chg="add del mod">
+          <ac:chgData name="Eduardo Savian" userId="83fefb37af455394" providerId="LiveId" clId="{9027FE1D-C861-432B-B1C8-11A99DB4171A}" dt="2024-05-08T20:59:00.383" v="7" actId="22"/>
+          <ac:spMkLst>
+            <pc:docMk/>
+            <pc:sldMk cId="1967995460" sldId="259"/>
+            <ac:spMk id="3" creationId="{D18A5516-B06F-36C5-F2E3-84103FADF1AC}"/>
+          </ac:spMkLst>
+        </pc:spChg>
+        <pc:picChg chg="add del mod ord">
+          <ac:chgData name="Eduardo Savian" userId="83fefb37af455394" providerId="LiveId" clId="{9027FE1D-C861-432B-B1C8-11A99DB4171A}" dt="2024-05-08T20:58:36.385" v="4" actId="22"/>
+          <ac:picMkLst>
+            <pc:docMk/>
+            <pc:sldMk cId="1967995460" sldId="259"/>
+            <ac:picMk id="8" creationId="{52C2B709-56B2-20E2-768C-306D1D6965DE}"/>
+          </ac:picMkLst>
+        </pc:picChg>
+        <pc:picChg chg="add del mod ord">
+          <ac:chgData name="Eduardo Savian" userId="83fefb37af455394" providerId="LiveId" clId="{9027FE1D-C861-432B-B1C8-11A99DB4171A}" dt="2024-05-08T20:58:39.915" v="6" actId="22"/>
+          <ac:picMkLst>
+            <pc:docMk/>
+            <pc:sldMk cId="1967995460" sldId="259"/>
+            <ac:picMk id="10" creationId="{16A63DAA-E59A-D7A3-B358-FD699D848CF5}"/>
+          </ac:picMkLst>
+        </pc:picChg>
+        <pc:picChg chg="add mod ord">
+          <ac:chgData name="Eduardo Savian" userId="83fefb37af455394" providerId="LiveId" clId="{9027FE1D-C861-432B-B1C8-11A99DB4171A}" dt="2024-05-08T20:59:07.023" v="10" actId="1076"/>
+          <ac:picMkLst>
+            <pc:docMk/>
+            <pc:sldMk cId="1967995460" sldId="259"/>
+            <ac:picMk id="12" creationId="{91EFBEF1-DAB5-FE3F-2356-678CD9318547}"/>
+          </ac:picMkLst>
+        </pc:picChg>
+      </pc:sldChg>
+      <pc:sldChg chg="addSp delSp modSp new mod ord">
+        <pc:chgData name="Eduardo Savian" userId="83fefb37af455394" providerId="LiveId" clId="{9027FE1D-C861-432B-B1C8-11A99DB4171A}" dt="2024-05-08T21:28:50.537" v="801"/>
+        <pc:sldMkLst>
+          <pc:docMk/>
+          <pc:sldMk cId="2753850936" sldId="261"/>
+        </pc:sldMkLst>
+        <pc:spChg chg="mod">
+          <ac:chgData name="Eduardo Savian" userId="83fefb37af455394" providerId="LiveId" clId="{9027FE1D-C861-432B-B1C8-11A99DB4171A}" dt="2024-05-08T21:06:06.138" v="144" actId="20577"/>
+          <ac:spMkLst>
+            <pc:docMk/>
+            <pc:sldMk cId="2753850936" sldId="261"/>
+            <ac:spMk id="2" creationId="{B4FB27EB-9630-9CCA-54BD-82695DF6A1E3}"/>
+          </ac:spMkLst>
+        </pc:spChg>
+        <pc:spChg chg="del mod">
+          <ac:chgData name="Eduardo Savian" userId="83fefb37af455394" providerId="LiveId" clId="{9027FE1D-C861-432B-B1C8-11A99DB4171A}" dt="2024-05-08T20:59:30.147" v="16" actId="22"/>
+          <ac:spMkLst>
+            <pc:docMk/>
+            <pc:sldMk cId="2753850936" sldId="261"/>
+            <ac:spMk id="3" creationId="{E95B3CCF-9410-58FF-EF97-ACA0442401C7}"/>
+          </ac:spMkLst>
+        </pc:spChg>
+        <pc:spChg chg="add del mod">
+          <ac:chgData name="Eduardo Savian" userId="83fefb37af455394" providerId="LiveId" clId="{9027FE1D-C861-432B-B1C8-11A99DB4171A}" dt="2024-05-08T20:59:54.887" v="20" actId="22"/>
+          <ac:spMkLst>
+            <pc:docMk/>
+            <pc:sldMk cId="2753850936" sldId="261"/>
+            <ac:spMk id="10" creationId="{C00765DB-66B9-6550-7CC5-D2D64B7208C9}"/>
+          </ac:spMkLst>
+        </pc:spChg>
+        <pc:picChg chg="add del mod ord">
+          <ac:chgData name="Eduardo Savian" userId="83fefb37af455394" providerId="LiveId" clId="{9027FE1D-C861-432B-B1C8-11A99DB4171A}" dt="2024-05-08T20:59:52.630" v="17" actId="478"/>
+          <ac:picMkLst>
+            <pc:docMk/>
+            <pc:sldMk cId="2753850936" sldId="261"/>
+            <ac:picMk id="8" creationId="{A42A3D5C-9BC3-F8AC-7056-D24B0741EB76}"/>
+          </ac:picMkLst>
+        </pc:picChg>
+        <pc:picChg chg="add del">
+          <ac:chgData name="Eduardo Savian" userId="83fefb37af455394" providerId="LiveId" clId="{9027FE1D-C861-432B-B1C8-11A99DB4171A}" dt="2024-05-08T20:59:53.501" v="19" actId="22"/>
+          <ac:picMkLst>
+            <pc:docMk/>
+            <pc:sldMk cId="2753850936" sldId="261"/>
+            <ac:picMk id="12" creationId="{685AB56C-9814-1B1C-3041-DA15E139136D}"/>
+          </ac:picMkLst>
+        </pc:picChg>
+        <pc:picChg chg="add mod ord">
+          <ac:chgData name="Eduardo Savian" userId="83fefb37af455394" providerId="LiveId" clId="{9027FE1D-C861-432B-B1C8-11A99DB4171A}" dt="2024-05-08T20:59:54.887" v="20" actId="22"/>
+          <ac:picMkLst>
+            <pc:docMk/>
+            <pc:sldMk cId="2753850936" sldId="261"/>
+            <ac:picMk id="14" creationId="{CB3B0777-5292-ECBA-8C1A-6098EEFCD096}"/>
+          </ac:picMkLst>
+        </pc:picChg>
+      </pc:sldChg>
+      <pc:sldChg chg="addSp delSp modSp new mod ord">
+        <pc:chgData name="Eduardo Savian" userId="83fefb37af455394" providerId="LiveId" clId="{9027FE1D-C861-432B-B1C8-11A99DB4171A}" dt="2024-05-08T21:08:06.085" v="253" actId="1076"/>
+        <pc:sldMkLst>
+          <pc:docMk/>
+          <pc:sldMk cId="4074611433" sldId="262"/>
+        </pc:sldMkLst>
+        <pc:spChg chg="mod">
+          <ac:chgData name="Eduardo Savian" userId="83fefb37af455394" providerId="LiveId" clId="{9027FE1D-C861-432B-B1C8-11A99DB4171A}" dt="2024-05-08T21:07:41.346" v="248" actId="20577"/>
+          <ac:spMkLst>
+            <pc:docMk/>
+            <pc:sldMk cId="4074611433" sldId="262"/>
+            <ac:spMk id="2" creationId="{E2040403-79F0-823D-2409-D5E0B58B5402}"/>
+          </ac:spMkLst>
+        </pc:spChg>
+        <pc:spChg chg="del">
+          <ac:chgData name="Eduardo Savian" userId="83fefb37af455394" providerId="LiveId" clId="{9027FE1D-C861-432B-B1C8-11A99DB4171A}" dt="2024-05-08T21:00:17.889" v="21" actId="22"/>
+          <ac:spMkLst>
+            <pc:docMk/>
+            <pc:sldMk cId="4074611433" sldId="262"/>
+            <ac:spMk id="3" creationId="{560C1123-B873-3316-1617-C06231828F24}"/>
+          </ac:spMkLst>
+        </pc:spChg>
+        <pc:picChg chg="add mod ord">
+          <ac:chgData name="Eduardo Savian" userId="83fefb37af455394" providerId="LiveId" clId="{9027FE1D-C861-432B-B1C8-11A99DB4171A}" dt="2024-05-08T21:08:06.085" v="253" actId="1076"/>
+          <ac:picMkLst>
+            <pc:docMk/>
+            <pc:sldMk cId="4074611433" sldId="262"/>
+            <ac:picMk id="8" creationId="{5EE782DC-34E0-2145-3B71-7A7901F7FC0E}"/>
+          </ac:picMkLst>
+        </pc:picChg>
+      </pc:sldChg>
+      <pc:sldChg chg="addSp delSp modSp new mod">
+        <pc:chgData name="Eduardo Savian" userId="83fefb37af455394" providerId="LiveId" clId="{9027FE1D-C861-432B-B1C8-11A99DB4171A}" dt="2024-05-08T21:09:09.085" v="265" actId="14100"/>
+        <pc:sldMkLst>
+          <pc:docMk/>
+          <pc:sldMk cId="922261976" sldId="263"/>
+        </pc:sldMkLst>
+        <pc:spChg chg="mod">
+          <ac:chgData name="Eduardo Savian" userId="83fefb37af455394" providerId="LiveId" clId="{9027FE1D-C861-432B-B1C8-11A99DB4171A}" dt="2024-05-08T21:06:29.059" v="173" actId="20577"/>
+          <ac:spMkLst>
+            <pc:docMk/>
+            <pc:sldMk cId="922261976" sldId="263"/>
+            <ac:spMk id="2" creationId="{8CA5BA22-DDB8-EA28-662F-932D9B518648}"/>
+          </ac:spMkLst>
+        </pc:spChg>
+        <pc:spChg chg="del">
+          <ac:chgData name="Eduardo Savian" userId="83fefb37af455394" providerId="LiveId" clId="{9027FE1D-C861-432B-B1C8-11A99DB4171A}" dt="2024-05-08T21:00:38.812" v="24" actId="22"/>
+          <ac:spMkLst>
+            <pc:docMk/>
+            <pc:sldMk cId="922261976" sldId="263"/>
+            <ac:spMk id="3" creationId="{A1C9E8BB-698A-B1B5-023C-3782C298794E}"/>
+          </ac:spMkLst>
+        </pc:spChg>
+        <pc:spChg chg="add del mod">
+          <ac:chgData name="Eduardo Savian" userId="83fefb37af455394" providerId="LiveId" clId="{9027FE1D-C861-432B-B1C8-11A99DB4171A}" dt="2024-05-08T21:09:06.349" v="264" actId="22"/>
+          <ac:spMkLst>
+            <pc:docMk/>
+            <pc:sldMk cId="922261976" sldId="263"/>
+            <ac:spMk id="10" creationId="{16771269-BF36-F3C5-01E9-A007977794A6}"/>
+          </ac:spMkLst>
+        </pc:spChg>
+        <pc:spChg chg="add del">
+          <ac:chgData name="Eduardo Savian" userId="83fefb37af455394" providerId="LiveId" clId="{9027FE1D-C861-432B-B1C8-11A99DB4171A}" dt="2024-05-08T21:08:54.852" v="256" actId="22"/>
+          <ac:spMkLst>
+            <pc:docMk/>
+            <pc:sldMk cId="922261976" sldId="263"/>
+            <ac:spMk id="12" creationId="{27873F30-40D0-5B6D-5037-21289261EC30}"/>
+          </ac:spMkLst>
+        </pc:spChg>
+        <pc:picChg chg="add del mod ord">
+          <ac:chgData name="Eduardo Savian" userId="83fefb37af455394" providerId="LiveId" clId="{9027FE1D-C861-432B-B1C8-11A99DB4171A}" dt="2024-05-08T21:08:54.091" v="254" actId="478"/>
+          <ac:picMkLst>
+            <pc:docMk/>
+            <pc:sldMk cId="922261976" sldId="263"/>
+            <ac:picMk id="8" creationId="{B1CC22E3-EFFB-7223-F08A-0A40E94AE260}"/>
+          </ac:picMkLst>
+        </pc:picChg>
+        <pc:picChg chg="add del">
+          <ac:chgData name="Eduardo Savian" userId="83fefb37af455394" providerId="LiveId" clId="{9027FE1D-C861-432B-B1C8-11A99DB4171A}" dt="2024-05-08T21:09:04.535" v="262" actId="22"/>
+          <ac:picMkLst>
+            <pc:docMk/>
+            <pc:sldMk cId="922261976" sldId="263"/>
+            <ac:picMk id="14" creationId="{3CEAAAE0-FFCC-E7A5-3D69-A09E8FC2F9CE}"/>
+          </ac:picMkLst>
+        </pc:picChg>
+        <pc:picChg chg="add mod ord">
+          <ac:chgData name="Eduardo Savian" userId="83fefb37af455394" providerId="LiveId" clId="{9027FE1D-C861-432B-B1C8-11A99DB4171A}" dt="2024-05-08T21:09:09.085" v="265" actId="14100"/>
+          <ac:picMkLst>
+            <pc:docMk/>
+            <pc:sldMk cId="922261976" sldId="263"/>
+            <ac:picMk id="16" creationId="{F3F62092-4A47-DE51-7B8F-649D763BBB50}"/>
+          </ac:picMkLst>
+        </pc:picChg>
+      </pc:sldChg>
+      <pc:sldChg chg="addSp delSp modSp new mod ord">
+        <pc:chgData name="Eduardo Savian" userId="83fefb37af455394" providerId="LiveId" clId="{9027FE1D-C861-432B-B1C8-11A99DB4171A}" dt="2024-05-08T21:05:28.571" v="76" actId="1076"/>
+        <pc:sldMkLst>
+          <pc:docMk/>
+          <pc:sldMk cId="2804307500" sldId="264"/>
+        </pc:sldMkLst>
+        <pc:spChg chg="mod">
+          <ac:chgData name="Eduardo Savian" userId="83fefb37af455394" providerId="LiveId" clId="{9027FE1D-C861-432B-B1C8-11A99DB4171A}" dt="2024-05-08T21:04:38.025" v="55" actId="20577"/>
+          <ac:spMkLst>
+            <pc:docMk/>
+            <pc:sldMk cId="2804307500" sldId="264"/>
+            <ac:spMk id="2" creationId="{714336CA-46CB-E909-FCA2-DB7B50170DF0}"/>
+          </ac:spMkLst>
+        </pc:spChg>
+        <pc:spChg chg="del">
+          <ac:chgData name="Eduardo Savian" userId="83fefb37af455394" providerId="LiveId" clId="{9027FE1D-C861-432B-B1C8-11A99DB4171A}" dt="2024-05-08T21:03:25.944" v="34" actId="22"/>
+          <ac:spMkLst>
+            <pc:docMk/>
+            <pc:sldMk cId="2804307500" sldId="264"/>
+            <ac:spMk id="3" creationId="{1450566D-5868-09C0-EAAE-B766FBD4D56A}"/>
+          </ac:spMkLst>
+        </pc:spChg>
+        <pc:picChg chg="add mod ord">
+          <ac:chgData name="Eduardo Savian" userId="83fefb37af455394" providerId="LiveId" clId="{9027FE1D-C861-432B-B1C8-11A99DB4171A}" dt="2024-05-08T21:05:28.571" v="76" actId="1076"/>
+          <ac:picMkLst>
+            <pc:docMk/>
+            <pc:sldMk cId="2804307500" sldId="264"/>
+            <ac:picMk id="8" creationId="{00F452FC-2464-3821-2B96-E293938164EB}"/>
+          </ac:picMkLst>
+        </pc:picChg>
+      </pc:sldChg>
+      <pc:sldChg chg="addSp delSp modSp new mod ord">
+        <pc:chgData name="Eduardo Savian" userId="83fefb37af455394" providerId="LiveId" clId="{9027FE1D-C861-432B-B1C8-11A99DB4171A}" dt="2024-05-08T21:29:14.113" v="811" actId="20577"/>
+        <pc:sldMkLst>
+          <pc:docMk/>
+          <pc:sldMk cId="1498387516" sldId="265"/>
+        </pc:sldMkLst>
+        <pc:spChg chg="mod">
+          <ac:chgData name="Eduardo Savian" userId="83fefb37af455394" providerId="LiveId" clId="{9027FE1D-C861-432B-B1C8-11A99DB4171A}" dt="2024-05-08T21:29:14.113" v="811" actId="20577"/>
+          <ac:spMkLst>
+            <pc:docMk/>
+            <pc:sldMk cId="1498387516" sldId="265"/>
+            <ac:spMk id="2" creationId="{017149C2-F1C9-B662-3A74-0B3F0A9B813C}"/>
+          </ac:spMkLst>
+        </pc:spChg>
+        <pc:spChg chg="del">
+          <ac:chgData name="Eduardo Savian" userId="83fefb37af455394" providerId="LiveId" clId="{9027FE1D-C861-432B-B1C8-11A99DB4171A}" dt="2024-05-08T21:01:37.067" v="27" actId="22"/>
+          <ac:spMkLst>
+            <pc:docMk/>
+            <pc:sldMk cId="1498387516" sldId="265"/>
+            <ac:spMk id="3" creationId="{E26508B0-20C1-63BE-B087-39A3791B45B5}"/>
+          </ac:spMkLst>
+        </pc:spChg>
+        <pc:picChg chg="add mod ord">
+          <ac:chgData name="Eduardo Savian" userId="83fefb37af455394" providerId="LiveId" clId="{9027FE1D-C861-432B-B1C8-11A99DB4171A}" dt="2024-05-08T21:01:37.067" v="27" actId="22"/>
+          <ac:picMkLst>
+            <pc:docMk/>
+            <pc:sldMk cId="1498387516" sldId="265"/>
+            <ac:picMk id="8" creationId="{7C901518-C422-89C1-6369-69ED99F70AF8}"/>
+          </ac:picMkLst>
+        </pc:picChg>
+      </pc:sldChg>
+      <pc:sldChg chg="addSp delSp modSp new mod ord">
+        <pc:chgData name="Eduardo Savian" userId="83fefb37af455394" providerId="LiveId" clId="{9027FE1D-C861-432B-B1C8-11A99DB4171A}" dt="2024-05-08T21:07:11.088" v="221"/>
+        <pc:sldMkLst>
+          <pc:docMk/>
+          <pc:sldMk cId="1606520421" sldId="266"/>
+        </pc:sldMkLst>
+        <pc:spChg chg="mod">
+          <ac:chgData name="Eduardo Savian" userId="83fefb37af455394" providerId="LiveId" clId="{9027FE1D-C861-432B-B1C8-11A99DB4171A}" dt="2024-05-08T21:07:03.830" v="217"/>
+          <ac:spMkLst>
+            <pc:docMk/>
+            <pc:sldMk cId="1606520421" sldId="266"/>
+            <ac:spMk id="2" creationId="{06A686DF-65D1-C31B-9C66-BF7F4C7748DA}"/>
+          </ac:spMkLst>
+        </pc:spChg>
+        <pc:spChg chg="add del mod">
+          <ac:chgData name="Eduardo Savian" userId="83fefb37af455394" providerId="LiveId" clId="{9027FE1D-C861-432B-B1C8-11A99DB4171A}" dt="2024-05-08T21:02:51.476" v="33" actId="22"/>
+          <ac:spMkLst>
+            <pc:docMk/>
+            <pc:sldMk cId="1606520421" sldId="266"/>
+            <ac:spMk id="3" creationId="{65BE490F-FCAB-EE5E-5EC1-B7ED12E47A30}"/>
+          </ac:spMkLst>
+        </pc:spChg>
+        <pc:picChg chg="add del mod ord">
+          <ac:chgData name="Eduardo Savian" userId="83fefb37af455394" providerId="LiveId" clId="{9027FE1D-C861-432B-B1C8-11A99DB4171A}" dt="2024-05-08T21:02:49.808" v="32" actId="22"/>
+          <ac:picMkLst>
+            <pc:docMk/>
+            <pc:sldMk cId="1606520421" sldId="266"/>
+            <ac:picMk id="8" creationId="{2AE49F3C-725C-33E5-B0B9-6E0E4A36FBC2}"/>
+          </ac:picMkLst>
+        </pc:picChg>
+        <pc:picChg chg="add mod ord">
+          <ac:chgData name="Eduardo Savian" userId="83fefb37af455394" providerId="LiveId" clId="{9027FE1D-C861-432B-B1C8-11A99DB4171A}" dt="2024-05-08T21:02:51.476" v="33" actId="22"/>
+          <ac:picMkLst>
+            <pc:docMk/>
+            <pc:sldMk cId="1606520421" sldId="266"/>
+            <ac:picMk id="10" creationId="{1977DA46-0F53-57B2-6472-D211005044D0}"/>
+          </ac:picMkLst>
+        </pc:picChg>
+      </pc:sldChg>
+      <pc:sldChg chg="addSp delSp modSp new mod ord">
+        <pc:chgData name="Eduardo Savian" userId="83fefb37af455394" providerId="LiveId" clId="{9027FE1D-C861-432B-B1C8-11A99DB4171A}" dt="2024-05-08T21:05:19.857" v="72" actId="1076"/>
+        <pc:sldMkLst>
+          <pc:docMk/>
+          <pc:sldMk cId="3546819228" sldId="267"/>
+        </pc:sldMkLst>
+        <pc:spChg chg="mod">
+          <ac:chgData name="Eduardo Savian" userId="83fefb37af455394" providerId="LiveId" clId="{9027FE1D-C861-432B-B1C8-11A99DB4171A}" dt="2024-05-08T21:05:12.625" v="70" actId="20577"/>
+          <ac:spMkLst>
+            <pc:docMk/>
+            <pc:sldMk cId="3546819228" sldId="267"/>
+            <ac:spMk id="2" creationId="{30C56C44-CE58-41CD-29E4-49176BAA2E4E}"/>
+          </ac:spMkLst>
+        </pc:spChg>
+        <pc:spChg chg="del">
+          <ac:chgData name="Eduardo Savian" userId="83fefb37af455394" providerId="LiveId" clId="{9027FE1D-C861-432B-B1C8-11A99DB4171A}" dt="2024-05-08T21:03:46.184" v="36" actId="22"/>
+          <ac:spMkLst>
+            <pc:docMk/>
+            <pc:sldMk cId="3546819228" sldId="267"/>
+            <ac:spMk id="3" creationId="{47AFF63C-BFAA-DB6B-D078-6A65337EC5AD}"/>
+          </ac:spMkLst>
+        </pc:spChg>
+        <pc:picChg chg="add mod ord">
+          <ac:chgData name="Eduardo Savian" userId="83fefb37af455394" providerId="LiveId" clId="{9027FE1D-C861-432B-B1C8-11A99DB4171A}" dt="2024-05-08T21:05:19.857" v="72" actId="1076"/>
+          <ac:picMkLst>
+            <pc:docMk/>
+            <pc:sldMk cId="3546819228" sldId="267"/>
+            <ac:picMk id="8" creationId="{9144A76C-7831-775B-9992-B2783F29472A}"/>
+          </ac:picMkLst>
+        </pc:picChg>
+      </pc:sldChg>
+      <pc:sldChg chg="modSp new mod">
+        <pc:chgData name="Eduardo Savian" userId="83fefb37af455394" providerId="LiveId" clId="{9027FE1D-C861-432B-B1C8-11A99DB4171A}" dt="2024-05-08T21:45:57.566" v="977" actId="27636"/>
+        <pc:sldMkLst>
+          <pc:docMk/>
+          <pc:sldMk cId="2097304172" sldId="268"/>
+        </pc:sldMkLst>
+        <pc:spChg chg="mod">
+          <ac:chgData name="Eduardo Savian" userId="83fefb37af455394" providerId="LiveId" clId="{9027FE1D-C861-432B-B1C8-11A99DB4171A}" dt="2024-05-08T21:13:49.235" v="495" actId="20577"/>
+          <ac:spMkLst>
+            <pc:docMk/>
+            <pc:sldMk cId="2097304172" sldId="268"/>
+            <ac:spMk id="2" creationId="{4E319447-D02E-7C4B-241A-4A96C7ABC44D}"/>
+          </ac:spMkLst>
+        </pc:spChg>
+        <pc:spChg chg="mod">
+          <ac:chgData name="Eduardo Savian" userId="83fefb37af455394" providerId="LiveId" clId="{9027FE1D-C861-432B-B1C8-11A99DB4171A}" dt="2024-05-08T21:45:57.566" v="977" actId="27636"/>
+          <ac:spMkLst>
+            <pc:docMk/>
+            <pc:sldMk cId="2097304172" sldId="268"/>
+            <ac:spMk id="3" creationId="{DF5ABD57-ADCB-25E7-5CDB-095C18654DD9}"/>
+          </ac:spMkLst>
+        </pc:spChg>
+      </pc:sldChg>
+      <pc:sldChg chg="modSp new mod">
+        <pc:chgData name="Eduardo Savian" userId="83fefb37af455394" providerId="LiveId" clId="{9027FE1D-C861-432B-B1C8-11A99DB4171A}" dt="2024-05-08T21:37:22.219" v="949" actId="20577"/>
+        <pc:sldMkLst>
+          <pc:docMk/>
+          <pc:sldMk cId="1839108021" sldId="269"/>
+        </pc:sldMkLst>
+        <pc:spChg chg="mod">
+          <ac:chgData name="Eduardo Savian" userId="83fefb37af455394" providerId="LiveId" clId="{9027FE1D-C861-432B-B1C8-11A99DB4171A}" dt="2024-05-08T21:21:43.938" v="703" actId="20577"/>
+          <ac:spMkLst>
+            <pc:docMk/>
+            <pc:sldMk cId="1839108021" sldId="269"/>
+            <ac:spMk id="2" creationId="{E7A62A9E-C411-78B0-B6D7-66BA12C68737}"/>
+          </ac:spMkLst>
+        </pc:spChg>
+        <pc:spChg chg="mod">
+          <ac:chgData name="Eduardo Savian" userId="83fefb37af455394" providerId="LiveId" clId="{9027FE1D-C861-432B-B1C8-11A99DB4171A}" dt="2024-05-08T21:37:22.219" v="949" actId="20577"/>
+          <ac:spMkLst>
+            <pc:docMk/>
+            <pc:sldMk cId="1839108021" sldId="269"/>
+            <ac:spMk id="3" creationId="{A0A824DE-1396-458D-85D1-532A91E9C44F}"/>
+          </ac:spMkLst>
+        </pc:spChg>
+      </pc:sldChg>
+      <pc:sldChg chg="addSp delSp modSp new del mod">
+        <pc:chgData name="Eduardo Savian" userId="83fefb37af455394" providerId="LiveId" clId="{9027FE1D-C861-432B-B1C8-11A99DB4171A}" dt="2024-05-08T21:33:17.846" v="879" actId="47"/>
+        <pc:sldMkLst>
+          <pc:docMk/>
+          <pc:sldMk cId="2996622225" sldId="270"/>
+        </pc:sldMkLst>
+        <pc:spChg chg="mod">
+          <ac:chgData name="Eduardo Savian" userId="83fefb37af455394" providerId="LiveId" clId="{9027FE1D-C861-432B-B1C8-11A99DB4171A}" dt="2024-05-08T21:30:02.737" v="823" actId="20577"/>
+          <ac:spMkLst>
+            <pc:docMk/>
+            <pc:sldMk cId="2996622225" sldId="270"/>
+            <ac:spMk id="2" creationId="{A731BD3E-581C-E6C1-BAB2-551C221408FF}"/>
+          </ac:spMkLst>
+        </pc:spChg>
+        <pc:spChg chg="del">
+          <ac:chgData name="Eduardo Savian" userId="83fefb37af455394" providerId="LiveId" clId="{9027FE1D-C861-432B-B1C8-11A99DB4171A}" dt="2024-05-08T21:30:00.132" v="816" actId="22"/>
+          <ac:spMkLst>
+            <pc:docMk/>
+            <pc:sldMk cId="2996622225" sldId="270"/>
+            <ac:spMk id="3" creationId="{3A1AF626-B7CF-6730-F525-EC9181EDE06C}"/>
+          </ac:spMkLst>
+        </pc:spChg>
+        <pc:picChg chg="add mod ord">
+          <ac:chgData name="Eduardo Savian" userId="83fefb37af455394" providerId="LiveId" clId="{9027FE1D-C861-432B-B1C8-11A99DB4171A}" dt="2024-05-08T21:30:00.132" v="816" actId="22"/>
+          <ac:picMkLst>
+            <pc:docMk/>
+            <pc:sldMk cId="2996622225" sldId="270"/>
+            <ac:picMk id="8" creationId="{D88AA93B-D1F0-EBC6-D32B-7AB33AB25023}"/>
+          </ac:picMkLst>
+        </pc:picChg>
+      </pc:sldChg>
+      <pc:sldChg chg="addSp delSp modSp new mod">
+        <pc:chgData name="Eduardo Savian" userId="83fefb37af455394" providerId="LiveId" clId="{9027FE1D-C861-432B-B1C8-11A99DB4171A}" dt="2024-05-08T21:45:39.408" v="968" actId="1076"/>
+        <pc:sldMkLst>
+          <pc:docMk/>
+          <pc:sldMk cId="1206012243" sldId="271"/>
+        </pc:sldMkLst>
+        <pc:spChg chg="mod">
+          <ac:chgData name="Eduardo Savian" userId="83fefb37af455394" providerId="LiveId" clId="{9027FE1D-C861-432B-B1C8-11A99DB4171A}" dt="2024-05-08T21:32:56.956" v="857" actId="20577"/>
+          <ac:spMkLst>
+            <pc:docMk/>
+            <pc:sldMk cId="1206012243" sldId="271"/>
+            <ac:spMk id="2" creationId="{A1FFD85E-227F-A119-5DAB-F0AEE197D36E}"/>
+          </ac:spMkLst>
+        </pc:spChg>
+        <pc:spChg chg="add del">
+          <ac:chgData name="Eduardo Savian" userId="83fefb37af455394" providerId="LiveId" clId="{9027FE1D-C861-432B-B1C8-11A99DB4171A}" dt="2024-05-08T21:30:44.824" v="826" actId="22"/>
+          <ac:spMkLst>
+            <pc:docMk/>
+            <pc:sldMk cId="1206012243" sldId="271"/>
+            <ac:spMk id="3" creationId="{E36961EA-6A69-141B-5102-C3CBC720447B}"/>
+          </ac:spMkLst>
+        </pc:spChg>
+        <pc:spChg chg="add del mod">
+          <ac:chgData name="Eduardo Savian" userId="83fefb37af455394" providerId="LiveId" clId="{9027FE1D-C861-432B-B1C8-11A99DB4171A}" dt="2024-05-08T21:44:35.735" v="959" actId="22"/>
+          <ac:spMkLst>
+            <pc:docMk/>
+            <pc:sldMk cId="1206012243" sldId="271"/>
+            <ac:spMk id="7" creationId="{EC8153B1-ADCE-3E10-7113-86591DBC55EC}"/>
+          </ac:spMkLst>
+        </pc:spChg>
+        <pc:picChg chg="add del mod ord">
+          <ac:chgData name="Eduardo Savian" userId="83fefb37af455394" providerId="LiveId" clId="{9027FE1D-C861-432B-B1C8-11A99DB4171A}" dt="2024-05-08T21:30:30.456" v="825" actId="22"/>
+          <ac:picMkLst>
+            <pc:docMk/>
+            <pc:sldMk cId="1206012243" sldId="271"/>
+            <ac:picMk id="8" creationId="{B96B0055-8BDC-9DEE-030B-B55D0304E7BC}"/>
+          </ac:picMkLst>
+        </pc:picChg>
+        <pc:picChg chg="add del mod">
+          <ac:chgData name="Eduardo Savian" userId="83fefb37af455394" providerId="LiveId" clId="{9027FE1D-C861-432B-B1C8-11A99DB4171A}" dt="2024-05-08T21:44:34.492" v="958" actId="22"/>
+          <ac:picMkLst>
+            <pc:docMk/>
+            <pc:sldMk cId="1206012243" sldId="271"/>
+            <ac:picMk id="9" creationId="{B28271F7-C59B-85CC-D6DD-47E50D7EE788}"/>
+          </ac:picMkLst>
+        </pc:picChg>
+        <pc:picChg chg="add del mod ord">
+          <ac:chgData name="Eduardo Savian" userId="83fefb37af455394" providerId="LiveId" clId="{9027FE1D-C861-432B-B1C8-11A99DB4171A}" dt="2024-05-08T21:44:30.709" v="954" actId="478"/>
+          <ac:picMkLst>
+            <pc:docMk/>
+            <pc:sldMk cId="1206012243" sldId="271"/>
+            <ac:picMk id="10" creationId="{9417624B-D04C-0DED-84E1-CA4C40EF63C8}"/>
+          </ac:picMkLst>
+        </pc:picChg>
+        <pc:picChg chg="add mod">
+          <ac:chgData name="Eduardo Savian" userId="83fefb37af455394" providerId="LiveId" clId="{9027FE1D-C861-432B-B1C8-11A99DB4171A}" dt="2024-05-08T21:31:15.003" v="830" actId="1076"/>
+          <ac:picMkLst>
+            <pc:docMk/>
+            <pc:sldMk cId="1206012243" sldId="271"/>
+            <ac:picMk id="12" creationId="{1DFCAF14-CBEA-6458-A895-9A5CB9178174}"/>
+          </ac:picMkLst>
+        </pc:picChg>
+        <pc:picChg chg="add mod ord">
+          <ac:chgData name="Eduardo Savian" userId="83fefb37af455394" providerId="LiveId" clId="{9027FE1D-C861-432B-B1C8-11A99DB4171A}" dt="2024-05-08T21:45:39.408" v="968" actId="1076"/>
+          <ac:picMkLst>
+            <pc:docMk/>
+            <pc:sldMk cId="1206012243" sldId="271"/>
+            <ac:picMk id="13" creationId="{3C812D51-3395-7F75-3A24-0973BDF2A881}"/>
+          </ac:picMkLst>
+        </pc:picChg>
+      </pc:sldChg>
+      <pc:sldChg chg="new del">
+        <pc:chgData name="Eduardo Savian" userId="83fefb37af455394" providerId="LiveId" clId="{9027FE1D-C861-432B-B1C8-11A99DB4171A}" dt="2024-05-08T21:36:17.952" v="907" actId="2696"/>
+        <pc:sldMkLst>
+          <pc:docMk/>
+          <pc:sldMk cId="3012046788" sldId="272"/>
+        </pc:sldMkLst>
+      </pc:sldChg>
+      <pc:sldChg chg="new del">
+        <pc:chgData name="Eduardo Savian" userId="83fefb37af455394" providerId="LiveId" clId="{9027FE1D-C861-432B-B1C8-11A99DB4171A}" dt="2024-05-08T21:36:20.478" v="908" actId="2696"/>
+        <pc:sldMkLst>
+          <pc:docMk/>
+          <pc:sldMk cId="645024962" sldId="273"/>
+        </pc:sldMkLst>
+      </pc:sldChg>
+      <pc:sldChg chg="addSp delSp modSp new mod">
+        <pc:chgData name="Eduardo Savian" userId="83fefb37af455394" providerId="LiveId" clId="{9027FE1D-C861-432B-B1C8-11A99DB4171A}" dt="2024-05-08T21:33:52.854" v="889" actId="1076"/>
+        <pc:sldMkLst>
+          <pc:docMk/>
+          <pc:sldMk cId="1961177669" sldId="274"/>
+        </pc:sldMkLst>
+        <pc:spChg chg="mod">
+          <ac:chgData name="Eduardo Savian" userId="83fefb37af455394" providerId="LiveId" clId="{9027FE1D-C861-432B-B1C8-11A99DB4171A}" dt="2024-05-08T21:33:12.625" v="875" actId="20577"/>
+          <ac:spMkLst>
+            <pc:docMk/>
+            <pc:sldMk cId="1961177669" sldId="274"/>
+            <ac:spMk id="2" creationId="{06D4FCB5-D603-7C18-263A-DC43F62E06AB}"/>
+          </ac:spMkLst>
+        </pc:spChg>
+        <pc:spChg chg="del">
+          <ac:chgData name="Eduardo Savian" userId="83fefb37af455394" providerId="LiveId" clId="{9027FE1D-C861-432B-B1C8-11A99DB4171A}" dt="2024-05-08T21:32:44.451" v="839" actId="22"/>
+          <ac:spMkLst>
+            <pc:docMk/>
+            <pc:sldMk cId="1961177669" sldId="274"/>
+            <ac:spMk id="3" creationId="{DB619E92-5686-5AB9-FFF8-31B49E075CFA}"/>
+          </ac:spMkLst>
+        </pc:spChg>
+        <pc:picChg chg="add del mod">
+          <ac:chgData name="Eduardo Savian" userId="83fefb37af455394" providerId="LiveId" clId="{9027FE1D-C861-432B-B1C8-11A99DB4171A}" dt="2024-05-08T21:33:43.501" v="887" actId="478"/>
+          <ac:picMkLst>
+            <pc:docMk/>
+            <pc:sldMk cId="1961177669" sldId="274"/>
+            <ac:picMk id="7" creationId="{91BB26E5-DF1E-AED7-E4F1-BBC023C4D528}"/>
+          </ac:picMkLst>
+        </pc:picChg>
+        <pc:picChg chg="add del mod">
+          <ac:chgData name="Eduardo Savian" userId="83fefb37af455394" providerId="LiveId" clId="{9027FE1D-C861-432B-B1C8-11A99DB4171A}" dt="2024-05-08T21:32:42.811" v="838" actId="22"/>
+          <ac:picMkLst>
+            <pc:docMk/>
+            <pc:sldMk cId="1961177669" sldId="274"/>
+            <ac:picMk id="9" creationId="{ACF4E41A-1300-26B1-A72A-AC2E9D2A5DD2}"/>
+          </ac:picMkLst>
+        </pc:picChg>
+        <pc:picChg chg="add mod ord">
+          <ac:chgData name="Eduardo Savian" userId="83fefb37af455394" providerId="LiveId" clId="{9027FE1D-C861-432B-B1C8-11A99DB4171A}" dt="2024-05-08T21:33:52.854" v="889" actId="1076"/>
+          <ac:picMkLst>
+            <pc:docMk/>
+            <pc:sldMk cId="1961177669" sldId="274"/>
+            <ac:picMk id="11" creationId="{02E0E287-0931-F414-F9A2-4EFE97E37BB3}"/>
+          </ac:picMkLst>
+        </pc:picChg>
+        <pc:picChg chg="add del">
+          <ac:chgData name="Eduardo Savian" userId="83fefb37af455394" providerId="LiveId" clId="{9027FE1D-C861-432B-B1C8-11A99DB4171A}" dt="2024-05-08T21:33:40.521" v="884" actId="22"/>
+          <ac:picMkLst>
+            <pc:docMk/>
+            <pc:sldMk cId="1961177669" sldId="274"/>
+            <ac:picMk id="13" creationId="{47014632-7662-7EA0-4816-93382CB706D9}"/>
+          </ac:picMkLst>
+        </pc:picChg>
+        <pc:picChg chg="add mod">
+          <ac:chgData name="Eduardo Savian" userId="83fefb37af455394" providerId="LiveId" clId="{9027FE1D-C861-432B-B1C8-11A99DB4171A}" dt="2024-05-08T21:33:45.713" v="888" actId="1076"/>
+          <ac:picMkLst>
+            <pc:docMk/>
+            <pc:sldMk cId="1961177669" sldId="274"/>
+            <ac:picMk id="15" creationId="{6A412369-67DD-9B1E-2547-D4C59F3129B6}"/>
+          </ac:picMkLst>
+        </pc:picChg>
+      </pc:sldChg>
+      <pc:sldChg chg="addSp delSp modSp new mod ord">
+        <pc:chgData name="Eduardo Savian" userId="83fefb37af455394" providerId="LiveId" clId="{9027FE1D-C861-432B-B1C8-11A99DB4171A}" dt="2024-05-08T21:45:43.386" v="969" actId="1076"/>
+        <pc:sldMkLst>
+          <pc:docMk/>
+          <pc:sldMk cId="43700074" sldId="275"/>
+        </pc:sldMkLst>
+        <pc:spChg chg="mod">
+          <ac:chgData name="Eduardo Savian" userId="83fefb37af455394" providerId="LiveId" clId="{9027FE1D-C861-432B-B1C8-11A99DB4171A}" dt="2024-05-08T21:34:05.736" v="901" actId="20577"/>
+          <ac:spMkLst>
+            <pc:docMk/>
+            <pc:sldMk cId="43700074" sldId="275"/>
+            <ac:spMk id="2" creationId="{914E3F11-14DD-8077-FB41-A3392F54C934}"/>
+          </ac:spMkLst>
+        </pc:spChg>
+        <pc:spChg chg="del">
+          <ac:chgData name="Eduardo Savian" userId="83fefb37af455394" providerId="LiveId" clId="{9027FE1D-C861-432B-B1C8-11A99DB4171A}" dt="2024-05-08T21:34:28.377" v="902" actId="22"/>
+          <ac:spMkLst>
+            <pc:docMk/>
+            <pc:sldMk cId="43700074" sldId="275"/>
+            <ac:spMk id="3" creationId="{CE4BB36B-B0A5-5C54-126D-4BB4F3BFD59D}"/>
+          </ac:spMkLst>
+        </pc:spChg>
+        <pc:spChg chg="add del mod">
+          <ac:chgData name="Eduardo Savian" userId="83fefb37af455394" providerId="LiveId" clId="{9027FE1D-C861-432B-B1C8-11A99DB4171A}" dt="2024-05-08T21:44:29.070" v="953" actId="478"/>
+          <ac:spMkLst>
+            <pc:docMk/>
+            <pc:sldMk cId="43700074" sldId="275"/>
+            <ac:spMk id="7" creationId="{EEAB86D8-3114-7A75-2C87-3995D4011F6F}"/>
+          </ac:spMkLst>
+        </pc:spChg>
+        <pc:spChg chg="add del mod">
+          <ac:chgData name="Eduardo Savian" userId="83fefb37af455394" providerId="LiveId" clId="{9027FE1D-C861-432B-B1C8-11A99DB4171A}" dt="2024-05-08T21:45:23.163" v="964" actId="22"/>
+          <ac:spMkLst>
+            <pc:docMk/>
+            <pc:sldMk cId="43700074" sldId="275"/>
+            <ac:spMk id="13" creationId="{6CB0353D-079C-DD02-C36E-B933E49A5693}"/>
+          </ac:spMkLst>
+        </pc:spChg>
+        <pc:picChg chg="add del mod">
+          <ac:chgData name="Eduardo Savian" userId="83fefb37af455394" providerId="LiveId" clId="{9027FE1D-C861-432B-B1C8-11A99DB4171A}" dt="2024-05-08T21:35:20.186" v="904" actId="478"/>
+          <ac:picMkLst>
+            <pc:docMk/>
+            <pc:sldMk cId="43700074" sldId="275"/>
+            <ac:picMk id="8" creationId="{7610941A-37BD-9C19-64D1-2358EC2E8510}"/>
+          </ac:picMkLst>
+        </pc:picChg>
+        <pc:picChg chg="add del">
+          <ac:chgData name="Eduardo Savian" userId="83fefb37af455394" providerId="LiveId" clId="{9027FE1D-C861-432B-B1C8-11A99DB4171A}" dt="2024-05-08T21:44:28.124" v="952" actId="22"/>
+          <ac:picMkLst>
+            <pc:docMk/>
+            <pc:sldMk cId="43700074" sldId="275"/>
+            <ac:picMk id="9" creationId="{B8355BE1-3360-9963-116F-8D6F78F51FCD}"/>
+          </ac:picMkLst>
+        </pc:picChg>
+        <pc:picChg chg="add del mod ord">
+          <ac:chgData name="Eduardo Savian" userId="83fefb37af455394" providerId="LiveId" clId="{9027FE1D-C861-432B-B1C8-11A99DB4171A}" dt="2024-05-08T21:45:20.696" v="961" actId="478"/>
+          <ac:picMkLst>
+            <pc:docMk/>
+            <pc:sldMk cId="43700074" sldId="275"/>
+            <ac:picMk id="10" creationId="{A3D69FE1-307A-CBBF-E9CC-8C1B00F440D1}"/>
+          </ac:picMkLst>
+        </pc:picChg>
+        <pc:picChg chg="add mod">
+          <ac:chgData name="Eduardo Savian" userId="83fefb37af455394" providerId="LiveId" clId="{9027FE1D-C861-432B-B1C8-11A99DB4171A}" dt="2024-05-08T21:35:23.403" v="906" actId="1076"/>
+          <ac:picMkLst>
+            <pc:docMk/>
+            <pc:sldMk cId="43700074" sldId="275"/>
+            <ac:picMk id="12" creationId="{E99D66E1-B7D0-5B01-9676-188171541776}"/>
+          </ac:picMkLst>
+        </pc:picChg>
+        <pc:picChg chg="add del">
+          <ac:chgData name="Eduardo Savian" userId="83fefb37af455394" providerId="LiveId" clId="{9027FE1D-C861-432B-B1C8-11A99DB4171A}" dt="2024-05-08T21:45:21.771" v="963" actId="22"/>
+          <ac:picMkLst>
+            <pc:docMk/>
+            <pc:sldMk cId="43700074" sldId="275"/>
+            <ac:picMk id="15" creationId="{AA5DBF5C-6758-D7E9-19FF-DF00DC8EC6A6}"/>
+          </ac:picMkLst>
+        </pc:picChg>
+        <pc:picChg chg="add mod ord">
+          <ac:chgData name="Eduardo Savian" userId="83fefb37af455394" providerId="LiveId" clId="{9027FE1D-C861-432B-B1C8-11A99DB4171A}" dt="2024-05-08T21:45:43.386" v="969" actId="1076"/>
+          <ac:picMkLst>
+            <pc:docMk/>
+            <pc:sldMk cId="43700074" sldId="275"/>
+            <ac:picMk id="17" creationId="{82257A56-F537-8637-2D1A-5FD85F9F23FA}"/>
+          </ac:picMkLst>
+        </pc:picChg>
+      </pc:sldChg>
+    </pc:docChg>
+  </pc:docChgLst>
+  <pc:docChgLst>
+    <pc:chgData name="Eduardo Savian" userId="83fefb37af455394" providerId="LiveId" clId="{C0BAD29C-331F-4880-BE27-02788087E9E9}"/>
+    <pc:docChg chg="modSld">
+      <pc:chgData name="Eduardo Savian" userId="83fefb37af455394" providerId="LiveId" clId="{C0BAD29C-331F-4880-BE27-02788087E9E9}" dt="2024-06-07T20:15:19.570" v="14" actId="20577"/>
+      <pc:docMkLst>
+        <pc:docMk/>
+      </pc:docMkLst>
+      <pc:sldChg chg="modSp mod">
+        <pc:chgData name="Eduardo Savian" userId="83fefb37af455394" providerId="LiveId" clId="{C0BAD29C-331F-4880-BE27-02788087E9E9}" dt="2024-06-07T20:15:19.570" v="14" actId="20577"/>
+        <pc:sldMkLst>
+          <pc:docMk/>
+          <pc:sldMk cId="109857222" sldId="256"/>
+        </pc:sldMkLst>
+        <pc:spChg chg="mod">
+          <ac:chgData name="Eduardo Savian" userId="83fefb37af455394" providerId="LiveId" clId="{C0BAD29C-331F-4880-BE27-02788087E9E9}" dt="2024-06-07T20:15:19.570" v="14" actId="20577"/>
+          <ac:spMkLst>
+            <pc:docMk/>
+            <pc:sldMk cId="109857222" sldId="256"/>
+            <ac:spMk id="2" creationId="{00000000-0000-0000-0000-000000000000}"/>
+          </ac:spMkLst>
+        </pc:spChg>
+      </pc:sldChg>
+    </pc:docChg>
+  </pc:docChgLst>
+  <pc:docChgLst>
+    <pc:chgData name="Eduardo Savian" userId="83fefb37af455394" providerId="LiveId" clId="{217EB2C1-E6A9-4F42-BFBF-ED5005B07AD2}"/>
+    <pc:docChg chg="undo custSel addSld delSld modSld">
+      <pc:chgData name="Eduardo Savian" userId="83fefb37af455394" providerId="LiveId" clId="{217EB2C1-E6A9-4F42-BFBF-ED5005B07AD2}" dt="2024-05-19T20:29:20.201" v="958" actId="20577"/>
+      <pc:docMkLst>
+        <pc:docMk/>
+      </pc:docMkLst>
+      <pc:sldChg chg="modSp mod">
+        <pc:chgData name="Eduardo Savian" userId="83fefb37af455394" providerId="LiveId" clId="{217EB2C1-E6A9-4F42-BFBF-ED5005B07AD2}" dt="2024-05-19T20:18:46.082" v="749" actId="790"/>
+        <pc:sldMkLst>
+          <pc:docMk/>
+          <pc:sldMk cId="3775945265" sldId="257"/>
+        </pc:sldMkLst>
+        <pc:spChg chg="mod">
+          <ac:chgData name="Eduardo Savian" userId="83fefb37af455394" providerId="LiveId" clId="{217EB2C1-E6A9-4F42-BFBF-ED5005B07AD2}" dt="2024-05-19T20:18:46.082" v="749" actId="790"/>
+          <ac:spMkLst>
+            <pc:docMk/>
+            <pc:sldMk cId="3775945265" sldId="257"/>
+            <ac:spMk id="2" creationId="{D6ADE00D-4311-50C4-8DF9-71AEE4CBFBA6}"/>
+          </ac:spMkLst>
+        </pc:spChg>
+        <pc:spChg chg="mod">
+          <ac:chgData name="Eduardo Savian" userId="83fefb37af455394" providerId="LiveId" clId="{217EB2C1-E6A9-4F42-BFBF-ED5005B07AD2}" dt="2024-05-19T20:16:23.021" v="729" actId="20577"/>
+          <ac:spMkLst>
+            <pc:docMk/>
+            <pc:sldMk cId="3775945265" sldId="257"/>
+            <ac:spMk id="3" creationId="{A3B4ADFF-18FA-819A-E2DD-F32D67BA3A8E}"/>
+          </ac:spMkLst>
+        </pc:spChg>
+      </pc:sldChg>
+      <pc:sldChg chg="modSp mod">
+        <pc:chgData name="Eduardo Savian" userId="83fefb37af455394" providerId="LiveId" clId="{217EB2C1-E6A9-4F42-BFBF-ED5005B07AD2}" dt="2024-05-19T20:01:53.490" v="74" actId="20577"/>
+        <pc:sldMkLst>
+          <pc:docMk/>
+          <pc:sldMk cId="2097304172" sldId="268"/>
+        </pc:sldMkLst>
+        <pc:spChg chg="mod">
+          <ac:chgData name="Eduardo Savian" userId="83fefb37af455394" providerId="LiveId" clId="{217EB2C1-E6A9-4F42-BFBF-ED5005B07AD2}" dt="2024-05-19T20:01:53.490" v="74" actId="20577"/>
+          <ac:spMkLst>
+            <pc:docMk/>
+            <pc:sldMk cId="2097304172" sldId="268"/>
+            <ac:spMk id="3" creationId="{DF5ABD57-ADCB-25E7-5CDB-095C18654DD9}"/>
+          </ac:spMkLst>
+        </pc:spChg>
+      </pc:sldChg>
+      <pc:sldChg chg="modSp mod">
+        <pc:chgData name="Eduardo Savian" userId="83fefb37af455394" providerId="LiveId" clId="{217EB2C1-E6A9-4F42-BFBF-ED5005B07AD2}" dt="2024-05-19T20:22:06.186" v="841" actId="20577"/>
+        <pc:sldMkLst>
+          <pc:docMk/>
+          <pc:sldMk cId="1839108021" sldId="269"/>
+        </pc:sldMkLst>
+        <pc:spChg chg="mod">
+          <ac:chgData name="Eduardo Savian" userId="83fefb37af455394" providerId="LiveId" clId="{217EB2C1-E6A9-4F42-BFBF-ED5005B07AD2}" dt="2024-05-19T20:18:08.031" v="748" actId="790"/>
+          <ac:spMkLst>
+            <pc:docMk/>
+            <pc:sldMk cId="1839108021" sldId="269"/>
+            <ac:spMk id="2" creationId="{E7A62A9E-C411-78B0-B6D7-66BA12C68737}"/>
+          </ac:spMkLst>
+        </pc:spChg>
+        <pc:spChg chg="mod">
+          <ac:chgData name="Eduardo Savian" userId="83fefb37af455394" providerId="LiveId" clId="{217EB2C1-E6A9-4F42-BFBF-ED5005B07AD2}" dt="2024-05-19T20:22:06.186" v="841" actId="20577"/>
+          <ac:spMkLst>
+            <pc:docMk/>
+            <pc:sldMk cId="1839108021" sldId="269"/>
+            <ac:spMk id="3" creationId="{A0A824DE-1396-458D-85D1-532A91E9C44F}"/>
+          </ac:spMkLst>
+        </pc:spChg>
+      </pc:sldChg>
+      <pc:sldChg chg="addSp delSp modSp new mod">
+        <pc:chgData name="Eduardo Savian" userId="83fefb37af455394" providerId="LiveId" clId="{217EB2C1-E6A9-4F42-BFBF-ED5005B07AD2}" dt="2024-05-19T20:28:34.744" v="895" actId="22"/>
+        <pc:sldMkLst>
+          <pc:docMk/>
+          <pc:sldMk cId="786732467" sldId="270"/>
+        </pc:sldMkLst>
+        <pc:spChg chg="mod">
+          <ac:chgData name="Eduardo Savian" userId="83fefb37af455394" providerId="LiveId" clId="{217EB2C1-E6A9-4F42-BFBF-ED5005B07AD2}" dt="2024-05-19T20:27:13.176" v="893" actId="20577"/>
+          <ac:spMkLst>
+            <pc:docMk/>
+            <pc:sldMk cId="786732467" sldId="270"/>
+            <ac:spMk id="2" creationId="{6996E901-EAC6-49DB-0B83-26AF19601C91}"/>
+          </ac:spMkLst>
+        </pc:spChg>
+        <pc:spChg chg="del mod">
+          <ac:chgData name="Eduardo Savian" userId="83fefb37af455394" providerId="LiveId" clId="{217EB2C1-E6A9-4F42-BFBF-ED5005B07AD2}" dt="2024-05-19T20:24:09.964" v="860" actId="22"/>
+          <ac:spMkLst>
+            <pc:docMk/>
+            <pc:sldMk cId="786732467" sldId="270"/>
+            <ac:spMk id="3" creationId="{DC1EC669-3655-A424-23B2-65E9EFCECBFE}"/>
+          </ac:spMkLst>
+        </pc:spChg>
+        <pc:spChg chg="add del mod">
+          <ac:chgData name="Eduardo Savian" userId="83fefb37af455394" providerId="LiveId" clId="{217EB2C1-E6A9-4F42-BFBF-ED5005B07AD2}" dt="2024-05-19T20:28:34.744" v="895" actId="22"/>
+          <ac:spMkLst>
+            <pc:docMk/>
+            <pc:sldMk cId="786732467" sldId="270"/>
+            <ac:spMk id="10" creationId="{8B8E139F-329A-C912-DBC9-B74376AB5FF8}"/>
+          </ac:spMkLst>
+        </pc:spChg>
+        <pc:picChg chg="add del mod ord">
+          <ac:chgData name="Eduardo Savian" userId="83fefb37af455394" providerId="LiveId" clId="{217EB2C1-E6A9-4F42-BFBF-ED5005B07AD2}" dt="2024-05-19T20:28:33" v="894" actId="478"/>
+          <ac:picMkLst>
+            <pc:docMk/>
+            <pc:sldMk cId="786732467" sldId="270"/>
+            <ac:picMk id="8" creationId="{A5CE5EAD-5777-4E33-8088-09CCA53F30E7}"/>
+          </ac:picMkLst>
+        </pc:picChg>
+        <pc:picChg chg="add mod ord">
+          <ac:chgData name="Eduardo Savian" userId="83fefb37af455394" providerId="LiveId" clId="{217EB2C1-E6A9-4F42-BFBF-ED5005B07AD2}" dt="2024-05-19T20:28:34.744" v="895" actId="22"/>
+          <ac:picMkLst>
+            <pc:docMk/>
+            <pc:sldMk cId="786732467" sldId="270"/>
+            <ac:picMk id="12" creationId="{8E951E1F-DFFC-B7ED-109F-92D63809D36D}"/>
+          </ac:picMkLst>
+        </pc:picChg>
+      </pc:sldChg>
+      <pc:sldChg chg="addSp delSp modSp new mod">
+        <pc:chgData name="Eduardo Savian" userId="83fefb37af455394" providerId="LiveId" clId="{217EB2C1-E6A9-4F42-BFBF-ED5005B07AD2}" dt="2024-05-19T20:29:02.787" v="943" actId="20577"/>
+        <pc:sldMkLst>
+          <pc:docMk/>
+          <pc:sldMk cId="563821369" sldId="271"/>
+        </pc:sldMkLst>
+        <pc:spChg chg="mod">
+          <ac:chgData name="Eduardo Savian" userId="83fefb37af455394" providerId="LiveId" clId="{217EB2C1-E6A9-4F42-BFBF-ED5005B07AD2}" dt="2024-05-19T20:29:02.787" v="943" actId="20577"/>
+          <ac:spMkLst>
+            <pc:docMk/>
+            <pc:sldMk cId="563821369" sldId="271"/>
+            <ac:spMk id="2" creationId="{E70215F8-1E37-98DE-70DB-83F0D157D2B7}"/>
+          </ac:spMkLst>
+        </pc:spChg>
+        <pc:spChg chg="del mod">
+          <ac:chgData name="Eduardo Savian" userId="83fefb37af455394" providerId="LiveId" clId="{217EB2C1-E6A9-4F42-BFBF-ED5005B07AD2}" dt="2024-05-19T20:24:51.661" v="864" actId="22"/>
+          <ac:spMkLst>
+            <pc:docMk/>
+            <pc:sldMk cId="563821369" sldId="271"/>
+            <ac:spMk id="3" creationId="{8A3E7E65-1127-F783-3450-D8C730FEF717}"/>
+          </ac:spMkLst>
+        </pc:spChg>
+        <pc:picChg chg="add mod ord">
+          <ac:chgData name="Eduardo Savian" userId="83fefb37af455394" providerId="LiveId" clId="{217EB2C1-E6A9-4F42-BFBF-ED5005B07AD2}" dt="2024-05-19T20:24:51.661" v="864" actId="22"/>
+          <ac:picMkLst>
+            <pc:docMk/>
+            <pc:sldMk cId="563821369" sldId="271"/>
+            <ac:picMk id="8" creationId="{03CB2811-2A9B-FA28-AABF-2401D30AFC24}"/>
+          </ac:picMkLst>
+        </pc:picChg>
+      </pc:sldChg>
+      <pc:sldChg chg="del">
+        <pc:chgData name="Eduardo Savian" userId="83fefb37af455394" providerId="LiveId" clId="{217EB2C1-E6A9-4F42-BFBF-ED5005B07AD2}" dt="2024-05-19T20:17:18.832" v="740" actId="47"/>
+        <pc:sldMkLst>
+          <pc:docMk/>
+          <pc:sldMk cId="1909084433" sldId="272"/>
+        </pc:sldMkLst>
+      </pc:sldChg>
+      <pc:sldChg chg="addSp delSp modSp new mod">
+        <pc:chgData name="Eduardo Savian" userId="83fefb37af455394" providerId="LiveId" clId="{217EB2C1-E6A9-4F42-BFBF-ED5005B07AD2}" dt="2024-05-19T20:29:09.064" v="944"/>
+        <pc:sldMkLst>
+          <pc:docMk/>
+          <pc:sldMk cId="3820077443" sldId="272"/>
+        </pc:sldMkLst>
+        <pc:spChg chg="mod">
+          <ac:chgData name="Eduardo Savian" userId="83fefb37af455394" providerId="LiveId" clId="{217EB2C1-E6A9-4F42-BFBF-ED5005B07AD2}" dt="2024-05-19T20:29:09.064" v="944"/>
+          <ac:spMkLst>
+            <pc:docMk/>
+            <pc:sldMk cId="3820077443" sldId="272"/>
+            <ac:spMk id="2" creationId="{52978418-C559-5F22-F1CD-E73F225DD8AF}"/>
+          </ac:spMkLst>
+        </pc:spChg>
+        <pc:spChg chg="add del">
+          <ac:chgData name="Eduardo Savian" userId="83fefb37af455394" providerId="LiveId" clId="{217EB2C1-E6A9-4F42-BFBF-ED5005B07AD2}" dt="2024-05-19T20:25:28.078" v="867" actId="22"/>
+          <ac:spMkLst>
+            <pc:docMk/>
+            <pc:sldMk cId="3820077443" sldId="272"/>
+            <ac:spMk id="3" creationId="{F2CF4DD3-D745-7A67-5FC1-64CE1F276356}"/>
+          </ac:spMkLst>
+        </pc:spChg>
+        <pc:spChg chg="add del mod">
+          <ac:chgData name="Eduardo Savian" userId="83fefb37af455394" providerId="LiveId" clId="{217EB2C1-E6A9-4F42-BFBF-ED5005B07AD2}" dt="2024-05-19T20:26:08.357" v="869" actId="22"/>
+          <ac:spMkLst>
+            <pc:docMk/>
+            <pc:sldMk cId="3820077443" sldId="272"/>
+            <ac:spMk id="12" creationId="{8B147716-5A83-A00C-7986-E34BD2F4F8B8}"/>
+          </ac:spMkLst>
+        </pc:spChg>
+        <pc:picChg chg="add del mod ord">
+          <ac:chgData name="Eduardo Savian" userId="83fefb37af455394" providerId="LiveId" clId="{217EB2C1-E6A9-4F42-BFBF-ED5005B07AD2}" dt="2024-05-19T20:25:13.739" v="866" actId="22"/>
+          <ac:picMkLst>
+            <pc:docMk/>
+            <pc:sldMk cId="3820077443" sldId="272"/>
+            <ac:picMk id="8" creationId="{47009422-2C9F-050E-35F5-0B234954222D}"/>
+          </ac:picMkLst>
+        </pc:picChg>
+        <pc:picChg chg="add del mod ord">
+          <ac:chgData name="Eduardo Savian" userId="83fefb37af455394" providerId="LiveId" clId="{217EB2C1-E6A9-4F42-BFBF-ED5005B07AD2}" dt="2024-05-19T20:26:06.229" v="868" actId="478"/>
+          <ac:picMkLst>
+            <pc:docMk/>
+            <pc:sldMk cId="3820077443" sldId="272"/>
+            <ac:picMk id="10" creationId="{4350A8DC-D2BB-1BED-AFAC-0AC310C3636E}"/>
+          </ac:picMkLst>
+        </pc:picChg>
+        <pc:picChg chg="add mod ord">
+          <ac:chgData name="Eduardo Savian" userId="83fefb37af455394" providerId="LiveId" clId="{217EB2C1-E6A9-4F42-BFBF-ED5005B07AD2}" dt="2024-05-19T20:26:08.357" v="869" actId="22"/>
+          <ac:picMkLst>
+            <pc:docMk/>
+            <pc:sldMk cId="3820077443" sldId="272"/>
+            <ac:picMk id="14" creationId="{457DD28B-A7F6-44BD-4B83-223E771FCFC2}"/>
+          </ac:picMkLst>
+        </pc:picChg>
+      </pc:sldChg>
+      <pc:sldChg chg="addSp delSp modSp new mod">
+        <pc:chgData name="Eduardo Savian" userId="83fefb37af455394" providerId="LiveId" clId="{217EB2C1-E6A9-4F42-BFBF-ED5005B07AD2}" dt="2024-05-19T20:29:11.512" v="945"/>
+        <pc:sldMkLst>
+          <pc:docMk/>
+          <pc:sldMk cId="3222751535" sldId="273"/>
+        </pc:sldMkLst>
+        <pc:spChg chg="mod">
+          <ac:chgData name="Eduardo Savian" userId="83fefb37af455394" providerId="LiveId" clId="{217EB2C1-E6A9-4F42-BFBF-ED5005B07AD2}" dt="2024-05-19T20:29:11.512" v="945"/>
+          <ac:spMkLst>
+            <pc:docMk/>
+            <pc:sldMk cId="3222751535" sldId="273"/>
+            <ac:spMk id="2" creationId="{2419E225-2928-2C8B-BCD0-743C6339F43A}"/>
+          </ac:spMkLst>
+        </pc:spChg>
+        <pc:spChg chg="del">
+          <ac:chgData name="Eduardo Savian" userId="83fefb37af455394" providerId="LiveId" clId="{217EB2C1-E6A9-4F42-BFBF-ED5005B07AD2}" dt="2024-05-19T20:26:25.528" v="870" actId="22"/>
+          <ac:spMkLst>
+            <pc:docMk/>
+            <pc:sldMk cId="3222751535" sldId="273"/>
+            <ac:spMk id="3" creationId="{0F15CF39-8530-C26D-D2C2-71BF66D2273D}"/>
+          </ac:spMkLst>
+        </pc:spChg>
+        <pc:picChg chg="add mod ord">
+          <ac:chgData name="Eduardo Savian" userId="83fefb37af455394" providerId="LiveId" clId="{217EB2C1-E6A9-4F42-BFBF-ED5005B07AD2}" dt="2024-05-19T20:26:25.528" v="870" actId="22"/>
+          <ac:picMkLst>
+            <pc:docMk/>
+            <pc:sldMk cId="3222751535" sldId="273"/>
+            <ac:picMk id="8" creationId="{531A2931-2BB1-2C76-B484-C8A956AC2FCA}"/>
+          </ac:picMkLst>
+        </pc:picChg>
+      </pc:sldChg>
+      <pc:sldChg chg="del">
+        <pc:chgData name="Eduardo Savian" userId="83fefb37af455394" providerId="LiveId" clId="{217EB2C1-E6A9-4F42-BFBF-ED5005B07AD2}" dt="2024-05-19T20:17:19.495" v="741" actId="47"/>
+        <pc:sldMkLst>
+          <pc:docMk/>
+          <pc:sldMk cId="4112802808" sldId="273"/>
+        </pc:sldMkLst>
+      </pc:sldChg>
+      <pc:sldChg chg="new del">
+        <pc:chgData name="Eduardo Savian" userId="83fefb37af455394" providerId="LiveId" clId="{217EB2C1-E6A9-4F42-BFBF-ED5005B07AD2}" dt="2024-05-19T20:23:57.870" v="856" actId="680"/>
+        <pc:sldMkLst>
+          <pc:docMk/>
+          <pc:sldMk cId="436580406" sldId="274"/>
+        </pc:sldMkLst>
+      </pc:sldChg>
+      <pc:sldChg chg="del">
+        <pc:chgData name="Eduardo Savian" userId="83fefb37af455394" providerId="LiveId" clId="{217EB2C1-E6A9-4F42-BFBF-ED5005B07AD2}" dt="2024-05-19T20:17:20.473" v="742" actId="47"/>
+        <pc:sldMkLst>
+          <pc:docMk/>
+          <pc:sldMk cId="2620471646" sldId="274"/>
+        </pc:sldMkLst>
+      </pc:sldChg>
+      <pc:sldChg chg="addSp delSp modSp new mod">
+        <pc:chgData name="Eduardo Savian" userId="83fefb37af455394" providerId="LiveId" clId="{217EB2C1-E6A9-4F42-BFBF-ED5005B07AD2}" dt="2024-05-19T20:29:20.201" v="958" actId="20577"/>
+        <pc:sldMkLst>
+          <pc:docMk/>
+          <pc:sldMk cId="4195999744" sldId="274"/>
+        </pc:sldMkLst>
+        <pc:spChg chg="mod">
+          <ac:chgData name="Eduardo Savian" userId="83fefb37af455394" providerId="LiveId" clId="{217EB2C1-E6A9-4F42-BFBF-ED5005B07AD2}" dt="2024-05-19T20:29:20.201" v="958" actId="20577"/>
+          <ac:spMkLst>
+            <pc:docMk/>
+            <pc:sldMk cId="4195999744" sldId="274"/>
+            <ac:spMk id="2" creationId="{451C791D-D01E-B198-1B98-0EE5EEC29C78}"/>
+          </ac:spMkLst>
+        </pc:spChg>
+        <pc:spChg chg="del">
+          <ac:chgData name="Eduardo Savian" userId="83fefb37af455394" providerId="LiveId" clId="{217EB2C1-E6A9-4F42-BFBF-ED5005B07AD2}" dt="2024-05-19T20:26:46.856" v="872" actId="22"/>
+          <ac:spMkLst>
+            <pc:docMk/>
+            <pc:sldMk cId="4195999744" sldId="274"/>
+            <ac:spMk id="3" creationId="{378D3F2B-2CA7-24EB-07D8-88385ABB5F84}"/>
+          </ac:spMkLst>
+        </pc:spChg>
+        <pc:picChg chg="add mod ord">
+          <ac:chgData name="Eduardo Savian" userId="83fefb37af455394" providerId="LiveId" clId="{217EB2C1-E6A9-4F42-BFBF-ED5005B07AD2}" dt="2024-05-19T20:26:46.856" v="872" actId="22"/>
+          <ac:picMkLst>
+            <pc:docMk/>
+            <pc:sldMk cId="4195999744" sldId="274"/>
+            <ac:picMk id="8" creationId="{5B95719B-D7CF-4403-159C-FE2A233F2DC4}"/>
+          </ac:picMkLst>
+        </pc:picChg>
+      </pc:sldChg>
+      <pc:sldChg chg="modSp del mod">
+        <pc:chgData name="Eduardo Savian" userId="83fefb37af455394" providerId="LiveId" clId="{217EB2C1-E6A9-4F42-BFBF-ED5005B07AD2}" dt="2024-05-19T20:17:17.968" v="739" actId="47"/>
+        <pc:sldMkLst>
+          <pc:docMk/>
+          <pc:sldMk cId="346760889" sldId="275"/>
+        </pc:sldMkLst>
+        <pc:spChg chg="mod">
+          <ac:chgData name="Eduardo Savian" userId="83fefb37af455394" providerId="LiveId" clId="{217EB2C1-E6A9-4F42-BFBF-ED5005B07AD2}" dt="2024-05-19T20:14:15.980" v="435" actId="20577"/>
+          <ac:spMkLst>
+            <pc:docMk/>
+            <pc:sldMk cId="346760889" sldId="275"/>
+            <ac:spMk id="2" creationId="{310915FC-BBB3-0797-FA5A-A24EBBD1AFF4}"/>
+          </ac:spMkLst>
+        </pc:spChg>
+      </pc:sldChg>
+      <pc:sldChg chg="addSp delSp modSp del mod">
+        <pc:chgData name="Eduardo Savian" userId="83fefb37af455394" providerId="LiveId" clId="{217EB2C1-E6A9-4F42-BFBF-ED5005B07AD2}" dt="2024-05-19T20:17:21.040" v="743" actId="47"/>
+        <pc:sldMkLst>
+          <pc:docMk/>
+          <pc:sldMk cId="3595438478" sldId="276"/>
+        </pc:sldMkLst>
+        <pc:spChg chg="del">
+          <ac:chgData name="Eduardo Savian" userId="83fefb37af455394" providerId="LiveId" clId="{217EB2C1-E6A9-4F42-BFBF-ED5005B07AD2}" dt="2024-05-19T14:19:21.568" v="0" actId="22"/>
+          <ac:spMkLst>
+            <pc:docMk/>
+            <pc:sldMk cId="3595438478" sldId="276"/>
+            <ac:spMk id="3" creationId="{82D36FF2-C1B4-C347-46EC-3D760ADA1030}"/>
+          </ac:spMkLst>
+        </pc:spChg>
+        <pc:picChg chg="add mod ord">
+          <ac:chgData name="Eduardo Savian" userId="83fefb37af455394" providerId="LiveId" clId="{217EB2C1-E6A9-4F42-BFBF-ED5005B07AD2}" dt="2024-05-19T14:19:21.568" v="0" actId="22"/>
+          <ac:picMkLst>
+            <pc:docMk/>
+            <pc:sldMk cId="3595438478" sldId="276"/>
+            <ac:picMk id="8" creationId="{7A9CB234-1876-C449-E7E2-F70945B739EE}"/>
+          </ac:picMkLst>
+        </pc:picChg>
+      </pc:sldChg>
+      <pc:sldChg chg="addSp delSp modSp new del mod">
+        <pc:chgData name="Eduardo Savian" userId="83fefb37af455394" providerId="LiveId" clId="{217EB2C1-E6A9-4F42-BFBF-ED5005B07AD2}" dt="2024-05-19T20:17:21.584" v="744" actId="47"/>
+        <pc:sldMkLst>
+          <pc:docMk/>
+          <pc:sldMk cId="2793288638" sldId="277"/>
+        </pc:sldMkLst>
+        <pc:spChg chg="del">
+          <ac:chgData name="Eduardo Savian" userId="83fefb37af455394" providerId="LiveId" clId="{217EB2C1-E6A9-4F42-BFBF-ED5005B07AD2}" dt="2024-05-19T14:20:06.266" v="2" actId="22"/>
+          <ac:spMkLst>
+            <pc:docMk/>
+            <pc:sldMk cId="2793288638" sldId="277"/>
+            <ac:spMk id="3" creationId="{6729C284-DE76-77F7-1730-B87A592F6681}"/>
+          </ac:spMkLst>
+        </pc:spChg>
+        <pc:picChg chg="add mod ord">
+          <ac:chgData name="Eduardo Savian" userId="83fefb37af455394" providerId="LiveId" clId="{217EB2C1-E6A9-4F42-BFBF-ED5005B07AD2}" dt="2024-05-19T20:04:10.212" v="86" actId="1076"/>
+          <ac:picMkLst>
+            <pc:docMk/>
+            <pc:sldMk cId="2793288638" sldId="277"/>
+            <ac:picMk id="8" creationId="{8D9BF355-56E5-74AC-4824-B062ED38DD5D}"/>
+          </ac:picMkLst>
+        </pc:picChg>
+      </pc:sldChg>
+      <pc:sldChg chg="new del">
+        <pc:chgData name="Eduardo Savian" userId="83fefb37af455394" providerId="LiveId" clId="{217EB2C1-E6A9-4F42-BFBF-ED5005B07AD2}" dt="2024-05-19T20:17:22.130" v="745" actId="47"/>
+        <pc:sldMkLst>
+          <pc:docMk/>
+          <pc:sldMk cId="798028920" sldId="278"/>
+        </pc:sldMkLst>
+      </pc:sldChg>
+    </pc:docChg>
+  </pc:docChgLst>
+  <pc:docChgLst>
+    <pc:chgData name="Eduardo Savian" userId="83fefb37af455394" providerId="Windows Live" clId="Web-{4E2BA755-9540-4322-A1D6-D9892E45D796}"/>
+    <pc:docChg chg="addSld delSld modSld">
+      <pc:chgData name="Eduardo Savian" userId="83fefb37af455394" providerId="Windows Live" clId="Web-{4E2BA755-9540-4322-A1D6-D9892E45D796}" dt="2024-05-14T00:08:28.465" v="70"/>
+      <pc:docMkLst>
+        <pc:docMk/>
+      </pc:docMkLst>
+      <pc:sldChg chg="modSp">
+        <pc:chgData name="Eduardo Savian" userId="83fefb37af455394" providerId="Windows Live" clId="Web-{4E2BA755-9540-4322-A1D6-D9892E45D796}" dt="2024-05-14T00:02:53.821" v="27" actId="20577"/>
+        <pc:sldMkLst>
+          <pc:docMk/>
+          <pc:sldMk cId="109857222" sldId="256"/>
+        </pc:sldMkLst>
+        <pc:spChg chg="mod">
+          <ac:chgData name="Eduardo Savian" userId="83fefb37af455394" providerId="Windows Live" clId="Web-{4E2BA755-9540-4322-A1D6-D9892E45D796}" dt="2024-05-14T00:02:53.821" v="27" actId="20577"/>
+          <ac:spMkLst>
+            <pc:docMk/>
+            <pc:sldMk cId="109857222" sldId="256"/>
+            <ac:spMk id="2" creationId="{00000000-0000-0000-0000-000000000000}"/>
+          </ac:spMkLst>
+        </pc:spChg>
+      </pc:sldChg>
+      <pc:sldChg chg="modSp">
+        <pc:chgData name="Eduardo Savian" userId="83fefb37af455394" providerId="Windows Live" clId="Web-{4E2BA755-9540-4322-A1D6-D9892E45D796}" dt="2024-05-14T00:08:24.090" v="69" actId="20577"/>
+        <pc:sldMkLst>
+          <pc:docMk/>
+          <pc:sldMk cId="3775945265" sldId="257"/>
+        </pc:sldMkLst>
+        <pc:spChg chg="mod">
+          <ac:chgData name="Eduardo Savian" userId="83fefb37af455394" providerId="Windows Live" clId="Web-{4E2BA755-9540-4322-A1D6-D9892E45D796}" dt="2024-05-14T00:08:24.090" v="69" actId="20577"/>
+          <ac:spMkLst>
+            <pc:docMk/>
+            <pc:sldMk cId="3775945265" sldId="257"/>
+            <ac:spMk id="3" creationId="{A3B4ADFF-18FA-819A-E2DD-F32D67BA3A8E}"/>
+          </ac:spMkLst>
+        </pc:spChg>
+      </pc:sldChg>
+      <pc:sldChg chg="del">
+        <pc:chgData name="Eduardo Savian" userId="83fefb37af455394" providerId="Windows Live" clId="Web-{4E2BA755-9540-4322-A1D6-D9892E45D796}" dt="2024-05-14T00:05:43.729" v="45"/>
+        <pc:sldMkLst>
+          <pc:docMk/>
+          <pc:sldMk cId="1967995460" sldId="259"/>
+        </pc:sldMkLst>
+      </pc:sldChg>
+      <pc:sldChg chg="del">
+        <pc:chgData name="Eduardo Savian" userId="83fefb37af455394" providerId="Windows Live" clId="Web-{4E2BA755-9540-4322-A1D6-D9892E45D796}" dt="2024-05-14T00:05:43.073" v="44"/>
+        <pc:sldMkLst>
+          <pc:docMk/>
+          <pc:sldMk cId="2753850936" sldId="261"/>
+        </pc:sldMkLst>
+      </pc:sldChg>
+      <pc:sldChg chg="del">
+        <pc:chgData name="Eduardo Savian" userId="83fefb37af455394" providerId="Windows Live" clId="Web-{4E2BA755-9540-4322-A1D6-D9892E45D796}" dt="2024-05-14T00:05:42.839" v="43"/>
+        <pc:sldMkLst>
+          <pc:docMk/>
+          <pc:sldMk cId="4074611433" sldId="262"/>
+        </pc:sldMkLst>
+      </pc:sldChg>
+      <pc:sldChg chg="del">
+        <pc:chgData name="Eduardo Savian" userId="83fefb37af455394" providerId="Windows Live" clId="Web-{4E2BA755-9540-4322-A1D6-D9892E45D796}" dt="2024-05-14T00:05:44.183" v="46"/>
+        <pc:sldMkLst>
+          <pc:docMk/>
+          <pc:sldMk cId="922261976" sldId="263"/>
+        </pc:sldMkLst>
+      </pc:sldChg>
+      <pc:sldChg chg="addSp delSp modSp del">
+        <pc:chgData name="Eduardo Savian" userId="83fefb37af455394" providerId="Windows Live" clId="Web-{4E2BA755-9540-4322-A1D6-D9892E45D796}" dt="2024-05-14T00:05:40.479" v="39"/>
+        <pc:sldMkLst>
+          <pc:docMk/>
+          <pc:sldMk cId="2804307500" sldId="264"/>
+        </pc:sldMkLst>
+        <pc:spChg chg="add mod">
+          <ac:chgData name="Eduardo Savian" userId="83fefb37af455394" providerId="Windows Live" clId="Web-{4E2BA755-9540-4322-A1D6-D9892E45D796}" dt="2024-05-14T00:05:38.495" v="38"/>
+          <ac:spMkLst>
+            <pc:docMk/>
+            <pc:sldMk cId="2804307500" sldId="264"/>
+            <ac:spMk id="7" creationId="{0F05CDE4-5110-BDB8-0763-068B58FDD9C9}"/>
+          </ac:spMkLst>
+        </pc:spChg>
+        <pc:picChg chg="del">
+          <ac:chgData name="Eduardo Savian" userId="83fefb37af455394" providerId="Windows Live" clId="Web-{4E2BA755-9540-4322-A1D6-D9892E45D796}" dt="2024-05-14T00:05:38.495" v="38"/>
+          <ac:picMkLst>
+            <pc:docMk/>
+            <pc:sldMk cId="2804307500" sldId="264"/>
+            <ac:picMk id="8" creationId="{00F452FC-2464-3821-2B96-E293938164EB}"/>
+          </ac:picMkLst>
+        </pc:picChg>
+      </pc:sldChg>
+      <pc:sldChg chg="del">
+        <pc:chgData name="Eduardo Savian" userId="83fefb37af455394" providerId="Windows Live" clId="Web-{4E2BA755-9540-4322-A1D6-D9892E45D796}" dt="2024-05-14T00:05:42.245" v="41"/>
+        <pc:sldMkLst>
+          <pc:docMk/>
+          <pc:sldMk cId="1498387516" sldId="265"/>
+        </pc:sldMkLst>
+      </pc:sldChg>
+      <pc:sldChg chg="del">
+        <pc:chgData name="Eduardo Savian" userId="83fefb37af455394" providerId="Windows Live" clId="Web-{4E2BA755-9540-4322-A1D6-D9892E45D796}" dt="2024-05-14T00:05:42.276" v="42"/>
+        <pc:sldMkLst>
+          <pc:docMk/>
+          <pc:sldMk cId="1606520421" sldId="266"/>
+        </pc:sldMkLst>
+      </pc:sldChg>
+      <pc:sldChg chg="del">
+        <pc:chgData name="Eduardo Savian" userId="83fefb37af455394" providerId="Windows Live" clId="Web-{4E2BA755-9540-4322-A1D6-D9892E45D796}" dt="2024-05-14T00:05:41.526" v="40"/>
+        <pc:sldMkLst>
+          <pc:docMk/>
+          <pc:sldMk cId="3546819228" sldId="267"/>
+        </pc:sldMkLst>
+      </pc:sldChg>
+      <pc:sldChg chg="modSp">
+        <pc:chgData name="Eduardo Savian" userId="83fefb37af455394" providerId="Windows Live" clId="Web-{4E2BA755-9540-4322-A1D6-D9892E45D796}" dt="2024-05-14T00:07:36.012" v="62" actId="20577"/>
+        <pc:sldMkLst>
+          <pc:docMk/>
+          <pc:sldMk cId="2097304172" sldId="268"/>
+        </pc:sldMkLst>
+        <pc:spChg chg="mod">
+          <ac:chgData name="Eduardo Savian" userId="83fefb37af455394" providerId="Windows Live" clId="Web-{4E2BA755-9540-4322-A1D6-D9892E45D796}" dt="2024-05-14T00:07:36.012" v="62" actId="20577"/>
+          <ac:spMkLst>
+            <pc:docMk/>
+            <pc:sldMk cId="2097304172" sldId="268"/>
+            <ac:spMk id="3" creationId="{DF5ABD57-ADCB-25E7-5CDB-095C18654DD9}"/>
+          </ac:spMkLst>
+        </pc:spChg>
+      </pc:sldChg>
+      <pc:sldChg chg="modSp">
+        <pc:chgData name="Eduardo Savian" userId="83fefb37af455394" providerId="Windows Live" clId="Web-{4E2BA755-9540-4322-A1D6-D9892E45D796}" dt="2024-05-14T00:07:49.199" v="64" actId="20577"/>
+        <pc:sldMkLst>
+          <pc:docMk/>
+          <pc:sldMk cId="1839108021" sldId="269"/>
+        </pc:sldMkLst>
+        <pc:spChg chg="mod">
+          <ac:chgData name="Eduardo Savian" userId="83fefb37af455394" providerId="Windows Live" clId="Web-{4E2BA755-9540-4322-A1D6-D9892E45D796}" dt="2024-05-14T00:07:49.199" v="64" actId="20577"/>
+          <ac:spMkLst>
+            <pc:docMk/>
+            <pc:sldMk cId="1839108021" sldId="269"/>
+            <ac:spMk id="3" creationId="{A0A824DE-1396-458D-85D1-532A91E9C44F}"/>
+          </ac:spMkLst>
+        </pc:spChg>
+      </pc:sldChg>
+      <pc:sldChg chg="new del">
+        <pc:chgData name="Eduardo Savian" userId="83fefb37af455394" providerId="Windows Live" clId="Web-{4E2BA755-9540-4322-A1D6-D9892E45D796}" dt="2024-05-14T00:08:15.403" v="66"/>
+        <pc:sldMkLst>
+          <pc:docMk/>
+          <pc:sldMk cId="3566686745" sldId="270"/>
+        </pc:sldMkLst>
+      </pc:sldChg>
+      <pc:sldChg chg="new">
+        <pc:chgData name="Eduardo Savian" userId="83fefb37af455394" providerId="Windows Live" clId="Web-{4E2BA755-9540-4322-A1D6-D9892E45D796}" dt="2024-05-14T00:08:28.465" v="70"/>
+        <pc:sldMkLst>
+          <pc:docMk/>
+          <pc:sldMk cId="4042955426" sldId="270"/>
+        </pc:sldMkLst>
+      </pc:sldChg>
+      <pc:sldChg chg="del">
+        <pc:chgData name="Eduardo Savian" userId="83fefb37af455394" providerId="Windows Live" clId="Web-{4E2BA755-9540-4322-A1D6-D9892E45D796}" dt="2024-05-14T00:05:44.901" v="48"/>
+        <pc:sldMkLst>
+          <pc:docMk/>
+          <pc:sldMk cId="1206012243" sldId="271"/>
+        </pc:sldMkLst>
+      </pc:sldChg>
+      <pc:sldChg chg="del">
+        <pc:chgData name="Eduardo Savian" userId="83fefb37af455394" providerId="Windows Live" clId="Web-{4E2BA755-9540-4322-A1D6-D9892E45D796}" dt="2024-05-14T00:05:45.526" v="49"/>
+        <pc:sldMkLst>
+          <pc:docMk/>
+          <pc:sldMk cId="1961177669" sldId="274"/>
+        </pc:sldMkLst>
+      </pc:sldChg>
+      <pc:sldChg chg="del">
+        <pc:chgData name="Eduardo Savian" userId="83fefb37af455394" providerId="Windows Live" clId="Web-{4E2BA755-9540-4322-A1D6-D9892E45D796}" dt="2024-05-14T00:05:44.714" v="47"/>
+        <pc:sldMkLst>
+          <pc:docMk/>
+          <pc:sldMk cId="43700074" sldId="275"/>
+        </pc:sldMkLst>
+      </pc:sldChg>
+    </pc:docChg>
+  </pc:docChgLst>
+  <pc:docChgLst>
+    <pc:chgData name="Eduardo Savian" userId="83fefb37af455394" providerId="Windows Live" clId="Web-{365FD200-9B60-42C4-8D5F-90C5BC58A9CE}"/>
+    <pc:docChg chg="addSld">
+      <pc:chgData name="Eduardo Savian" userId="83fefb37af455394" providerId="Windows Live" clId="Web-{365FD200-9B60-42C4-8D5F-90C5BC58A9CE}" dt="2024-05-19T14:17:20.102" v="0"/>
+      <pc:docMkLst>
+        <pc:docMk/>
+      </pc:docMkLst>
+      <pc:sldChg chg="new">
+        <pc:chgData name="Eduardo Savian" userId="83fefb37af455394" providerId="Windows Live" clId="Web-{365FD200-9B60-42C4-8D5F-90C5BC58A9CE}" dt="2024-05-19T14:17:20.102" v="0"/>
+        <pc:sldMkLst>
+          <pc:docMk/>
+          <pc:sldMk cId="3595438478" sldId="276"/>
+        </pc:sldMkLst>
+      </pc:sldChg>
+    </pc:docChg>
+  </pc:docChgLst>
+  <pc:docChgLst>
+    <pc:chgData name="Eduardo Savian" userId="83fefb37af455394" providerId="Windows Live" clId="Web-{6808E06D-317C-48B5-80AB-C63B5B44D7D8}"/>
+    <pc:docChg chg="modSld addMainMaster delMainMaster">
+      <pc:chgData name="Eduardo Savian" userId="83fefb37af455394" providerId="Windows Live" clId="Web-{6808E06D-317C-48B5-80AB-C63B5B44D7D8}" dt="2024-04-28T21:41:36.386" v="27" actId="20577"/>
+      <pc:docMkLst>
+        <pc:docMk/>
+      </pc:docMkLst>
+      <pc:sldChg chg="modSp mod modClrScheme chgLayout">
+        <pc:chgData name="Eduardo Savian" userId="83fefb37af455394" providerId="Windows Live" clId="Web-{6808E06D-317C-48B5-80AB-C63B5B44D7D8}" dt="2024-04-28T21:41:36.386" v="27" actId="20577"/>
+        <pc:sldMkLst>
+          <pc:docMk/>
+          <pc:sldMk cId="109857222" sldId="256"/>
+        </pc:sldMkLst>
+        <pc:spChg chg="mod ord">
+          <ac:chgData name="Eduardo Savian" userId="83fefb37af455394" providerId="Windows Live" clId="Web-{6808E06D-317C-48B5-80AB-C63B5B44D7D8}" dt="2024-04-28T21:41:28.213" v="8" actId="20577"/>
+          <ac:spMkLst>
+            <pc:docMk/>
+            <pc:sldMk cId="109857222" sldId="256"/>
+            <ac:spMk id="2" creationId="{00000000-0000-0000-0000-000000000000}"/>
+          </ac:spMkLst>
+        </pc:spChg>
+        <pc:spChg chg="mod ord">
+          <ac:chgData name="Eduardo Savian" userId="83fefb37af455394" providerId="Windows Live" clId="Web-{6808E06D-317C-48B5-80AB-C63B5B44D7D8}" dt="2024-04-28T21:41:36.386" v="27" actId="20577"/>
+          <ac:spMkLst>
+            <pc:docMk/>
+            <pc:sldMk cId="109857222" sldId="256"/>
+            <ac:spMk id="3" creationId="{00000000-0000-0000-0000-000000000000}"/>
+          </ac:spMkLst>
+        </pc:spChg>
+      </pc:sldChg>
+      <pc:sldMasterChg chg="del delSldLayout">
+        <pc:chgData name="Eduardo Savian" userId="83fefb37af455394" providerId="Windows Live" clId="Web-{6808E06D-317C-48B5-80AB-C63B5B44D7D8}" dt="2024-04-28T21:40:56.681" v="0"/>
+        <pc:sldMasterMkLst>
+          <pc:docMk/>
+          <pc:sldMasterMk cId="2460954070" sldId="2147483660"/>
+        </pc:sldMasterMkLst>
+        <pc:sldLayoutChg chg="del">
+          <pc:chgData name="Eduardo Savian" userId="83fefb37af455394" providerId="Windows Live" clId="Web-{6808E06D-317C-48B5-80AB-C63B5B44D7D8}" dt="2024-04-28T21:40:56.681" v="0"/>
+          <pc:sldLayoutMkLst>
+            <pc:docMk/>
+            <pc:sldMasterMk cId="2460954070" sldId="2147483660"/>
+            <pc:sldLayoutMk cId="2385387890" sldId="2147483661"/>
+          </pc:sldLayoutMkLst>
+        </pc:sldLayoutChg>
+        <pc:sldLayoutChg chg="del">
+          <pc:chgData name="Eduardo Savian" userId="83fefb37af455394" providerId="Windows Live" clId="Web-{6808E06D-317C-48B5-80AB-C63B5B44D7D8}" dt="2024-04-28T21:40:56.681" v="0"/>
+          <pc:sldLayoutMkLst>
+            <pc:docMk/>
+            <pc:sldMasterMk cId="2460954070" sldId="2147483660"/>
+            <pc:sldLayoutMk cId="949138452" sldId="2147483662"/>
+          </pc:sldLayoutMkLst>
+        </pc:sldLayoutChg>
+        <pc:sldLayoutChg chg="del">
+          <pc:chgData name="Eduardo Savian" userId="83fefb37af455394" providerId="Windows Live" clId="Web-{6808E06D-317C-48B5-80AB-C63B5B44D7D8}" dt="2024-04-28T21:40:56.681" v="0"/>
+          <pc:sldLayoutMkLst>
+            <pc:docMk/>
+            <pc:sldMasterMk cId="2460954070" sldId="2147483660"/>
+            <pc:sldLayoutMk cId="2591524520" sldId="2147483663"/>
+          </pc:sldLayoutMkLst>
+        </pc:sldLayoutChg>
+        <pc:sldLayoutChg chg="del">
+          <pc:chgData name="Eduardo Savian" userId="83fefb37af455394" providerId="Windows Live" clId="Web-{6808E06D-317C-48B5-80AB-C63B5B44D7D8}" dt="2024-04-28T21:40:56.681" v="0"/>
+          <pc:sldLayoutMkLst>
+            <pc:docMk/>
+            <pc:sldMasterMk cId="2460954070" sldId="2147483660"/>
+            <pc:sldLayoutMk cId="1203092039" sldId="2147483664"/>
+          </pc:sldLayoutMkLst>
+        </pc:sldLayoutChg>
+        <pc:sldLayoutChg chg="del">
+          <pc:chgData name="Eduardo Savian" userId="83fefb37af455394" providerId="Windows Live" clId="Web-{6808E06D-317C-48B5-80AB-C63B5B44D7D8}" dt="2024-04-28T21:40:56.681" v="0"/>
+          <pc:sldLayoutMkLst>
+            <pc:docMk/>
+            <pc:sldMasterMk cId="2460954070" sldId="2147483660"/>
+            <pc:sldLayoutMk cId="3733172339" sldId="2147483665"/>
+          </pc:sldLayoutMkLst>
+        </pc:sldLayoutChg>
+        <pc:sldLayoutChg chg="del">
+          <pc:chgData name="Eduardo Savian" userId="83fefb37af455394" providerId="Windows Live" clId="Web-{6808E06D-317C-48B5-80AB-C63B5B44D7D8}" dt="2024-04-28T21:40:56.681" v="0"/>
+          <pc:sldLayoutMkLst>
+            <pc:docMk/>
+            <pc:sldMasterMk cId="2460954070" sldId="2147483660"/>
+            <pc:sldLayoutMk cId="3210312558" sldId="2147483666"/>
+          </pc:sldLayoutMkLst>
+        </pc:sldLayoutChg>
+        <pc:sldLayoutChg chg="del">
+          <pc:chgData name="Eduardo Savian" userId="83fefb37af455394" providerId="Windows Live" clId="Web-{6808E06D-317C-48B5-80AB-C63B5B44D7D8}" dt="2024-04-28T21:40:56.681" v="0"/>
+          <pc:sldLayoutMkLst>
+            <pc:docMk/>
+            <pc:sldMasterMk cId="2460954070" sldId="2147483660"/>
+            <pc:sldLayoutMk cId="3146388984" sldId="2147483667"/>
+          </pc:sldLayoutMkLst>
+        </pc:sldLayoutChg>
+        <pc:sldLayoutChg chg="del">
+          <pc:chgData name="Eduardo Savian" userId="83fefb37af455394" providerId="Windows Live" clId="Web-{6808E06D-317C-48B5-80AB-C63B5B44D7D8}" dt="2024-04-28T21:40:56.681" v="0"/>
+          <pc:sldLayoutMkLst>
+            <pc:docMk/>
+            <pc:sldMasterMk cId="2460954070" sldId="2147483660"/>
+            <pc:sldLayoutMk cId="3171841454" sldId="2147483668"/>
+          </pc:sldLayoutMkLst>
+        </pc:sldLayoutChg>
+        <pc:sldLayoutChg chg="del">
+          <pc:chgData name="Eduardo Savian" userId="83fefb37af455394" providerId="Windows Live" clId="Web-{6808E06D-317C-48B5-80AB-C63B5B44D7D8}" dt="2024-04-28T21:40:56.681" v="0"/>
+          <pc:sldLayoutMkLst>
+            <pc:docMk/>
+            <pc:sldMasterMk cId="2460954070" sldId="2147483660"/>
+            <pc:sldLayoutMk cId="1718958274" sldId="2147483669"/>
+          </pc:sldLayoutMkLst>
+        </pc:sldLayoutChg>
+        <pc:sldLayoutChg chg="del">
+          <pc:chgData name="Eduardo Savian" userId="83fefb37af455394" providerId="Windows Live" clId="Web-{6808E06D-317C-48B5-80AB-C63B5B44D7D8}" dt="2024-04-28T21:40:56.681" v="0"/>
+          <pc:sldLayoutMkLst>
+            <pc:docMk/>
+            <pc:sldMasterMk cId="2460954070" sldId="2147483660"/>
+            <pc:sldLayoutMk cId="2202905451" sldId="2147483670"/>
+          </pc:sldLayoutMkLst>
+        </pc:sldLayoutChg>
+        <pc:sldLayoutChg chg="del">
+          <pc:chgData name="Eduardo Savian" userId="83fefb37af455394" providerId="Windows Live" clId="Web-{6808E06D-317C-48B5-80AB-C63B5B44D7D8}" dt="2024-04-28T21:40:56.681" v="0"/>
+          <pc:sldLayoutMkLst>
+            <pc:docMk/>
+            <pc:sldMasterMk cId="2460954070" sldId="2147483660"/>
+            <pc:sldLayoutMk cId="3479445657" sldId="2147483671"/>
+          </pc:sldLayoutMkLst>
+        </pc:sldLayoutChg>
+      </pc:sldMasterChg>
+      <pc:sldMasterChg chg="add del addSldLayout delSldLayout modSldLayout">
+        <pc:chgData name="Eduardo Savian" userId="83fefb37af455394" providerId="Windows Live" clId="Web-{6808E06D-317C-48B5-80AB-C63B5B44D7D8}" dt="2024-04-28T21:41:09.510" v="1"/>
+        <pc:sldMasterMkLst>
+          <pc:docMk/>
+          <pc:sldMasterMk cId="1825988211" sldId="2147483672"/>
+        </pc:sldMasterMkLst>
+        <pc:sldLayoutChg chg="add del mod replId">
+          <pc:chgData name="Eduardo Savian" userId="83fefb37af455394" providerId="Windows Live" clId="Web-{6808E06D-317C-48B5-80AB-C63B5B44D7D8}" dt="2024-04-28T21:41:09.510" v="1"/>
+          <pc:sldLayoutMkLst>
+            <pc:docMk/>
+            <pc:sldMasterMk cId="1825988211" sldId="2147483672"/>
+            <pc:sldLayoutMk cId="453625266" sldId="2147483673"/>
+          </pc:sldLayoutMkLst>
+        </pc:sldLayoutChg>
+        <pc:sldLayoutChg chg="add del mod replId">
+          <pc:chgData name="Eduardo Savian" userId="83fefb37af455394" providerId="Windows Live" clId="Web-{6808E06D-317C-48B5-80AB-C63B5B44D7D8}" dt="2024-04-28T21:41:09.510" v="1"/>
+          <pc:sldLayoutMkLst>
+            <pc:docMk/>
+            <pc:sldMasterMk cId="1825988211" sldId="2147483672"/>
+            <pc:sldLayoutMk cId="3741936793" sldId="2147483674"/>
+          </pc:sldLayoutMkLst>
+        </pc:sldLayoutChg>
+        <pc:sldLayoutChg chg="add del mod replId">
+          <pc:chgData name="Eduardo Savian" userId="83fefb37af455394" providerId="Windows Live" clId="Web-{6808E06D-317C-48B5-80AB-C63B5B44D7D8}" dt="2024-04-28T21:41:09.510" v="1"/>
+          <pc:sldLayoutMkLst>
+            <pc:docMk/>
+            <pc:sldMasterMk cId="1825988211" sldId="2147483672"/>
+            <pc:sldLayoutMk cId="3135325950" sldId="2147483675"/>
+          </pc:sldLayoutMkLst>
+        </pc:sldLayoutChg>
+        <pc:sldLayoutChg chg="add del mod replId">
+          <pc:chgData name="Eduardo Savian" userId="83fefb37af455394" providerId="Windows Live" clId="Web-{6808E06D-317C-48B5-80AB-C63B5B44D7D8}" dt="2024-04-28T21:41:09.510" v="1"/>
+          <pc:sldLayoutMkLst>
+            <pc:docMk/>
+            <pc:sldMasterMk cId="1825988211" sldId="2147483672"/>
+            <pc:sldLayoutMk cId="3029497057" sldId="2147483676"/>
+          </pc:sldLayoutMkLst>
+        </pc:sldLayoutChg>
+        <pc:sldLayoutChg chg="add del mod replId">
+          <pc:chgData name="Eduardo Savian" userId="83fefb37af455394" providerId="Windows Live" clId="Web-{6808E06D-317C-48B5-80AB-C63B5B44D7D8}" dt="2024-04-28T21:41:09.510" v="1"/>
+          <pc:sldLayoutMkLst>
+            <pc:docMk/>
+            <pc:sldMasterMk cId="1825988211" sldId="2147483672"/>
+            <pc:sldLayoutMk cId="1582056691" sldId="2147483677"/>
+          </pc:sldLayoutMkLst>
+        </pc:sldLayoutChg>
+        <pc:sldLayoutChg chg="add del mod replId">
+          <pc:chgData name="Eduardo Savian" userId="83fefb37af455394" providerId="Windows Live" clId="Web-{6808E06D-317C-48B5-80AB-C63B5B44D7D8}" dt="2024-04-28T21:41:09.510" v="1"/>
+          <pc:sldLayoutMkLst>
+            <pc:docMk/>
+            <pc:sldMasterMk cId="1825988211" sldId="2147483672"/>
+            <pc:sldLayoutMk cId="1230447073" sldId="2147483678"/>
+          </pc:sldLayoutMkLst>
+        </pc:sldLayoutChg>
+        <pc:sldLayoutChg chg="add del mod replId">
+          <pc:chgData name="Eduardo Savian" userId="83fefb37af455394" providerId="Windows Live" clId="Web-{6808E06D-317C-48B5-80AB-C63B5B44D7D8}" dt="2024-04-28T21:41:09.510" v="1"/>
+          <pc:sldLayoutMkLst>
+            <pc:docMk/>
+            <pc:sldMasterMk cId="1825988211" sldId="2147483672"/>
+            <pc:sldLayoutMk cId="2111515493" sldId="2147483679"/>
+          </pc:sldLayoutMkLst>
+        </pc:sldLayoutChg>
+        <pc:sldLayoutChg chg="add del mod replId">
+          <pc:chgData name="Eduardo Savian" userId="83fefb37af455394" providerId="Windows Live" clId="Web-{6808E06D-317C-48B5-80AB-C63B5B44D7D8}" dt="2024-04-28T21:41:09.510" v="1"/>
+          <pc:sldLayoutMkLst>
+            <pc:docMk/>
+            <pc:sldMasterMk cId="1825988211" sldId="2147483672"/>
+            <pc:sldLayoutMk cId="3466345160" sldId="2147483680"/>
+          </pc:sldLayoutMkLst>
+        </pc:sldLayoutChg>
+        <pc:sldLayoutChg chg="add del mod replId">
+          <pc:chgData name="Eduardo Savian" userId="83fefb37af455394" providerId="Windows Live" clId="Web-{6808E06D-317C-48B5-80AB-C63B5B44D7D8}" dt="2024-04-28T21:41:09.510" v="1"/>
+          <pc:sldLayoutMkLst>
+            <pc:docMk/>
+            <pc:sldMasterMk cId="1825988211" sldId="2147483672"/>
+            <pc:sldLayoutMk cId="1503474283" sldId="2147483681"/>
+          </pc:sldLayoutMkLst>
+        </pc:sldLayoutChg>
+        <pc:sldLayoutChg chg="add del mod replId">
+          <pc:chgData name="Eduardo Savian" userId="83fefb37af455394" providerId="Windows Live" clId="Web-{6808E06D-317C-48B5-80AB-C63B5B44D7D8}" dt="2024-04-28T21:41:09.510" v="1"/>
+          <pc:sldLayoutMkLst>
+            <pc:docMk/>
+            <pc:sldMasterMk cId="1825988211" sldId="2147483672"/>
+            <pc:sldLayoutMk cId="3078211142" sldId="2147483682"/>
+          </pc:sldLayoutMkLst>
+        </pc:sldLayoutChg>
+        <pc:sldLayoutChg chg="add del mod replId">
+          <pc:chgData name="Eduardo Savian" userId="83fefb37af455394" providerId="Windows Live" clId="Web-{6808E06D-317C-48B5-80AB-C63B5B44D7D8}" dt="2024-04-28T21:41:09.510" v="1"/>
+          <pc:sldLayoutMkLst>
+            <pc:docMk/>
+            <pc:sldMasterMk cId="1825988211" sldId="2147483672"/>
+            <pc:sldLayoutMk cId="459548907" sldId="2147483683"/>
+          </pc:sldLayoutMkLst>
+        </pc:sldLayoutChg>
+      </pc:sldMasterChg>
+      <pc:sldMasterChg chg="add del addSldLayout delSldLayout modSldLayout">
+        <pc:chgData name="Eduardo Savian" userId="83fefb37af455394" providerId="Windows Live" clId="Web-{6808E06D-317C-48B5-80AB-C63B5B44D7D8}" dt="2024-04-28T21:41:19.260" v="2"/>
+        <pc:sldMasterMkLst>
+          <pc:docMk/>
+          <pc:sldMasterMk cId="3576760201" sldId="2147483684"/>
+        </pc:sldMasterMkLst>
+        <pc:sldLayoutChg chg="add del mod replId">
+          <pc:chgData name="Eduardo Savian" userId="83fefb37af455394" providerId="Windows Live" clId="Web-{6808E06D-317C-48B5-80AB-C63B5B44D7D8}" dt="2024-04-28T21:41:19.260" v="2"/>
+          <pc:sldLayoutMkLst>
+            <pc:docMk/>
+            <pc:sldMasterMk cId="3576760201" sldId="2147483684"/>
+            <pc:sldLayoutMk cId="2216021014" sldId="2147483685"/>
+          </pc:sldLayoutMkLst>
+        </pc:sldLayoutChg>
+        <pc:sldLayoutChg chg="add del mod replId">
+          <pc:chgData name="Eduardo Savian" userId="83fefb37af455394" providerId="Windows Live" clId="Web-{6808E06D-317C-48B5-80AB-C63B5B44D7D8}" dt="2024-04-28T21:41:19.260" v="2"/>
+          <pc:sldLayoutMkLst>
+            <pc:docMk/>
+            <pc:sldMasterMk cId="3576760201" sldId="2147483684"/>
+            <pc:sldLayoutMk cId="3902083424" sldId="2147483686"/>
+          </pc:sldLayoutMkLst>
+        </pc:sldLayoutChg>
+        <pc:sldLayoutChg chg="add del mod replId">
+          <pc:chgData name="Eduardo Savian" userId="83fefb37af455394" providerId="Windows Live" clId="Web-{6808E06D-317C-48B5-80AB-C63B5B44D7D8}" dt="2024-04-28T21:41:19.260" v="2"/>
+          <pc:sldLayoutMkLst>
+            <pc:docMk/>
+            <pc:sldMasterMk cId="3576760201" sldId="2147483684"/>
+            <pc:sldLayoutMk cId="303830792" sldId="2147483687"/>
+          </pc:sldLayoutMkLst>
+        </pc:sldLayoutChg>
+        <pc:sldLayoutChg chg="add del mod replId">
+          <pc:chgData name="Eduardo Savian" userId="83fefb37af455394" providerId="Windows Live" clId="Web-{6808E06D-317C-48B5-80AB-C63B5B44D7D8}" dt="2024-04-28T21:41:19.260" v="2"/>
+          <pc:sldLayoutMkLst>
+            <pc:docMk/>
+            <pc:sldMasterMk cId="3576760201" sldId="2147483684"/>
+            <pc:sldLayoutMk cId="3294796599" sldId="2147483688"/>
+          </pc:sldLayoutMkLst>
+        </pc:sldLayoutChg>
+        <pc:sldLayoutChg chg="add del mod replId">
+          <pc:chgData name="Eduardo Savian" userId="83fefb37af455394" providerId="Windows Live" clId="Web-{6808E06D-317C-48B5-80AB-C63B5B44D7D8}" dt="2024-04-28T21:41:19.260" v="2"/>
+          <pc:sldLayoutMkLst>
+            <pc:docMk/>
+            <pc:sldMasterMk cId="3576760201" sldId="2147483684"/>
+            <pc:sldLayoutMk cId="2202936919" sldId="2147483689"/>
+          </pc:sldLayoutMkLst>
+        </pc:sldLayoutChg>
+        <pc:sldLayoutChg chg="add del mod replId">
+          <pc:chgData name="Eduardo Savian" userId="83fefb37af455394" providerId="Windows Live" clId="Web-{6808E06D-317C-48B5-80AB-C63B5B44D7D8}" dt="2024-04-28T21:41:19.260" v="2"/>
+          <pc:sldLayoutMkLst>
+            <pc:docMk/>
+            <pc:sldMasterMk cId="3576760201" sldId="2147483684"/>
+            <pc:sldLayoutMk cId="4008400113" sldId="2147483690"/>
+          </pc:sldLayoutMkLst>
+        </pc:sldLayoutChg>
+        <pc:sldLayoutChg chg="add del mod replId">
+          <pc:chgData name="Eduardo Savian" userId="83fefb37af455394" providerId="Windows Live" clId="Web-{6808E06D-317C-48B5-80AB-C63B5B44D7D8}" dt="2024-04-28T21:41:19.260" v="2"/>
+          <pc:sldLayoutMkLst>
+            <pc:docMk/>
+            <pc:sldMasterMk cId="3576760201" sldId="2147483684"/>
+            <pc:sldLayoutMk cId="2748376286" sldId="2147483691"/>
+          </pc:sldLayoutMkLst>
+        </pc:sldLayoutChg>
+        <pc:sldLayoutChg chg="add del mod replId">
+          <pc:chgData name="Eduardo Savian" userId="83fefb37af455394" providerId="Windows Live" clId="Web-{6808E06D-317C-48B5-80AB-C63B5B44D7D8}" dt="2024-04-28T21:41:19.260" v="2"/>
+          <pc:sldLayoutMkLst>
+            <pc:docMk/>
+            <pc:sldMasterMk cId="3576760201" sldId="2147483684"/>
+            <pc:sldLayoutMk cId="382359778" sldId="2147483692"/>
+          </pc:sldLayoutMkLst>
+        </pc:sldLayoutChg>
+        <pc:sldLayoutChg chg="add del mod replId">
+          <pc:chgData name="Eduardo Savian" userId="83fefb37af455394" providerId="Windows Live" clId="Web-{6808E06D-317C-48B5-80AB-C63B5B44D7D8}" dt="2024-04-28T21:41:19.260" v="2"/>
+          <pc:sldLayoutMkLst>
+            <pc:docMk/>
+            <pc:sldMasterMk cId="3576760201" sldId="2147483684"/>
+            <pc:sldLayoutMk cId="4040316331" sldId="2147483693"/>
+          </pc:sldLayoutMkLst>
+        </pc:sldLayoutChg>
+        <pc:sldLayoutChg chg="add del mod replId">
+          <pc:chgData name="Eduardo Savian" userId="83fefb37af455394" providerId="Windows Live" clId="Web-{6808E06D-317C-48B5-80AB-C63B5B44D7D8}" dt="2024-04-28T21:41:19.260" v="2"/>
+          <pc:sldLayoutMkLst>
+            <pc:docMk/>
+            <pc:sldMasterMk cId="3576760201" sldId="2147483684"/>
+            <pc:sldLayoutMk cId="509449739" sldId="2147483694"/>
+          </pc:sldLayoutMkLst>
+        </pc:sldLayoutChg>
+        <pc:sldLayoutChg chg="add del mod replId">
+          <pc:chgData name="Eduardo Savian" userId="83fefb37af455394" providerId="Windows Live" clId="Web-{6808E06D-317C-48B5-80AB-C63B5B44D7D8}" dt="2024-04-28T21:41:19.260" v="2"/>
+          <pc:sldLayoutMkLst>
+            <pc:docMk/>
+            <pc:sldMasterMk cId="3576760201" sldId="2147483684"/>
+            <pc:sldLayoutMk cId="623420917" sldId="2147483695"/>
+          </pc:sldLayoutMkLst>
+        </pc:sldLayoutChg>
+        <pc:sldLayoutChg chg="add del mod replId">
+          <pc:chgData name="Eduardo Savian" userId="83fefb37af455394" providerId="Windows Live" clId="Web-{6808E06D-317C-48B5-80AB-C63B5B44D7D8}" dt="2024-04-28T21:41:19.260" v="2"/>
+          <pc:sldLayoutMkLst>
+            <pc:docMk/>
+            <pc:sldMasterMk cId="3576760201" sldId="2147483684"/>
+            <pc:sldLayoutMk cId="2864147052" sldId="2147483696"/>
+          </pc:sldLayoutMkLst>
+        </pc:sldLayoutChg>
+        <pc:sldLayoutChg chg="add del mod replId">
+          <pc:chgData name="Eduardo Savian" userId="83fefb37af455394" providerId="Windows Live" clId="Web-{6808E06D-317C-48B5-80AB-C63B5B44D7D8}" dt="2024-04-28T21:41:19.260" v="2"/>
+          <pc:sldLayoutMkLst>
+            <pc:docMk/>
+            <pc:sldMasterMk cId="3576760201" sldId="2147483684"/>
+            <pc:sldLayoutMk cId="318747777" sldId="2147483697"/>
+          </pc:sldLayoutMkLst>
+        </pc:sldLayoutChg>
+        <pc:sldLayoutChg chg="add del mod replId">
+          <pc:chgData name="Eduardo Savian" userId="83fefb37af455394" providerId="Windows Live" clId="Web-{6808E06D-317C-48B5-80AB-C63B5B44D7D8}" dt="2024-04-28T21:41:19.260" v="2"/>
+          <pc:sldLayoutMkLst>
+            <pc:docMk/>
+            <pc:sldMasterMk cId="3576760201" sldId="2147483684"/>
+            <pc:sldLayoutMk cId="1646594572" sldId="2147483698"/>
+          </pc:sldLayoutMkLst>
+        </pc:sldLayoutChg>
+        <pc:sldLayoutChg chg="add del mod replId">
+          <pc:chgData name="Eduardo Savian" userId="83fefb37af455394" providerId="Windows Live" clId="Web-{6808E06D-317C-48B5-80AB-C63B5B44D7D8}" dt="2024-04-28T21:41:19.260" v="2"/>
+          <pc:sldLayoutMkLst>
+            <pc:docMk/>
+            <pc:sldMasterMk cId="3576760201" sldId="2147483684"/>
+            <pc:sldLayoutMk cId="2879648242" sldId="2147483699"/>
+          </pc:sldLayoutMkLst>
+        </pc:sldLayoutChg>
+        <pc:sldLayoutChg chg="add del mod replId">
+          <pc:chgData name="Eduardo Savian" userId="83fefb37af455394" providerId="Windows Live" clId="Web-{6808E06D-317C-48B5-80AB-C63B5B44D7D8}" dt="2024-04-28T21:41:19.260" v="2"/>
+          <pc:sldLayoutMkLst>
+            <pc:docMk/>
+            <pc:sldMasterMk cId="3576760201" sldId="2147483684"/>
+            <pc:sldLayoutMk cId="541596521" sldId="2147483700"/>
+          </pc:sldLayoutMkLst>
+        </pc:sldLayoutChg>
+        <pc:sldLayoutChg chg="add del mod replId">
+          <pc:chgData name="Eduardo Savian" userId="83fefb37af455394" providerId="Windows Live" clId="Web-{6808E06D-317C-48B5-80AB-C63B5B44D7D8}" dt="2024-04-28T21:41:19.260" v="2"/>
+          <pc:sldLayoutMkLst>
+            <pc:docMk/>
+            <pc:sldMasterMk cId="3576760201" sldId="2147483684"/>
+            <pc:sldLayoutMk cId="388203491" sldId="2147483701"/>
+          </pc:sldLayoutMkLst>
+        </pc:sldLayoutChg>
+      </pc:sldMasterChg>
+      <pc:sldMasterChg chg="add addSldLayout modSldLayout">
+        <pc:chgData name="Eduardo Savian" userId="83fefb37af455394" providerId="Windows Live" clId="Web-{6808E06D-317C-48B5-80AB-C63B5B44D7D8}" dt="2024-04-28T21:41:19.260" v="2"/>
+        <pc:sldMasterMkLst>
+          <pc:docMk/>
+          <pc:sldMasterMk cId="380110844" sldId="2147483702"/>
+        </pc:sldMasterMkLst>
+        <pc:sldLayoutChg chg="add mod replId">
+          <pc:chgData name="Eduardo Savian" userId="83fefb37af455394" providerId="Windows Live" clId="Web-{6808E06D-317C-48B5-80AB-C63B5B44D7D8}" dt="2024-04-28T21:41:19.260" v="2"/>
+          <pc:sldLayoutMkLst>
+            <pc:docMk/>
+            <pc:sldMasterMk cId="380110844" sldId="2147483702"/>
+            <pc:sldLayoutMk cId="2993827588" sldId="2147483703"/>
+          </pc:sldLayoutMkLst>
+        </pc:sldLayoutChg>
+        <pc:sldLayoutChg chg="add mod replId">
+          <pc:chgData name="Eduardo Savian" userId="83fefb37af455394" providerId="Windows Live" clId="Web-{6808E06D-317C-48B5-80AB-C63B5B44D7D8}" dt="2024-04-28T21:41:19.260" v="2"/>
+          <pc:sldLayoutMkLst>
+            <pc:docMk/>
+            <pc:sldMasterMk cId="380110844" sldId="2147483702"/>
+            <pc:sldLayoutMk cId="2457156884" sldId="2147483704"/>
+          </pc:sldLayoutMkLst>
+        </pc:sldLayoutChg>
+        <pc:sldLayoutChg chg="add mod replId">
+          <pc:chgData name="Eduardo Savian" userId="83fefb37af455394" providerId="Windows Live" clId="Web-{6808E06D-317C-48B5-80AB-C63B5B44D7D8}" dt="2024-04-28T21:41:19.260" v="2"/>
+          <pc:sldLayoutMkLst>
+            <pc:docMk/>
+            <pc:sldMasterMk cId="380110844" sldId="2147483702"/>
+            <pc:sldLayoutMk cId="2260547415" sldId="2147483705"/>
+          </pc:sldLayoutMkLst>
+        </pc:sldLayoutChg>
+        <pc:sldLayoutChg chg="add mod replId">
+          <pc:chgData name="Eduardo Savian" userId="83fefb37af455394" providerId="Windows Live" clId="Web-{6808E06D-317C-48B5-80AB-C63B5B44D7D8}" dt="2024-04-28T21:41:19.260" v="2"/>
+          <pc:sldLayoutMkLst>
+            <pc:docMk/>
+            <pc:sldMasterMk cId="380110844" sldId="2147483702"/>
+            <pc:sldLayoutMk cId="51149255" sldId="2147483706"/>
+          </pc:sldLayoutMkLst>
+        </pc:sldLayoutChg>
+        <pc:sldLayoutChg chg="add mod replId">
+          <pc:chgData name="Eduardo Savian" userId="83fefb37af455394" providerId="Windows Live" clId="Web-{6808E06D-317C-48B5-80AB-C63B5B44D7D8}" dt="2024-04-28T21:41:19.260" v="2"/>
+          <pc:sldLayoutMkLst>
+            <pc:docMk/>
+            <pc:sldMasterMk cId="380110844" sldId="2147483702"/>
+            <pc:sldLayoutMk cId="3095146221" sldId="2147483707"/>
+          </pc:sldLayoutMkLst>
+        </pc:sldLayoutChg>
+        <pc:sldLayoutChg chg="add mod replId">
+          <pc:chgData name="Eduardo Savian" userId="83fefb37af455394" providerId="Windows Live" clId="Web-{6808E06D-317C-48B5-80AB-C63B5B44D7D8}" dt="2024-04-28T21:41:19.260" v="2"/>
+          <pc:sldLayoutMkLst>
+            <pc:docMk/>
+            <pc:sldMasterMk cId="380110844" sldId="2147483702"/>
+            <pc:sldLayoutMk cId="3266165134" sldId="2147483708"/>
+          </pc:sldLayoutMkLst>
+        </pc:sldLayoutChg>
+        <pc:sldLayoutChg chg="add mod replId">
+          <pc:chgData name="Eduardo Savian" userId="83fefb37af455394" providerId="Windows Live" clId="Web-{6808E06D-317C-48B5-80AB-C63B5B44D7D8}" dt="2024-04-28T21:41:19.260" v="2"/>
+          <pc:sldLayoutMkLst>
+            <pc:docMk/>
+            <pc:sldMasterMk cId="380110844" sldId="2147483702"/>
+            <pc:sldLayoutMk cId="3757151552" sldId="2147483709"/>
+          </pc:sldLayoutMkLst>
+        </pc:sldLayoutChg>
+        <pc:sldLayoutChg chg="add mod replId">
+          <pc:chgData name="Eduardo Savian" userId="83fefb37af455394" providerId="Windows Live" clId="Web-{6808E06D-317C-48B5-80AB-C63B5B44D7D8}" dt="2024-04-28T21:41:19.260" v="2"/>
+          <pc:sldLayoutMkLst>
+            <pc:docMk/>
+            <pc:sldMasterMk cId="380110844" sldId="2147483702"/>
+            <pc:sldLayoutMk cId="2400739392" sldId="2147483710"/>
+          </pc:sldLayoutMkLst>
+        </pc:sldLayoutChg>
+        <pc:sldLayoutChg chg="add mod replId">
+          <pc:chgData name="Eduardo Savian" userId="83fefb37af455394" providerId="Windows Live" clId="Web-{6808E06D-317C-48B5-80AB-C63B5B44D7D8}" dt="2024-04-28T21:41:19.260" v="2"/>
+          <pc:sldLayoutMkLst>
+            <pc:docMk/>
+            <pc:sldMasterMk cId="380110844" sldId="2147483702"/>
+            <pc:sldLayoutMk cId="1672042868" sldId="2147483711"/>
+          </pc:sldLayoutMkLst>
+        </pc:sldLayoutChg>
+        <pc:sldLayoutChg chg="add mod replId">
+          <pc:chgData name="Eduardo Savian" userId="83fefb37af455394" providerId="Windows Live" clId="Web-{6808E06D-317C-48B5-80AB-C63B5B44D7D8}" dt="2024-04-28T21:41:19.260" v="2"/>
+          <pc:sldLayoutMkLst>
+            <pc:docMk/>
+            <pc:sldMasterMk cId="380110844" sldId="2147483702"/>
+            <pc:sldLayoutMk cId="3551866296" sldId="2147483712"/>
+          </pc:sldLayoutMkLst>
+        </pc:sldLayoutChg>
+        <pc:sldLayoutChg chg="add mod replId">
+          <pc:chgData name="Eduardo Savian" userId="83fefb37af455394" providerId="Windows Live" clId="Web-{6808E06D-317C-48B5-80AB-C63B5B44D7D8}" dt="2024-04-28T21:41:19.260" v="2"/>
+          <pc:sldLayoutMkLst>
+            <pc:docMk/>
+            <pc:sldMasterMk cId="380110844" sldId="2147483702"/>
+            <pc:sldLayoutMk cId="3957431958" sldId="2147483713"/>
+          </pc:sldLayoutMkLst>
+        </pc:sldLayoutChg>
+      </pc:sldMasterChg>
+    </pc:docChg>
+  </pc:docChgLst>
+  <pc:docChgLst>
+    <pc:chgData name="Eduardo Savian" userId="83fefb37af455394" providerId="LiveId" clId="{F92F2121-E3A7-4D5C-8A92-F61E052B0D7C}"/>
+    <pc:docChg chg="modSld">
+      <pc:chgData name="Eduardo Savian" userId="83fefb37af455394" providerId="LiveId" clId="{F92F2121-E3A7-4D5C-8A92-F61E052B0D7C}" dt="2024-05-08T21:56:59.808" v="11" actId="1076"/>
+      <pc:docMkLst>
+        <pc:docMk/>
+      </pc:docMkLst>
+      <pc:sldChg chg="addSp modSp mod">
+        <pc:chgData name="Eduardo Savian" userId="83fefb37af455394" providerId="LiveId" clId="{F92F2121-E3A7-4D5C-8A92-F61E052B0D7C}" dt="2024-05-08T21:56:59.808" v="11" actId="1076"/>
+        <pc:sldMkLst>
+          <pc:docMk/>
+          <pc:sldMk cId="2753850936" sldId="261"/>
+        </pc:sldMkLst>
+        <pc:picChg chg="add mod">
+          <ac:chgData name="Eduardo Savian" userId="83fefb37af455394" providerId="LiveId" clId="{F92F2121-E3A7-4D5C-8A92-F61E052B0D7C}" dt="2024-05-08T21:56:56.310" v="8" actId="27614"/>
+          <ac:picMkLst>
+            <pc:docMk/>
+            <pc:sldMk cId="2753850936" sldId="261"/>
+            <ac:picMk id="7" creationId="{24B49B10-7660-3EA2-3964-3F937A078934}"/>
+          </ac:picMkLst>
+        </pc:picChg>
+        <pc:picChg chg="mod">
+          <ac:chgData name="Eduardo Savian" userId="83fefb37af455394" providerId="LiveId" clId="{F92F2121-E3A7-4D5C-8A92-F61E052B0D7C}" dt="2024-05-08T21:56:59.808" v="11" actId="1076"/>
+          <ac:picMkLst>
+            <pc:docMk/>
+            <pc:sldMk cId="2753850936" sldId="261"/>
+            <ac:picMk id="14" creationId="{CB3B0777-5292-ECBA-8C1A-6098EEFCD096}"/>
+          </ac:picMkLst>
+        </pc:picChg>
+      </pc:sldChg>
     </pc:docChg>
   </pc:docChgLst>
   <pc:docChgLst>
@@ -657,760 +2731,20 @@
     </pc:docChg>
   </pc:docChgLst>
   <pc:docChgLst>
-    <pc:chgData name="Eduardo Savian" userId="83fefb37af455394" providerId="LiveId" clId="{212EF4F1-877B-4B80-88EE-35A0BC77C71A}"/>
-    <pc:docChg chg="custSel addSld modSld">
-      <pc:chgData name="Eduardo Savian" userId="83fefb37af455394" providerId="LiveId" clId="{212EF4F1-877B-4B80-88EE-35A0BC77C71A}" dt="2024-05-03T19:36:56.092" v="52" actId="20577"/>
-      <pc:docMkLst>
-        <pc:docMk/>
-      </pc:docMkLst>
-      <pc:sldChg chg="modSp new mod">
-        <pc:chgData name="Eduardo Savian" userId="83fefb37af455394" providerId="LiveId" clId="{212EF4F1-877B-4B80-88EE-35A0BC77C71A}" dt="2024-05-03T18:53:11.223" v="29" actId="20577"/>
-        <pc:sldMkLst>
-          <pc:docMk/>
-          <pc:sldMk cId="3775945265" sldId="257"/>
-        </pc:sldMkLst>
-        <pc:spChg chg="mod">
-          <ac:chgData name="Eduardo Savian" userId="83fefb37af455394" providerId="LiveId" clId="{212EF4F1-877B-4B80-88EE-35A0BC77C71A}" dt="2024-05-03T18:53:11.223" v="29" actId="20577"/>
-          <ac:spMkLst>
-            <pc:docMk/>
-            <pc:sldMk cId="3775945265" sldId="257"/>
-            <ac:spMk id="2" creationId="{D6ADE00D-4311-50C4-8DF9-71AEE4CBFBA6}"/>
-          </ac:spMkLst>
-        </pc:spChg>
-      </pc:sldChg>
-      <pc:sldChg chg="modSp new mod">
-        <pc:chgData name="Eduardo Savian" userId="83fefb37af455394" providerId="LiveId" clId="{212EF4F1-877B-4B80-88EE-35A0BC77C71A}" dt="2024-05-03T19:36:56.092" v="52" actId="20577"/>
-        <pc:sldMkLst>
-          <pc:docMk/>
-          <pc:sldMk cId="1767302655" sldId="258"/>
-        </pc:sldMkLst>
-        <pc:spChg chg="mod">
-          <ac:chgData name="Eduardo Savian" userId="83fefb37af455394" providerId="LiveId" clId="{212EF4F1-877B-4B80-88EE-35A0BC77C71A}" dt="2024-05-03T19:36:56.092" v="52" actId="20577"/>
-          <ac:spMkLst>
-            <pc:docMk/>
-            <pc:sldMk cId="1767302655" sldId="258"/>
-            <ac:spMk id="2" creationId="{3DA2759E-6509-5739-997F-79FBA3389A58}"/>
-          </ac:spMkLst>
-        </pc:spChg>
-      </pc:sldChg>
-      <pc:sldChg chg="new">
-        <pc:chgData name="Eduardo Savian" userId="83fefb37af455394" providerId="LiveId" clId="{212EF4F1-877B-4B80-88EE-35A0BC77C71A}" dt="2024-05-03T18:52:10.151" v="2" actId="680"/>
-        <pc:sldMkLst>
-          <pc:docMk/>
-          <pc:sldMk cId="1967995460" sldId="259"/>
-        </pc:sldMkLst>
-      </pc:sldChg>
-      <pc:sldChg chg="delSp modSp new mod">
-        <pc:chgData name="Eduardo Savian" userId="83fefb37af455394" providerId="LiveId" clId="{212EF4F1-877B-4B80-88EE-35A0BC77C71A}" dt="2024-05-03T18:53:01.392" v="19" actId="1076"/>
-        <pc:sldMkLst>
-          <pc:docMk/>
-          <pc:sldMk cId="2210678312" sldId="260"/>
-        </pc:sldMkLst>
-        <pc:spChg chg="mod">
-          <ac:chgData name="Eduardo Savian" userId="83fefb37af455394" providerId="LiveId" clId="{212EF4F1-877B-4B80-88EE-35A0BC77C71A}" dt="2024-05-03T18:53:01.392" v="19" actId="1076"/>
-          <ac:spMkLst>
-            <pc:docMk/>
-            <pc:sldMk cId="2210678312" sldId="260"/>
-            <ac:spMk id="2" creationId="{B1F35A36-4B8A-CC21-A7B3-D24FC5357485}"/>
-          </ac:spMkLst>
-        </pc:spChg>
-        <pc:spChg chg="del">
-          <ac:chgData name="Eduardo Savian" userId="83fefb37af455394" providerId="LiveId" clId="{212EF4F1-877B-4B80-88EE-35A0BC77C71A}" dt="2024-05-03T18:52:32.529" v="12" actId="478"/>
-          <ac:spMkLst>
-            <pc:docMk/>
-            <pc:sldMk cId="2210678312" sldId="260"/>
-            <ac:spMk id="3" creationId="{4F31A53A-45B9-5159-56F8-275BCFA8167B}"/>
-          </ac:spMkLst>
-        </pc:spChg>
-      </pc:sldChg>
-    </pc:docChg>
-  </pc:docChgLst>
-  <pc:docChgLst>
-    <pc:chgData name="Eduardo Savian" userId="83fefb37af455394" providerId="LiveId" clId="{9027FE1D-C861-432B-B1C8-11A99DB4171A}"/>
-    <pc:docChg chg="undo redo custSel addSld delSld modSld sldOrd">
-      <pc:chgData name="Eduardo Savian" userId="83fefb37af455394" providerId="LiveId" clId="{9027FE1D-C861-432B-B1C8-11A99DB4171A}" dt="2024-05-08T21:45:57.566" v="977" actId="27636"/>
-      <pc:docMkLst>
-        <pc:docMk/>
-      </pc:docMkLst>
-      <pc:sldChg chg="modSp mod">
-        <pc:chgData name="Eduardo Savian" userId="83fefb37af455394" providerId="LiveId" clId="{9027FE1D-C861-432B-B1C8-11A99DB4171A}" dt="2024-05-08T21:26:36.303" v="783" actId="20577"/>
-        <pc:sldMkLst>
-          <pc:docMk/>
-          <pc:sldMk cId="3775945265" sldId="257"/>
-        </pc:sldMkLst>
-        <pc:spChg chg="mod">
-          <ac:chgData name="Eduardo Savian" userId="83fefb37af455394" providerId="LiveId" clId="{9027FE1D-C861-432B-B1C8-11A99DB4171A}" dt="2024-05-08T21:26:36.303" v="783" actId="20577"/>
-          <ac:spMkLst>
-            <pc:docMk/>
-            <pc:sldMk cId="3775945265" sldId="257"/>
-            <ac:spMk id="3" creationId="{A3B4ADFF-18FA-819A-E2DD-F32D67BA3A8E}"/>
-          </ac:spMkLst>
-        </pc:spChg>
-      </pc:sldChg>
-      <pc:sldChg chg="add del">
-        <pc:chgData name="Eduardo Savian" userId="83fefb37af455394" providerId="LiveId" clId="{9027FE1D-C861-432B-B1C8-11A99DB4171A}" dt="2024-05-08T21:05:36.378" v="77" actId="2696"/>
-        <pc:sldMkLst>
-          <pc:docMk/>
-          <pc:sldMk cId="1767302655" sldId="258"/>
-        </pc:sldMkLst>
-      </pc:sldChg>
-      <pc:sldChg chg="addSp delSp modSp mod">
-        <pc:chgData name="Eduardo Savian" userId="83fefb37af455394" providerId="LiveId" clId="{9027FE1D-C861-432B-B1C8-11A99DB4171A}" dt="2024-05-08T21:28:22.277" v="799" actId="20577"/>
-        <pc:sldMkLst>
-          <pc:docMk/>
-          <pc:sldMk cId="1967995460" sldId="259"/>
-        </pc:sldMkLst>
-        <pc:spChg chg="mod">
-          <ac:chgData name="Eduardo Savian" userId="83fefb37af455394" providerId="LiveId" clId="{9027FE1D-C861-432B-B1C8-11A99DB4171A}" dt="2024-05-08T21:28:22.277" v="799" actId="20577"/>
-          <ac:spMkLst>
-            <pc:docMk/>
-            <pc:sldMk cId="1967995460" sldId="259"/>
-            <ac:spMk id="2" creationId="{39887D89-22FC-622C-690A-E2571C8358CE}"/>
-          </ac:spMkLst>
-        </pc:spChg>
-        <pc:spChg chg="add del mod">
-          <ac:chgData name="Eduardo Savian" userId="83fefb37af455394" providerId="LiveId" clId="{9027FE1D-C861-432B-B1C8-11A99DB4171A}" dt="2024-05-08T20:59:00.383" v="7" actId="22"/>
-          <ac:spMkLst>
-            <pc:docMk/>
-            <pc:sldMk cId="1967995460" sldId="259"/>
-            <ac:spMk id="3" creationId="{D18A5516-B06F-36C5-F2E3-84103FADF1AC}"/>
-          </ac:spMkLst>
-        </pc:spChg>
-        <pc:picChg chg="add del mod ord">
-          <ac:chgData name="Eduardo Savian" userId="83fefb37af455394" providerId="LiveId" clId="{9027FE1D-C861-432B-B1C8-11A99DB4171A}" dt="2024-05-08T20:58:36.385" v="4" actId="22"/>
-          <ac:picMkLst>
-            <pc:docMk/>
-            <pc:sldMk cId="1967995460" sldId="259"/>
-            <ac:picMk id="8" creationId="{52C2B709-56B2-20E2-768C-306D1D6965DE}"/>
-          </ac:picMkLst>
-        </pc:picChg>
-        <pc:picChg chg="add del mod ord">
-          <ac:chgData name="Eduardo Savian" userId="83fefb37af455394" providerId="LiveId" clId="{9027FE1D-C861-432B-B1C8-11A99DB4171A}" dt="2024-05-08T20:58:39.915" v="6" actId="22"/>
-          <ac:picMkLst>
-            <pc:docMk/>
-            <pc:sldMk cId="1967995460" sldId="259"/>
-            <ac:picMk id="10" creationId="{16A63DAA-E59A-D7A3-B358-FD699D848CF5}"/>
-          </ac:picMkLst>
-        </pc:picChg>
-        <pc:picChg chg="add mod ord">
-          <ac:chgData name="Eduardo Savian" userId="83fefb37af455394" providerId="LiveId" clId="{9027FE1D-C861-432B-B1C8-11A99DB4171A}" dt="2024-05-08T20:59:07.023" v="10" actId="1076"/>
-          <ac:picMkLst>
-            <pc:docMk/>
-            <pc:sldMk cId="1967995460" sldId="259"/>
-            <ac:picMk id="12" creationId="{91EFBEF1-DAB5-FE3F-2356-678CD9318547}"/>
-          </ac:picMkLst>
-        </pc:picChg>
-      </pc:sldChg>
-      <pc:sldChg chg="addSp delSp modSp new mod ord">
-        <pc:chgData name="Eduardo Savian" userId="83fefb37af455394" providerId="LiveId" clId="{9027FE1D-C861-432B-B1C8-11A99DB4171A}" dt="2024-05-08T21:28:50.537" v="801"/>
-        <pc:sldMkLst>
-          <pc:docMk/>
-          <pc:sldMk cId="2753850936" sldId="261"/>
-        </pc:sldMkLst>
-        <pc:spChg chg="mod">
-          <ac:chgData name="Eduardo Savian" userId="83fefb37af455394" providerId="LiveId" clId="{9027FE1D-C861-432B-B1C8-11A99DB4171A}" dt="2024-05-08T21:06:06.138" v="144" actId="20577"/>
-          <ac:spMkLst>
-            <pc:docMk/>
-            <pc:sldMk cId="2753850936" sldId="261"/>
-            <ac:spMk id="2" creationId="{B4FB27EB-9630-9CCA-54BD-82695DF6A1E3}"/>
-          </ac:spMkLst>
-        </pc:spChg>
-        <pc:spChg chg="del mod">
-          <ac:chgData name="Eduardo Savian" userId="83fefb37af455394" providerId="LiveId" clId="{9027FE1D-C861-432B-B1C8-11A99DB4171A}" dt="2024-05-08T20:59:30.147" v="16" actId="22"/>
-          <ac:spMkLst>
-            <pc:docMk/>
-            <pc:sldMk cId="2753850936" sldId="261"/>
-            <ac:spMk id="3" creationId="{E95B3CCF-9410-58FF-EF97-ACA0442401C7}"/>
-          </ac:spMkLst>
-        </pc:spChg>
-        <pc:spChg chg="add del mod">
-          <ac:chgData name="Eduardo Savian" userId="83fefb37af455394" providerId="LiveId" clId="{9027FE1D-C861-432B-B1C8-11A99DB4171A}" dt="2024-05-08T20:59:54.887" v="20" actId="22"/>
-          <ac:spMkLst>
-            <pc:docMk/>
-            <pc:sldMk cId="2753850936" sldId="261"/>
-            <ac:spMk id="10" creationId="{C00765DB-66B9-6550-7CC5-D2D64B7208C9}"/>
-          </ac:spMkLst>
-        </pc:spChg>
-        <pc:picChg chg="add del mod ord">
-          <ac:chgData name="Eduardo Savian" userId="83fefb37af455394" providerId="LiveId" clId="{9027FE1D-C861-432B-B1C8-11A99DB4171A}" dt="2024-05-08T20:59:52.630" v="17" actId="478"/>
-          <ac:picMkLst>
-            <pc:docMk/>
-            <pc:sldMk cId="2753850936" sldId="261"/>
-            <ac:picMk id="8" creationId="{A42A3D5C-9BC3-F8AC-7056-D24B0741EB76}"/>
-          </ac:picMkLst>
-        </pc:picChg>
-        <pc:picChg chg="add del">
-          <ac:chgData name="Eduardo Savian" userId="83fefb37af455394" providerId="LiveId" clId="{9027FE1D-C861-432B-B1C8-11A99DB4171A}" dt="2024-05-08T20:59:53.501" v="19" actId="22"/>
-          <ac:picMkLst>
-            <pc:docMk/>
-            <pc:sldMk cId="2753850936" sldId="261"/>
-            <ac:picMk id="12" creationId="{685AB56C-9814-1B1C-3041-DA15E139136D}"/>
-          </ac:picMkLst>
-        </pc:picChg>
-        <pc:picChg chg="add mod ord">
-          <ac:chgData name="Eduardo Savian" userId="83fefb37af455394" providerId="LiveId" clId="{9027FE1D-C861-432B-B1C8-11A99DB4171A}" dt="2024-05-08T20:59:54.887" v="20" actId="22"/>
-          <ac:picMkLst>
-            <pc:docMk/>
-            <pc:sldMk cId="2753850936" sldId="261"/>
-            <ac:picMk id="14" creationId="{CB3B0777-5292-ECBA-8C1A-6098EEFCD096}"/>
-          </ac:picMkLst>
-        </pc:picChg>
-      </pc:sldChg>
-      <pc:sldChg chg="addSp delSp modSp new mod ord">
-        <pc:chgData name="Eduardo Savian" userId="83fefb37af455394" providerId="LiveId" clId="{9027FE1D-C861-432B-B1C8-11A99DB4171A}" dt="2024-05-08T21:08:06.085" v="253" actId="1076"/>
-        <pc:sldMkLst>
-          <pc:docMk/>
-          <pc:sldMk cId="4074611433" sldId="262"/>
-        </pc:sldMkLst>
-        <pc:spChg chg="mod">
-          <ac:chgData name="Eduardo Savian" userId="83fefb37af455394" providerId="LiveId" clId="{9027FE1D-C861-432B-B1C8-11A99DB4171A}" dt="2024-05-08T21:07:41.346" v="248" actId="20577"/>
-          <ac:spMkLst>
-            <pc:docMk/>
-            <pc:sldMk cId="4074611433" sldId="262"/>
-            <ac:spMk id="2" creationId="{E2040403-79F0-823D-2409-D5E0B58B5402}"/>
-          </ac:spMkLst>
-        </pc:spChg>
-        <pc:spChg chg="del">
-          <ac:chgData name="Eduardo Savian" userId="83fefb37af455394" providerId="LiveId" clId="{9027FE1D-C861-432B-B1C8-11A99DB4171A}" dt="2024-05-08T21:00:17.889" v="21" actId="22"/>
-          <ac:spMkLst>
-            <pc:docMk/>
-            <pc:sldMk cId="4074611433" sldId="262"/>
-            <ac:spMk id="3" creationId="{560C1123-B873-3316-1617-C06231828F24}"/>
-          </ac:spMkLst>
-        </pc:spChg>
-        <pc:picChg chg="add mod ord">
-          <ac:chgData name="Eduardo Savian" userId="83fefb37af455394" providerId="LiveId" clId="{9027FE1D-C861-432B-B1C8-11A99DB4171A}" dt="2024-05-08T21:08:06.085" v="253" actId="1076"/>
-          <ac:picMkLst>
-            <pc:docMk/>
-            <pc:sldMk cId="4074611433" sldId="262"/>
-            <ac:picMk id="8" creationId="{5EE782DC-34E0-2145-3B71-7A7901F7FC0E}"/>
-          </ac:picMkLst>
-        </pc:picChg>
-      </pc:sldChg>
-      <pc:sldChg chg="addSp delSp modSp new mod">
-        <pc:chgData name="Eduardo Savian" userId="83fefb37af455394" providerId="LiveId" clId="{9027FE1D-C861-432B-B1C8-11A99DB4171A}" dt="2024-05-08T21:09:09.085" v="265" actId="14100"/>
-        <pc:sldMkLst>
-          <pc:docMk/>
-          <pc:sldMk cId="922261976" sldId="263"/>
-        </pc:sldMkLst>
-        <pc:spChg chg="mod">
-          <ac:chgData name="Eduardo Savian" userId="83fefb37af455394" providerId="LiveId" clId="{9027FE1D-C861-432B-B1C8-11A99DB4171A}" dt="2024-05-08T21:06:29.059" v="173" actId="20577"/>
-          <ac:spMkLst>
-            <pc:docMk/>
-            <pc:sldMk cId="922261976" sldId="263"/>
-            <ac:spMk id="2" creationId="{8CA5BA22-DDB8-EA28-662F-932D9B518648}"/>
-          </ac:spMkLst>
-        </pc:spChg>
-        <pc:spChg chg="del">
-          <ac:chgData name="Eduardo Savian" userId="83fefb37af455394" providerId="LiveId" clId="{9027FE1D-C861-432B-B1C8-11A99DB4171A}" dt="2024-05-08T21:00:38.812" v="24" actId="22"/>
-          <ac:spMkLst>
-            <pc:docMk/>
-            <pc:sldMk cId="922261976" sldId="263"/>
-            <ac:spMk id="3" creationId="{A1C9E8BB-698A-B1B5-023C-3782C298794E}"/>
-          </ac:spMkLst>
-        </pc:spChg>
-        <pc:spChg chg="add del mod">
-          <ac:chgData name="Eduardo Savian" userId="83fefb37af455394" providerId="LiveId" clId="{9027FE1D-C861-432B-B1C8-11A99DB4171A}" dt="2024-05-08T21:09:06.349" v="264" actId="22"/>
-          <ac:spMkLst>
-            <pc:docMk/>
-            <pc:sldMk cId="922261976" sldId="263"/>
-            <ac:spMk id="10" creationId="{16771269-BF36-F3C5-01E9-A007977794A6}"/>
-          </ac:spMkLst>
-        </pc:spChg>
-        <pc:spChg chg="add del">
-          <ac:chgData name="Eduardo Savian" userId="83fefb37af455394" providerId="LiveId" clId="{9027FE1D-C861-432B-B1C8-11A99DB4171A}" dt="2024-05-08T21:08:54.852" v="256" actId="22"/>
-          <ac:spMkLst>
-            <pc:docMk/>
-            <pc:sldMk cId="922261976" sldId="263"/>
-            <ac:spMk id="12" creationId="{27873F30-40D0-5B6D-5037-21289261EC30}"/>
-          </ac:spMkLst>
-        </pc:spChg>
-        <pc:picChg chg="add del mod ord">
-          <ac:chgData name="Eduardo Savian" userId="83fefb37af455394" providerId="LiveId" clId="{9027FE1D-C861-432B-B1C8-11A99DB4171A}" dt="2024-05-08T21:08:54.091" v="254" actId="478"/>
-          <ac:picMkLst>
-            <pc:docMk/>
-            <pc:sldMk cId="922261976" sldId="263"/>
-            <ac:picMk id="8" creationId="{B1CC22E3-EFFB-7223-F08A-0A40E94AE260}"/>
-          </ac:picMkLst>
-        </pc:picChg>
-        <pc:picChg chg="add del">
-          <ac:chgData name="Eduardo Savian" userId="83fefb37af455394" providerId="LiveId" clId="{9027FE1D-C861-432B-B1C8-11A99DB4171A}" dt="2024-05-08T21:09:04.535" v="262" actId="22"/>
-          <ac:picMkLst>
-            <pc:docMk/>
-            <pc:sldMk cId="922261976" sldId="263"/>
-            <ac:picMk id="14" creationId="{3CEAAAE0-FFCC-E7A5-3D69-A09E8FC2F9CE}"/>
-          </ac:picMkLst>
-        </pc:picChg>
-        <pc:picChg chg="add mod ord">
-          <ac:chgData name="Eduardo Savian" userId="83fefb37af455394" providerId="LiveId" clId="{9027FE1D-C861-432B-B1C8-11A99DB4171A}" dt="2024-05-08T21:09:09.085" v="265" actId="14100"/>
-          <ac:picMkLst>
-            <pc:docMk/>
-            <pc:sldMk cId="922261976" sldId="263"/>
-            <ac:picMk id="16" creationId="{F3F62092-4A47-DE51-7B8F-649D763BBB50}"/>
-          </ac:picMkLst>
-        </pc:picChg>
-      </pc:sldChg>
-      <pc:sldChg chg="addSp delSp modSp new mod ord">
-        <pc:chgData name="Eduardo Savian" userId="83fefb37af455394" providerId="LiveId" clId="{9027FE1D-C861-432B-B1C8-11A99DB4171A}" dt="2024-05-08T21:05:28.571" v="76" actId="1076"/>
-        <pc:sldMkLst>
-          <pc:docMk/>
-          <pc:sldMk cId="2804307500" sldId="264"/>
-        </pc:sldMkLst>
-        <pc:spChg chg="mod">
-          <ac:chgData name="Eduardo Savian" userId="83fefb37af455394" providerId="LiveId" clId="{9027FE1D-C861-432B-B1C8-11A99DB4171A}" dt="2024-05-08T21:04:38.025" v="55" actId="20577"/>
-          <ac:spMkLst>
-            <pc:docMk/>
-            <pc:sldMk cId="2804307500" sldId="264"/>
-            <ac:spMk id="2" creationId="{714336CA-46CB-E909-FCA2-DB7B50170DF0}"/>
-          </ac:spMkLst>
-        </pc:spChg>
-        <pc:spChg chg="del">
-          <ac:chgData name="Eduardo Savian" userId="83fefb37af455394" providerId="LiveId" clId="{9027FE1D-C861-432B-B1C8-11A99DB4171A}" dt="2024-05-08T21:03:25.944" v="34" actId="22"/>
-          <ac:spMkLst>
-            <pc:docMk/>
-            <pc:sldMk cId="2804307500" sldId="264"/>
-            <ac:spMk id="3" creationId="{1450566D-5868-09C0-EAAE-B766FBD4D56A}"/>
-          </ac:spMkLst>
-        </pc:spChg>
-        <pc:picChg chg="add mod ord">
-          <ac:chgData name="Eduardo Savian" userId="83fefb37af455394" providerId="LiveId" clId="{9027FE1D-C861-432B-B1C8-11A99DB4171A}" dt="2024-05-08T21:05:28.571" v="76" actId="1076"/>
-          <ac:picMkLst>
-            <pc:docMk/>
-            <pc:sldMk cId="2804307500" sldId="264"/>
-            <ac:picMk id="8" creationId="{00F452FC-2464-3821-2B96-E293938164EB}"/>
-          </ac:picMkLst>
-        </pc:picChg>
-      </pc:sldChg>
-      <pc:sldChg chg="addSp delSp modSp new mod ord">
-        <pc:chgData name="Eduardo Savian" userId="83fefb37af455394" providerId="LiveId" clId="{9027FE1D-C861-432B-B1C8-11A99DB4171A}" dt="2024-05-08T21:29:14.113" v="811" actId="20577"/>
-        <pc:sldMkLst>
-          <pc:docMk/>
-          <pc:sldMk cId="1498387516" sldId="265"/>
-        </pc:sldMkLst>
-        <pc:spChg chg="mod">
-          <ac:chgData name="Eduardo Savian" userId="83fefb37af455394" providerId="LiveId" clId="{9027FE1D-C861-432B-B1C8-11A99DB4171A}" dt="2024-05-08T21:29:14.113" v="811" actId="20577"/>
-          <ac:spMkLst>
-            <pc:docMk/>
-            <pc:sldMk cId="1498387516" sldId="265"/>
-            <ac:spMk id="2" creationId="{017149C2-F1C9-B662-3A74-0B3F0A9B813C}"/>
-          </ac:spMkLst>
-        </pc:spChg>
-        <pc:spChg chg="del">
-          <ac:chgData name="Eduardo Savian" userId="83fefb37af455394" providerId="LiveId" clId="{9027FE1D-C861-432B-B1C8-11A99DB4171A}" dt="2024-05-08T21:01:37.067" v="27" actId="22"/>
-          <ac:spMkLst>
-            <pc:docMk/>
-            <pc:sldMk cId="1498387516" sldId="265"/>
-            <ac:spMk id="3" creationId="{E26508B0-20C1-63BE-B087-39A3791B45B5}"/>
-          </ac:spMkLst>
-        </pc:spChg>
-        <pc:picChg chg="add mod ord">
-          <ac:chgData name="Eduardo Savian" userId="83fefb37af455394" providerId="LiveId" clId="{9027FE1D-C861-432B-B1C8-11A99DB4171A}" dt="2024-05-08T21:01:37.067" v="27" actId="22"/>
-          <ac:picMkLst>
-            <pc:docMk/>
-            <pc:sldMk cId="1498387516" sldId="265"/>
-            <ac:picMk id="8" creationId="{7C901518-C422-89C1-6369-69ED99F70AF8}"/>
-          </ac:picMkLst>
-        </pc:picChg>
-      </pc:sldChg>
-      <pc:sldChg chg="addSp delSp modSp new mod ord">
-        <pc:chgData name="Eduardo Savian" userId="83fefb37af455394" providerId="LiveId" clId="{9027FE1D-C861-432B-B1C8-11A99DB4171A}" dt="2024-05-08T21:07:11.088" v="221"/>
-        <pc:sldMkLst>
-          <pc:docMk/>
-          <pc:sldMk cId="1606520421" sldId="266"/>
-        </pc:sldMkLst>
-        <pc:spChg chg="mod">
-          <ac:chgData name="Eduardo Savian" userId="83fefb37af455394" providerId="LiveId" clId="{9027FE1D-C861-432B-B1C8-11A99DB4171A}" dt="2024-05-08T21:07:03.830" v="217"/>
-          <ac:spMkLst>
-            <pc:docMk/>
-            <pc:sldMk cId="1606520421" sldId="266"/>
-            <ac:spMk id="2" creationId="{06A686DF-65D1-C31B-9C66-BF7F4C7748DA}"/>
-          </ac:spMkLst>
-        </pc:spChg>
-        <pc:spChg chg="add del mod">
-          <ac:chgData name="Eduardo Savian" userId="83fefb37af455394" providerId="LiveId" clId="{9027FE1D-C861-432B-B1C8-11A99DB4171A}" dt="2024-05-08T21:02:51.476" v="33" actId="22"/>
-          <ac:spMkLst>
-            <pc:docMk/>
-            <pc:sldMk cId="1606520421" sldId="266"/>
-            <ac:spMk id="3" creationId="{65BE490F-FCAB-EE5E-5EC1-B7ED12E47A30}"/>
-          </ac:spMkLst>
-        </pc:spChg>
-        <pc:picChg chg="add del mod ord">
-          <ac:chgData name="Eduardo Savian" userId="83fefb37af455394" providerId="LiveId" clId="{9027FE1D-C861-432B-B1C8-11A99DB4171A}" dt="2024-05-08T21:02:49.808" v="32" actId="22"/>
-          <ac:picMkLst>
-            <pc:docMk/>
-            <pc:sldMk cId="1606520421" sldId="266"/>
-            <ac:picMk id="8" creationId="{2AE49F3C-725C-33E5-B0B9-6E0E4A36FBC2}"/>
-          </ac:picMkLst>
-        </pc:picChg>
-        <pc:picChg chg="add mod ord">
-          <ac:chgData name="Eduardo Savian" userId="83fefb37af455394" providerId="LiveId" clId="{9027FE1D-C861-432B-B1C8-11A99DB4171A}" dt="2024-05-08T21:02:51.476" v="33" actId="22"/>
-          <ac:picMkLst>
-            <pc:docMk/>
-            <pc:sldMk cId="1606520421" sldId="266"/>
-            <ac:picMk id="10" creationId="{1977DA46-0F53-57B2-6472-D211005044D0}"/>
-          </ac:picMkLst>
-        </pc:picChg>
-      </pc:sldChg>
-      <pc:sldChg chg="addSp delSp modSp new mod ord">
-        <pc:chgData name="Eduardo Savian" userId="83fefb37af455394" providerId="LiveId" clId="{9027FE1D-C861-432B-B1C8-11A99DB4171A}" dt="2024-05-08T21:05:19.857" v="72" actId="1076"/>
-        <pc:sldMkLst>
-          <pc:docMk/>
-          <pc:sldMk cId="3546819228" sldId="267"/>
-        </pc:sldMkLst>
-        <pc:spChg chg="mod">
-          <ac:chgData name="Eduardo Savian" userId="83fefb37af455394" providerId="LiveId" clId="{9027FE1D-C861-432B-B1C8-11A99DB4171A}" dt="2024-05-08T21:05:12.625" v="70" actId="20577"/>
-          <ac:spMkLst>
-            <pc:docMk/>
-            <pc:sldMk cId="3546819228" sldId="267"/>
-            <ac:spMk id="2" creationId="{30C56C44-CE58-41CD-29E4-49176BAA2E4E}"/>
-          </ac:spMkLst>
-        </pc:spChg>
-        <pc:spChg chg="del">
-          <ac:chgData name="Eduardo Savian" userId="83fefb37af455394" providerId="LiveId" clId="{9027FE1D-C861-432B-B1C8-11A99DB4171A}" dt="2024-05-08T21:03:46.184" v="36" actId="22"/>
-          <ac:spMkLst>
-            <pc:docMk/>
-            <pc:sldMk cId="3546819228" sldId="267"/>
-            <ac:spMk id="3" creationId="{47AFF63C-BFAA-DB6B-D078-6A65337EC5AD}"/>
-          </ac:spMkLst>
-        </pc:spChg>
-        <pc:picChg chg="add mod ord">
-          <ac:chgData name="Eduardo Savian" userId="83fefb37af455394" providerId="LiveId" clId="{9027FE1D-C861-432B-B1C8-11A99DB4171A}" dt="2024-05-08T21:05:19.857" v="72" actId="1076"/>
-          <ac:picMkLst>
-            <pc:docMk/>
-            <pc:sldMk cId="3546819228" sldId="267"/>
-            <ac:picMk id="8" creationId="{9144A76C-7831-775B-9992-B2783F29472A}"/>
-          </ac:picMkLst>
-        </pc:picChg>
-      </pc:sldChg>
-      <pc:sldChg chg="modSp new mod">
-        <pc:chgData name="Eduardo Savian" userId="83fefb37af455394" providerId="LiveId" clId="{9027FE1D-C861-432B-B1C8-11A99DB4171A}" dt="2024-05-08T21:45:57.566" v="977" actId="27636"/>
-        <pc:sldMkLst>
-          <pc:docMk/>
-          <pc:sldMk cId="2097304172" sldId="268"/>
-        </pc:sldMkLst>
-        <pc:spChg chg="mod">
-          <ac:chgData name="Eduardo Savian" userId="83fefb37af455394" providerId="LiveId" clId="{9027FE1D-C861-432B-B1C8-11A99DB4171A}" dt="2024-05-08T21:13:49.235" v="495" actId="20577"/>
-          <ac:spMkLst>
-            <pc:docMk/>
-            <pc:sldMk cId="2097304172" sldId="268"/>
-            <ac:spMk id="2" creationId="{4E319447-D02E-7C4B-241A-4A96C7ABC44D}"/>
-          </ac:spMkLst>
-        </pc:spChg>
-        <pc:spChg chg="mod">
-          <ac:chgData name="Eduardo Savian" userId="83fefb37af455394" providerId="LiveId" clId="{9027FE1D-C861-432B-B1C8-11A99DB4171A}" dt="2024-05-08T21:45:57.566" v="977" actId="27636"/>
-          <ac:spMkLst>
-            <pc:docMk/>
-            <pc:sldMk cId="2097304172" sldId="268"/>
-            <ac:spMk id="3" creationId="{DF5ABD57-ADCB-25E7-5CDB-095C18654DD9}"/>
-          </ac:spMkLst>
-        </pc:spChg>
-      </pc:sldChg>
-      <pc:sldChg chg="modSp new mod">
-        <pc:chgData name="Eduardo Savian" userId="83fefb37af455394" providerId="LiveId" clId="{9027FE1D-C861-432B-B1C8-11A99DB4171A}" dt="2024-05-08T21:37:22.219" v="949" actId="20577"/>
-        <pc:sldMkLst>
-          <pc:docMk/>
-          <pc:sldMk cId="1839108021" sldId="269"/>
-        </pc:sldMkLst>
-        <pc:spChg chg="mod">
-          <ac:chgData name="Eduardo Savian" userId="83fefb37af455394" providerId="LiveId" clId="{9027FE1D-C861-432B-B1C8-11A99DB4171A}" dt="2024-05-08T21:21:43.938" v="703" actId="20577"/>
-          <ac:spMkLst>
-            <pc:docMk/>
-            <pc:sldMk cId="1839108021" sldId="269"/>
-            <ac:spMk id="2" creationId="{E7A62A9E-C411-78B0-B6D7-66BA12C68737}"/>
-          </ac:spMkLst>
-        </pc:spChg>
-        <pc:spChg chg="mod">
-          <ac:chgData name="Eduardo Savian" userId="83fefb37af455394" providerId="LiveId" clId="{9027FE1D-C861-432B-B1C8-11A99DB4171A}" dt="2024-05-08T21:37:22.219" v="949" actId="20577"/>
-          <ac:spMkLst>
-            <pc:docMk/>
-            <pc:sldMk cId="1839108021" sldId="269"/>
-            <ac:spMk id="3" creationId="{A0A824DE-1396-458D-85D1-532A91E9C44F}"/>
-          </ac:spMkLst>
-        </pc:spChg>
-      </pc:sldChg>
-      <pc:sldChg chg="addSp delSp modSp new del mod">
-        <pc:chgData name="Eduardo Savian" userId="83fefb37af455394" providerId="LiveId" clId="{9027FE1D-C861-432B-B1C8-11A99DB4171A}" dt="2024-05-08T21:33:17.846" v="879" actId="47"/>
-        <pc:sldMkLst>
-          <pc:docMk/>
-          <pc:sldMk cId="2996622225" sldId="270"/>
-        </pc:sldMkLst>
-        <pc:spChg chg="mod">
-          <ac:chgData name="Eduardo Savian" userId="83fefb37af455394" providerId="LiveId" clId="{9027FE1D-C861-432B-B1C8-11A99DB4171A}" dt="2024-05-08T21:30:02.737" v="823" actId="20577"/>
-          <ac:spMkLst>
-            <pc:docMk/>
-            <pc:sldMk cId="2996622225" sldId="270"/>
-            <ac:spMk id="2" creationId="{A731BD3E-581C-E6C1-BAB2-551C221408FF}"/>
-          </ac:spMkLst>
-        </pc:spChg>
-        <pc:spChg chg="del">
-          <ac:chgData name="Eduardo Savian" userId="83fefb37af455394" providerId="LiveId" clId="{9027FE1D-C861-432B-B1C8-11A99DB4171A}" dt="2024-05-08T21:30:00.132" v="816" actId="22"/>
-          <ac:spMkLst>
-            <pc:docMk/>
-            <pc:sldMk cId="2996622225" sldId="270"/>
-            <ac:spMk id="3" creationId="{3A1AF626-B7CF-6730-F525-EC9181EDE06C}"/>
-          </ac:spMkLst>
-        </pc:spChg>
-        <pc:picChg chg="add mod ord">
-          <ac:chgData name="Eduardo Savian" userId="83fefb37af455394" providerId="LiveId" clId="{9027FE1D-C861-432B-B1C8-11A99DB4171A}" dt="2024-05-08T21:30:00.132" v="816" actId="22"/>
-          <ac:picMkLst>
-            <pc:docMk/>
-            <pc:sldMk cId="2996622225" sldId="270"/>
-            <ac:picMk id="8" creationId="{D88AA93B-D1F0-EBC6-D32B-7AB33AB25023}"/>
-          </ac:picMkLst>
-        </pc:picChg>
-      </pc:sldChg>
-      <pc:sldChg chg="addSp delSp modSp new mod">
-        <pc:chgData name="Eduardo Savian" userId="83fefb37af455394" providerId="LiveId" clId="{9027FE1D-C861-432B-B1C8-11A99DB4171A}" dt="2024-05-08T21:45:39.408" v="968" actId="1076"/>
-        <pc:sldMkLst>
-          <pc:docMk/>
-          <pc:sldMk cId="1206012243" sldId="271"/>
-        </pc:sldMkLst>
-        <pc:spChg chg="mod">
-          <ac:chgData name="Eduardo Savian" userId="83fefb37af455394" providerId="LiveId" clId="{9027FE1D-C861-432B-B1C8-11A99DB4171A}" dt="2024-05-08T21:32:56.956" v="857" actId="20577"/>
-          <ac:spMkLst>
-            <pc:docMk/>
-            <pc:sldMk cId="1206012243" sldId="271"/>
-            <ac:spMk id="2" creationId="{A1FFD85E-227F-A119-5DAB-F0AEE197D36E}"/>
-          </ac:spMkLst>
-        </pc:spChg>
-        <pc:spChg chg="add del">
-          <ac:chgData name="Eduardo Savian" userId="83fefb37af455394" providerId="LiveId" clId="{9027FE1D-C861-432B-B1C8-11A99DB4171A}" dt="2024-05-08T21:30:44.824" v="826" actId="22"/>
-          <ac:spMkLst>
-            <pc:docMk/>
-            <pc:sldMk cId="1206012243" sldId="271"/>
-            <ac:spMk id="3" creationId="{E36961EA-6A69-141B-5102-C3CBC720447B}"/>
-          </ac:spMkLst>
-        </pc:spChg>
-        <pc:spChg chg="add del mod">
-          <ac:chgData name="Eduardo Savian" userId="83fefb37af455394" providerId="LiveId" clId="{9027FE1D-C861-432B-B1C8-11A99DB4171A}" dt="2024-05-08T21:44:35.735" v="959" actId="22"/>
-          <ac:spMkLst>
-            <pc:docMk/>
-            <pc:sldMk cId="1206012243" sldId="271"/>
-            <ac:spMk id="7" creationId="{EC8153B1-ADCE-3E10-7113-86591DBC55EC}"/>
-          </ac:spMkLst>
-        </pc:spChg>
-        <pc:picChg chg="add del mod ord">
-          <ac:chgData name="Eduardo Savian" userId="83fefb37af455394" providerId="LiveId" clId="{9027FE1D-C861-432B-B1C8-11A99DB4171A}" dt="2024-05-08T21:30:30.456" v="825" actId="22"/>
-          <ac:picMkLst>
-            <pc:docMk/>
-            <pc:sldMk cId="1206012243" sldId="271"/>
-            <ac:picMk id="8" creationId="{B96B0055-8BDC-9DEE-030B-B55D0304E7BC}"/>
-          </ac:picMkLst>
-        </pc:picChg>
-        <pc:picChg chg="add del mod">
-          <ac:chgData name="Eduardo Savian" userId="83fefb37af455394" providerId="LiveId" clId="{9027FE1D-C861-432B-B1C8-11A99DB4171A}" dt="2024-05-08T21:44:34.492" v="958" actId="22"/>
-          <ac:picMkLst>
-            <pc:docMk/>
-            <pc:sldMk cId="1206012243" sldId="271"/>
-            <ac:picMk id="9" creationId="{B28271F7-C59B-85CC-D6DD-47E50D7EE788}"/>
-          </ac:picMkLst>
-        </pc:picChg>
-        <pc:picChg chg="add del mod ord">
-          <ac:chgData name="Eduardo Savian" userId="83fefb37af455394" providerId="LiveId" clId="{9027FE1D-C861-432B-B1C8-11A99DB4171A}" dt="2024-05-08T21:44:30.709" v="954" actId="478"/>
-          <ac:picMkLst>
-            <pc:docMk/>
-            <pc:sldMk cId="1206012243" sldId="271"/>
-            <ac:picMk id="10" creationId="{9417624B-D04C-0DED-84E1-CA4C40EF63C8}"/>
-          </ac:picMkLst>
-        </pc:picChg>
-        <pc:picChg chg="add mod">
-          <ac:chgData name="Eduardo Savian" userId="83fefb37af455394" providerId="LiveId" clId="{9027FE1D-C861-432B-B1C8-11A99DB4171A}" dt="2024-05-08T21:31:15.003" v="830" actId="1076"/>
-          <ac:picMkLst>
-            <pc:docMk/>
-            <pc:sldMk cId="1206012243" sldId="271"/>
-            <ac:picMk id="12" creationId="{1DFCAF14-CBEA-6458-A895-9A5CB9178174}"/>
-          </ac:picMkLst>
-        </pc:picChg>
-        <pc:picChg chg="add mod ord">
-          <ac:chgData name="Eduardo Savian" userId="83fefb37af455394" providerId="LiveId" clId="{9027FE1D-C861-432B-B1C8-11A99DB4171A}" dt="2024-05-08T21:45:39.408" v="968" actId="1076"/>
-          <ac:picMkLst>
-            <pc:docMk/>
-            <pc:sldMk cId="1206012243" sldId="271"/>
-            <ac:picMk id="13" creationId="{3C812D51-3395-7F75-3A24-0973BDF2A881}"/>
-          </ac:picMkLst>
-        </pc:picChg>
-      </pc:sldChg>
-      <pc:sldChg chg="new del">
-        <pc:chgData name="Eduardo Savian" userId="83fefb37af455394" providerId="LiveId" clId="{9027FE1D-C861-432B-B1C8-11A99DB4171A}" dt="2024-05-08T21:36:17.952" v="907" actId="2696"/>
-        <pc:sldMkLst>
-          <pc:docMk/>
-          <pc:sldMk cId="3012046788" sldId="272"/>
-        </pc:sldMkLst>
-      </pc:sldChg>
-      <pc:sldChg chg="new del">
-        <pc:chgData name="Eduardo Savian" userId="83fefb37af455394" providerId="LiveId" clId="{9027FE1D-C861-432B-B1C8-11A99DB4171A}" dt="2024-05-08T21:36:20.478" v="908" actId="2696"/>
-        <pc:sldMkLst>
-          <pc:docMk/>
-          <pc:sldMk cId="645024962" sldId="273"/>
-        </pc:sldMkLst>
-      </pc:sldChg>
-      <pc:sldChg chg="addSp delSp modSp new mod">
-        <pc:chgData name="Eduardo Savian" userId="83fefb37af455394" providerId="LiveId" clId="{9027FE1D-C861-432B-B1C8-11A99DB4171A}" dt="2024-05-08T21:33:52.854" v="889" actId="1076"/>
-        <pc:sldMkLst>
-          <pc:docMk/>
-          <pc:sldMk cId="1961177669" sldId="274"/>
-        </pc:sldMkLst>
-        <pc:spChg chg="mod">
-          <ac:chgData name="Eduardo Savian" userId="83fefb37af455394" providerId="LiveId" clId="{9027FE1D-C861-432B-B1C8-11A99DB4171A}" dt="2024-05-08T21:33:12.625" v="875" actId="20577"/>
-          <ac:spMkLst>
-            <pc:docMk/>
-            <pc:sldMk cId="1961177669" sldId="274"/>
-            <ac:spMk id="2" creationId="{06D4FCB5-D603-7C18-263A-DC43F62E06AB}"/>
-          </ac:spMkLst>
-        </pc:spChg>
-        <pc:spChg chg="del">
-          <ac:chgData name="Eduardo Savian" userId="83fefb37af455394" providerId="LiveId" clId="{9027FE1D-C861-432B-B1C8-11A99DB4171A}" dt="2024-05-08T21:32:44.451" v="839" actId="22"/>
-          <ac:spMkLst>
-            <pc:docMk/>
-            <pc:sldMk cId="1961177669" sldId="274"/>
-            <ac:spMk id="3" creationId="{DB619E92-5686-5AB9-FFF8-31B49E075CFA}"/>
-          </ac:spMkLst>
-        </pc:spChg>
-        <pc:picChg chg="add del mod">
-          <ac:chgData name="Eduardo Savian" userId="83fefb37af455394" providerId="LiveId" clId="{9027FE1D-C861-432B-B1C8-11A99DB4171A}" dt="2024-05-08T21:33:43.501" v="887" actId="478"/>
-          <ac:picMkLst>
-            <pc:docMk/>
-            <pc:sldMk cId="1961177669" sldId="274"/>
-            <ac:picMk id="7" creationId="{91BB26E5-DF1E-AED7-E4F1-BBC023C4D528}"/>
-          </ac:picMkLst>
-        </pc:picChg>
-        <pc:picChg chg="add del mod">
-          <ac:chgData name="Eduardo Savian" userId="83fefb37af455394" providerId="LiveId" clId="{9027FE1D-C861-432B-B1C8-11A99DB4171A}" dt="2024-05-08T21:32:42.811" v="838" actId="22"/>
-          <ac:picMkLst>
-            <pc:docMk/>
-            <pc:sldMk cId="1961177669" sldId="274"/>
-            <ac:picMk id="9" creationId="{ACF4E41A-1300-26B1-A72A-AC2E9D2A5DD2}"/>
-          </ac:picMkLst>
-        </pc:picChg>
-        <pc:picChg chg="add mod ord">
-          <ac:chgData name="Eduardo Savian" userId="83fefb37af455394" providerId="LiveId" clId="{9027FE1D-C861-432B-B1C8-11A99DB4171A}" dt="2024-05-08T21:33:52.854" v="889" actId="1076"/>
-          <ac:picMkLst>
-            <pc:docMk/>
-            <pc:sldMk cId="1961177669" sldId="274"/>
-            <ac:picMk id="11" creationId="{02E0E287-0931-F414-F9A2-4EFE97E37BB3}"/>
-          </ac:picMkLst>
-        </pc:picChg>
-        <pc:picChg chg="add del">
-          <ac:chgData name="Eduardo Savian" userId="83fefb37af455394" providerId="LiveId" clId="{9027FE1D-C861-432B-B1C8-11A99DB4171A}" dt="2024-05-08T21:33:40.521" v="884" actId="22"/>
-          <ac:picMkLst>
-            <pc:docMk/>
-            <pc:sldMk cId="1961177669" sldId="274"/>
-            <ac:picMk id="13" creationId="{47014632-7662-7EA0-4816-93382CB706D9}"/>
-          </ac:picMkLst>
-        </pc:picChg>
-        <pc:picChg chg="add mod">
-          <ac:chgData name="Eduardo Savian" userId="83fefb37af455394" providerId="LiveId" clId="{9027FE1D-C861-432B-B1C8-11A99DB4171A}" dt="2024-05-08T21:33:45.713" v="888" actId="1076"/>
-          <ac:picMkLst>
-            <pc:docMk/>
-            <pc:sldMk cId="1961177669" sldId="274"/>
-            <ac:picMk id="15" creationId="{6A412369-67DD-9B1E-2547-D4C59F3129B6}"/>
-          </ac:picMkLst>
-        </pc:picChg>
-      </pc:sldChg>
-      <pc:sldChg chg="addSp delSp modSp new mod ord">
-        <pc:chgData name="Eduardo Savian" userId="83fefb37af455394" providerId="LiveId" clId="{9027FE1D-C861-432B-B1C8-11A99DB4171A}" dt="2024-05-08T21:45:43.386" v="969" actId="1076"/>
-        <pc:sldMkLst>
-          <pc:docMk/>
-          <pc:sldMk cId="43700074" sldId="275"/>
-        </pc:sldMkLst>
-        <pc:spChg chg="mod">
-          <ac:chgData name="Eduardo Savian" userId="83fefb37af455394" providerId="LiveId" clId="{9027FE1D-C861-432B-B1C8-11A99DB4171A}" dt="2024-05-08T21:34:05.736" v="901" actId="20577"/>
-          <ac:spMkLst>
-            <pc:docMk/>
-            <pc:sldMk cId="43700074" sldId="275"/>
-            <ac:spMk id="2" creationId="{914E3F11-14DD-8077-FB41-A3392F54C934}"/>
-          </ac:spMkLst>
-        </pc:spChg>
-        <pc:spChg chg="del">
-          <ac:chgData name="Eduardo Savian" userId="83fefb37af455394" providerId="LiveId" clId="{9027FE1D-C861-432B-B1C8-11A99DB4171A}" dt="2024-05-08T21:34:28.377" v="902" actId="22"/>
-          <ac:spMkLst>
-            <pc:docMk/>
-            <pc:sldMk cId="43700074" sldId="275"/>
-            <ac:spMk id="3" creationId="{CE4BB36B-B0A5-5C54-126D-4BB4F3BFD59D}"/>
-          </ac:spMkLst>
-        </pc:spChg>
-        <pc:spChg chg="add del mod">
-          <ac:chgData name="Eduardo Savian" userId="83fefb37af455394" providerId="LiveId" clId="{9027FE1D-C861-432B-B1C8-11A99DB4171A}" dt="2024-05-08T21:44:29.070" v="953" actId="478"/>
-          <ac:spMkLst>
-            <pc:docMk/>
-            <pc:sldMk cId="43700074" sldId="275"/>
-            <ac:spMk id="7" creationId="{EEAB86D8-3114-7A75-2C87-3995D4011F6F}"/>
-          </ac:spMkLst>
-        </pc:spChg>
-        <pc:spChg chg="add del mod">
-          <ac:chgData name="Eduardo Savian" userId="83fefb37af455394" providerId="LiveId" clId="{9027FE1D-C861-432B-B1C8-11A99DB4171A}" dt="2024-05-08T21:45:23.163" v="964" actId="22"/>
-          <ac:spMkLst>
-            <pc:docMk/>
-            <pc:sldMk cId="43700074" sldId="275"/>
-            <ac:spMk id="13" creationId="{6CB0353D-079C-DD02-C36E-B933E49A5693}"/>
-          </ac:spMkLst>
-        </pc:spChg>
-        <pc:picChg chg="add del mod">
-          <ac:chgData name="Eduardo Savian" userId="83fefb37af455394" providerId="LiveId" clId="{9027FE1D-C861-432B-B1C8-11A99DB4171A}" dt="2024-05-08T21:35:20.186" v="904" actId="478"/>
-          <ac:picMkLst>
-            <pc:docMk/>
-            <pc:sldMk cId="43700074" sldId="275"/>
-            <ac:picMk id="8" creationId="{7610941A-37BD-9C19-64D1-2358EC2E8510}"/>
-          </ac:picMkLst>
-        </pc:picChg>
-        <pc:picChg chg="add del">
-          <ac:chgData name="Eduardo Savian" userId="83fefb37af455394" providerId="LiveId" clId="{9027FE1D-C861-432B-B1C8-11A99DB4171A}" dt="2024-05-08T21:44:28.124" v="952" actId="22"/>
-          <ac:picMkLst>
-            <pc:docMk/>
-            <pc:sldMk cId="43700074" sldId="275"/>
-            <ac:picMk id="9" creationId="{B8355BE1-3360-9963-116F-8D6F78F51FCD}"/>
-          </ac:picMkLst>
-        </pc:picChg>
-        <pc:picChg chg="add del mod ord">
-          <ac:chgData name="Eduardo Savian" userId="83fefb37af455394" providerId="LiveId" clId="{9027FE1D-C861-432B-B1C8-11A99DB4171A}" dt="2024-05-08T21:45:20.696" v="961" actId="478"/>
-          <ac:picMkLst>
-            <pc:docMk/>
-            <pc:sldMk cId="43700074" sldId="275"/>
-            <ac:picMk id="10" creationId="{A3D69FE1-307A-CBBF-E9CC-8C1B00F440D1}"/>
-          </ac:picMkLst>
-        </pc:picChg>
-        <pc:picChg chg="add mod">
-          <ac:chgData name="Eduardo Savian" userId="83fefb37af455394" providerId="LiveId" clId="{9027FE1D-C861-432B-B1C8-11A99DB4171A}" dt="2024-05-08T21:35:23.403" v="906" actId="1076"/>
-          <ac:picMkLst>
-            <pc:docMk/>
-            <pc:sldMk cId="43700074" sldId="275"/>
-            <ac:picMk id="12" creationId="{E99D66E1-B7D0-5B01-9676-188171541776}"/>
-          </ac:picMkLst>
-        </pc:picChg>
-        <pc:picChg chg="add del">
-          <ac:chgData name="Eduardo Savian" userId="83fefb37af455394" providerId="LiveId" clId="{9027FE1D-C861-432B-B1C8-11A99DB4171A}" dt="2024-05-08T21:45:21.771" v="963" actId="22"/>
-          <ac:picMkLst>
-            <pc:docMk/>
-            <pc:sldMk cId="43700074" sldId="275"/>
-            <ac:picMk id="15" creationId="{AA5DBF5C-6758-D7E9-19FF-DF00DC8EC6A6}"/>
-          </ac:picMkLst>
-        </pc:picChg>
-        <pc:picChg chg="add mod ord">
-          <ac:chgData name="Eduardo Savian" userId="83fefb37af455394" providerId="LiveId" clId="{9027FE1D-C861-432B-B1C8-11A99DB4171A}" dt="2024-05-08T21:45:43.386" v="969" actId="1076"/>
-          <ac:picMkLst>
-            <pc:docMk/>
-            <pc:sldMk cId="43700074" sldId="275"/>
-            <ac:picMk id="17" creationId="{82257A56-F537-8637-2D1A-5FD85F9F23FA}"/>
-          </ac:picMkLst>
-        </pc:picChg>
-      </pc:sldChg>
-    </pc:docChg>
-  </pc:docChgLst>
-  <pc:docChgLst>
-    <pc:chgData name="Eduardo Savian" userId="83fefb37af455394" providerId="Windows Live" clId="Web-{4E2BA755-9540-4322-A1D6-D9892E45D796}"/>
+    <pc:chgData name="Eduardo Savian" userId="83fefb37af455394" providerId="Windows Live" clId="Web-{36E7C8E4-7FFB-448F-ADE0-B64A1369299D}"/>
     <pc:docChg chg="addSld delSld modSld">
-      <pc:chgData name="Eduardo Savian" userId="83fefb37af455394" providerId="Windows Live" clId="Web-{4E2BA755-9540-4322-A1D6-D9892E45D796}" dt="2024-05-14T00:08:28.465" v="70"/>
+      <pc:chgData name="Eduardo Savian" userId="83fefb37af455394" providerId="Windows Live" clId="Web-{36E7C8E4-7FFB-448F-ADE0-B64A1369299D}" dt="2024-05-24T21:51:41.042" v="51"/>
       <pc:docMkLst>
         <pc:docMk/>
       </pc:docMkLst>
       <pc:sldChg chg="modSp">
-        <pc:chgData name="Eduardo Savian" userId="83fefb37af455394" providerId="Windows Live" clId="Web-{4E2BA755-9540-4322-A1D6-D9892E45D796}" dt="2024-05-14T00:02:53.821" v="27" actId="20577"/>
+        <pc:chgData name="Eduardo Savian" userId="83fefb37af455394" providerId="Windows Live" clId="Web-{36E7C8E4-7FFB-448F-ADE0-B64A1369299D}" dt="2024-05-24T21:51:19.933" v="46" actId="20577"/>
         <pc:sldMkLst>
           <pc:docMk/>
           <pc:sldMk cId="109857222" sldId="256"/>
         </pc:sldMkLst>
         <pc:spChg chg="mod">
-          <ac:chgData name="Eduardo Savian" userId="83fefb37af455394" providerId="Windows Live" clId="Web-{4E2BA755-9540-4322-A1D6-D9892E45D796}" dt="2024-05-14T00:02:53.821" v="27" actId="20577"/>
+          <ac:chgData name="Eduardo Savian" userId="83fefb37af455394" providerId="Windows Live" clId="Web-{36E7C8E4-7FFB-448F-ADE0-B64A1369299D}" dt="2024-05-24T21:51:19.933" v="46" actId="20577"/>
           <ac:spMkLst>
             <pc:docMk/>
             <pc:sldMk cId="109857222" sldId="256"/>
@@ -1419,13 +2753,13 @@
         </pc:spChg>
       </pc:sldChg>
       <pc:sldChg chg="modSp">
-        <pc:chgData name="Eduardo Savian" userId="83fefb37af455394" providerId="Windows Live" clId="Web-{4E2BA755-9540-4322-A1D6-D9892E45D796}" dt="2024-05-14T00:08:24.090" v="69" actId="20577"/>
+        <pc:chgData name="Eduardo Savian" userId="83fefb37af455394" providerId="Windows Live" clId="Web-{36E7C8E4-7FFB-448F-ADE0-B64A1369299D}" dt="2024-05-24T21:51:26.417" v="47" actId="20577"/>
         <pc:sldMkLst>
           <pc:docMk/>
           <pc:sldMk cId="3775945265" sldId="257"/>
         </pc:sldMkLst>
         <pc:spChg chg="mod">
-          <ac:chgData name="Eduardo Savian" userId="83fefb37af455394" providerId="Windows Live" clId="Web-{4E2BA755-9540-4322-A1D6-D9892E45D796}" dt="2024-05-14T00:08:24.090" v="69" actId="20577"/>
+          <ac:chgData name="Eduardo Savian" userId="83fefb37af455394" providerId="Windows Live" clId="Web-{36E7C8E4-7FFB-448F-ADE0-B64A1369299D}" dt="2024-05-24T21:51:26.417" v="47" actId="20577"/>
           <ac:spMkLst>
             <pc:docMk/>
             <pc:sldMk cId="3775945265" sldId="257"/>
@@ -1433,86 +2767,14 @@
           </ac:spMkLst>
         </pc:spChg>
       </pc:sldChg>
-      <pc:sldChg chg="del">
-        <pc:chgData name="Eduardo Savian" userId="83fefb37af455394" providerId="Windows Live" clId="Web-{4E2BA755-9540-4322-A1D6-D9892E45D796}" dt="2024-05-14T00:05:43.729" v="45"/>
-        <pc:sldMkLst>
-          <pc:docMk/>
-          <pc:sldMk cId="1967995460" sldId="259"/>
-        </pc:sldMkLst>
-      </pc:sldChg>
-      <pc:sldChg chg="del">
-        <pc:chgData name="Eduardo Savian" userId="83fefb37af455394" providerId="Windows Live" clId="Web-{4E2BA755-9540-4322-A1D6-D9892E45D796}" dt="2024-05-14T00:05:43.073" v="44"/>
-        <pc:sldMkLst>
-          <pc:docMk/>
-          <pc:sldMk cId="2753850936" sldId="261"/>
-        </pc:sldMkLst>
-      </pc:sldChg>
-      <pc:sldChg chg="del">
-        <pc:chgData name="Eduardo Savian" userId="83fefb37af455394" providerId="Windows Live" clId="Web-{4E2BA755-9540-4322-A1D6-D9892E45D796}" dt="2024-05-14T00:05:42.839" v="43"/>
-        <pc:sldMkLst>
-          <pc:docMk/>
-          <pc:sldMk cId="4074611433" sldId="262"/>
-        </pc:sldMkLst>
-      </pc:sldChg>
-      <pc:sldChg chg="del">
-        <pc:chgData name="Eduardo Savian" userId="83fefb37af455394" providerId="Windows Live" clId="Web-{4E2BA755-9540-4322-A1D6-D9892E45D796}" dt="2024-05-14T00:05:44.183" v="46"/>
-        <pc:sldMkLst>
-          <pc:docMk/>
-          <pc:sldMk cId="922261976" sldId="263"/>
-        </pc:sldMkLst>
-      </pc:sldChg>
-      <pc:sldChg chg="addSp delSp modSp del">
-        <pc:chgData name="Eduardo Savian" userId="83fefb37af455394" providerId="Windows Live" clId="Web-{4E2BA755-9540-4322-A1D6-D9892E45D796}" dt="2024-05-14T00:05:40.479" v="39"/>
-        <pc:sldMkLst>
-          <pc:docMk/>
-          <pc:sldMk cId="2804307500" sldId="264"/>
-        </pc:sldMkLst>
-        <pc:spChg chg="add mod">
-          <ac:chgData name="Eduardo Savian" userId="83fefb37af455394" providerId="Windows Live" clId="Web-{4E2BA755-9540-4322-A1D6-D9892E45D796}" dt="2024-05-14T00:05:38.495" v="38"/>
-          <ac:spMkLst>
-            <pc:docMk/>
-            <pc:sldMk cId="2804307500" sldId="264"/>
-            <ac:spMk id="7" creationId="{0F05CDE4-5110-BDB8-0763-068B58FDD9C9}"/>
-          </ac:spMkLst>
-        </pc:spChg>
-        <pc:picChg chg="del">
-          <ac:chgData name="Eduardo Savian" userId="83fefb37af455394" providerId="Windows Live" clId="Web-{4E2BA755-9540-4322-A1D6-D9892E45D796}" dt="2024-05-14T00:05:38.495" v="38"/>
-          <ac:picMkLst>
-            <pc:docMk/>
-            <pc:sldMk cId="2804307500" sldId="264"/>
-            <ac:picMk id="8" creationId="{00F452FC-2464-3821-2B96-E293938164EB}"/>
-          </ac:picMkLst>
-        </pc:picChg>
-      </pc:sldChg>
-      <pc:sldChg chg="del">
-        <pc:chgData name="Eduardo Savian" userId="83fefb37af455394" providerId="Windows Live" clId="Web-{4E2BA755-9540-4322-A1D6-D9892E45D796}" dt="2024-05-14T00:05:42.245" v="41"/>
-        <pc:sldMkLst>
-          <pc:docMk/>
-          <pc:sldMk cId="1498387516" sldId="265"/>
-        </pc:sldMkLst>
-      </pc:sldChg>
-      <pc:sldChg chg="del">
-        <pc:chgData name="Eduardo Savian" userId="83fefb37af455394" providerId="Windows Live" clId="Web-{4E2BA755-9540-4322-A1D6-D9892E45D796}" dt="2024-05-14T00:05:42.276" v="42"/>
-        <pc:sldMkLst>
-          <pc:docMk/>
-          <pc:sldMk cId="1606520421" sldId="266"/>
-        </pc:sldMkLst>
-      </pc:sldChg>
-      <pc:sldChg chg="del">
-        <pc:chgData name="Eduardo Savian" userId="83fefb37af455394" providerId="Windows Live" clId="Web-{4E2BA755-9540-4322-A1D6-D9892E45D796}" dt="2024-05-14T00:05:41.526" v="40"/>
-        <pc:sldMkLst>
-          <pc:docMk/>
-          <pc:sldMk cId="3546819228" sldId="267"/>
-        </pc:sldMkLst>
-      </pc:sldChg>
       <pc:sldChg chg="modSp">
-        <pc:chgData name="Eduardo Savian" userId="83fefb37af455394" providerId="Windows Live" clId="Web-{4E2BA755-9540-4322-A1D6-D9892E45D796}" dt="2024-05-14T00:07:36.012" v="62" actId="20577"/>
+        <pc:chgData name="Eduardo Savian" userId="83fefb37af455394" providerId="Windows Live" clId="Web-{36E7C8E4-7FFB-448F-ADE0-B64A1369299D}" dt="2024-05-24T21:50:26.917" v="6" actId="20577"/>
         <pc:sldMkLst>
           <pc:docMk/>
           <pc:sldMk cId="2097304172" sldId="268"/>
         </pc:sldMkLst>
         <pc:spChg chg="mod">
-          <ac:chgData name="Eduardo Savian" userId="83fefb37af455394" providerId="Windows Live" clId="Web-{4E2BA755-9540-4322-A1D6-D9892E45D796}" dt="2024-05-14T00:07:36.012" v="62" actId="20577"/>
+          <ac:chgData name="Eduardo Savian" userId="83fefb37af455394" providerId="Windows Live" clId="Web-{36E7C8E4-7FFB-448F-ADE0-B64A1369299D}" dt="2024-05-24T21:50:26.917" v="6" actId="20577"/>
           <ac:spMkLst>
             <pc:docMk/>
             <pc:sldMk cId="2097304172" sldId="268"/>
@@ -1521,13 +2783,13 @@
         </pc:spChg>
       </pc:sldChg>
       <pc:sldChg chg="modSp">
-        <pc:chgData name="Eduardo Savian" userId="83fefb37af455394" providerId="Windows Live" clId="Web-{4E2BA755-9540-4322-A1D6-D9892E45D796}" dt="2024-05-14T00:07:49.199" v="64" actId="20577"/>
+        <pc:chgData name="Eduardo Savian" userId="83fefb37af455394" providerId="Windows Live" clId="Web-{36E7C8E4-7FFB-448F-ADE0-B64A1369299D}" dt="2024-05-24T21:51:28.745" v="48" actId="20577"/>
         <pc:sldMkLst>
           <pc:docMk/>
           <pc:sldMk cId="1839108021" sldId="269"/>
         </pc:sldMkLst>
         <pc:spChg chg="mod">
-          <ac:chgData name="Eduardo Savian" userId="83fefb37af455394" providerId="Windows Live" clId="Web-{4E2BA755-9540-4322-A1D6-D9892E45D796}" dt="2024-05-14T00:07:49.199" v="64" actId="20577"/>
+          <ac:chgData name="Eduardo Savian" userId="83fefb37af455394" providerId="Windows Live" clId="Web-{36E7C8E4-7FFB-448F-ADE0-B64A1369299D}" dt="2024-05-24T21:51:28.745" v="48" actId="20577"/>
           <ac:spMkLst>
             <pc:docMk/>
             <pc:sldMk cId="1839108021" sldId="269"/>
@@ -1535,72 +2797,169 @@
           </ac:spMkLst>
         </pc:spChg>
       </pc:sldChg>
-      <pc:sldChg chg="new del">
-        <pc:chgData name="Eduardo Savian" userId="83fefb37af455394" providerId="Windows Live" clId="Web-{4E2BA755-9540-4322-A1D6-D9892E45D796}" dt="2024-05-14T00:08:15.403" v="66"/>
-        <pc:sldMkLst>
-          <pc:docMk/>
-          <pc:sldMk cId="3566686745" sldId="270"/>
+      <pc:sldChg chg="del">
+        <pc:chgData name="Eduardo Savian" userId="83fefb37af455394" providerId="Windows Live" clId="Web-{36E7C8E4-7FFB-448F-ADE0-B64A1369299D}" dt="2024-05-24T21:50:33.777" v="7"/>
+        <pc:sldMkLst>
+          <pc:docMk/>
+          <pc:sldMk cId="786732467" sldId="270"/>
         </pc:sldMkLst>
       </pc:sldChg>
       <pc:sldChg chg="new">
-        <pc:chgData name="Eduardo Savian" userId="83fefb37af455394" providerId="Windows Live" clId="Web-{4E2BA755-9540-4322-A1D6-D9892E45D796}" dt="2024-05-14T00:08:28.465" v="70"/>
-        <pc:sldMkLst>
-          <pc:docMk/>
-          <pc:sldMk cId="4042955426" sldId="270"/>
+        <pc:chgData name="Eduardo Savian" userId="83fefb37af455394" providerId="Windows Live" clId="Web-{36E7C8E4-7FFB-448F-ADE0-B64A1369299D}" dt="2024-05-24T21:51:41.042" v="51"/>
+        <pc:sldMkLst>
+          <pc:docMk/>
+          <pc:sldMk cId="2543389946" sldId="270"/>
         </pc:sldMkLst>
       </pc:sldChg>
       <pc:sldChg chg="del">
-        <pc:chgData name="Eduardo Savian" userId="83fefb37af455394" providerId="Windows Live" clId="Web-{4E2BA755-9540-4322-A1D6-D9892E45D796}" dt="2024-05-14T00:05:44.901" v="48"/>
-        <pc:sldMkLst>
-          <pc:docMk/>
-          <pc:sldMk cId="1206012243" sldId="271"/>
+        <pc:chgData name="Eduardo Savian" userId="83fefb37af455394" providerId="Windows Live" clId="Web-{36E7C8E4-7FFB-448F-ADE0-B64A1369299D}" dt="2024-05-24T21:50:36.995" v="10"/>
+        <pc:sldMkLst>
+          <pc:docMk/>
+          <pc:sldMk cId="3820077443" sldId="272"/>
         </pc:sldMkLst>
       </pc:sldChg>
       <pc:sldChg chg="del">
-        <pc:chgData name="Eduardo Savian" userId="83fefb37af455394" providerId="Windows Live" clId="Web-{4E2BA755-9540-4322-A1D6-D9892E45D796}" dt="2024-05-14T00:05:45.526" v="49"/>
-        <pc:sldMkLst>
-          <pc:docMk/>
-          <pc:sldMk cId="1961177669" sldId="274"/>
+        <pc:chgData name="Eduardo Savian" userId="83fefb37af455394" providerId="Windows Live" clId="Web-{36E7C8E4-7FFB-448F-ADE0-B64A1369299D}" dt="2024-05-24T21:50:38.276" v="12"/>
+        <pc:sldMkLst>
+          <pc:docMk/>
+          <pc:sldMk cId="3222751535" sldId="273"/>
         </pc:sldMkLst>
       </pc:sldChg>
       <pc:sldChg chg="del">
-        <pc:chgData name="Eduardo Savian" userId="83fefb37af455394" providerId="Windows Live" clId="Web-{4E2BA755-9540-4322-A1D6-D9892E45D796}" dt="2024-05-14T00:05:44.714" v="47"/>
-        <pc:sldMkLst>
-          <pc:docMk/>
-          <pc:sldMk cId="43700074" sldId="275"/>
+        <pc:chgData name="Eduardo Savian" userId="83fefb37af455394" providerId="Windows Live" clId="Web-{36E7C8E4-7FFB-448F-ADE0-B64A1369299D}" dt="2024-05-24T21:50:39.980" v="15"/>
+        <pc:sldMkLst>
+          <pc:docMk/>
+          <pc:sldMk cId="4195999744" sldId="274"/>
+        </pc:sldMkLst>
+      </pc:sldChg>
+      <pc:sldChg chg="del">
+        <pc:chgData name="Eduardo Savian" userId="83fefb37af455394" providerId="Windows Live" clId="Web-{36E7C8E4-7FFB-448F-ADE0-B64A1369299D}" dt="2024-05-24T21:50:39.433" v="14"/>
+        <pc:sldMkLst>
+          <pc:docMk/>
+          <pc:sldMk cId="2246444756" sldId="275"/>
+        </pc:sldMkLst>
+      </pc:sldChg>
+      <pc:sldChg chg="del">
+        <pc:chgData name="Eduardo Savian" userId="83fefb37af455394" providerId="Windows Live" clId="Web-{36E7C8E4-7FFB-448F-ADE0-B64A1369299D}" dt="2024-05-24T21:50:37.605" v="11"/>
+        <pc:sldMkLst>
+          <pc:docMk/>
+          <pc:sldMk cId="177902584" sldId="276"/>
+        </pc:sldMkLst>
+      </pc:sldChg>
+      <pc:sldChg chg="del">
+        <pc:chgData name="Eduardo Savian" userId="83fefb37af455394" providerId="Windows Live" clId="Web-{36E7C8E4-7FFB-448F-ADE0-B64A1369299D}" dt="2024-05-24T21:50:40.667" v="16"/>
+        <pc:sldMkLst>
+          <pc:docMk/>
+          <pc:sldMk cId="3089438569" sldId="277"/>
+        </pc:sldMkLst>
+      </pc:sldChg>
+      <pc:sldChg chg="del">
+        <pc:chgData name="Eduardo Savian" userId="83fefb37af455394" providerId="Windows Live" clId="Web-{36E7C8E4-7FFB-448F-ADE0-B64A1369299D}" dt="2024-05-24T21:50:38.886" v="13"/>
+        <pc:sldMkLst>
+          <pc:docMk/>
+          <pc:sldMk cId="2958369243" sldId="278"/>
+        </pc:sldMkLst>
+      </pc:sldChg>
+      <pc:sldChg chg="del">
+        <pc:chgData name="Eduardo Savian" userId="83fefb37af455394" providerId="Windows Live" clId="Web-{36E7C8E4-7FFB-448F-ADE0-B64A1369299D}" dt="2024-05-24T21:50:36.261" v="9"/>
+        <pc:sldMkLst>
+          <pc:docMk/>
+          <pc:sldMk cId="3863324512" sldId="279"/>
+        </pc:sldMkLst>
+      </pc:sldChg>
+      <pc:sldChg chg="del">
+        <pc:chgData name="Eduardo Savian" userId="83fefb37af455394" providerId="Windows Live" clId="Web-{36E7C8E4-7FFB-448F-ADE0-B64A1369299D}" dt="2024-05-24T21:50:42.495" v="17"/>
+        <pc:sldMkLst>
+          <pc:docMk/>
+          <pc:sldMk cId="2943707974" sldId="280"/>
+        </pc:sldMkLst>
+      </pc:sldChg>
+      <pc:sldChg chg="del">
+        <pc:chgData name="Eduardo Savian" userId="83fefb37af455394" providerId="Windows Live" clId="Web-{36E7C8E4-7FFB-448F-ADE0-B64A1369299D}" dt="2024-05-24T21:50:43.151" v="18"/>
+        <pc:sldMkLst>
+          <pc:docMk/>
+          <pc:sldMk cId="2824806480" sldId="281"/>
+        </pc:sldMkLst>
+      </pc:sldChg>
+      <pc:sldChg chg="del">
+        <pc:chgData name="Eduardo Savian" userId="83fefb37af455394" providerId="Windows Live" clId="Web-{36E7C8E4-7FFB-448F-ADE0-B64A1369299D}" dt="2024-05-24T21:50:43.714" v="19"/>
+        <pc:sldMkLst>
+          <pc:docMk/>
+          <pc:sldMk cId="3921900917" sldId="282"/>
+        </pc:sldMkLst>
+      </pc:sldChg>
+      <pc:sldChg chg="del">
+        <pc:chgData name="Eduardo Savian" userId="83fefb37af455394" providerId="Windows Live" clId="Web-{36E7C8E4-7FFB-448F-ADE0-B64A1369299D}" dt="2024-05-24T21:50:44.886" v="20"/>
+        <pc:sldMkLst>
+          <pc:docMk/>
+          <pc:sldMk cId="3100966276" sldId="283"/>
+        </pc:sldMkLst>
+      </pc:sldChg>
+      <pc:sldChg chg="del">
+        <pc:chgData name="Eduardo Savian" userId="83fefb37af455394" providerId="Windows Live" clId="Web-{36E7C8E4-7FFB-448F-ADE0-B64A1369299D}" dt="2024-05-24T21:50:46.417" v="22"/>
+        <pc:sldMkLst>
+          <pc:docMk/>
+          <pc:sldMk cId="227339789" sldId="284"/>
+        </pc:sldMkLst>
+      </pc:sldChg>
+      <pc:sldChg chg="del">
+        <pc:chgData name="Eduardo Savian" userId="83fefb37af455394" providerId="Windows Live" clId="Web-{36E7C8E4-7FFB-448F-ADE0-B64A1369299D}" dt="2024-05-24T21:51:32.120" v="49"/>
+        <pc:sldMkLst>
+          <pc:docMk/>
+          <pc:sldMk cId="3520346450" sldId="285"/>
+        </pc:sldMkLst>
+      </pc:sldChg>
+      <pc:sldChg chg="del">
+        <pc:chgData name="Eduardo Savian" userId="83fefb37af455394" providerId="Windows Live" clId="Web-{36E7C8E4-7FFB-448F-ADE0-B64A1369299D}" dt="2024-05-24T21:51:32.948" v="50"/>
+        <pc:sldMkLst>
+          <pc:docMk/>
+          <pc:sldMk cId="3991824961" sldId="286"/>
+        </pc:sldMkLst>
+      </pc:sldChg>
+      <pc:sldChg chg="del">
+        <pc:chgData name="Eduardo Savian" userId="83fefb37af455394" providerId="Windows Live" clId="Web-{36E7C8E4-7FFB-448F-ADE0-B64A1369299D}" dt="2024-05-24T21:50:52.214" v="23"/>
+        <pc:sldMkLst>
+          <pc:docMk/>
+          <pc:sldMk cId="1294687725" sldId="287"/>
+        </pc:sldMkLst>
+      </pc:sldChg>
+      <pc:sldChg chg="del">
+        <pc:chgData name="Eduardo Savian" userId="83fefb37af455394" providerId="Windows Live" clId="Web-{36E7C8E4-7FFB-448F-ADE0-B64A1369299D}" dt="2024-05-24T21:50:45.948" v="21"/>
+        <pc:sldMkLst>
+          <pc:docMk/>
+          <pc:sldMk cId="682011853" sldId="288"/>
+        </pc:sldMkLst>
+      </pc:sldChg>
+      <pc:sldChg chg="del">
+        <pc:chgData name="Eduardo Savian" userId="83fefb37af455394" providerId="Windows Live" clId="Web-{36E7C8E4-7FFB-448F-ADE0-B64A1369299D}" dt="2024-05-24T21:50:35.198" v="8"/>
+        <pc:sldMkLst>
+          <pc:docMk/>
+          <pc:sldMk cId="1633250534" sldId="289"/>
         </pc:sldMkLst>
       </pc:sldChg>
     </pc:docChg>
   </pc:docChgLst>
   <pc:docChgLst>
-    <pc:chgData name="Eduardo Savian" userId="83fefb37af455394" providerId="LiveId" clId="{F92F2121-E3A7-4D5C-8A92-F61E052B0D7C}"/>
+    <pc:chgData clId="Web-{236A428B-EB3A-4EDA-8B94-5C42A3C67680}"/>
     <pc:docChg chg="modSld">
-      <pc:chgData name="Eduardo Savian" userId="83fefb37af455394" providerId="LiveId" clId="{F92F2121-E3A7-4D5C-8A92-F61E052B0D7C}" dt="2024-05-08T21:56:59.808" v="11" actId="1076"/>
+      <pc:chgData name="" userId="" providerId="" clId="Web-{236A428B-EB3A-4EDA-8B94-5C42A3C67680}" dt="2024-05-08T01:13:44.510" v="10" actId="20577"/>
       <pc:docMkLst>
         <pc:docMk/>
       </pc:docMkLst>
-      <pc:sldChg chg="addSp modSp mod">
-        <pc:chgData name="Eduardo Savian" userId="83fefb37af455394" providerId="LiveId" clId="{F92F2121-E3A7-4D5C-8A92-F61E052B0D7C}" dt="2024-05-08T21:56:59.808" v="11" actId="1076"/>
-        <pc:sldMkLst>
-          <pc:docMk/>
-          <pc:sldMk cId="2753850936" sldId="261"/>
-        </pc:sldMkLst>
-        <pc:picChg chg="add mod">
-          <ac:chgData name="Eduardo Savian" userId="83fefb37af455394" providerId="LiveId" clId="{F92F2121-E3A7-4D5C-8A92-F61E052B0D7C}" dt="2024-05-08T21:56:56.310" v="8" actId="27614"/>
-          <ac:picMkLst>
-            <pc:docMk/>
-            <pc:sldMk cId="2753850936" sldId="261"/>
-            <ac:picMk id="7" creationId="{24B49B10-7660-3EA2-3964-3F937A078934}"/>
-          </ac:picMkLst>
-        </pc:picChg>
-        <pc:picChg chg="mod">
-          <ac:chgData name="Eduardo Savian" userId="83fefb37af455394" providerId="LiveId" clId="{F92F2121-E3A7-4D5C-8A92-F61E052B0D7C}" dt="2024-05-08T21:56:59.808" v="11" actId="1076"/>
-          <ac:picMkLst>
-            <pc:docMk/>
-            <pc:sldMk cId="2753850936" sldId="261"/>
-            <ac:picMk id="14" creationId="{CB3B0777-5292-ECBA-8C1A-6098EEFCD096}"/>
-          </ac:picMkLst>
-        </pc:picChg>
+      <pc:sldChg chg="modSp">
+        <pc:chgData name="" userId="" providerId="" clId="Web-{236A428B-EB3A-4EDA-8B94-5C42A3C67680}" dt="2024-05-08T01:13:44.510" v="10" actId="20577"/>
+        <pc:sldMkLst>
+          <pc:docMk/>
+          <pc:sldMk cId="109857222" sldId="256"/>
+        </pc:sldMkLst>
+        <pc:spChg chg="mod">
+          <ac:chgData name="" userId="" providerId="" clId="Web-{236A428B-EB3A-4EDA-8B94-5C42A3C67680}" dt="2024-05-08T01:13:44.510" v="10" actId="20577"/>
+          <ac:spMkLst>
+            <pc:docMk/>
+            <pc:sldMk cId="109857222" sldId="256"/>
+            <ac:spMk id="3" creationId="{00000000-0000-0000-0000-000000000000}"/>
+          </ac:spMkLst>
+        </pc:spChg>
       </pc:sldChg>
     </pc:docChg>
   </pc:docChgLst>
@@ -2405,1349 +3764,6 @@
             <ac:picMk id="8" creationId="{D9594AA6-C487-FCBF-CE20-102664616D58}"/>
           </ac:picMkLst>
         </pc:picChg>
-      </pc:sldChg>
-    </pc:docChg>
-  </pc:docChgLst>
-  <pc:docChgLst>
-    <pc:chgData name="Eduardo Savian" userId="83fefb37af455394" providerId="Windows Live" clId="Web-{36E7C8E4-7FFB-448F-ADE0-B64A1369299D}"/>
-    <pc:docChg chg="addSld delSld modSld">
-      <pc:chgData name="Eduardo Savian" userId="83fefb37af455394" providerId="Windows Live" clId="Web-{36E7C8E4-7FFB-448F-ADE0-B64A1369299D}" dt="2024-05-24T21:51:41.042" v="51"/>
-      <pc:docMkLst>
-        <pc:docMk/>
-      </pc:docMkLst>
-      <pc:sldChg chg="modSp">
-        <pc:chgData name="Eduardo Savian" userId="83fefb37af455394" providerId="Windows Live" clId="Web-{36E7C8E4-7FFB-448F-ADE0-B64A1369299D}" dt="2024-05-24T21:51:19.933" v="46" actId="20577"/>
-        <pc:sldMkLst>
-          <pc:docMk/>
-          <pc:sldMk cId="109857222" sldId="256"/>
-        </pc:sldMkLst>
-        <pc:spChg chg="mod">
-          <ac:chgData name="Eduardo Savian" userId="83fefb37af455394" providerId="Windows Live" clId="Web-{36E7C8E4-7FFB-448F-ADE0-B64A1369299D}" dt="2024-05-24T21:51:19.933" v="46" actId="20577"/>
-          <ac:spMkLst>
-            <pc:docMk/>
-            <pc:sldMk cId="109857222" sldId="256"/>
-            <ac:spMk id="2" creationId="{00000000-0000-0000-0000-000000000000}"/>
-          </ac:spMkLst>
-        </pc:spChg>
-      </pc:sldChg>
-      <pc:sldChg chg="modSp">
-        <pc:chgData name="Eduardo Savian" userId="83fefb37af455394" providerId="Windows Live" clId="Web-{36E7C8E4-7FFB-448F-ADE0-B64A1369299D}" dt="2024-05-24T21:51:26.417" v="47" actId="20577"/>
-        <pc:sldMkLst>
-          <pc:docMk/>
-          <pc:sldMk cId="3775945265" sldId="257"/>
-        </pc:sldMkLst>
-        <pc:spChg chg="mod">
-          <ac:chgData name="Eduardo Savian" userId="83fefb37af455394" providerId="Windows Live" clId="Web-{36E7C8E4-7FFB-448F-ADE0-B64A1369299D}" dt="2024-05-24T21:51:26.417" v="47" actId="20577"/>
-          <ac:spMkLst>
-            <pc:docMk/>
-            <pc:sldMk cId="3775945265" sldId="257"/>
-            <ac:spMk id="3" creationId="{A3B4ADFF-18FA-819A-E2DD-F32D67BA3A8E}"/>
-          </ac:spMkLst>
-        </pc:spChg>
-      </pc:sldChg>
-      <pc:sldChg chg="modSp">
-        <pc:chgData name="Eduardo Savian" userId="83fefb37af455394" providerId="Windows Live" clId="Web-{36E7C8E4-7FFB-448F-ADE0-B64A1369299D}" dt="2024-05-24T21:50:26.917" v="6" actId="20577"/>
-        <pc:sldMkLst>
-          <pc:docMk/>
-          <pc:sldMk cId="2097304172" sldId="268"/>
-        </pc:sldMkLst>
-        <pc:spChg chg="mod">
-          <ac:chgData name="Eduardo Savian" userId="83fefb37af455394" providerId="Windows Live" clId="Web-{36E7C8E4-7FFB-448F-ADE0-B64A1369299D}" dt="2024-05-24T21:50:26.917" v="6" actId="20577"/>
-          <ac:spMkLst>
-            <pc:docMk/>
-            <pc:sldMk cId="2097304172" sldId="268"/>
-            <ac:spMk id="3" creationId="{DF5ABD57-ADCB-25E7-5CDB-095C18654DD9}"/>
-          </ac:spMkLst>
-        </pc:spChg>
-      </pc:sldChg>
-      <pc:sldChg chg="modSp">
-        <pc:chgData name="Eduardo Savian" userId="83fefb37af455394" providerId="Windows Live" clId="Web-{36E7C8E4-7FFB-448F-ADE0-B64A1369299D}" dt="2024-05-24T21:51:28.745" v="48" actId="20577"/>
-        <pc:sldMkLst>
-          <pc:docMk/>
-          <pc:sldMk cId="1839108021" sldId="269"/>
-        </pc:sldMkLst>
-        <pc:spChg chg="mod">
-          <ac:chgData name="Eduardo Savian" userId="83fefb37af455394" providerId="Windows Live" clId="Web-{36E7C8E4-7FFB-448F-ADE0-B64A1369299D}" dt="2024-05-24T21:51:28.745" v="48" actId="20577"/>
-          <ac:spMkLst>
-            <pc:docMk/>
-            <pc:sldMk cId="1839108021" sldId="269"/>
-            <ac:spMk id="3" creationId="{A0A824DE-1396-458D-85D1-532A91E9C44F}"/>
-          </ac:spMkLst>
-        </pc:spChg>
-      </pc:sldChg>
-      <pc:sldChg chg="del">
-        <pc:chgData name="Eduardo Savian" userId="83fefb37af455394" providerId="Windows Live" clId="Web-{36E7C8E4-7FFB-448F-ADE0-B64A1369299D}" dt="2024-05-24T21:50:33.777" v="7"/>
-        <pc:sldMkLst>
-          <pc:docMk/>
-          <pc:sldMk cId="786732467" sldId="270"/>
-        </pc:sldMkLst>
-      </pc:sldChg>
-      <pc:sldChg chg="new">
-        <pc:chgData name="Eduardo Savian" userId="83fefb37af455394" providerId="Windows Live" clId="Web-{36E7C8E4-7FFB-448F-ADE0-B64A1369299D}" dt="2024-05-24T21:51:41.042" v="51"/>
-        <pc:sldMkLst>
-          <pc:docMk/>
-          <pc:sldMk cId="2543389946" sldId="270"/>
-        </pc:sldMkLst>
-      </pc:sldChg>
-      <pc:sldChg chg="del">
-        <pc:chgData name="Eduardo Savian" userId="83fefb37af455394" providerId="Windows Live" clId="Web-{36E7C8E4-7FFB-448F-ADE0-B64A1369299D}" dt="2024-05-24T21:50:36.995" v="10"/>
-        <pc:sldMkLst>
-          <pc:docMk/>
-          <pc:sldMk cId="3820077443" sldId="272"/>
-        </pc:sldMkLst>
-      </pc:sldChg>
-      <pc:sldChg chg="del">
-        <pc:chgData name="Eduardo Savian" userId="83fefb37af455394" providerId="Windows Live" clId="Web-{36E7C8E4-7FFB-448F-ADE0-B64A1369299D}" dt="2024-05-24T21:50:38.276" v="12"/>
-        <pc:sldMkLst>
-          <pc:docMk/>
-          <pc:sldMk cId="3222751535" sldId="273"/>
-        </pc:sldMkLst>
-      </pc:sldChg>
-      <pc:sldChg chg="del">
-        <pc:chgData name="Eduardo Savian" userId="83fefb37af455394" providerId="Windows Live" clId="Web-{36E7C8E4-7FFB-448F-ADE0-B64A1369299D}" dt="2024-05-24T21:50:39.980" v="15"/>
-        <pc:sldMkLst>
-          <pc:docMk/>
-          <pc:sldMk cId="4195999744" sldId="274"/>
-        </pc:sldMkLst>
-      </pc:sldChg>
-      <pc:sldChg chg="del">
-        <pc:chgData name="Eduardo Savian" userId="83fefb37af455394" providerId="Windows Live" clId="Web-{36E7C8E4-7FFB-448F-ADE0-B64A1369299D}" dt="2024-05-24T21:50:39.433" v="14"/>
-        <pc:sldMkLst>
-          <pc:docMk/>
-          <pc:sldMk cId="2246444756" sldId="275"/>
-        </pc:sldMkLst>
-      </pc:sldChg>
-      <pc:sldChg chg="del">
-        <pc:chgData name="Eduardo Savian" userId="83fefb37af455394" providerId="Windows Live" clId="Web-{36E7C8E4-7FFB-448F-ADE0-B64A1369299D}" dt="2024-05-24T21:50:37.605" v="11"/>
-        <pc:sldMkLst>
-          <pc:docMk/>
-          <pc:sldMk cId="177902584" sldId="276"/>
-        </pc:sldMkLst>
-      </pc:sldChg>
-      <pc:sldChg chg="del">
-        <pc:chgData name="Eduardo Savian" userId="83fefb37af455394" providerId="Windows Live" clId="Web-{36E7C8E4-7FFB-448F-ADE0-B64A1369299D}" dt="2024-05-24T21:50:40.667" v="16"/>
-        <pc:sldMkLst>
-          <pc:docMk/>
-          <pc:sldMk cId="3089438569" sldId="277"/>
-        </pc:sldMkLst>
-      </pc:sldChg>
-      <pc:sldChg chg="del">
-        <pc:chgData name="Eduardo Savian" userId="83fefb37af455394" providerId="Windows Live" clId="Web-{36E7C8E4-7FFB-448F-ADE0-B64A1369299D}" dt="2024-05-24T21:50:38.886" v="13"/>
-        <pc:sldMkLst>
-          <pc:docMk/>
-          <pc:sldMk cId="2958369243" sldId="278"/>
-        </pc:sldMkLst>
-      </pc:sldChg>
-      <pc:sldChg chg="del">
-        <pc:chgData name="Eduardo Savian" userId="83fefb37af455394" providerId="Windows Live" clId="Web-{36E7C8E4-7FFB-448F-ADE0-B64A1369299D}" dt="2024-05-24T21:50:36.261" v="9"/>
-        <pc:sldMkLst>
-          <pc:docMk/>
-          <pc:sldMk cId="3863324512" sldId="279"/>
-        </pc:sldMkLst>
-      </pc:sldChg>
-      <pc:sldChg chg="del">
-        <pc:chgData name="Eduardo Savian" userId="83fefb37af455394" providerId="Windows Live" clId="Web-{36E7C8E4-7FFB-448F-ADE0-B64A1369299D}" dt="2024-05-24T21:50:42.495" v="17"/>
-        <pc:sldMkLst>
-          <pc:docMk/>
-          <pc:sldMk cId="2943707974" sldId="280"/>
-        </pc:sldMkLst>
-      </pc:sldChg>
-      <pc:sldChg chg="del">
-        <pc:chgData name="Eduardo Savian" userId="83fefb37af455394" providerId="Windows Live" clId="Web-{36E7C8E4-7FFB-448F-ADE0-B64A1369299D}" dt="2024-05-24T21:50:43.151" v="18"/>
-        <pc:sldMkLst>
-          <pc:docMk/>
-          <pc:sldMk cId="2824806480" sldId="281"/>
-        </pc:sldMkLst>
-      </pc:sldChg>
-      <pc:sldChg chg="del">
-        <pc:chgData name="Eduardo Savian" userId="83fefb37af455394" providerId="Windows Live" clId="Web-{36E7C8E4-7FFB-448F-ADE0-B64A1369299D}" dt="2024-05-24T21:50:43.714" v="19"/>
-        <pc:sldMkLst>
-          <pc:docMk/>
-          <pc:sldMk cId="3921900917" sldId="282"/>
-        </pc:sldMkLst>
-      </pc:sldChg>
-      <pc:sldChg chg="del">
-        <pc:chgData name="Eduardo Savian" userId="83fefb37af455394" providerId="Windows Live" clId="Web-{36E7C8E4-7FFB-448F-ADE0-B64A1369299D}" dt="2024-05-24T21:50:44.886" v="20"/>
-        <pc:sldMkLst>
-          <pc:docMk/>
-          <pc:sldMk cId="3100966276" sldId="283"/>
-        </pc:sldMkLst>
-      </pc:sldChg>
-      <pc:sldChg chg="del">
-        <pc:chgData name="Eduardo Savian" userId="83fefb37af455394" providerId="Windows Live" clId="Web-{36E7C8E4-7FFB-448F-ADE0-B64A1369299D}" dt="2024-05-24T21:50:46.417" v="22"/>
-        <pc:sldMkLst>
-          <pc:docMk/>
-          <pc:sldMk cId="227339789" sldId="284"/>
-        </pc:sldMkLst>
-      </pc:sldChg>
-      <pc:sldChg chg="del">
-        <pc:chgData name="Eduardo Savian" userId="83fefb37af455394" providerId="Windows Live" clId="Web-{36E7C8E4-7FFB-448F-ADE0-B64A1369299D}" dt="2024-05-24T21:51:32.120" v="49"/>
-        <pc:sldMkLst>
-          <pc:docMk/>
-          <pc:sldMk cId="3520346450" sldId="285"/>
-        </pc:sldMkLst>
-      </pc:sldChg>
-      <pc:sldChg chg="del">
-        <pc:chgData name="Eduardo Savian" userId="83fefb37af455394" providerId="Windows Live" clId="Web-{36E7C8E4-7FFB-448F-ADE0-B64A1369299D}" dt="2024-05-24T21:51:32.948" v="50"/>
-        <pc:sldMkLst>
-          <pc:docMk/>
-          <pc:sldMk cId="3991824961" sldId="286"/>
-        </pc:sldMkLst>
-      </pc:sldChg>
-      <pc:sldChg chg="del">
-        <pc:chgData name="Eduardo Savian" userId="83fefb37af455394" providerId="Windows Live" clId="Web-{36E7C8E4-7FFB-448F-ADE0-B64A1369299D}" dt="2024-05-24T21:50:52.214" v="23"/>
-        <pc:sldMkLst>
-          <pc:docMk/>
-          <pc:sldMk cId="1294687725" sldId="287"/>
-        </pc:sldMkLst>
-      </pc:sldChg>
-      <pc:sldChg chg="del">
-        <pc:chgData name="Eduardo Savian" userId="83fefb37af455394" providerId="Windows Live" clId="Web-{36E7C8E4-7FFB-448F-ADE0-B64A1369299D}" dt="2024-05-24T21:50:45.948" v="21"/>
-        <pc:sldMkLst>
-          <pc:docMk/>
-          <pc:sldMk cId="682011853" sldId="288"/>
-        </pc:sldMkLst>
-      </pc:sldChg>
-      <pc:sldChg chg="del">
-        <pc:chgData name="Eduardo Savian" userId="83fefb37af455394" providerId="Windows Live" clId="Web-{36E7C8E4-7FFB-448F-ADE0-B64A1369299D}" dt="2024-05-24T21:50:35.198" v="8"/>
-        <pc:sldMkLst>
-          <pc:docMk/>
-          <pc:sldMk cId="1633250534" sldId="289"/>
-        </pc:sldMkLst>
-      </pc:sldChg>
-    </pc:docChg>
-  </pc:docChgLst>
-  <pc:docChgLst>
-    <pc:chgData name="Eduardo Savian" userId="83fefb37af455394" providerId="Windows Live" clId="Web-{B10124E6-5CE1-46B9-81E2-9DF613E845DA}"/>
-    <pc:docChg chg="addSld delSld modSld">
-      <pc:chgData name="Eduardo Savian" userId="83fefb37af455394" providerId="Windows Live" clId="Web-{B10124E6-5CE1-46B9-81E2-9DF613E845DA}" dt="2024-05-18T19:37:28.234" v="48"/>
-      <pc:docMkLst>
-        <pc:docMk/>
-      </pc:docMkLst>
-      <pc:sldChg chg="addSp delSp modSp del mod modClrScheme chgLayout">
-        <pc:chgData name="Eduardo Savian" userId="83fefb37af455394" providerId="Windows Live" clId="Web-{B10124E6-5CE1-46B9-81E2-9DF613E845DA}" dt="2024-05-18T19:35:57.404" v="32"/>
-        <pc:sldMkLst>
-          <pc:docMk/>
-          <pc:sldMk cId="4042955426" sldId="270"/>
-        </pc:sldMkLst>
-        <pc:spChg chg="add del">
-          <ac:chgData name="Eduardo Savian" userId="83fefb37af455394" providerId="Windows Live" clId="Web-{B10124E6-5CE1-46B9-81E2-9DF613E845DA}" dt="2024-05-18T19:33:13.696" v="10"/>
-          <ac:spMkLst>
-            <pc:docMk/>
-            <pc:sldMk cId="4042955426" sldId="270"/>
-            <ac:spMk id="2" creationId="{C97A6806-306D-5DE8-D246-239AA4809B3A}"/>
-          </ac:spMkLst>
-        </pc:spChg>
-        <pc:spChg chg="del mod">
-          <ac:chgData name="Eduardo Savian" userId="83fefb37af455394" providerId="Windows Live" clId="Web-{B10124E6-5CE1-46B9-81E2-9DF613E845DA}" dt="2024-05-18T19:32:42.023" v="2"/>
-          <ac:spMkLst>
-            <pc:docMk/>
-            <pc:sldMk cId="4042955426" sldId="270"/>
-            <ac:spMk id="3" creationId="{662D8E06-1103-5E8B-88E0-2CC1191423C4}"/>
-          </ac:spMkLst>
-        </pc:spChg>
-        <pc:spChg chg="mod">
-          <ac:chgData name="Eduardo Savian" userId="83fefb37af455394" providerId="Windows Live" clId="Web-{B10124E6-5CE1-46B9-81E2-9DF613E845DA}" dt="2024-05-18T19:33:13.696" v="10"/>
-          <ac:spMkLst>
-            <pc:docMk/>
-            <pc:sldMk cId="4042955426" sldId="270"/>
-            <ac:spMk id="4" creationId="{EC249B81-C847-2969-D44C-7D08B169C2F4}"/>
-          </ac:spMkLst>
-        </pc:spChg>
-        <pc:spChg chg="mod">
-          <ac:chgData name="Eduardo Savian" userId="83fefb37af455394" providerId="Windows Live" clId="Web-{B10124E6-5CE1-46B9-81E2-9DF613E845DA}" dt="2024-05-18T19:33:13.696" v="10"/>
-          <ac:spMkLst>
-            <pc:docMk/>
-            <pc:sldMk cId="4042955426" sldId="270"/>
-            <ac:spMk id="5" creationId="{B04CFF83-CA02-9F22-4CBF-D20905127DC9}"/>
-          </ac:spMkLst>
-        </pc:spChg>
-        <pc:spChg chg="mod">
-          <ac:chgData name="Eduardo Savian" userId="83fefb37af455394" providerId="Windows Live" clId="Web-{B10124E6-5CE1-46B9-81E2-9DF613E845DA}" dt="2024-05-18T19:33:13.696" v="10"/>
-          <ac:spMkLst>
-            <pc:docMk/>
-            <pc:sldMk cId="4042955426" sldId="270"/>
-            <ac:spMk id="6" creationId="{9831A95B-48A2-16FC-98E0-779D34F17AF7}"/>
-          </ac:spMkLst>
-        </pc:spChg>
-        <pc:spChg chg="add del mod">
-          <ac:chgData name="Eduardo Savian" userId="83fefb37af455394" providerId="Windows Live" clId="Web-{B10124E6-5CE1-46B9-81E2-9DF613E845DA}" dt="2024-05-18T19:33:13.696" v="10"/>
-          <ac:spMkLst>
-            <pc:docMk/>
-            <pc:sldMk cId="4042955426" sldId="270"/>
-            <ac:spMk id="12" creationId="{30774746-80CE-838A-AE40-BBFAF719DFE4}"/>
-          </ac:spMkLst>
-        </pc:spChg>
-        <pc:spChg chg="add del mod">
-          <ac:chgData name="Eduardo Savian" userId="83fefb37af455394" providerId="Windows Live" clId="Web-{B10124E6-5CE1-46B9-81E2-9DF613E845DA}" dt="2024-05-18T19:33:13.696" v="10"/>
-          <ac:spMkLst>
-            <pc:docMk/>
-            <pc:sldMk cId="4042955426" sldId="270"/>
-            <ac:spMk id="14" creationId="{B66501AF-2C6C-2C99-F5CD-368990638F10}"/>
-          </ac:spMkLst>
-        </pc:spChg>
-        <pc:spChg chg="add del mod">
-          <ac:chgData name="Eduardo Savian" userId="83fefb37af455394" providerId="Windows Live" clId="Web-{B10124E6-5CE1-46B9-81E2-9DF613E845DA}" dt="2024-05-18T19:33:10.649" v="8"/>
-          <ac:spMkLst>
-            <pc:docMk/>
-            <pc:sldMk cId="4042955426" sldId="270"/>
-            <ac:spMk id="19" creationId="{F069AC9D-E807-B817-5D21-B9CA00B35108}"/>
-          </ac:spMkLst>
-        </pc:spChg>
-        <pc:picChg chg="add mod ord">
-          <ac:chgData name="Eduardo Savian" userId="83fefb37af455394" providerId="Windows Live" clId="Web-{B10124E6-5CE1-46B9-81E2-9DF613E845DA}" dt="2024-05-18T19:33:13.696" v="10"/>
-          <ac:picMkLst>
-            <pc:docMk/>
-            <pc:sldMk cId="4042955426" sldId="270"/>
-            <ac:picMk id="7" creationId="{90295225-2ED7-CBBC-645A-FE5DC8994668}"/>
-          </ac:picMkLst>
-        </pc:picChg>
-      </pc:sldChg>
-      <pc:sldChg chg="addSp delSp modSp new del">
-        <pc:chgData name="Eduardo Savian" userId="83fefb37af455394" providerId="Windows Live" clId="Web-{B10124E6-5CE1-46B9-81E2-9DF613E845DA}" dt="2024-05-18T19:35:56.466" v="31"/>
-        <pc:sldMkLst>
-          <pc:docMk/>
-          <pc:sldMk cId="1562725996" sldId="271"/>
-        </pc:sldMkLst>
-        <pc:spChg chg="del mod">
-          <ac:chgData name="Eduardo Savian" userId="83fefb37af455394" providerId="Windows Live" clId="Web-{B10124E6-5CE1-46B9-81E2-9DF613E845DA}" dt="2024-05-18T19:33:55.494" v="14"/>
-          <ac:spMkLst>
-            <pc:docMk/>
-            <pc:sldMk cId="1562725996" sldId="271"/>
-            <ac:spMk id="3" creationId="{2D074F8F-942C-74E3-9363-49E237AB4A25}"/>
-          </ac:spMkLst>
-        </pc:spChg>
-        <pc:spChg chg="add del mod">
-          <ac:chgData name="Eduardo Savian" userId="83fefb37af455394" providerId="Windows Live" clId="Web-{B10124E6-5CE1-46B9-81E2-9DF613E845DA}" dt="2024-05-18T19:35:04.418" v="21"/>
-          <ac:spMkLst>
-            <pc:docMk/>
-            <pc:sldMk cId="1562725996" sldId="271"/>
-            <ac:spMk id="9" creationId="{2352341E-6D98-E594-3855-F54F1BD8E299}"/>
-          </ac:spMkLst>
-        </pc:spChg>
-        <pc:picChg chg="add del mod ord">
-          <ac:chgData name="Eduardo Savian" userId="83fefb37af455394" providerId="Windows Live" clId="Web-{B10124E6-5CE1-46B9-81E2-9DF613E845DA}" dt="2024-05-18T19:35:04.418" v="21"/>
-          <ac:picMkLst>
-            <pc:docMk/>
-            <pc:sldMk cId="1562725996" sldId="271"/>
-            <ac:picMk id="7" creationId="{4E7F57FD-AD53-1A6A-52D2-F1C464969006}"/>
-          </ac:picMkLst>
-        </pc:picChg>
-      </pc:sldChg>
-      <pc:sldChg chg="addSp delSp modSp new">
-        <pc:chgData name="Eduardo Savian" userId="83fefb37af455394" providerId="Windows Live" clId="Web-{B10124E6-5CE1-46B9-81E2-9DF613E845DA}" dt="2024-05-18T19:35:34.606" v="28"/>
-        <pc:sldMkLst>
-          <pc:docMk/>
-          <pc:sldMk cId="1909084433" sldId="272"/>
-        </pc:sldMkLst>
-        <pc:spChg chg="del mod">
-          <ac:chgData name="Eduardo Savian" userId="83fefb37af455394" providerId="Windows Live" clId="Web-{B10124E6-5CE1-46B9-81E2-9DF613E845DA}" dt="2024-05-18T19:35:34.606" v="28"/>
-          <ac:spMkLst>
-            <pc:docMk/>
-            <pc:sldMk cId="1909084433" sldId="272"/>
-            <ac:spMk id="3" creationId="{8E002528-1E90-B4D8-B7CA-234AF12D83C6}"/>
-          </ac:spMkLst>
-        </pc:spChg>
-        <pc:picChg chg="add mod ord">
-          <ac:chgData name="Eduardo Savian" userId="83fefb37af455394" providerId="Windows Live" clId="Web-{B10124E6-5CE1-46B9-81E2-9DF613E845DA}" dt="2024-05-18T19:35:34.606" v="28"/>
-          <ac:picMkLst>
-            <pc:docMk/>
-            <pc:sldMk cId="1909084433" sldId="272"/>
-            <ac:picMk id="7" creationId="{BBD67D61-1BC2-13AF-E8C5-D2DE5DC1AE75}"/>
-          </ac:picMkLst>
-        </pc:picChg>
-      </pc:sldChg>
-      <pc:sldChg chg="addSp delSp modSp new del">
-        <pc:chgData name="Eduardo Savian" userId="83fefb37af455394" providerId="Windows Live" clId="Web-{B10124E6-5CE1-46B9-81E2-9DF613E845DA}" dt="2024-05-18T19:35:07.074" v="22"/>
-        <pc:sldMkLst>
-          <pc:docMk/>
-          <pc:sldMk cId="2235354735" sldId="272"/>
-        </pc:sldMkLst>
-        <pc:spChg chg="add del">
-          <ac:chgData name="Eduardo Savian" userId="83fefb37af455394" providerId="Windows Live" clId="Web-{B10124E6-5CE1-46B9-81E2-9DF613E845DA}" dt="2024-05-18T19:34:55.949" v="19"/>
-          <ac:spMkLst>
-            <pc:docMk/>
-            <pc:sldMk cId="2235354735" sldId="272"/>
-            <ac:spMk id="3" creationId="{FA61A4B7-7010-D5E7-9783-98BB4C9472ED}"/>
-          </ac:spMkLst>
-        </pc:spChg>
-        <pc:picChg chg="add del mod ord">
-          <ac:chgData name="Eduardo Savian" userId="83fefb37af455394" providerId="Windows Live" clId="Web-{B10124E6-5CE1-46B9-81E2-9DF613E845DA}" dt="2024-05-18T19:34:21.307" v="17"/>
-          <ac:picMkLst>
-            <pc:docMk/>
-            <pc:sldMk cId="2235354735" sldId="272"/>
-            <ac:picMk id="7" creationId="{A134B4C2-DF8F-C87A-9C32-6B990484D1E5}"/>
-          </ac:picMkLst>
-        </pc:picChg>
-        <pc:picChg chg="add del mod ord">
-          <ac:chgData name="Eduardo Savian" userId="83fefb37af455394" providerId="Windows Live" clId="Web-{B10124E6-5CE1-46B9-81E2-9DF613E845DA}" dt="2024-05-18T19:34:55.949" v="19"/>
-          <ac:picMkLst>
-            <pc:docMk/>
-            <pc:sldMk cId="2235354735" sldId="272"/>
-            <ac:picMk id="8" creationId="{BD0FC381-616D-7F80-516C-4B2B9FDD1C1A}"/>
-          </ac:picMkLst>
-        </pc:picChg>
-      </pc:sldChg>
-      <pc:sldChg chg="addSp delSp modSp new">
-        <pc:chgData name="Eduardo Savian" userId="83fefb37af455394" providerId="Windows Live" clId="Web-{B10124E6-5CE1-46B9-81E2-9DF613E845DA}" dt="2024-05-18T19:35:52.794" v="30"/>
-        <pc:sldMkLst>
-          <pc:docMk/>
-          <pc:sldMk cId="4112802808" sldId="273"/>
-        </pc:sldMkLst>
-        <pc:spChg chg="del">
-          <ac:chgData name="Eduardo Savian" userId="83fefb37af455394" providerId="Windows Live" clId="Web-{B10124E6-5CE1-46B9-81E2-9DF613E845DA}" dt="2024-05-18T19:35:52.794" v="30"/>
-          <ac:spMkLst>
-            <pc:docMk/>
-            <pc:sldMk cId="4112802808" sldId="273"/>
-            <ac:spMk id="3" creationId="{48B76A36-821B-00B4-EDA6-B58B8DB664A9}"/>
-          </ac:spMkLst>
-        </pc:spChg>
-        <pc:picChg chg="add mod ord">
-          <ac:chgData name="Eduardo Savian" userId="83fefb37af455394" providerId="Windows Live" clId="Web-{B10124E6-5CE1-46B9-81E2-9DF613E845DA}" dt="2024-05-18T19:35:52.794" v="30"/>
-          <ac:picMkLst>
-            <pc:docMk/>
-            <pc:sldMk cId="4112802808" sldId="273"/>
-            <ac:picMk id="7" creationId="{BF68005B-EE7C-3D5E-4B58-4E5E71FC63D9}"/>
-          </ac:picMkLst>
-        </pc:picChg>
-      </pc:sldChg>
-      <pc:sldChg chg="addSp delSp modSp new">
-        <pc:chgData name="Eduardo Savian" userId="83fefb37af455394" providerId="Windows Live" clId="Web-{B10124E6-5CE1-46B9-81E2-9DF613E845DA}" dt="2024-05-18T19:36:48.343" v="46"/>
-        <pc:sldMkLst>
-          <pc:docMk/>
-          <pc:sldMk cId="2620471646" sldId="274"/>
-        </pc:sldMkLst>
-        <pc:spChg chg="add del mod">
-          <ac:chgData name="Eduardo Savian" userId="83fefb37af455394" providerId="Windows Live" clId="Web-{B10124E6-5CE1-46B9-81E2-9DF613E845DA}" dt="2024-05-18T19:36:48.343" v="46"/>
-          <ac:spMkLst>
-            <pc:docMk/>
-            <pc:sldMk cId="2620471646" sldId="274"/>
-            <ac:spMk id="3" creationId="{89455F0D-AD8E-DCE2-78D1-6E0FEF8648C0}"/>
-          </ac:spMkLst>
-        </pc:spChg>
-        <pc:spChg chg="add del mod">
-          <ac:chgData name="Eduardo Savian" userId="83fefb37af455394" providerId="Windows Live" clId="Web-{B10124E6-5CE1-46B9-81E2-9DF613E845DA}" dt="2024-05-18T19:36:20.592" v="41"/>
-          <ac:spMkLst>
-            <pc:docMk/>
-            <pc:sldMk cId="2620471646" sldId="274"/>
-            <ac:spMk id="7" creationId="{FA194680-CE60-F939-9D2E-969888CDA40F}"/>
-          </ac:spMkLst>
-        </pc:spChg>
-        <pc:picChg chg="add del mod ord">
-          <ac:chgData name="Eduardo Savian" userId="83fefb37af455394" providerId="Windows Live" clId="Web-{B10124E6-5CE1-46B9-81E2-9DF613E845DA}" dt="2024-05-18T19:36:37.342" v="45"/>
-          <ac:picMkLst>
-            <pc:docMk/>
-            <pc:sldMk cId="2620471646" sldId="274"/>
-            <ac:picMk id="8" creationId="{CF5A0A99-597A-F596-5219-39B7331894AE}"/>
-          </ac:picMkLst>
-        </pc:picChg>
-        <pc:picChg chg="add mod ord">
-          <ac:chgData name="Eduardo Savian" userId="83fefb37af455394" providerId="Windows Live" clId="Web-{B10124E6-5CE1-46B9-81E2-9DF613E845DA}" dt="2024-05-18T19:36:48.343" v="46"/>
-          <ac:picMkLst>
-            <pc:docMk/>
-            <pc:sldMk cId="2620471646" sldId="274"/>
-            <ac:picMk id="9" creationId="{6B3D4CF9-E4D9-CE70-77E7-5B5CC17A207F}"/>
-          </ac:picMkLst>
-        </pc:picChg>
-      </pc:sldChg>
-      <pc:sldChg chg="modSp new del">
-        <pc:chgData name="Eduardo Savian" userId="83fefb37af455394" providerId="Windows Live" clId="Web-{B10124E6-5CE1-46B9-81E2-9DF613E845DA}" dt="2024-05-18T19:36:16.686" v="37"/>
-        <pc:sldMkLst>
-          <pc:docMk/>
-          <pc:sldMk cId="22181432" sldId="275"/>
-        </pc:sldMkLst>
-        <pc:spChg chg="mod">
-          <ac:chgData name="Eduardo Savian" userId="83fefb37af455394" providerId="Windows Live" clId="Web-{B10124E6-5CE1-46B9-81E2-9DF613E845DA}" dt="2024-05-18T19:36:15.623" v="36"/>
-          <ac:spMkLst>
-            <pc:docMk/>
-            <pc:sldMk cId="22181432" sldId="275"/>
-            <ac:spMk id="3" creationId="{E48659BD-2243-9220-1B20-084CA9C015C0}"/>
-          </ac:spMkLst>
-        </pc:spChg>
-      </pc:sldChg>
-      <pc:sldChg chg="addSp delSp modSp new">
-        <pc:chgData name="Eduardo Savian" userId="83fefb37af455394" providerId="Windows Live" clId="Web-{B10124E6-5CE1-46B9-81E2-9DF613E845DA}" dt="2024-05-18T19:37:28.234" v="48"/>
-        <pc:sldMkLst>
-          <pc:docMk/>
-          <pc:sldMk cId="346760889" sldId="275"/>
-        </pc:sldMkLst>
-        <pc:spChg chg="del">
-          <ac:chgData name="Eduardo Savian" userId="83fefb37af455394" providerId="Windows Live" clId="Web-{B10124E6-5CE1-46B9-81E2-9DF613E845DA}" dt="2024-05-18T19:37:28.234" v="48"/>
-          <ac:spMkLst>
-            <pc:docMk/>
-            <pc:sldMk cId="346760889" sldId="275"/>
-            <ac:spMk id="3" creationId="{109E92D5-FAD7-5BC1-1534-06038A2AA196}"/>
-          </ac:spMkLst>
-        </pc:spChg>
-        <pc:picChg chg="add mod ord">
-          <ac:chgData name="Eduardo Savian" userId="83fefb37af455394" providerId="Windows Live" clId="Web-{B10124E6-5CE1-46B9-81E2-9DF613E845DA}" dt="2024-05-18T19:37:28.234" v="48"/>
-          <ac:picMkLst>
-            <pc:docMk/>
-            <pc:sldMk cId="346760889" sldId="275"/>
-            <ac:picMk id="7" creationId="{C8BADD49-1D18-6B75-7A7D-8B2089EF92EB}"/>
-          </ac:picMkLst>
-        </pc:picChg>
-      </pc:sldChg>
-    </pc:docChg>
-  </pc:docChgLst>
-  <pc:docChgLst>
-    <pc:chgData clId="Web-{236A428B-EB3A-4EDA-8B94-5C42A3C67680}"/>
-    <pc:docChg chg="modSld">
-      <pc:chgData name="" userId="" providerId="" clId="Web-{236A428B-EB3A-4EDA-8B94-5C42A3C67680}" dt="2024-05-08T01:13:44.510" v="10" actId="20577"/>
-      <pc:docMkLst>
-        <pc:docMk/>
-      </pc:docMkLst>
-      <pc:sldChg chg="modSp">
-        <pc:chgData name="" userId="" providerId="" clId="Web-{236A428B-EB3A-4EDA-8B94-5C42A3C67680}" dt="2024-05-08T01:13:44.510" v="10" actId="20577"/>
-        <pc:sldMkLst>
-          <pc:docMk/>
-          <pc:sldMk cId="109857222" sldId="256"/>
-        </pc:sldMkLst>
-        <pc:spChg chg="mod">
-          <ac:chgData name="" userId="" providerId="" clId="Web-{236A428B-EB3A-4EDA-8B94-5C42A3C67680}" dt="2024-05-08T01:13:44.510" v="10" actId="20577"/>
-          <ac:spMkLst>
-            <pc:docMk/>
-            <pc:sldMk cId="109857222" sldId="256"/>
-            <ac:spMk id="3" creationId="{00000000-0000-0000-0000-000000000000}"/>
-          </ac:spMkLst>
-        </pc:spChg>
-      </pc:sldChg>
-    </pc:docChg>
-  </pc:docChgLst>
-  <pc:docChgLst>
-    <pc:chgData name="Eduardo Savian" userId="83fefb37af455394" providerId="LiveId" clId="{217EB2C1-E6A9-4F42-BFBF-ED5005B07AD2}"/>
-    <pc:docChg chg="undo custSel addSld delSld modSld">
-      <pc:chgData name="Eduardo Savian" userId="83fefb37af455394" providerId="LiveId" clId="{217EB2C1-E6A9-4F42-BFBF-ED5005B07AD2}" dt="2024-05-19T20:29:20.201" v="958" actId="20577"/>
-      <pc:docMkLst>
-        <pc:docMk/>
-      </pc:docMkLst>
-      <pc:sldChg chg="modSp mod">
-        <pc:chgData name="Eduardo Savian" userId="83fefb37af455394" providerId="LiveId" clId="{217EB2C1-E6A9-4F42-BFBF-ED5005B07AD2}" dt="2024-05-19T20:18:46.082" v="749" actId="790"/>
-        <pc:sldMkLst>
-          <pc:docMk/>
-          <pc:sldMk cId="3775945265" sldId="257"/>
-        </pc:sldMkLst>
-        <pc:spChg chg="mod">
-          <ac:chgData name="Eduardo Savian" userId="83fefb37af455394" providerId="LiveId" clId="{217EB2C1-E6A9-4F42-BFBF-ED5005B07AD2}" dt="2024-05-19T20:18:46.082" v="749" actId="790"/>
-          <ac:spMkLst>
-            <pc:docMk/>
-            <pc:sldMk cId="3775945265" sldId="257"/>
-            <ac:spMk id="2" creationId="{D6ADE00D-4311-50C4-8DF9-71AEE4CBFBA6}"/>
-          </ac:spMkLst>
-        </pc:spChg>
-        <pc:spChg chg="mod">
-          <ac:chgData name="Eduardo Savian" userId="83fefb37af455394" providerId="LiveId" clId="{217EB2C1-E6A9-4F42-BFBF-ED5005B07AD2}" dt="2024-05-19T20:16:23.021" v="729" actId="20577"/>
-          <ac:spMkLst>
-            <pc:docMk/>
-            <pc:sldMk cId="3775945265" sldId="257"/>
-            <ac:spMk id="3" creationId="{A3B4ADFF-18FA-819A-E2DD-F32D67BA3A8E}"/>
-          </ac:spMkLst>
-        </pc:spChg>
-      </pc:sldChg>
-      <pc:sldChg chg="modSp mod">
-        <pc:chgData name="Eduardo Savian" userId="83fefb37af455394" providerId="LiveId" clId="{217EB2C1-E6A9-4F42-BFBF-ED5005B07AD2}" dt="2024-05-19T20:01:53.490" v="74" actId="20577"/>
-        <pc:sldMkLst>
-          <pc:docMk/>
-          <pc:sldMk cId="2097304172" sldId="268"/>
-        </pc:sldMkLst>
-        <pc:spChg chg="mod">
-          <ac:chgData name="Eduardo Savian" userId="83fefb37af455394" providerId="LiveId" clId="{217EB2C1-E6A9-4F42-BFBF-ED5005B07AD2}" dt="2024-05-19T20:01:53.490" v="74" actId="20577"/>
-          <ac:spMkLst>
-            <pc:docMk/>
-            <pc:sldMk cId="2097304172" sldId="268"/>
-            <ac:spMk id="3" creationId="{DF5ABD57-ADCB-25E7-5CDB-095C18654DD9}"/>
-          </ac:spMkLst>
-        </pc:spChg>
-      </pc:sldChg>
-      <pc:sldChg chg="modSp mod">
-        <pc:chgData name="Eduardo Savian" userId="83fefb37af455394" providerId="LiveId" clId="{217EB2C1-E6A9-4F42-BFBF-ED5005B07AD2}" dt="2024-05-19T20:22:06.186" v="841" actId="20577"/>
-        <pc:sldMkLst>
-          <pc:docMk/>
-          <pc:sldMk cId="1839108021" sldId="269"/>
-        </pc:sldMkLst>
-        <pc:spChg chg="mod">
-          <ac:chgData name="Eduardo Savian" userId="83fefb37af455394" providerId="LiveId" clId="{217EB2C1-E6A9-4F42-BFBF-ED5005B07AD2}" dt="2024-05-19T20:18:08.031" v="748" actId="790"/>
-          <ac:spMkLst>
-            <pc:docMk/>
-            <pc:sldMk cId="1839108021" sldId="269"/>
-            <ac:spMk id="2" creationId="{E7A62A9E-C411-78B0-B6D7-66BA12C68737}"/>
-          </ac:spMkLst>
-        </pc:spChg>
-        <pc:spChg chg="mod">
-          <ac:chgData name="Eduardo Savian" userId="83fefb37af455394" providerId="LiveId" clId="{217EB2C1-E6A9-4F42-BFBF-ED5005B07AD2}" dt="2024-05-19T20:22:06.186" v="841" actId="20577"/>
-          <ac:spMkLst>
-            <pc:docMk/>
-            <pc:sldMk cId="1839108021" sldId="269"/>
-            <ac:spMk id="3" creationId="{A0A824DE-1396-458D-85D1-532A91E9C44F}"/>
-          </ac:spMkLst>
-        </pc:spChg>
-      </pc:sldChg>
-      <pc:sldChg chg="addSp delSp modSp new mod">
-        <pc:chgData name="Eduardo Savian" userId="83fefb37af455394" providerId="LiveId" clId="{217EB2C1-E6A9-4F42-BFBF-ED5005B07AD2}" dt="2024-05-19T20:28:34.744" v="895" actId="22"/>
-        <pc:sldMkLst>
-          <pc:docMk/>
-          <pc:sldMk cId="786732467" sldId="270"/>
-        </pc:sldMkLst>
-        <pc:spChg chg="mod">
-          <ac:chgData name="Eduardo Savian" userId="83fefb37af455394" providerId="LiveId" clId="{217EB2C1-E6A9-4F42-BFBF-ED5005B07AD2}" dt="2024-05-19T20:27:13.176" v="893" actId="20577"/>
-          <ac:spMkLst>
-            <pc:docMk/>
-            <pc:sldMk cId="786732467" sldId="270"/>
-            <ac:spMk id="2" creationId="{6996E901-EAC6-49DB-0B83-26AF19601C91}"/>
-          </ac:spMkLst>
-        </pc:spChg>
-        <pc:spChg chg="del mod">
-          <ac:chgData name="Eduardo Savian" userId="83fefb37af455394" providerId="LiveId" clId="{217EB2C1-E6A9-4F42-BFBF-ED5005B07AD2}" dt="2024-05-19T20:24:09.964" v="860" actId="22"/>
-          <ac:spMkLst>
-            <pc:docMk/>
-            <pc:sldMk cId="786732467" sldId="270"/>
-            <ac:spMk id="3" creationId="{DC1EC669-3655-A424-23B2-65E9EFCECBFE}"/>
-          </ac:spMkLst>
-        </pc:spChg>
-        <pc:spChg chg="add del mod">
-          <ac:chgData name="Eduardo Savian" userId="83fefb37af455394" providerId="LiveId" clId="{217EB2C1-E6A9-4F42-BFBF-ED5005B07AD2}" dt="2024-05-19T20:28:34.744" v="895" actId="22"/>
-          <ac:spMkLst>
-            <pc:docMk/>
-            <pc:sldMk cId="786732467" sldId="270"/>
-            <ac:spMk id="10" creationId="{8B8E139F-329A-C912-DBC9-B74376AB5FF8}"/>
-          </ac:spMkLst>
-        </pc:spChg>
-        <pc:picChg chg="add del mod ord">
-          <ac:chgData name="Eduardo Savian" userId="83fefb37af455394" providerId="LiveId" clId="{217EB2C1-E6A9-4F42-BFBF-ED5005B07AD2}" dt="2024-05-19T20:28:33" v="894" actId="478"/>
-          <ac:picMkLst>
-            <pc:docMk/>
-            <pc:sldMk cId="786732467" sldId="270"/>
-            <ac:picMk id="8" creationId="{A5CE5EAD-5777-4E33-8088-09CCA53F30E7}"/>
-          </ac:picMkLst>
-        </pc:picChg>
-        <pc:picChg chg="add mod ord">
-          <ac:chgData name="Eduardo Savian" userId="83fefb37af455394" providerId="LiveId" clId="{217EB2C1-E6A9-4F42-BFBF-ED5005B07AD2}" dt="2024-05-19T20:28:34.744" v="895" actId="22"/>
-          <ac:picMkLst>
-            <pc:docMk/>
-            <pc:sldMk cId="786732467" sldId="270"/>
-            <ac:picMk id="12" creationId="{8E951E1F-DFFC-B7ED-109F-92D63809D36D}"/>
-          </ac:picMkLst>
-        </pc:picChg>
-      </pc:sldChg>
-      <pc:sldChg chg="addSp delSp modSp new mod">
-        <pc:chgData name="Eduardo Savian" userId="83fefb37af455394" providerId="LiveId" clId="{217EB2C1-E6A9-4F42-BFBF-ED5005B07AD2}" dt="2024-05-19T20:29:02.787" v="943" actId="20577"/>
-        <pc:sldMkLst>
-          <pc:docMk/>
-          <pc:sldMk cId="563821369" sldId="271"/>
-        </pc:sldMkLst>
-        <pc:spChg chg="mod">
-          <ac:chgData name="Eduardo Savian" userId="83fefb37af455394" providerId="LiveId" clId="{217EB2C1-E6A9-4F42-BFBF-ED5005B07AD2}" dt="2024-05-19T20:29:02.787" v="943" actId="20577"/>
-          <ac:spMkLst>
-            <pc:docMk/>
-            <pc:sldMk cId="563821369" sldId="271"/>
-            <ac:spMk id="2" creationId="{E70215F8-1E37-98DE-70DB-83F0D157D2B7}"/>
-          </ac:spMkLst>
-        </pc:spChg>
-        <pc:spChg chg="del mod">
-          <ac:chgData name="Eduardo Savian" userId="83fefb37af455394" providerId="LiveId" clId="{217EB2C1-E6A9-4F42-BFBF-ED5005B07AD2}" dt="2024-05-19T20:24:51.661" v="864" actId="22"/>
-          <ac:spMkLst>
-            <pc:docMk/>
-            <pc:sldMk cId="563821369" sldId="271"/>
-            <ac:spMk id="3" creationId="{8A3E7E65-1127-F783-3450-D8C730FEF717}"/>
-          </ac:spMkLst>
-        </pc:spChg>
-        <pc:picChg chg="add mod ord">
-          <ac:chgData name="Eduardo Savian" userId="83fefb37af455394" providerId="LiveId" clId="{217EB2C1-E6A9-4F42-BFBF-ED5005B07AD2}" dt="2024-05-19T20:24:51.661" v="864" actId="22"/>
-          <ac:picMkLst>
-            <pc:docMk/>
-            <pc:sldMk cId="563821369" sldId="271"/>
-            <ac:picMk id="8" creationId="{03CB2811-2A9B-FA28-AABF-2401D30AFC24}"/>
-          </ac:picMkLst>
-        </pc:picChg>
-      </pc:sldChg>
-      <pc:sldChg chg="del">
-        <pc:chgData name="Eduardo Savian" userId="83fefb37af455394" providerId="LiveId" clId="{217EB2C1-E6A9-4F42-BFBF-ED5005B07AD2}" dt="2024-05-19T20:17:18.832" v="740" actId="47"/>
-        <pc:sldMkLst>
-          <pc:docMk/>
-          <pc:sldMk cId="1909084433" sldId="272"/>
-        </pc:sldMkLst>
-      </pc:sldChg>
-      <pc:sldChg chg="addSp delSp modSp new mod">
-        <pc:chgData name="Eduardo Savian" userId="83fefb37af455394" providerId="LiveId" clId="{217EB2C1-E6A9-4F42-BFBF-ED5005B07AD2}" dt="2024-05-19T20:29:09.064" v="944"/>
-        <pc:sldMkLst>
-          <pc:docMk/>
-          <pc:sldMk cId="3820077443" sldId="272"/>
-        </pc:sldMkLst>
-        <pc:spChg chg="mod">
-          <ac:chgData name="Eduardo Savian" userId="83fefb37af455394" providerId="LiveId" clId="{217EB2C1-E6A9-4F42-BFBF-ED5005B07AD2}" dt="2024-05-19T20:29:09.064" v="944"/>
-          <ac:spMkLst>
-            <pc:docMk/>
-            <pc:sldMk cId="3820077443" sldId="272"/>
-            <ac:spMk id="2" creationId="{52978418-C559-5F22-F1CD-E73F225DD8AF}"/>
-          </ac:spMkLst>
-        </pc:spChg>
-        <pc:spChg chg="add del">
-          <ac:chgData name="Eduardo Savian" userId="83fefb37af455394" providerId="LiveId" clId="{217EB2C1-E6A9-4F42-BFBF-ED5005B07AD2}" dt="2024-05-19T20:25:28.078" v="867" actId="22"/>
-          <ac:spMkLst>
-            <pc:docMk/>
-            <pc:sldMk cId="3820077443" sldId="272"/>
-            <ac:spMk id="3" creationId="{F2CF4DD3-D745-7A67-5FC1-64CE1F276356}"/>
-          </ac:spMkLst>
-        </pc:spChg>
-        <pc:spChg chg="add del mod">
-          <ac:chgData name="Eduardo Savian" userId="83fefb37af455394" providerId="LiveId" clId="{217EB2C1-E6A9-4F42-BFBF-ED5005B07AD2}" dt="2024-05-19T20:26:08.357" v="869" actId="22"/>
-          <ac:spMkLst>
-            <pc:docMk/>
-            <pc:sldMk cId="3820077443" sldId="272"/>
-            <ac:spMk id="12" creationId="{8B147716-5A83-A00C-7986-E34BD2F4F8B8}"/>
-          </ac:spMkLst>
-        </pc:spChg>
-        <pc:picChg chg="add del mod ord">
-          <ac:chgData name="Eduardo Savian" userId="83fefb37af455394" providerId="LiveId" clId="{217EB2C1-E6A9-4F42-BFBF-ED5005B07AD2}" dt="2024-05-19T20:25:13.739" v="866" actId="22"/>
-          <ac:picMkLst>
-            <pc:docMk/>
-            <pc:sldMk cId="3820077443" sldId="272"/>
-            <ac:picMk id="8" creationId="{47009422-2C9F-050E-35F5-0B234954222D}"/>
-          </ac:picMkLst>
-        </pc:picChg>
-        <pc:picChg chg="add del mod ord">
-          <ac:chgData name="Eduardo Savian" userId="83fefb37af455394" providerId="LiveId" clId="{217EB2C1-E6A9-4F42-BFBF-ED5005B07AD2}" dt="2024-05-19T20:26:06.229" v="868" actId="478"/>
-          <ac:picMkLst>
-            <pc:docMk/>
-            <pc:sldMk cId="3820077443" sldId="272"/>
-            <ac:picMk id="10" creationId="{4350A8DC-D2BB-1BED-AFAC-0AC310C3636E}"/>
-          </ac:picMkLst>
-        </pc:picChg>
-        <pc:picChg chg="add mod ord">
-          <ac:chgData name="Eduardo Savian" userId="83fefb37af455394" providerId="LiveId" clId="{217EB2C1-E6A9-4F42-BFBF-ED5005B07AD2}" dt="2024-05-19T20:26:08.357" v="869" actId="22"/>
-          <ac:picMkLst>
-            <pc:docMk/>
-            <pc:sldMk cId="3820077443" sldId="272"/>
-            <ac:picMk id="14" creationId="{457DD28B-A7F6-44BD-4B83-223E771FCFC2}"/>
-          </ac:picMkLst>
-        </pc:picChg>
-      </pc:sldChg>
-      <pc:sldChg chg="addSp delSp modSp new mod">
-        <pc:chgData name="Eduardo Savian" userId="83fefb37af455394" providerId="LiveId" clId="{217EB2C1-E6A9-4F42-BFBF-ED5005B07AD2}" dt="2024-05-19T20:29:11.512" v="945"/>
-        <pc:sldMkLst>
-          <pc:docMk/>
-          <pc:sldMk cId="3222751535" sldId="273"/>
-        </pc:sldMkLst>
-        <pc:spChg chg="mod">
-          <ac:chgData name="Eduardo Savian" userId="83fefb37af455394" providerId="LiveId" clId="{217EB2C1-E6A9-4F42-BFBF-ED5005B07AD2}" dt="2024-05-19T20:29:11.512" v="945"/>
-          <ac:spMkLst>
-            <pc:docMk/>
-            <pc:sldMk cId="3222751535" sldId="273"/>
-            <ac:spMk id="2" creationId="{2419E225-2928-2C8B-BCD0-743C6339F43A}"/>
-          </ac:spMkLst>
-        </pc:spChg>
-        <pc:spChg chg="del">
-          <ac:chgData name="Eduardo Savian" userId="83fefb37af455394" providerId="LiveId" clId="{217EB2C1-E6A9-4F42-BFBF-ED5005B07AD2}" dt="2024-05-19T20:26:25.528" v="870" actId="22"/>
-          <ac:spMkLst>
-            <pc:docMk/>
-            <pc:sldMk cId="3222751535" sldId="273"/>
-            <ac:spMk id="3" creationId="{0F15CF39-8530-C26D-D2C2-71BF66D2273D}"/>
-          </ac:spMkLst>
-        </pc:spChg>
-        <pc:picChg chg="add mod ord">
-          <ac:chgData name="Eduardo Savian" userId="83fefb37af455394" providerId="LiveId" clId="{217EB2C1-E6A9-4F42-BFBF-ED5005B07AD2}" dt="2024-05-19T20:26:25.528" v="870" actId="22"/>
-          <ac:picMkLst>
-            <pc:docMk/>
-            <pc:sldMk cId="3222751535" sldId="273"/>
-            <ac:picMk id="8" creationId="{531A2931-2BB1-2C76-B484-C8A956AC2FCA}"/>
-          </ac:picMkLst>
-        </pc:picChg>
-      </pc:sldChg>
-      <pc:sldChg chg="del">
-        <pc:chgData name="Eduardo Savian" userId="83fefb37af455394" providerId="LiveId" clId="{217EB2C1-E6A9-4F42-BFBF-ED5005B07AD2}" dt="2024-05-19T20:17:19.495" v="741" actId="47"/>
-        <pc:sldMkLst>
-          <pc:docMk/>
-          <pc:sldMk cId="4112802808" sldId="273"/>
-        </pc:sldMkLst>
-      </pc:sldChg>
-      <pc:sldChg chg="new del">
-        <pc:chgData name="Eduardo Savian" userId="83fefb37af455394" providerId="LiveId" clId="{217EB2C1-E6A9-4F42-BFBF-ED5005B07AD2}" dt="2024-05-19T20:23:57.870" v="856" actId="680"/>
-        <pc:sldMkLst>
-          <pc:docMk/>
-          <pc:sldMk cId="436580406" sldId="274"/>
-        </pc:sldMkLst>
-      </pc:sldChg>
-      <pc:sldChg chg="del">
-        <pc:chgData name="Eduardo Savian" userId="83fefb37af455394" providerId="LiveId" clId="{217EB2C1-E6A9-4F42-BFBF-ED5005B07AD2}" dt="2024-05-19T20:17:20.473" v="742" actId="47"/>
-        <pc:sldMkLst>
-          <pc:docMk/>
-          <pc:sldMk cId="2620471646" sldId="274"/>
-        </pc:sldMkLst>
-      </pc:sldChg>
-      <pc:sldChg chg="addSp delSp modSp new mod">
-        <pc:chgData name="Eduardo Savian" userId="83fefb37af455394" providerId="LiveId" clId="{217EB2C1-E6A9-4F42-BFBF-ED5005B07AD2}" dt="2024-05-19T20:29:20.201" v="958" actId="20577"/>
-        <pc:sldMkLst>
-          <pc:docMk/>
-          <pc:sldMk cId="4195999744" sldId="274"/>
-        </pc:sldMkLst>
-        <pc:spChg chg="mod">
-          <ac:chgData name="Eduardo Savian" userId="83fefb37af455394" providerId="LiveId" clId="{217EB2C1-E6A9-4F42-BFBF-ED5005B07AD2}" dt="2024-05-19T20:29:20.201" v="958" actId="20577"/>
-          <ac:spMkLst>
-            <pc:docMk/>
-            <pc:sldMk cId="4195999744" sldId="274"/>
-            <ac:spMk id="2" creationId="{451C791D-D01E-B198-1B98-0EE5EEC29C78}"/>
-          </ac:spMkLst>
-        </pc:spChg>
-        <pc:spChg chg="del">
-          <ac:chgData name="Eduardo Savian" userId="83fefb37af455394" providerId="LiveId" clId="{217EB2C1-E6A9-4F42-BFBF-ED5005B07AD2}" dt="2024-05-19T20:26:46.856" v="872" actId="22"/>
-          <ac:spMkLst>
-            <pc:docMk/>
-            <pc:sldMk cId="4195999744" sldId="274"/>
-            <ac:spMk id="3" creationId="{378D3F2B-2CA7-24EB-07D8-88385ABB5F84}"/>
-          </ac:spMkLst>
-        </pc:spChg>
-        <pc:picChg chg="add mod ord">
-          <ac:chgData name="Eduardo Savian" userId="83fefb37af455394" providerId="LiveId" clId="{217EB2C1-E6A9-4F42-BFBF-ED5005B07AD2}" dt="2024-05-19T20:26:46.856" v="872" actId="22"/>
-          <ac:picMkLst>
-            <pc:docMk/>
-            <pc:sldMk cId="4195999744" sldId="274"/>
-            <ac:picMk id="8" creationId="{5B95719B-D7CF-4403-159C-FE2A233F2DC4}"/>
-          </ac:picMkLst>
-        </pc:picChg>
-      </pc:sldChg>
-      <pc:sldChg chg="modSp del mod">
-        <pc:chgData name="Eduardo Savian" userId="83fefb37af455394" providerId="LiveId" clId="{217EB2C1-E6A9-4F42-BFBF-ED5005B07AD2}" dt="2024-05-19T20:17:17.968" v="739" actId="47"/>
-        <pc:sldMkLst>
-          <pc:docMk/>
-          <pc:sldMk cId="346760889" sldId="275"/>
-        </pc:sldMkLst>
-        <pc:spChg chg="mod">
-          <ac:chgData name="Eduardo Savian" userId="83fefb37af455394" providerId="LiveId" clId="{217EB2C1-E6A9-4F42-BFBF-ED5005B07AD2}" dt="2024-05-19T20:14:15.980" v="435" actId="20577"/>
-          <ac:spMkLst>
-            <pc:docMk/>
-            <pc:sldMk cId="346760889" sldId="275"/>
-            <ac:spMk id="2" creationId="{310915FC-BBB3-0797-FA5A-A24EBBD1AFF4}"/>
-          </ac:spMkLst>
-        </pc:spChg>
-      </pc:sldChg>
-      <pc:sldChg chg="addSp delSp modSp del mod">
-        <pc:chgData name="Eduardo Savian" userId="83fefb37af455394" providerId="LiveId" clId="{217EB2C1-E6A9-4F42-BFBF-ED5005B07AD2}" dt="2024-05-19T20:17:21.040" v="743" actId="47"/>
-        <pc:sldMkLst>
-          <pc:docMk/>
-          <pc:sldMk cId="3595438478" sldId="276"/>
-        </pc:sldMkLst>
-        <pc:spChg chg="del">
-          <ac:chgData name="Eduardo Savian" userId="83fefb37af455394" providerId="LiveId" clId="{217EB2C1-E6A9-4F42-BFBF-ED5005B07AD2}" dt="2024-05-19T14:19:21.568" v="0" actId="22"/>
-          <ac:spMkLst>
-            <pc:docMk/>
-            <pc:sldMk cId="3595438478" sldId="276"/>
-            <ac:spMk id="3" creationId="{82D36FF2-C1B4-C347-46EC-3D760ADA1030}"/>
-          </ac:spMkLst>
-        </pc:spChg>
-        <pc:picChg chg="add mod ord">
-          <ac:chgData name="Eduardo Savian" userId="83fefb37af455394" providerId="LiveId" clId="{217EB2C1-E6A9-4F42-BFBF-ED5005B07AD2}" dt="2024-05-19T14:19:21.568" v="0" actId="22"/>
-          <ac:picMkLst>
-            <pc:docMk/>
-            <pc:sldMk cId="3595438478" sldId="276"/>
-            <ac:picMk id="8" creationId="{7A9CB234-1876-C449-E7E2-F70945B739EE}"/>
-          </ac:picMkLst>
-        </pc:picChg>
-      </pc:sldChg>
-      <pc:sldChg chg="addSp delSp modSp new del mod">
-        <pc:chgData name="Eduardo Savian" userId="83fefb37af455394" providerId="LiveId" clId="{217EB2C1-E6A9-4F42-BFBF-ED5005B07AD2}" dt="2024-05-19T20:17:21.584" v="744" actId="47"/>
-        <pc:sldMkLst>
-          <pc:docMk/>
-          <pc:sldMk cId="2793288638" sldId="277"/>
-        </pc:sldMkLst>
-        <pc:spChg chg="del">
-          <ac:chgData name="Eduardo Savian" userId="83fefb37af455394" providerId="LiveId" clId="{217EB2C1-E6A9-4F42-BFBF-ED5005B07AD2}" dt="2024-05-19T14:20:06.266" v="2" actId="22"/>
-          <ac:spMkLst>
-            <pc:docMk/>
-            <pc:sldMk cId="2793288638" sldId="277"/>
-            <ac:spMk id="3" creationId="{6729C284-DE76-77F7-1730-B87A592F6681}"/>
-          </ac:spMkLst>
-        </pc:spChg>
-        <pc:picChg chg="add mod ord">
-          <ac:chgData name="Eduardo Savian" userId="83fefb37af455394" providerId="LiveId" clId="{217EB2C1-E6A9-4F42-BFBF-ED5005B07AD2}" dt="2024-05-19T20:04:10.212" v="86" actId="1076"/>
-          <ac:picMkLst>
-            <pc:docMk/>
-            <pc:sldMk cId="2793288638" sldId="277"/>
-            <ac:picMk id="8" creationId="{8D9BF355-56E5-74AC-4824-B062ED38DD5D}"/>
-          </ac:picMkLst>
-        </pc:picChg>
-      </pc:sldChg>
-      <pc:sldChg chg="new del">
-        <pc:chgData name="Eduardo Savian" userId="83fefb37af455394" providerId="LiveId" clId="{217EB2C1-E6A9-4F42-BFBF-ED5005B07AD2}" dt="2024-05-19T20:17:22.130" v="745" actId="47"/>
-        <pc:sldMkLst>
-          <pc:docMk/>
-          <pc:sldMk cId="798028920" sldId="278"/>
-        </pc:sldMkLst>
-      </pc:sldChg>
-    </pc:docChg>
-  </pc:docChgLst>
-  <pc:docChgLst>
-    <pc:chgData name="Eduardo Savian" userId="83fefb37af455394" providerId="Windows Live" clId="Web-{6808E06D-317C-48B5-80AB-C63B5B44D7D8}"/>
-    <pc:docChg chg="modSld addMainMaster delMainMaster">
-      <pc:chgData name="Eduardo Savian" userId="83fefb37af455394" providerId="Windows Live" clId="Web-{6808E06D-317C-48B5-80AB-C63B5B44D7D8}" dt="2024-04-28T21:41:36.386" v="27" actId="20577"/>
-      <pc:docMkLst>
-        <pc:docMk/>
-      </pc:docMkLst>
-      <pc:sldChg chg="modSp mod modClrScheme chgLayout">
-        <pc:chgData name="Eduardo Savian" userId="83fefb37af455394" providerId="Windows Live" clId="Web-{6808E06D-317C-48B5-80AB-C63B5B44D7D8}" dt="2024-04-28T21:41:36.386" v="27" actId="20577"/>
-        <pc:sldMkLst>
-          <pc:docMk/>
-          <pc:sldMk cId="109857222" sldId="256"/>
-        </pc:sldMkLst>
-        <pc:spChg chg="mod ord">
-          <ac:chgData name="Eduardo Savian" userId="83fefb37af455394" providerId="Windows Live" clId="Web-{6808E06D-317C-48B5-80AB-C63B5B44D7D8}" dt="2024-04-28T21:41:28.213" v="8" actId="20577"/>
-          <ac:spMkLst>
-            <pc:docMk/>
-            <pc:sldMk cId="109857222" sldId="256"/>
-            <ac:spMk id="2" creationId="{00000000-0000-0000-0000-000000000000}"/>
-          </ac:spMkLst>
-        </pc:spChg>
-        <pc:spChg chg="mod ord">
-          <ac:chgData name="Eduardo Savian" userId="83fefb37af455394" providerId="Windows Live" clId="Web-{6808E06D-317C-48B5-80AB-C63B5B44D7D8}" dt="2024-04-28T21:41:36.386" v="27" actId="20577"/>
-          <ac:spMkLst>
-            <pc:docMk/>
-            <pc:sldMk cId="109857222" sldId="256"/>
-            <ac:spMk id="3" creationId="{00000000-0000-0000-0000-000000000000}"/>
-          </ac:spMkLst>
-        </pc:spChg>
-      </pc:sldChg>
-      <pc:sldMasterChg chg="del delSldLayout">
-        <pc:chgData name="Eduardo Savian" userId="83fefb37af455394" providerId="Windows Live" clId="Web-{6808E06D-317C-48B5-80AB-C63B5B44D7D8}" dt="2024-04-28T21:40:56.681" v="0"/>
-        <pc:sldMasterMkLst>
-          <pc:docMk/>
-          <pc:sldMasterMk cId="2460954070" sldId="2147483660"/>
-        </pc:sldMasterMkLst>
-        <pc:sldLayoutChg chg="del">
-          <pc:chgData name="Eduardo Savian" userId="83fefb37af455394" providerId="Windows Live" clId="Web-{6808E06D-317C-48B5-80AB-C63B5B44D7D8}" dt="2024-04-28T21:40:56.681" v="0"/>
-          <pc:sldLayoutMkLst>
-            <pc:docMk/>
-            <pc:sldMasterMk cId="2460954070" sldId="2147483660"/>
-            <pc:sldLayoutMk cId="2385387890" sldId="2147483661"/>
-          </pc:sldLayoutMkLst>
-        </pc:sldLayoutChg>
-        <pc:sldLayoutChg chg="del">
-          <pc:chgData name="Eduardo Savian" userId="83fefb37af455394" providerId="Windows Live" clId="Web-{6808E06D-317C-48B5-80AB-C63B5B44D7D8}" dt="2024-04-28T21:40:56.681" v="0"/>
-          <pc:sldLayoutMkLst>
-            <pc:docMk/>
-            <pc:sldMasterMk cId="2460954070" sldId="2147483660"/>
-            <pc:sldLayoutMk cId="949138452" sldId="2147483662"/>
-          </pc:sldLayoutMkLst>
-        </pc:sldLayoutChg>
-        <pc:sldLayoutChg chg="del">
-          <pc:chgData name="Eduardo Savian" userId="83fefb37af455394" providerId="Windows Live" clId="Web-{6808E06D-317C-48B5-80AB-C63B5B44D7D8}" dt="2024-04-28T21:40:56.681" v="0"/>
-          <pc:sldLayoutMkLst>
-            <pc:docMk/>
-            <pc:sldMasterMk cId="2460954070" sldId="2147483660"/>
-            <pc:sldLayoutMk cId="2591524520" sldId="2147483663"/>
-          </pc:sldLayoutMkLst>
-        </pc:sldLayoutChg>
-        <pc:sldLayoutChg chg="del">
-          <pc:chgData name="Eduardo Savian" userId="83fefb37af455394" providerId="Windows Live" clId="Web-{6808E06D-317C-48B5-80AB-C63B5B44D7D8}" dt="2024-04-28T21:40:56.681" v="0"/>
-          <pc:sldLayoutMkLst>
-            <pc:docMk/>
-            <pc:sldMasterMk cId="2460954070" sldId="2147483660"/>
-            <pc:sldLayoutMk cId="1203092039" sldId="2147483664"/>
-          </pc:sldLayoutMkLst>
-        </pc:sldLayoutChg>
-        <pc:sldLayoutChg chg="del">
-          <pc:chgData name="Eduardo Savian" userId="83fefb37af455394" providerId="Windows Live" clId="Web-{6808E06D-317C-48B5-80AB-C63B5B44D7D8}" dt="2024-04-28T21:40:56.681" v="0"/>
-          <pc:sldLayoutMkLst>
-            <pc:docMk/>
-            <pc:sldMasterMk cId="2460954070" sldId="2147483660"/>
-            <pc:sldLayoutMk cId="3733172339" sldId="2147483665"/>
-          </pc:sldLayoutMkLst>
-        </pc:sldLayoutChg>
-        <pc:sldLayoutChg chg="del">
-          <pc:chgData name="Eduardo Savian" userId="83fefb37af455394" providerId="Windows Live" clId="Web-{6808E06D-317C-48B5-80AB-C63B5B44D7D8}" dt="2024-04-28T21:40:56.681" v="0"/>
-          <pc:sldLayoutMkLst>
-            <pc:docMk/>
-            <pc:sldMasterMk cId="2460954070" sldId="2147483660"/>
-            <pc:sldLayoutMk cId="3210312558" sldId="2147483666"/>
-          </pc:sldLayoutMkLst>
-        </pc:sldLayoutChg>
-        <pc:sldLayoutChg chg="del">
-          <pc:chgData name="Eduardo Savian" userId="83fefb37af455394" providerId="Windows Live" clId="Web-{6808E06D-317C-48B5-80AB-C63B5B44D7D8}" dt="2024-04-28T21:40:56.681" v="0"/>
-          <pc:sldLayoutMkLst>
-            <pc:docMk/>
-            <pc:sldMasterMk cId="2460954070" sldId="2147483660"/>
-            <pc:sldLayoutMk cId="3146388984" sldId="2147483667"/>
-          </pc:sldLayoutMkLst>
-        </pc:sldLayoutChg>
-        <pc:sldLayoutChg chg="del">
-          <pc:chgData name="Eduardo Savian" userId="83fefb37af455394" providerId="Windows Live" clId="Web-{6808E06D-317C-48B5-80AB-C63B5B44D7D8}" dt="2024-04-28T21:40:56.681" v="0"/>
-          <pc:sldLayoutMkLst>
-            <pc:docMk/>
-            <pc:sldMasterMk cId="2460954070" sldId="2147483660"/>
-            <pc:sldLayoutMk cId="3171841454" sldId="2147483668"/>
-          </pc:sldLayoutMkLst>
-        </pc:sldLayoutChg>
-        <pc:sldLayoutChg chg="del">
-          <pc:chgData name="Eduardo Savian" userId="83fefb37af455394" providerId="Windows Live" clId="Web-{6808E06D-317C-48B5-80AB-C63B5B44D7D8}" dt="2024-04-28T21:40:56.681" v="0"/>
-          <pc:sldLayoutMkLst>
-            <pc:docMk/>
-            <pc:sldMasterMk cId="2460954070" sldId="2147483660"/>
-            <pc:sldLayoutMk cId="1718958274" sldId="2147483669"/>
-          </pc:sldLayoutMkLst>
-        </pc:sldLayoutChg>
-        <pc:sldLayoutChg chg="del">
-          <pc:chgData name="Eduardo Savian" userId="83fefb37af455394" providerId="Windows Live" clId="Web-{6808E06D-317C-48B5-80AB-C63B5B44D7D8}" dt="2024-04-28T21:40:56.681" v="0"/>
-          <pc:sldLayoutMkLst>
-            <pc:docMk/>
-            <pc:sldMasterMk cId="2460954070" sldId="2147483660"/>
-            <pc:sldLayoutMk cId="2202905451" sldId="2147483670"/>
-          </pc:sldLayoutMkLst>
-        </pc:sldLayoutChg>
-        <pc:sldLayoutChg chg="del">
-          <pc:chgData name="Eduardo Savian" userId="83fefb37af455394" providerId="Windows Live" clId="Web-{6808E06D-317C-48B5-80AB-C63B5B44D7D8}" dt="2024-04-28T21:40:56.681" v="0"/>
-          <pc:sldLayoutMkLst>
-            <pc:docMk/>
-            <pc:sldMasterMk cId="2460954070" sldId="2147483660"/>
-            <pc:sldLayoutMk cId="3479445657" sldId="2147483671"/>
-          </pc:sldLayoutMkLst>
-        </pc:sldLayoutChg>
-      </pc:sldMasterChg>
-      <pc:sldMasterChg chg="add del addSldLayout delSldLayout modSldLayout">
-        <pc:chgData name="Eduardo Savian" userId="83fefb37af455394" providerId="Windows Live" clId="Web-{6808E06D-317C-48B5-80AB-C63B5B44D7D8}" dt="2024-04-28T21:41:09.510" v="1"/>
-        <pc:sldMasterMkLst>
-          <pc:docMk/>
-          <pc:sldMasterMk cId="1825988211" sldId="2147483672"/>
-        </pc:sldMasterMkLst>
-        <pc:sldLayoutChg chg="add del mod replId">
-          <pc:chgData name="Eduardo Savian" userId="83fefb37af455394" providerId="Windows Live" clId="Web-{6808E06D-317C-48B5-80AB-C63B5B44D7D8}" dt="2024-04-28T21:41:09.510" v="1"/>
-          <pc:sldLayoutMkLst>
-            <pc:docMk/>
-            <pc:sldMasterMk cId="1825988211" sldId="2147483672"/>
-            <pc:sldLayoutMk cId="453625266" sldId="2147483673"/>
-          </pc:sldLayoutMkLst>
-        </pc:sldLayoutChg>
-        <pc:sldLayoutChg chg="add del mod replId">
-          <pc:chgData name="Eduardo Savian" userId="83fefb37af455394" providerId="Windows Live" clId="Web-{6808E06D-317C-48B5-80AB-C63B5B44D7D8}" dt="2024-04-28T21:41:09.510" v="1"/>
-          <pc:sldLayoutMkLst>
-            <pc:docMk/>
-            <pc:sldMasterMk cId="1825988211" sldId="2147483672"/>
-            <pc:sldLayoutMk cId="3741936793" sldId="2147483674"/>
-          </pc:sldLayoutMkLst>
-        </pc:sldLayoutChg>
-        <pc:sldLayoutChg chg="add del mod replId">
-          <pc:chgData name="Eduardo Savian" userId="83fefb37af455394" providerId="Windows Live" clId="Web-{6808E06D-317C-48B5-80AB-C63B5B44D7D8}" dt="2024-04-28T21:41:09.510" v="1"/>
-          <pc:sldLayoutMkLst>
-            <pc:docMk/>
-            <pc:sldMasterMk cId="1825988211" sldId="2147483672"/>
-            <pc:sldLayoutMk cId="3135325950" sldId="2147483675"/>
-          </pc:sldLayoutMkLst>
-        </pc:sldLayoutChg>
-        <pc:sldLayoutChg chg="add del mod replId">
-          <pc:chgData name="Eduardo Savian" userId="83fefb37af455394" providerId="Windows Live" clId="Web-{6808E06D-317C-48B5-80AB-C63B5B44D7D8}" dt="2024-04-28T21:41:09.510" v="1"/>
-          <pc:sldLayoutMkLst>
-            <pc:docMk/>
-            <pc:sldMasterMk cId="1825988211" sldId="2147483672"/>
-            <pc:sldLayoutMk cId="3029497057" sldId="2147483676"/>
-          </pc:sldLayoutMkLst>
-        </pc:sldLayoutChg>
-        <pc:sldLayoutChg chg="add del mod replId">
-          <pc:chgData name="Eduardo Savian" userId="83fefb37af455394" providerId="Windows Live" clId="Web-{6808E06D-317C-48B5-80AB-C63B5B44D7D8}" dt="2024-04-28T21:41:09.510" v="1"/>
-          <pc:sldLayoutMkLst>
-            <pc:docMk/>
-            <pc:sldMasterMk cId="1825988211" sldId="2147483672"/>
-            <pc:sldLayoutMk cId="1582056691" sldId="2147483677"/>
-          </pc:sldLayoutMkLst>
-        </pc:sldLayoutChg>
-        <pc:sldLayoutChg chg="add del mod replId">
-          <pc:chgData name="Eduardo Savian" userId="83fefb37af455394" providerId="Windows Live" clId="Web-{6808E06D-317C-48B5-80AB-C63B5B44D7D8}" dt="2024-04-28T21:41:09.510" v="1"/>
-          <pc:sldLayoutMkLst>
-            <pc:docMk/>
-            <pc:sldMasterMk cId="1825988211" sldId="2147483672"/>
-            <pc:sldLayoutMk cId="1230447073" sldId="2147483678"/>
-          </pc:sldLayoutMkLst>
-        </pc:sldLayoutChg>
-        <pc:sldLayoutChg chg="add del mod replId">
-          <pc:chgData name="Eduardo Savian" userId="83fefb37af455394" providerId="Windows Live" clId="Web-{6808E06D-317C-48B5-80AB-C63B5B44D7D8}" dt="2024-04-28T21:41:09.510" v="1"/>
-          <pc:sldLayoutMkLst>
-            <pc:docMk/>
-            <pc:sldMasterMk cId="1825988211" sldId="2147483672"/>
-            <pc:sldLayoutMk cId="2111515493" sldId="2147483679"/>
-          </pc:sldLayoutMkLst>
-        </pc:sldLayoutChg>
-        <pc:sldLayoutChg chg="add del mod replId">
-          <pc:chgData name="Eduardo Savian" userId="83fefb37af455394" providerId="Windows Live" clId="Web-{6808E06D-317C-48B5-80AB-C63B5B44D7D8}" dt="2024-04-28T21:41:09.510" v="1"/>
-          <pc:sldLayoutMkLst>
-            <pc:docMk/>
-            <pc:sldMasterMk cId="1825988211" sldId="2147483672"/>
-            <pc:sldLayoutMk cId="3466345160" sldId="2147483680"/>
-          </pc:sldLayoutMkLst>
-        </pc:sldLayoutChg>
-        <pc:sldLayoutChg chg="add del mod replId">
-          <pc:chgData name="Eduardo Savian" userId="83fefb37af455394" providerId="Windows Live" clId="Web-{6808E06D-317C-48B5-80AB-C63B5B44D7D8}" dt="2024-04-28T21:41:09.510" v="1"/>
-          <pc:sldLayoutMkLst>
-            <pc:docMk/>
-            <pc:sldMasterMk cId="1825988211" sldId="2147483672"/>
-            <pc:sldLayoutMk cId="1503474283" sldId="2147483681"/>
-          </pc:sldLayoutMkLst>
-        </pc:sldLayoutChg>
-        <pc:sldLayoutChg chg="add del mod replId">
-          <pc:chgData name="Eduardo Savian" userId="83fefb37af455394" providerId="Windows Live" clId="Web-{6808E06D-317C-48B5-80AB-C63B5B44D7D8}" dt="2024-04-28T21:41:09.510" v="1"/>
-          <pc:sldLayoutMkLst>
-            <pc:docMk/>
-            <pc:sldMasterMk cId="1825988211" sldId="2147483672"/>
-            <pc:sldLayoutMk cId="3078211142" sldId="2147483682"/>
-          </pc:sldLayoutMkLst>
-        </pc:sldLayoutChg>
-        <pc:sldLayoutChg chg="add del mod replId">
-          <pc:chgData name="Eduardo Savian" userId="83fefb37af455394" providerId="Windows Live" clId="Web-{6808E06D-317C-48B5-80AB-C63B5B44D7D8}" dt="2024-04-28T21:41:09.510" v="1"/>
-          <pc:sldLayoutMkLst>
-            <pc:docMk/>
-            <pc:sldMasterMk cId="1825988211" sldId="2147483672"/>
-            <pc:sldLayoutMk cId="459548907" sldId="2147483683"/>
-          </pc:sldLayoutMkLst>
-        </pc:sldLayoutChg>
-      </pc:sldMasterChg>
-      <pc:sldMasterChg chg="add del addSldLayout delSldLayout modSldLayout">
-        <pc:chgData name="Eduardo Savian" userId="83fefb37af455394" providerId="Windows Live" clId="Web-{6808E06D-317C-48B5-80AB-C63B5B44D7D8}" dt="2024-04-28T21:41:19.260" v="2"/>
-        <pc:sldMasterMkLst>
-          <pc:docMk/>
-          <pc:sldMasterMk cId="3576760201" sldId="2147483684"/>
-        </pc:sldMasterMkLst>
-        <pc:sldLayoutChg chg="add del mod replId">
-          <pc:chgData name="Eduardo Savian" userId="83fefb37af455394" providerId="Windows Live" clId="Web-{6808E06D-317C-48B5-80AB-C63B5B44D7D8}" dt="2024-04-28T21:41:19.260" v="2"/>
-          <pc:sldLayoutMkLst>
-            <pc:docMk/>
-            <pc:sldMasterMk cId="3576760201" sldId="2147483684"/>
-            <pc:sldLayoutMk cId="2216021014" sldId="2147483685"/>
-          </pc:sldLayoutMkLst>
-        </pc:sldLayoutChg>
-        <pc:sldLayoutChg chg="add del mod replId">
-          <pc:chgData name="Eduardo Savian" userId="83fefb37af455394" providerId="Windows Live" clId="Web-{6808E06D-317C-48B5-80AB-C63B5B44D7D8}" dt="2024-04-28T21:41:19.260" v="2"/>
-          <pc:sldLayoutMkLst>
-            <pc:docMk/>
-            <pc:sldMasterMk cId="3576760201" sldId="2147483684"/>
-            <pc:sldLayoutMk cId="3902083424" sldId="2147483686"/>
-          </pc:sldLayoutMkLst>
-        </pc:sldLayoutChg>
-        <pc:sldLayoutChg chg="add del mod replId">
-          <pc:chgData name="Eduardo Savian" userId="83fefb37af455394" providerId="Windows Live" clId="Web-{6808E06D-317C-48B5-80AB-C63B5B44D7D8}" dt="2024-04-28T21:41:19.260" v="2"/>
-          <pc:sldLayoutMkLst>
-            <pc:docMk/>
-            <pc:sldMasterMk cId="3576760201" sldId="2147483684"/>
-            <pc:sldLayoutMk cId="303830792" sldId="2147483687"/>
-          </pc:sldLayoutMkLst>
-        </pc:sldLayoutChg>
-        <pc:sldLayoutChg chg="add del mod replId">
-          <pc:chgData name="Eduardo Savian" userId="83fefb37af455394" providerId="Windows Live" clId="Web-{6808E06D-317C-48B5-80AB-C63B5B44D7D8}" dt="2024-04-28T21:41:19.260" v="2"/>
-          <pc:sldLayoutMkLst>
-            <pc:docMk/>
-            <pc:sldMasterMk cId="3576760201" sldId="2147483684"/>
-            <pc:sldLayoutMk cId="3294796599" sldId="2147483688"/>
-          </pc:sldLayoutMkLst>
-        </pc:sldLayoutChg>
-        <pc:sldLayoutChg chg="add del mod replId">
-          <pc:chgData name="Eduardo Savian" userId="83fefb37af455394" providerId="Windows Live" clId="Web-{6808E06D-317C-48B5-80AB-C63B5B44D7D8}" dt="2024-04-28T21:41:19.260" v="2"/>
-          <pc:sldLayoutMkLst>
-            <pc:docMk/>
-            <pc:sldMasterMk cId="3576760201" sldId="2147483684"/>
-            <pc:sldLayoutMk cId="2202936919" sldId="2147483689"/>
-          </pc:sldLayoutMkLst>
-        </pc:sldLayoutChg>
-        <pc:sldLayoutChg chg="add del mod replId">
-          <pc:chgData name="Eduardo Savian" userId="83fefb37af455394" providerId="Windows Live" clId="Web-{6808E06D-317C-48B5-80AB-C63B5B44D7D8}" dt="2024-04-28T21:41:19.260" v="2"/>
-          <pc:sldLayoutMkLst>
-            <pc:docMk/>
-            <pc:sldMasterMk cId="3576760201" sldId="2147483684"/>
-            <pc:sldLayoutMk cId="4008400113" sldId="2147483690"/>
-          </pc:sldLayoutMkLst>
-        </pc:sldLayoutChg>
-        <pc:sldLayoutChg chg="add del mod replId">
-          <pc:chgData name="Eduardo Savian" userId="83fefb37af455394" providerId="Windows Live" clId="Web-{6808E06D-317C-48B5-80AB-C63B5B44D7D8}" dt="2024-04-28T21:41:19.260" v="2"/>
-          <pc:sldLayoutMkLst>
-            <pc:docMk/>
-            <pc:sldMasterMk cId="3576760201" sldId="2147483684"/>
-            <pc:sldLayoutMk cId="2748376286" sldId="2147483691"/>
-          </pc:sldLayoutMkLst>
-        </pc:sldLayoutChg>
-        <pc:sldLayoutChg chg="add del mod replId">
-          <pc:chgData name="Eduardo Savian" userId="83fefb37af455394" providerId="Windows Live" clId="Web-{6808E06D-317C-48B5-80AB-C63B5B44D7D8}" dt="2024-04-28T21:41:19.260" v="2"/>
-          <pc:sldLayoutMkLst>
-            <pc:docMk/>
-            <pc:sldMasterMk cId="3576760201" sldId="2147483684"/>
-            <pc:sldLayoutMk cId="382359778" sldId="2147483692"/>
-          </pc:sldLayoutMkLst>
-        </pc:sldLayoutChg>
-        <pc:sldLayoutChg chg="add del mod replId">
-          <pc:chgData name="Eduardo Savian" userId="83fefb37af455394" providerId="Windows Live" clId="Web-{6808E06D-317C-48B5-80AB-C63B5B44D7D8}" dt="2024-04-28T21:41:19.260" v="2"/>
-          <pc:sldLayoutMkLst>
-            <pc:docMk/>
-            <pc:sldMasterMk cId="3576760201" sldId="2147483684"/>
-            <pc:sldLayoutMk cId="4040316331" sldId="2147483693"/>
-          </pc:sldLayoutMkLst>
-        </pc:sldLayoutChg>
-        <pc:sldLayoutChg chg="add del mod replId">
-          <pc:chgData name="Eduardo Savian" userId="83fefb37af455394" providerId="Windows Live" clId="Web-{6808E06D-317C-48B5-80AB-C63B5B44D7D8}" dt="2024-04-28T21:41:19.260" v="2"/>
-          <pc:sldLayoutMkLst>
-            <pc:docMk/>
-            <pc:sldMasterMk cId="3576760201" sldId="2147483684"/>
-            <pc:sldLayoutMk cId="509449739" sldId="2147483694"/>
-          </pc:sldLayoutMkLst>
-        </pc:sldLayoutChg>
-        <pc:sldLayoutChg chg="add del mod replId">
-          <pc:chgData name="Eduardo Savian" userId="83fefb37af455394" providerId="Windows Live" clId="Web-{6808E06D-317C-48B5-80AB-C63B5B44D7D8}" dt="2024-04-28T21:41:19.260" v="2"/>
-          <pc:sldLayoutMkLst>
-            <pc:docMk/>
-            <pc:sldMasterMk cId="3576760201" sldId="2147483684"/>
-            <pc:sldLayoutMk cId="623420917" sldId="2147483695"/>
-          </pc:sldLayoutMkLst>
-        </pc:sldLayoutChg>
-        <pc:sldLayoutChg chg="add del mod replId">
-          <pc:chgData name="Eduardo Savian" userId="83fefb37af455394" providerId="Windows Live" clId="Web-{6808E06D-317C-48B5-80AB-C63B5B44D7D8}" dt="2024-04-28T21:41:19.260" v="2"/>
-          <pc:sldLayoutMkLst>
-            <pc:docMk/>
-            <pc:sldMasterMk cId="3576760201" sldId="2147483684"/>
-            <pc:sldLayoutMk cId="2864147052" sldId="2147483696"/>
-          </pc:sldLayoutMkLst>
-        </pc:sldLayoutChg>
-        <pc:sldLayoutChg chg="add del mod replId">
-          <pc:chgData name="Eduardo Savian" userId="83fefb37af455394" providerId="Windows Live" clId="Web-{6808E06D-317C-48B5-80AB-C63B5B44D7D8}" dt="2024-04-28T21:41:19.260" v="2"/>
-          <pc:sldLayoutMkLst>
-            <pc:docMk/>
-            <pc:sldMasterMk cId="3576760201" sldId="2147483684"/>
-            <pc:sldLayoutMk cId="318747777" sldId="2147483697"/>
-          </pc:sldLayoutMkLst>
-        </pc:sldLayoutChg>
-        <pc:sldLayoutChg chg="add del mod replId">
-          <pc:chgData name="Eduardo Savian" userId="83fefb37af455394" providerId="Windows Live" clId="Web-{6808E06D-317C-48B5-80AB-C63B5B44D7D8}" dt="2024-04-28T21:41:19.260" v="2"/>
-          <pc:sldLayoutMkLst>
-            <pc:docMk/>
-            <pc:sldMasterMk cId="3576760201" sldId="2147483684"/>
-            <pc:sldLayoutMk cId="1646594572" sldId="2147483698"/>
-          </pc:sldLayoutMkLst>
-        </pc:sldLayoutChg>
-        <pc:sldLayoutChg chg="add del mod replId">
-          <pc:chgData name="Eduardo Savian" userId="83fefb37af455394" providerId="Windows Live" clId="Web-{6808E06D-317C-48B5-80AB-C63B5B44D7D8}" dt="2024-04-28T21:41:19.260" v="2"/>
-          <pc:sldLayoutMkLst>
-            <pc:docMk/>
-            <pc:sldMasterMk cId="3576760201" sldId="2147483684"/>
-            <pc:sldLayoutMk cId="2879648242" sldId="2147483699"/>
-          </pc:sldLayoutMkLst>
-        </pc:sldLayoutChg>
-        <pc:sldLayoutChg chg="add del mod replId">
-          <pc:chgData name="Eduardo Savian" userId="83fefb37af455394" providerId="Windows Live" clId="Web-{6808E06D-317C-48B5-80AB-C63B5B44D7D8}" dt="2024-04-28T21:41:19.260" v="2"/>
-          <pc:sldLayoutMkLst>
-            <pc:docMk/>
-            <pc:sldMasterMk cId="3576760201" sldId="2147483684"/>
-            <pc:sldLayoutMk cId="541596521" sldId="2147483700"/>
-          </pc:sldLayoutMkLst>
-        </pc:sldLayoutChg>
-        <pc:sldLayoutChg chg="add del mod replId">
-          <pc:chgData name="Eduardo Savian" userId="83fefb37af455394" providerId="Windows Live" clId="Web-{6808E06D-317C-48B5-80AB-C63B5B44D7D8}" dt="2024-04-28T21:41:19.260" v="2"/>
-          <pc:sldLayoutMkLst>
-            <pc:docMk/>
-            <pc:sldMasterMk cId="3576760201" sldId="2147483684"/>
-            <pc:sldLayoutMk cId="388203491" sldId="2147483701"/>
-          </pc:sldLayoutMkLst>
-        </pc:sldLayoutChg>
-      </pc:sldMasterChg>
-      <pc:sldMasterChg chg="add addSldLayout modSldLayout">
-        <pc:chgData name="Eduardo Savian" userId="83fefb37af455394" providerId="Windows Live" clId="Web-{6808E06D-317C-48B5-80AB-C63B5B44D7D8}" dt="2024-04-28T21:41:19.260" v="2"/>
-        <pc:sldMasterMkLst>
-          <pc:docMk/>
-          <pc:sldMasterMk cId="380110844" sldId="2147483702"/>
-        </pc:sldMasterMkLst>
-        <pc:sldLayoutChg chg="add mod replId">
-          <pc:chgData name="Eduardo Savian" userId="83fefb37af455394" providerId="Windows Live" clId="Web-{6808E06D-317C-48B5-80AB-C63B5B44D7D8}" dt="2024-04-28T21:41:19.260" v="2"/>
-          <pc:sldLayoutMkLst>
-            <pc:docMk/>
-            <pc:sldMasterMk cId="380110844" sldId="2147483702"/>
-            <pc:sldLayoutMk cId="2993827588" sldId="2147483703"/>
-          </pc:sldLayoutMkLst>
-        </pc:sldLayoutChg>
-        <pc:sldLayoutChg chg="add mod replId">
-          <pc:chgData name="Eduardo Savian" userId="83fefb37af455394" providerId="Windows Live" clId="Web-{6808E06D-317C-48B5-80AB-C63B5B44D7D8}" dt="2024-04-28T21:41:19.260" v="2"/>
-          <pc:sldLayoutMkLst>
-            <pc:docMk/>
-            <pc:sldMasterMk cId="380110844" sldId="2147483702"/>
-            <pc:sldLayoutMk cId="2457156884" sldId="2147483704"/>
-          </pc:sldLayoutMkLst>
-        </pc:sldLayoutChg>
-        <pc:sldLayoutChg chg="add mod replId">
-          <pc:chgData name="Eduardo Savian" userId="83fefb37af455394" providerId="Windows Live" clId="Web-{6808E06D-317C-48B5-80AB-C63B5B44D7D8}" dt="2024-04-28T21:41:19.260" v="2"/>
-          <pc:sldLayoutMkLst>
-            <pc:docMk/>
-            <pc:sldMasterMk cId="380110844" sldId="2147483702"/>
-            <pc:sldLayoutMk cId="2260547415" sldId="2147483705"/>
-          </pc:sldLayoutMkLst>
-        </pc:sldLayoutChg>
-        <pc:sldLayoutChg chg="add mod replId">
-          <pc:chgData name="Eduardo Savian" userId="83fefb37af455394" providerId="Windows Live" clId="Web-{6808E06D-317C-48B5-80AB-C63B5B44D7D8}" dt="2024-04-28T21:41:19.260" v="2"/>
-          <pc:sldLayoutMkLst>
-            <pc:docMk/>
-            <pc:sldMasterMk cId="380110844" sldId="2147483702"/>
-            <pc:sldLayoutMk cId="51149255" sldId="2147483706"/>
-          </pc:sldLayoutMkLst>
-        </pc:sldLayoutChg>
-        <pc:sldLayoutChg chg="add mod replId">
-          <pc:chgData name="Eduardo Savian" userId="83fefb37af455394" providerId="Windows Live" clId="Web-{6808E06D-317C-48B5-80AB-C63B5B44D7D8}" dt="2024-04-28T21:41:19.260" v="2"/>
-          <pc:sldLayoutMkLst>
-            <pc:docMk/>
-            <pc:sldMasterMk cId="380110844" sldId="2147483702"/>
-            <pc:sldLayoutMk cId="3095146221" sldId="2147483707"/>
-          </pc:sldLayoutMkLst>
-        </pc:sldLayoutChg>
-        <pc:sldLayoutChg chg="add mod replId">
-          <pc:chgData name="Eduardo Savian" userId="83fefb37af455394" providerId="Windows Live" clId="Web-{6808E06D-317C-48B5-80AB-C63B5B44D7D8}" dt="2024-04-28T21:41:19.260" v="2"/>
-          <pc:sldLayoutMkLst>
-            <pc:docMk/>
-            <pc:sldMasterMk cId="380110844" sldId="2147483702"/>
-            <pc:sldLayoutMk cId="3266165134" sldId="2147483708"/>
-          </pc:sldLayoutMkLst>
-        </pc:sldLayoutChg>
-        <pc:sldLayoutChg chg="add mod replId">
-          <pc:chgData name="Eduardo Savian" userId="83fefb37af455394" providerId="Windows Live" clId="Web-{6808E06D-317C-48B5-80AB-C63B5B44D7D8}" dt="2024-04-28T21:41:19.260" v="2"/>
-          <pc:sldLayoutMkLst>
-            <pc:docMk/>
-            <pc:sldMasterMk cId="380110844" sldId="2147483702"/>
-            <pc:sldLayoutMk cId="3757151552" sldId="2147483709"/>
-          </pc:sldLayoutMkLst>
-        </pc:sldLayoutChg>
-        <pc:sldLayoutChg chg="add mod replId">
-          <pc:chgData name="Eduardo Savian" userId="83fefb37af455394" providerId="Windows Live" clId="Web-{6808E06D-317C-48B5-80AB-C63B5B44D7D8}" dt="2024-04-28T21:41:19.260" v="2"/>
-          <pc:sldLayoutMkLst>
-            <pc:docMk/>
-            <pc:sldMasterMk cId="380110844" sldId="2147483702"/>
-            <pc:sldLayoutMk cId="2400739392" sldId="2147483710"/>
-          </pc:sldLayoutMkLst>
-        </pc:sldLayoutChg>
-        <pc:sldLayoutChg chg="add mod replId">
-          <pc:chgData name="Eduardo Savian" userId="83fefb37af455394" providerId="Windows Live" clId="Web-{6808E06D-317C-48B5-80AB-C63B5B44D7D8}" dt="2024-04-28T21:41:19.260" v="2"/>
-          <pc:sldLayoutMkLst>
-            <pc:docMk/>
-            <pc:sldMasterMk cId="380110844" sldId="2147483702"/>
-            <pc:sldLayoutMk cId="1672042868" sldId="2147483711"/>
-          </pc:sldLayoutMkLst>
-        </pc:sldLayoutChg>
-        <pc:sldLayoutChg chg="add mod replId">
-          <pc:chgData name="Eduardo Savian" userId="83fefb37af455394" providerId="Windows Live" clId="Web-{6808E06D-317C-48B5-80AB-C63B5B44D7D8}" dt="2024-04-28T21:41:19.260" v="2"/>
-          <pc:sldLayoutMkLst>
-            <pc:docMk/>
-            <pc:sldMasterMk cId="380110844" sldId="2147483702"/>
-            <pc:sldLayoutMk cId="3551866296" sldId="2147483712"/>
-          </pc:sldLayoutMkLst>
-        </pc:sldLayoutChg>
-        <pc:sldLayoutChg chg="add mod replId">
-          <pc:chgData name="Eduardo Savian" userId="83fefb37af455394" providerId="Windows Live" clId="Web-{6808E06D-317C-48B5-80AB-C63B5B44D7D8}" dt="2024-04-28T21:41:19.260" v="2"/>
-          <pc:sldLayoutMkLst>
-            <pc:docMk/>
-            <pc:sldMasterMk cId="380110844" sldId="2147483702"/>
-            <pc:sldLayoutMk cId="3957431958" sldId="2147483713"/>
-          </pc:sldLayoutMkLst>
-        </pc:sldLayoutChg>
-      </pc:sldMasterChg>
-    </pc:docChg>
-  </pc:docChgLst>
-  <pc:docChgLst>
-    <pc:chgData name="Eduardo Savian" userId="83fefb37af455394" providerId="Windows Live" clId="Web-{365FD200-9B60-42C4-8D5F-90C5BC58A9CE}"/>
-    <pc:docChg chg="addSld">
-      <pc:chgData name="Eduardo Savian" userId="83fefb37af455394" providerId="Windows Live" clId="Web-{365FD200-9B60-42C4-8D5F-90C5BC58A9CE}" dt="2024-05-19T14:17:20.102" v="0"/>
-      <pc:docMkLst>
-        <pc:docMk/>
-      </pc:docMkLst>
-      <pc:sldChg chg="new">
-        <pc:chgData name="Eduardo Savian" userId="83fefb37af455394" providerId="Windows Live" clId="Web-{365FD200-9B60-42C4-8D5F-90C5BC58A9CE}" dt="2024-05-19T14:17:20.102" v="0"/>
-        <pc:sldMkLst>
-          <pc:docMk/>
-          <pc:sldMk cId="3595438478" sldId="276"/>
-        </pc:sldMkLst>
       </pc:sldChg>
     </pc:docChg>
   </pc:docChgLst>
@@ -3905,7 +3921,7 @@
           <a:p>
             <a:fld id="{12575099-B3AD-44D7-919B-BCB6DC3E7F21}" type="datetimeFigureOut">
               <a:rPr lang="en-US" dirty="0"/>
-              <a:t>5/24/2024</a:t>
+              <a:t>6/7/2024</a:t>
             </a:fld>
             <a:endParaRPr lang="en-US"/>
           </a:p>
@@ -3963,7 +3979,7 @@
           <a:p>
             <a:fld id="{E30AF5A0-43BB-4336-8627-9123B9144D80}" type="slidenum">
               <a:rPr lang="en-US" dirty="0"/>
-              <a:t>‹#›</a:t>
+              <a:t>‹nº›</a:t>
             </a:fld>
             <a:endParaRPr lang="en-US"/>
           </a:p>
@@ -4112,7 +4128,7 @@
           <a:p>
             <a:fld id="{F18115DA-6CBC-4AEF-A85F-371C66916CF8}" type="datetimeFigureOut">
               <a:rPr lang="en-US" dirty="0"/>
-              <a:t>5/24/2024</a:t>
+              <a:t>6/7/2024</a:t>
             </a:fld>
             <a:endParaRPr lang="en-US"/>
           </a:p>
@@ -4170,7 +4186,7 @@
           <a:p>
             <a:fld id="{E30AF5A0-43BB-4336-8627-9123B9144D80}" type="slidenum">
               <a:rPr lang="en-US" dirty="0"/>
-              <a:t>‹#›</a:t>
+              <a:t>‹nº›</a:t>
             </a:fld>
             <a:endParaRPr lang="en-US"/>
           </a:p>
@@ -4329,7 +4345,7 @@
           <a:p>
             <a:fld id="{2A6007E4-95E8-4ABC-B20B-51235318A487}" type="datetimeFigureOut">
               <a:rPr lang="en-US" dirty="0"/>
-              <a:t>5/24/2024</a:t>
+              <a:t>6/7/2024</a:t>
             </a:fld>
             <a:endParaRPr lang="en-US"/>
           </a:p>
@@ -4387,7 +4403,7 @@
           <a:p>
             <a:fld id="{E30AF5A0-43BB-4336-8627-9123B9144D80}" type="slidenum">
               <a:rPr lang="en-US" dirty="0"/>
-              <a:t>‹#›</a:t>
+              <a:t>‹nº›</a:t>
             </a:fld>
             <a:endParaRPr lang="en-US"/>
           </a:p>
@@ -4536,7 +4552,7 @@
           <a:p>
             <a:fld id="{2A4BF121-2723-4D35-ADA9-215CD054C4BC}" type="datetimeFigureOut">
               <a:rPr lang="en-US" dirty="0"/>
-              <a:t>5/24/2024</a:t>
+              <a:t>6/7/2024</a:t>
             </a:fld>
             <a:endParaRPr lang="en-US"/>
           </a:p>
@@ -4594,7 +4610,7 @@
           <a:p>
             <a:fld id="{E30AF5A0-43BB-4336-8627-9123B9144D80}" type="slidenum">
               <a:rPr lang="en-US" dirty="0"/>
-              <a:t>‹#›</a:t>
+              <a:t>‹nº›</a:t>
             </a:fld>
             <a:endParaRPr lang="en-US"/>
           </a:p>
@@ -4820,7 +4836,7 @@
           <a:p>
             <a:fld id="{C54F54BA-4BC6-480F-839C-951A49B248A9}" type="datetimeFigureOut">
               <a:rPr lang="en-US" dirty="0"/>
-              <a:t>5/24/2024</a:t>
+              <a:t>6/7/2024</a:t>
             </a:fld>
             <a:endParaRPr lang="en-US"/>
           </a:p>
@@ -4878,7 +4894,7 @@
           <a:p>
             <a:fld id="{E30AF5A0-43BB-4336-8627-9123B9144D80}" type="slidenum">
               <a:rPr lang="en-US" dirty="0"/>
-              <a:t>‹#›</a:t>
+              <a:t>‹nº›</a:t>
             </a:fld>
             <a:endParaRPr lang="en-US"/>
           </a:p>
@@ -5099,7 +5115,7 @@
           <a:p>
             <a:fld id="{0F9DD0EA-4726-4440-BF9D-E88296FC3068}" type="datetimeFigureOut">
               <a:rPr lang="en-US" dirty="0"/>
-              <a:t>5/24/2024</a:t>
+              <a:t>6/7/2024</a:t>
             </a:fld>
             <a:endParaRPr lang="en-US"/>
           </a:p>
@@ -5157,7 +5173,7 @@
           <a:p>
             <a:fld id="{E30AF5A0-43BB-4336-8627-9123B9144D80}" type="slidenum">
               <a:rPr lang="en-US" dirty="0"/>
-              <a:t>‹#›</a:t>
+              <a:t>‹nº›</a:t>
             </a:fld>
             <a:endParaRPr lang="en-US"/>
           </a:p>
@@ -5528,7 +5544,7 @@
           <a:p>
             <a:fld id="{19CAD10D-99D1-46B2-A85A-C16850FCF8CF}" type="datetimeFigureOut">
               <a:rPr lang="en-US" dirty="0"/>
-              <a:t>5/24/2024</a:t>
+              <a:t>6/7/2024</a:t>
             </a:fld>
             <a:endParaRPr lang="en-US"/>
           </a:p>
@@ -5586,7 +5602,7 @@
           <a:p>
             <a:fld id="{E30AF5A0-43BB-4336-8627-9123B9144D80}" type="slidenum">
               <a:rPr lang="en-US" dirty="0"/>
-              <a:t>‹#›</a:t>
+              <a:t>‹nº›</a:t>
             </a:fld>
             <a:endParaRPr lang="en-US"/>
           </a:p>
@@ -5673,7 +5689,7 @@
           <a:p>
             <a:fld id="{48C67E51-34D6-4E3D-8F41-CC63EA446EDD}" type="datetimeFigureOut">
               <a:rPr lang="en-US" dirty="0"/>
-              <a:t>5/24/2024</a:t>
+              <a:t>6/7/2024</a:t>
             </a:fld>
             <a:endParaRPr lang="en-US"/>
           </a:p>
@@ -5731,7 +5747,7 @@
           <a:p>
             <a:fld id="{E30AF5A0-43BB-4336-8627-9123B9144D80}" type="slidenum">
               <a:rPr lang="en-US" dirty="0"/>
-              <a:t>‹#›</a:t>
+              <a:t>‹nº›</a:t>
             </a:fld>
             <a:endParaRPr lang="en-US"/>
           </a:p>
@@ -5790,7 +5806,7 @@
           <a:p>
             <a:fld id="{8D49E550-CE3F-497F-B953-7DE0932F91C0}" type="datetimeFigureOut">
               <a:rPr lang="en-US" dirty="0"/>
-              <a:t>5/24/2024</a:t>
+              <a:t>6/7/2024</a:t>
             </a:fld>
             <a:endParaRPr lang="en-US"/>
           </a:p>
@@ -5848,7 +5864,7 @@
           <a:p>
             <a:fld id="{E30AF5A0-43BB-4336-8627-9123B9144D80}" type="slidenum">
               <a:rPr lang="en-US" dirty="0"/>
-              <a:t>‹#›</a:t>
+              <a:t>‹nº›</a:t>
             </a:fld>
             <a:endParaRPr lang="en-US"/>
           </a:p>
@@ -6105,7 +6121,7 @@
           <a:p>
             <a:fld id="{217A0BF4-BAA0-4539-95F2-9C4277F97478}" type="datetimeFigureOut">
               <a:rPr lang="en-US" dirty="0"/>
-              <a:t>5/24/2024</a:t>
+              <a:t>6/7/2024</a:t>
             </a:fld>
             <a:endParaRPr lang="en-US"/>
           </a:p>
@@ -6163,7 +6179,7 @@
           <a:p>
             <a:fld id="{E30AF5A0-43BB-4336-8627-9123B9144D80}" type="slidenum">
               <a:rPr lang="en-US" dirty="0"/>
-              <a:t>‹#›</a:t>
+              <a:t>‹nº›</a:t>
             </a:fld>
             <a:endParaRPr lang="en-US"/>
           </a:p>
@@ -6402,7 +6418,7 @@
           <a:p>
             <a:fld id="{52E9884E-D945-496C-84BE-49C61F78F9EC}" type="datetimeFigureOut">
               <a:rPr lang="en-US" dirty="0"/>
-              <a:t>5/24/2024</a:t>
+              <a:t>6/7/2024</a:t>
             </a:fld>
             <a:endParaRPr lang="en-US"/>
           </a:p>
@@ -6460,7 +6476,7 @@
           <a:p>
             <a:fld id="{E30AF5A0-43BB-4336-8627-9123B9144D80}" type="slidenum">
               <a:rPr lang="en-US" dirty="0"/>
-              <a:t>‹#›</a:t>
+              <a:t>‹nº›</a:t>
             </a:fld>
             <a:endParaRPr lang="en-US"/>
           </a:p>
@@ -6651,7 +6667,7 @@
           <a:p>
             <a:fld id="{CD438618-DEE5-47CF-A8B2-A9E090D503CD}" type="datetimeFigureOut">
               <a:rPr lang="en-US" dirty="0"/>
-              <a:t>5/24/2024</a:t>
+              <a:t>6/7/2024</a:t>
             </a:fld>
             <a:endParaRPr lang="en-US"/>
           </a:p>
@@ -6742,7 +6758,7 @@
           <a:p>
             <a:fld id="{E30AF5A0-43BB-4336-8627-9123B9144D80}" type="slidenum">
               <a:rPr lang="en-US" dirty="0"/>
-              <a:t>‹#›</a:t>
+              <a:t>‹nº›</a:t>
             </a:fld>
             <a:endParaRPr lang="en-US"/>
           </a:p>
@@ -7227,12 +7243,20 @@
             </a:r>
             <a:r>
               <a:rPr lang="en-US" dirty="0" err="1"/>
-              <a:t>caixeiro-viajante</a:t>
+              <a:t>caminho</a:t>
+            </a:r>
+            <a:r>
+              <a:rPr lang="en-US" dirty="0"/>
+              <a:t> </a:t>
+            </a:r>
+            <a:r>
+              <a:rPr lang="en-US" dirty="0" err="1"/>
+              <a:t>crítico</a:t>
             </a:r>
             <a:br>
               <a:rPr lang="en-US" dirty="0"/>
             </a:br>
-            <a:endParaRPr lang="en-US"/>
+            <a:endParaRPr lang="en-US" dirty="0"/>
           </a:p>
           <a:p>
             <a:endParaRPr lang="en-US" dirty="0"/>
@@ -7375,7 +7399,7 @@
           <a:p>
             <a:fld id="{9FBE1B50-9130-47DA-B4F9-EEE798F3A0B6}" type="datetime1">
               <a:rPr lang="en-US" smtClean="0"/>
-              <a:t>5/24/2024</a:t>
+              <a:t>6/7/2024</a:t>
             </a:fld>
             <a:endParaRPr lang="en-US"/>
           </a:p>
@@ -7568,7 +7592,7 @@
           <a:p>
             <a:fld id="{B4EA89E8-3B98-4FD1-88D7-71179ABDB4AC}" type="datetime1">
               <a:rPr lang="en-US" smtClean="0"/>
-              <a:t>5/24/2024</a:t>
+              <a:t>6/7/2024</a:t>
             </a:fld>
             <a:endParaRPr lang="en-US"/>
           </a:p>
@@ -7734,7 +7758,7 @@
           <a:lstStyle/>
           <a:p>
             <a:fld id="{BC977DA9-E637-49AD-9C16-6A2326F8B3B6}" type="datetime1">
-              <a:t>5/24/2024</a:t>
+              <a:t>07/06/2024</a:t>
             </a:fld>
             <a:endParaRPr lang="en-US"/>
           </a:p>
@@ -7996,7 +8020,7 @@
           <a:p>
             <a:fld id="{5C0E8BC3-A60E-4E31-8AE4-2BE08893AD21}" type="datetime1">
               <a:rPr lang="en-US" smtClean="0"/>
-              <a:t>5/24/2024</a:t>
+              <a:t>6/7/2024</a:t>
             </a:fld>
             <a:endParaRPr lang="en-US"/>
           </a:p>
@@ -8148,7 +8172,7 @@
           <a:p>
             <a:fld id="{8ADC9E49-246E-484A-926C-3041536DB8F7}" type="datetime1">
               <a:rPr lang="en-US" smtClean="0"/>
-              <a:t>5/24/2024</a:t>
+              <a:t>6/7/2024</a:t>
             </a:fld>
             <a:endParaRPr lang="en-US"/>
           </a:p>

--- a/Presentation.pptx
+++ b/Presentation.pptx
@@ -9,8 +9,11 @@
     <p:sldId id="257" r:id="rId3"/>
     <p:sldId id="269" r:id="rId4"/>
     <p:sldId id="270" r:id="rId5"/>
-    <p:sldId id="268" r:id="rId6"/>
-    <p:sldId id="260" r:id="rId7"/>
+    <p:sldId id="271" r:id="rId6"/>
+    <p:sldId id="273" r:id="rId7"/>
+    <p:sldId id="274" r:id="rId8"/>
+    <p:sldId id="268" r:id="rId9"/>
+    <p:sldId id="260" r:id="rId10"/>
   </p:sldIdLst>
   <p:sldSz cx="12192000" cy="6858000"/>
   <p:notesSz cx="6858000" cy="9144000"/>
@@ -117,6 +120,14 @@
 </p:presentation>
 </file>
 
+<file path=ppt/revisionInfo.xml><?xml version="1.0" encoding="utf-8"?>
+<p1510:revInfo xmlns:a="http://schemas.openxmlformats.org/drawingml/2006/main" xmlns:r="http://schemas.openxmlformats.org/officeDocument/2006/relationships" xmlns:p1510="http://schemas.microsoft.com/office/powerpoint/2015/10/main">
+  <p1510:revLst>
+    <p1510:client id="{C0BAD29C-331F-4880-BE27-02788087E9E9}" v="49" dt="2024-06-18T19:47:32.490"/>
+  </p1510:revLst>
+</p1510:revInfo>
+</file>
+
 <file path=ppt/changesInfos/changesInfo1.xml><?xml version="1.0" encoding="utf-8"?>
 <pc:chgInfo xmlns:a="http://schemas.openxmlformats.org/drawingml/2006/main" xmlns:r="http://schemas.openxmlformats.org/officeDocument/2006/relationships" xmlns:ac="http://schemas.microsoft.com/office/drawing/2013/main/command" xmlns:pc="http://schemas.microsoft.com/office/powerpoint/2013/main/command">
   <pc:docChgLst>
@@ -1631,25 +1642,265 @@
   </pc:docChgLst>
   <pc:docChgLst>
     <pc:chgData name="Eduardo Savian" userId="83fefb37af455394" providerId="LiveId" clId="{C0BAD29C-331F-4880-BE27-02788087E9E9}"/>
-    <pc:docChg chg="modSld">
-      <pc:chgData name="Eduardo Savian" userId="83fefb37af455394" providerId="LiveId" clId="{C0BAD29C-331F-4880-BE27-02788087E9E9}" dt="2024-06-07T20:15:19.570" v="14" actId="20577"/>
+    <pc:docChg chg="undo custSel addSld delSld modSld">
+      <pc:chgData name="Eduardo Savian" userId="83fefb37af455394" providerId="LiveId" clId="{C0BAD29C-331F-4880-BE27-02788087E9E9}" dt="2024-06-18T20:13:06.448" v="357" actId="2696"/>
       <pc:docMkLst>
         <pc:docMk/>
       </pc:docMkLst>
       <pc:sldChg chg="modSp mod">
-        <pc:chgData name="Eduardo Savian" userId="83fefb37af455394" providerId="LiveId" clId="{C0BAD29C-331F-4880-BE27-02788087E9E9}" dt="2024-06-07T20:15:19.570" v="14" actId="20577"/>
+        <pc:chgData name="Eduardo Savian" userId="83fefb37af455394" providerId="LiveId" clId="{C0BAD29C-331F-4880-BE27-02788087E9E9}" dt="2024-06-18T19:18:24.889" v="23" actId="20577"/>
         <pc:sldMkLst>
           <pc:docMk/>
           <pc:sldMk cId="109857222" sldId="256"/>
         </pc:sldMkLst>
         <pc:spChg chg="mod">
-          <ac:chgData name="Eduardo Savian" userId="83fefb37af455394" providerId="LiveId" clId="{C0BAD29C-331F-4880-BE27-02788087E9E9}" dt="2024-06-07T20:15:19.570" v="14" actId="20577"/>
+          <ac:chgData name="Eduardo Savian" userId="83fefb37af455394" providerId="LiveId" clId="{C0BAD29C-331F-4880-BE27-02788087E9E9}" dt="2024-06-18T19:18:24.889" v="23" actId="20577"/>
           <ac:spMkLst>
             <pc:docMk/>
             <pc:sldMk cId="109857222" sldId="256"/>
             <ac:spMk id="2" creationId="{00000000-0000-0000-0000-000000000000}"/>
           </ac:spMkLst>
         </pc:spChg>
+      </pc:sldChg>
+      <pc:sldChg chg="modSp mod">
+        <pc:chgData name="Eduardo Savian" userId="83fefb37af455394" providerId="LiveId" clId="{C0BAD29C-331F-4880-BE27-02788087E9E9}" dt="2024-06-18T19:19:17.244" v="81" actId="20577"/>
+        <pc:sldMkLst>
+          <pc:docMk/>
+          <pc:sldMk cId="3775945265" sldId="257"/>
+        </pc:sldMkLst>
+        <pc:spChg chg="mod">
+          <ac:chgData name="Eduardo Savian" userId="83fefb37af455394" providerId="LiveId" clId="{C0BAD29C-331F-4880-BE27-02788087E9E9}" dt="2024-06-18T19:19:17.244" v="81" actId="20577"/>
+          <ac:spMkLst>
+            <pc:docMk/>
+            <pc:sldMk cId="3775945265" sldId="257"/>
+            <ac:spMk id="3" creationId="{A3B4ADFF-18FA-819A-E2DD-F32D67BA3A8E}"/>
+          </ac:spMkLst>
+        </pc:spChg>
+      </pc:sldChg>
+      <pc:sldChg chg="modSp mod">
+        <pc:chgData name="Eduardo Savian" userId="83fefb37af455394" providerId="LiveId" clId="{C0BAD29C-331F-4880-BE27-02788087E9E9}" dt="2024-06-18T19:28:26.504" v="200" actId="2711"/>
+        <pc:sldMkLst>
+          <pc:docMk/>
+          <pc:sldMk cId="2097304172" sldId="268"/>
+        </pc:sldMkLst>
+        <pc:spChg chg="mod">
+          <ac:chgData name="Eduardo Savian" userId="83fefb37af455394" providerId="LiveId" clId="{C0BAD29C-331F-4880-BE27-02788087E9E9}" dt="2024-06-18T19:28:26.504" v="200" actId="2711"/>
+          <ac:spMkLst>
+            <pc:docMk/>
+            <pc:sldMk cId="2097304172" sldId="268"/>
+            <ac:spMk id="3" creationId="{DF5ABD57-ADCB-25E7-5CDB-095C18654DD9}"/>
+          </ac:spMkLst>
+        </pc:spChg>
+        <pc:spChg chg="mod">
+          <ac:chgData name="Eduardo Savian" userId="83fefb37af455394" providerId="LiveId" clId="{C0BAD29C-331F-4880-BE27-02788087E9E9}" dt="2024-06-18T19:26:50.842" v="155" actId="20577"/>
+          <ac:spMkLst>
+            <pc:docMk/>
+            <pc:sldMk cId="2097304172" sldId="268"/>
+            <ac:spMk id="5" creationId="{5792529F-47F6-73F8-4E0C-FA5B71473D22}"/>
+          </ac:spMkLst>
+        </pc:spChg>
+      </pc:sldChg>
+      <pc:sldChg chg="addSp delSp modSp add del mod">
+        <pc:chgData name="Eduardo Savian" userId="83fefb37af455394" providerId="LiveId" clId="{C0BAD29C-331F-4880-BE27-02788087E9E9}" dt="2024-06-18T19:26:14.622" v="134" actId="20577"/>
+        <pc:sldMkLst>
+          <pc:docMk/>
+          <pc:sldMk cId="1839108021" sldId="269"/>
+        </pc:sldMkLst>
+        <pc:spChg chg="add del mod">
+          <ac:chgData name="Eduardo Savian" userId="83fefb37af455394" providerId="LiveId" clId="{C0BAD29C-331F-4880-BE27-02788087E9E9}" dt="2024-06-18T19:26:14.622" v="134" actId="20577"/>
+          <ac:spMkLst>
+            <pc:docMk/>
+            <pc:sldMk cId="1839108021" sldId="269"/>
+            <ac:spMk id="3" creationId="{A0A824DE-1396-458D-85D1-532A91E9C44F}"/>
+          </ac:spMkLst>
+        </pc:spChg>
+        <pc:spChg chg="add mod">
+          <ac:chgData name="Eduardo Savian" userId="83fefb37af455394" providerId="LiveId" clId="{C0BAD29C-331F-4880-BE27-02788087E9E9}" dt="2024-06-18T19:23:14.128" v="83"/>
+          <ac:spMkLst>
+            <pc:docMk/>
+            <pc:sldMk cId="1839108021" sldId="269"/>
+            <ac:spMk id="7" creationId="{AD616800-C8F5-6A77-4D8D-795FE67393CF}"/>
+          </ac:spMkLst>
+        </pc:spChg>
+        <pc:spChg chg="add mod">
+          <ac:chgData name="Eduardo Savian" userId="83fefb37af455394" providerId="LiveId" clId="{C0BAD29C-331F-4880-BE27-02788087E9E9}" dt="2024-06-18T19:23:16.799" v="85"/>
+          <ac:spMkLst>
+            <pc:docMk/>
+            <pc:sldMk cId="1839108021" sldId="269"/>
+            <ac:spMk id="8" creationId="{64331881-5FE1-F36A-A319-77B310871724}"/>
+          </ac:spMkLst>
+        </pc:spChg>
+        <pc:spChg chg="add">
+          <ac:chgData name="Eduardo Savian" userId="83fefb37af455394" providerId="LiveId" clId="{C0BAD29C-331F-4880-BE27-02788087E9E9}" dt="2024-06-18T19:23:44.617" v="89"/>
+          <ac:spMkLst>
+            <pc:docMk/>
+            <pc:sldMk cId="1839108021" sldId="269"/>
+            <ac:spMk id="9" creationId="{9E3410A8-D267-8744-9EE2-4B2F8E9659CE}"/>
+          </ac:spMkLst>
+        </pc:spChg>
+        <pc:spChg chg="add">
+          <ac:chgData name="Eduardo Savian" userId="83fefb37af455394" providerId="LiveId" clId="{C0BAD29C-331F-4880-BE27-02788087E9E9}" dt="2024-06-18T19:23:47.187" v="90"/>
+          <ac:spMkLst>
+            <pc:docMk/>
+            <pc:sldMk cId="1839108021" sldId="269"/>
+            <ac:spMk id="10" creationId="{6ACCED1F-5E4A-A00F-B9B8-3AD5B9347801}"/>
+          </ac:spMkLst>
+        </pc:spChg>
+        <pc:spChg chg="add">
+          <ac:chgData name="Eduardo Savian" userId="83fefb37af455394" providerId="LiveId" clId="{C0BAD29C-331F-4880-BE27-02788087E9E9}" dt="2024-06-18T19:23:49.052" v="91"/>
+          <ac:spMkLst>
+            <pc:docMk/>
+            <pc:sldMk cId="1839108021" sldId="269"/>
+            <ac:spMk id="11" creationId="{2A223D89-84CD-6A23-C510-C6357F45AC75}"/>
+          </ac:spMkLst>
+        </pc:spChg>
+        <pc:spChg chg="add">
+          <ac:chgData name="Eduardo Savian" userId="83fefb37af455394" providerId="LiveId" clId="{C0BAD29C-331F-4880-BE27-02788087E9E9}" dt="2024-06-18T19:24:03.104" v="95"/>
+          <ac:spMkLst>
+            <pc:docMk/>
+            <pc:sldMk cId="1839108021" sldId="269"/>
+            <ac:spMk id="12" creationId="{9EF17586-8D39-1CA6-27DF-31237D5EA170}"/>
+          </ac:spMkLst>
+        </pc:spChg>
+        <pc:spChg chg="add">
+          <ac:chgData name="Eduardo Savian" userId="83fefb37af455394" providerId="LiveId" clId="{C0BAD29C-331F-4880-BE27-02788087E9E9}" dt="2024-06-18T19:25:16.792" v="112"/>
+          <ac:spMkLst>
+            <pc:docMk/>
+            <pc:sldMk cId="1839108021" sldId="269"/>
+            <ac:spMk id="13" creationId="{71E2BB42-B7E7-A47F-25E0-E2F82D1A76C9}"/>
+          </ac:spMkLst>
+        </pc:spChg>
+      </pc:sldChg>
+      <pc:sldChg chg="modSp mod">
+        <pc:chgData name="Eduardo Savian" userId="83fefb37af455394" providerId="LiveId" clId="{C0BAD29C-331F-4880-BE27-02788087E9E9}" dt="2024-06-18T19:26:21.243" v="139" actId="20577"/>
+        <pc:sldMkLst>
+          <pc:docMk/>
+          <pc:sldMk cId="2543389946" sldId="270"/>
+        </pc:sldMkLst>
+        <pc:spChg chg="mod">
+          <ac:chgData name="Eduardo Savian" userId="83fefb37af455394" providerId="LiveId" clId="{C0BAD29C-331F-4880-BE27-02788087E9E9}" dt="2024-06-18T19:26:05.381" v="126"/>
+          <ac:spMkLst>
+            <pc:docMk/>
+            <pc:sldMk cId="2543389946" sldId="270"/>
+            <ac:spMk id="2" creationId="{9D424C4A-0F2A-5071-F472-0ADCEA93CF25}"/>
+          </ac:spMkLst>
+        </pc:spChg>
+        <pc:spChg chg="mod">
+          <ac:chgData name="Eduardo Savian" userId="83fefb37af455394" providerId="LiveId" clId="{C0BAD29C-331F-4880-BE27-02788087E9E9}" dt="2024-06-18T19:26:21.243" v="139" actId="20577"/>
+          <ac:spMkLst>
+            <pc:docMk/>
+            <pc:sldMk cId="2543389946" sldId="270"/>
+            <ac:spMk id="3" creationId="{0C0D8DFD-F406-E456-7C64-26337596EE00}"/>
+          </ac:spMkLst>
+        </pc:spChg>
+      </pc:sldChg>
+      <pc:sldChg chg="addSp delSp modSp new mod">
+        <pc:chgData name="Eduardo Savian" userId="83fefb37af455394" providerId="LiveId" clId="{C0BAD29C-331F-4880-BE27-02788087E9E9}" dt="2024-06-18T19:34:00.011" v="296" actId="20577"/>
+        <pc:sldMkLst>
+          <pc:docMk/>
+          <pc:sldMk cId="2124012415" sldId="271"/>
+        </pc:sldMkLst>
+        <pc:spChg chg="mod">
+          <ac:chgData name="Eduardo Savian" userId="83fefb37af455394" providerId="LiveId" clId="{C0BAD29C-331F-4880-BE27-02788087E9E9}" dt="2024-06-18T19:34:00.011" v="296" actId="20577"/>
+          <ac:spMkLst>
+            <pc:docMk/>
+            <pc:sldMk cId="2124012415" sldId="271"/>
+            <ac:spMk id="2" creationId="{B8E5F5ED-AF55-86BC-6AC0-C77B48451442}"/>
+          </ac:spMkLst>
+        </pc:spChg>
+        <pc:spChg chg="del">
+          <ac:chgData name="Eduardo Savian" userId="83fefb37af455394" providerId="LiveId" clId="{C0BAD29C-331F-4880-BE27-02788087E9E9}" dt="2024-06-18T19:31:02.804" v="203" actId="3680"/>
+          <ac:spMkLst>
+            <pc:docMk/>
+            <pc:sldMk cId="2124012415" sldId="271"/>
+            <ac:spMk id="3" creationId="{5EDE38B0-0AF3-852D-D382-9E9737CCE428}"/>
+          </ac:spMkLst>
+        </pc:spChg>
+        <pc:graphicFrameChg chg="add mod ord modGraphic">
+          <ac:chgData name="Eduardo Savian" userId="83fefb37af455394" providerId="LiveId" clId="{C0BAD29C-331F-4880-BE27-02788087E9E9}" dt="2024-06-18T19:33:37.910" v="274" actId="20577"/>
+          <ac:graphicFrameMkLst>
+            <pc:docMk/>
+            <pc:sldMk cId="2124012415" sldId="271"/>
+            <ac:graphicFrameMk id="7" creationId="{BB841DCC-0C98-FF43-BF77-40DCF6069CC7}"/>
+          </ac:graphicFrameMkLst>
+        </pc:graphicFrameChg>
+      </pc:sldChg>
+      <pc:sldChg chg="addSp delSp modSp new del mod">
+        <pc:chgData name="Eduardo Savian" userId="83fefb37af455394" providerId="LiveId" clId="{C0BAD29C-331F-4880-BE27-02788087E9E9}" dt="2024-06-18T20:13:06.448" v="357" actId="2696"/>
+        <pc:sldMkLst>
+          <pc:docMk/>
+          <pc:sldMk cId="4196418668" sldId="272"/>
+        </pc:sldMkLst>
+        <pc:spChg chg="mod">
+          <ac:chgData name="Eduardo Savian" userId="83fefb37af455394" providerId="LiveId" clId="{C0BAD29C-331F-4880-BE27-02788087E9E9}" dt="2024-06-18T19:34:06.743" v="318" actId="20577"/>
+          <ac:spMkLst>
+            <pc:docMk/>
+            <pc:sldMk cId="4196418668" sldId="272"/>
+            <ac:spMk id="2" creationId="{F59E1D82-0BFE-2BA2-0379-7A1AD925FC29}"/>
+          </ac:spMkLst>
+        </pc:spChg>
+        <pc:spChg chg="del">
+          <ac:chgData name="Eduardo Savian" userId="83fefb37af455394" providerId="LiveId" clId="{C0BAD29C-331F-4880-BE27-02788087E9E9}" dt="2024-06-18T19:35:50.783" v="319" actId="1032"/>
+          <ac:spMkLst>
+            <pc:docMk/>
+            <pc:sldMk cId="4196418668" sldId="272"/>
+            <ac:spMk id="3" creationId="{856CBA84-9F26-33DF-59CF-27CF5AF397F3}"/>
+          </ac:spMkLst>
+        </pc:spChg>
+        <pc:spChg chg="add del mod">
+          <ac:chgData name="Eduardo Savian" userId="83fefb37af455394" providerId="LiveId" clId="{C0BAD29C-331F-4880-BE27-02788087E9E9}" dt="2024-06-18T19:46:12.234" v="328" actId="1032"/>
+          <ac:spMkLst>
+            <pc:docMk/>
+            <pc:sldMk cId="4196418668" sldId="272"/>
+            <ac:spMk id="9" creationId="{352CE87A-BE20-D037-395B-7A2E9D785F9A}"/>
+          </ac:spMkLst>
+        </pc:spChg>
+        <pc:spChg chg="add del mod">
+          <ac:chgData name="Eduardo Savian" userId="83fefb37af455394" providerId="LiveId" clId="{C0BAD29C-331F-4880-BE27-02788087E9E9}" dt="2024-06-18T19:47:10.787" v="354" actId="1032"/>
+          <ac:spMkLst>
+            <pc:docMk/>
+            <pc:sldMk cId="4196418668" sldId="272"/>
+            <ac:spMk id="12" creationId="{5FFD6A87-BAA9-3B8C-29A2-6DDA14240282}"/>
+          </ac:spMkLst>
+        </pc:spChg>
+        <pc:graphicFrameChg chg="add del mod modGraphic">
+          <ac:chgData name="Eduardo Savian" userId="83fefb37af455394" providerId="LiveId" clId="{C0BAD29C-331F-4880-BE27-02788087E9E9}" dt="2024-06-18T19:45:30.358" v="327" actId="478"/>
+          <ac:graphicFrameMkLst>
+            <pc:docMk/>
+            <pc:sldMk cId="4196418668" sldId="272"/>
+            <ac:graphicFrameMk id="7" creationId="{2B0B7C3D-7DF4-DE46-9D07-94BBF2F57D45}"/>
+          </ac:graphicFrameMkLst>
+        </pc:graphicFrameChg>
+        <pc:graphicFrameChg chg="add del mod modGraphic">
+          <ac:chgData name="Eduardo Savian" userId="83fefb37af455394" providerId="LiveId" clId="{C0BAD29C-331F-4880-BE27-02788087E9E9}" dt="2024-06-18T19:47:03.239" v="353" actId="478"/>
+          <ac:graphicFrameMkLst>
+            <pc:docMk/>
+            <pc:sldMk cId="4196418668" sldId="272"/>
+            <ac:graphicFrameMk id="10" creationId="{38BCC792-15A2-B7CD-D9A0-53CC38556904}"/>
+          </ac:graphicFrameMkLst>
+        </pc:graphicFrameChg>
+        <pc:graphicFrameChg chg="add mod modGraphic">
+          <ac:chgData name="Eduardo Savian" userId="83fefb37af455394" providerId="LiveId" clId="{C0BAD29C-331F-4880-BE27-02788087E9E9}" dt="2024-06-18T19:47:32.490" v="356" actId="20577"/>
+          <ac:graphicFrameMkLst>
+            <pc:docMk/>
+            <pc:sldMk cId="4196418668" sldId="272"/>
+            <ac:graphicFrameMk id="13" creationId="{DEDE6BC2-BF5B-4B05-194E-E4044F38D22B}"/>
+          </ac:graphicFrameMkLst>
+        </pc:graphicFrameChg>
+      </pc:sldChg>
+      <pc:sldChg chg="new">
+        <pc:chgData name="Eduardo Savian" userId="83fefb37af455394" providerId="LiveId" clId="{C0BAD29C-331F-4880-BE27-02788087E9E9}" dt="2024-06-18T19:38:46.727" v="325" actId="680"/>
+        <pc:sldMkLst>
+          <pc:docMk/>
+          <pc:sldMk cId="627731158" sldId="273"/>
+        </pc:sldMkLst>
+      </pc:sldChg>
+      <pc:sldChg chg="new">
+        <pc:chgData name="Eduardo Savian" userId="83fefb37af455394" providerId="LiveId" clId="{C0BAD29C-331F-4880-BE27-02788087E9E9}" dt="2024-06-18T19:38:46.912" v="326" actId="680"/>
+        <pc:sldMkLst>
+          <pc:docMk/>
+          <pc:sldMk cId="3523369083" sldId="274"/>
+        </pc:sldMkLst>
       </pc:sldChg>
     </pc:docChg>
   </pc:docChgLst>
@@ -3921,7 +4172,7 @@
           <a:p>
             <a:fld id="{12575099-B3AD-44D7-919B-BCB6DC3E7F21}" type="datetimeFigureOut">
               <a:rPr lang="en-US" dirty="0"/>
-              <a:t>6/7/2024</a:t>
+              <a:t>6/18/2024</a:t>
             </a:fld>
             <a:endParaRPr lang="en-US"/>
           </a:p>
@@ -4128,7 +4379,7 @@
           <a:p>
             <a:fld id="{F18115DA-6CBC-4AEF-A85F-371C66916CF8}" type="datetimeFigureOut">
               <a:rPr lang="en-US" dirty="0"/>
-              <a:t>6/7/2024</a:t>
+              <a:t>6/18/2024</a:t>
             </a:fld>
             <a:endParaRPr lang="en-US"/>
           </a:p>
@@ -4345,7 +4596,7 @@
           <a:p>
             <a:fld id="{2A6007E4-95E8-4ABC-B20B-51235318A487}" type="datetimeFigureOut">
               <a:rPr lang="en-US" dirty="0"/>
-              <a:t>6/7/2024</a:t>
+              <a:t>6/18/2024</a:t>
             </a:fld>
             <a:endParaRPr lang="en-US"/>
           </a:p>
@@ -4552,7 +4803,7 @@
           <a:p>
             <a:fld id="{2A4BF121-2723-4D35-ADA9-215CD054C4BC}" type="datetimeFigureOut">
               <a:rPr lang="en-US" dirty="0"/>
-              <a:t>6/7/2024</a:t>
+              <a:t>6/18/2024</a:t>
             </a:fld>
             <a:endParaRPr lang="en-US"/>
           </a:p>
@@ -4836,7 +5087,7 @@
           <a:p>
             <a:fld id="{C54F54BA-4BC6-480F-839C-951A49B248A9}" type="datetimeFigureOut">
               <a:rPr lang="en-US" dirty="0"/>
-              <a:t>6/7/2024</a:t>
+              <a:t>6/18/2024</a:t>
             </a:fld>
             <a:endParaRPr lang="en-US"/>
           </a:p>
@@ -5115,7 +5366,7 @@
           <a:p>
             <a:fld id="{0F9DD0EA-4726-4440-BF9D-E88296FC3068}" type="datetimeFigureOut">
               <a:rPr lang="en-US" dirty="0"/>
-              <a:t>6/7/2024</a:t>
+              <a:t>6/18/2024</a:t>
             </a:fld>
             <a:endParaRPr lang="en-US"/>
           </a:p>
@@ -5544,7 +5795,7 @@
           <a:p>
             <a:fld id="{19CAD10D-99D1-46B2-A85A-C16850FCF8CF}" type="datetimeFigureOut">
               <a:rPr lang="en-US" dirty="0"/>
-              <a:t>6/7/2024</a:t>
+              <a:t>6/18/2024</a:t>
             </a:fld>
             <a:endParaRPr lang="en-US"/>
           </a:p>
@@ -5689,7 +5940,7 @@
           <a:p>
             <a:fld id="{48C67E51-34D6-4E3D-8F41-CC63EA446EDD}" type="datetimeFigureOut">
               <a:rPr lang="en-US" dirty="0"/>
-              <a:t>6/7/2024</a:t>
+              <a:t>6/18/2024</a:t>
             </a:fld>
             <a:endParaRPr lang="en-US"/>
           </a:p>
@@ -5806,7 +6057,7 @@
           <a:p>
             <a:fld id="{8D49E550-CE3F-497F-B953-7DE0932F91C0}" type="datetimeFigureOut">
               <a:rPr lang="en-US" dirty="0"/>
-              <a:t>6/7/2024</a:t>
+              <a:t>6/18/2024</a:t>
             </a:fld>
             <a:endParaRPr lang="en-US"/>
           </a:p>
@@ -6121,7 +6372,7 @@
           <a:p>
             <a:fld id="{217A0BF4-BAA0-4539-95F2-9C4277F97478}" type="datetimeFigureOut">
               <a:rPr lang="en-US" dirty="0"/>
-              <a:t>6/7/2024</a:t>
+              <a:t>6/18/2024</a:t>
             </a:fld>
             <a:endParaRPr lang="en-US"/>
           </a:p>
@@ -6418,7 +6669,7 @@
           <a:p>
             <a:fld id="{52E9884E-D945-496C-84BE-49C61F78F9EC}" type="datetimeFigureOut">
               <a:rPr lang="en-US" dirty="0"/>
-              <a:t>6/7/2024</a:t>
+              <a:t>6/18/2024</a:t>
             </a:fld>
             <a:endParaRPr lang="en-US"/>
           </a:p>
@@ -6667,7 +6918,7 @@
           <a:p>
             <a:fld id="{CD438618-DEE5-47CF-A8B2-A9E090D503CD}" type="datetimeFigureOut">
               <a:rPr lang="en-US" dirty="0"/>
-              <a:t>6/7/2024</a:t>
+              <a:t>6/18/2024</a:t>
             </a:fld>
             <a:endParaRPr lang="en-US"/>
           </a:p>
@@ -7235,7 +7486,7 @@
           <a:p>
             <a:r>
               <a:rPr lang="en-US" dirty="0" err="1"/>
-              <a:t>Problema</a:t>
+              <a:t>Método</a:t>
             </a:r>
             <a:r>
               <a:rPr lang="en-US" dirty="0"/>
@@ -7372,7 +7623,22 @@
           </a:bodyPr>
           <a:lstStyle/>
           <a:p>
-            <a:endParaRPr lang="pt-BR" dirty="0"/>
+            <a:r>
+              <a:rPr lang="pt-BR" dirty="0"/>
+              <a:t>O método do caminho crítico (CPM em Inglês), ou análise do caminho crítico (CPA), é um algoritmo para agendar um conjunto de atividades do projeto.</a:t>
+            </a:r>
+          </a:p>
+          <a:p>
+            <a:r>
+              <a:rPr lang="pt-BR" dirty="0"/>
+              <a:t>Um caminho crítico é determinado pela identificação do trecho mais longo de atividades dependentes e pela medição do tempo necessário para concluí-las do início ao fim.</a:t>
+            </a:r>
+          </a:p>
+          <a:p>
+            <a:r>
+              <a:rPr lang="pt-BR" dirty="0"/>
+              <a:t>É comumente usado em conjunto com a técnica de avaliação e revisão de programas (PERT).</a:t>
+            </a:r>
           </a:p>
         </p:txBody>
       </p:sp>
@@ -7399,7 +7665,7 @@
           <a:p>
             <a:fld id="{9FBE1B50-9130-47DA-B4F9-EEE798F3A0B6}" type="datetime1">
               <a:rPr lang="en-US" smtClean="0"/>
-              <a:t>6/7/2024</a:t>
+              <a:t>6/18/2024</a:t>
             </a:fld>
             <a:endParaRPr lang="en-US"/>
           </a:p>
@@ -7565,7 +7831,50 @@
               <a:buFont typeface="Arial" panose="020B0604020202020204" pitchFamily="34" charset="0"/>
               <a:buChar char="•"/>
             </a:pPr>
-            <a:endParaRPr lang="en-US" dirty="0"/>
+            <a:r>
+              <a:rPr lang="pt-BR" dirty="0"/>
+              <a:t>Permite a identificação das tarefas que são essenciais para a conclusão do projeto no prazo previsto;</a:t>
+            </a:r>
+          </a:p>
+          <a:p>
+            <a:pPr algn="l" fontAlgn="base">
+              <a:buFont typeface="Arial" panose="020B0604020202020204" pitchFamily="34" charset="0"/>
+              <a:buChar char="•"/>
+            </a:pPr>
+            <a:r>
+              <a:rPr lang="pt-BR" dirty="0"/>
+              <a:t>Ajuda a alocar recursos de maneira eficiente, minimizando o tempo de inatividade e maximizando a produtividade;</a:t>
+            </a:r>
+          </a:p>
+          <a:p>
+            <a:pPr algn="l" fontAlgn="base">
+              <a:buFont typeface="Arial" panose="020B0604020202020204" pitchFamily="34" charset="0"/>
+              <a:buChar char="•"/>
+            </a:pPr>
+            <a:r>
+              <a:rPr lang="pt-BR" dirty="0"/>
+              <a:t>Proporciona uma ferramenta para comunicar o plano de projeto;</a:t>
+            </a:r>
+          </a:p>
+          <a:p>
+            <a:pPr algn="l" fontAlgn="base">
+              <a:buFont typeface="Arial" panose="020B0604020202020204" pitchFamily="34" charset="0"/>
+              <a:buChar char="•"/>
+            </a:pPr>
+            <a:r>
+              <a:rPr lang="pt-BR" dirty="0"/>
+              <a:t>Pode ser complicado e demorado para projetos grandes e complexos;</a:t>
+            </a:r>
+          </a:p>
+          <a:p>
+            <a:pPr algn="l" fontAlgn="base">
+              <a:buFont typeface="Arial" panose="020B0604020202020204" pitchFamily="34" charset="0"/>
+              <a:buChar char="•"/>
+            </a:pPr>
+            <a:r>
+              <a:rPr lang="pt-BR" dirty="0"/>
+              <a:t>A precisão do cronograma depende da qualidade das estimativas de duração das atividades, que podem ser difíceis de obter e podem variar ao longo do projeto;</a:t>
+            </a:r>
           </a:p>
         </p:txBody>
       </p:sp>
@@ -7592,7 +7901,7 @@
           <a:p>
             <a:fld id="{B4EA89E8-3B98-4FD1-88D7-71179ABDB4AC}" type="datetime1">
               <a:rPr lang="en-US" smtClean="0"/>
-              <a:t>6/7/2024</a:t>
+              <a:t>6/18/2024</a:t>
             </a:fld>
             <a:endParaRPr lang="en-US"/>
           </a:p>
@@ -7707,7 +8016,27 @@
           <a:bodyPr/>
           <a:lstStyle/>
           <a:p>
-            <a:endParaRPr lang="en-US"/>
+            <a:r>
+              <a:rPr lang="pt-BR" dirty="0"/>
+              <a:t>Pontos</a:t>
+            </a:r>
+            <a:r>
+              <a:rPr lang="en-US" dirty="0"/>
+              <a:t> </a:t>
+            </a:r>
+            <a:r>
+              <a:rPr lang="pt-BR" dirty="0" err="1"/>
+              <a:t>positos</a:t>
+            </a:r>
+            <a:r>
+              <a:rPr lang="en-US" dirty="0"/>
+              <a:t> e </a:t>
+            </a:r>
+            <a:r>
+              <a:rPr lang="en-US" dirty="0" err="1"/>
+              <a:t>negativos</a:t>
+            </a:r>
+            <a:endParaRPr lang="en-US" dirty="0"/>
           </a:p>
         </p:txBody>
       </p:sp>
@@ -7732,7 +8061,45 @@
           <a:bodyPr/>
           <a:lstStyle/>
           <a:p>
-            <a:endParaRPr lang="en-US"/>
+            <a:pPr algn="l" fontAlgn="base">
+              <a:buFont typeface="Arial" panose="020B0604020202020204" pitchFamily="34" charset="0"/>
+              <a:buChar char="•"/>
+            </a:pPr>
+            <a:r>
+              <a:rPr lang="pt-BR" dirty="0"/>
+              <a:t>Estimativas inadequadas podem levar a um cronograma irrealista, comprometendo a eficácia do método;</a:t>
+            </a:r>
+          </a:p>
+          <a:p>
+            <a:pPr algn="l" fontAlgn="base">
+              <a:buFont typeface="Arial" panose="020B0604020202020204" pitchFamily="34" charset="0"/>
+              <a:buChar char="•"/>
+            </a:pPr>
+            <a:r>
+              <a:rPr lang="pt-BR" dirty="0"/>
+              <a:t>O método pode levar a uma concentração excessiva na programação e prazos;</a:t>
+            </a:r>
+          </a:p>
+          <a:p>
+            <a:pPr algn="l" fontAlgn="base">
+              <a:buFont typeface="Arial" panose="020B0604020202020204" pitchFamily="34" charset="0"/>
+              <a:buChar char="•"/>
+            </a:pPr>
+            <a:r>
+              <a:rPr lang="pt-BR" dirty="0"/>
+              <a:t>Pode ser inflexível em projetos onde as atividades são altamente incertas ou sujeitas a mudanças frequentes;</a:t>
+            </a:r>
+          </a:p>
+          <a:p>
+            <a:pPr algn="l" fontAlgn="base">
+              <a:buFont typeface="Arial" panose="020B0604020202020204" pitchFamily="34" charset="0"/>
+              <a:buChar char="•"/>
+            </a:pPr>
+            <a:r>
+              <a:rPr lang="pt-BR" dirty="0"/>
+              <a:t>Pode haver uma tendência a negligenciar atividades que não estão no caminho crítico.</a:t>
+            </a:r>
+            <a:endParaRPr lang="en-US" dirty="0"/>
           </a:p>
         </p:txBody>
       </p:sp>
@@ -7758,7 +8125,8 @@
           <a:lstStyle/>
           <a:p>
             <a:fld id="{BC977DA9-E637-49AD-9C16-6A2326F8B3B6}" type="datetime1">
-              <a:t>07/06/2024</a:t>
+              <a:rPr lang="pt-BR"/>
+              <a:t>18/06/2024</a:t>
             </a:fld>
             <a:endParaRPr lang="en-US"/>
           </a:p>
@@ -7857,7 +8225,7 @@
           <p:cNvPr id="2" name="Título 1">
             <a:extLst>
               <a:ext uri="{FF2B5EF4-FFF2-40B4-BE49-F238E27FC236}">
-                <a16:creationId xmlns:a16="http://schemas.microsoft.com/office/drawing/2014/main" id="{4E319447-D02E-7C4B-241A-4A96C7ABC44D}"/>
+                <a16:creationId xmlns:a16="http://schemas.microsoft.com/office/drawing/2014/main" id="{B8E5F5ED-AF55-86BC-6AC0-C77B48451442}"/>
               </a:ext>
             </a:extLst>
           </p:cNvPr>
@@ -7874,135 +8242,398 @@
           <a:lstStyle/>
           <a:p>
             <a:r>
-              <a:rPr lang="en-US" err="1"/>
-              <a:t>Referências</a:t>
-            </a:r>
-            <a:r>
-              <a:rPr lang="en-US"/>
-              <a:t> </a:t>
-            </a:r>
-            <a:r>
-              <a:rPr lang="en-US" err="1"/>
-              <a:t>bibliográficas</a:t>
-            </a:r>
-            <a:endParaRPr lang="pt-BR"/>
-          </a:p>
-        </p:txBody>
-      </p:sp>
-      <p:sp>
-        <p:nvSpPr>
-          <p:cNvPr id="3" name="Espaço Reservado para Conteúdo 2">
-            <a:extLst>
-              <a:ext uri="{FF2B5EF4-FFF2-40B4-BE49-F238E27FC236}">
-                <a16:creationId xmlns:a16="http://schemas.microsoft.com/office/drawing/2014/main" id="{DF5ABD57-ADCB-25E7-5CDB-095C18654DD9}"/>
-              </a:ext>
-            </a:extLst>
-          </p:cNvPr>
-          <p:cNvSpPr>
-            <a:spLocks noGrp="1"/>
-          </p:cNvSpPr>
+              <a:rPr lang="pt-BR" dirty="0"/>
+              <a:t>Tabela de atividades</a:t>
+            </a:r>
+          </a:p>
+        </p:txBody>
+      </p:sp>
+      <p:graphicFrame>
+        <p:nvGraphicFramePr>
+          <p:cNvPr id="7" name="Espaço Reservado para Conteúdo 6">
+            <a:extLst>
+              <a:ext uri="{FF2B5EF4-FFF2-40B4-BE49-F238E27FC236}">
+                <a16:creationId xmlns:a16="http://schemas.microsoft.com/office/drawing/2014/main" id="{BB841DCC-0C98-FF43-BF77-40DCF6069CC7}"/>
+              </a:ext>
+            </a:extLst>
+          </p:cNvPr>
+          <p:cNvGraphicFramePr>
+            <a:graphicFrameLocks noGrp="1"/>
+          </p:cNvGraphicFramePr>
           <p:nvPr>
             <p:ph idx="1"/>
-          </p:nvPr>
-        </p:nvSpPr>
-        <p:spPr/>
-        <p:txBody>
-          <a:bodyPr vert="horz" lIns="91440" tIns="45720" rIns="91440" bIns="45720" rtlCol="0" anchor="t">
-            <a:normAutofit/>
-          </a:bodyPr>
-          <a:lstStyle/>
-          <a:p>
-            <a:r>
-              <a:rPr lang="pt-BR" dirty="0">
-                <a:ea typeface="+mn-lt"/>
-                <a:cs typeface="+mn-lt"/>
-              </a:rPr>
-              <a:t>WIKIPEDIA CONTRIBUTORS. </a:t>
-            </a:r>
-            <a:r>
-              <a:rPr lang="pt-BR" dirty="0" err="1">
-                <a:ea typeface="+mn-lt"/>
-                <a:cs typeface="+mn-lt"/>
-              </a:rPr>
-              <a:t>Travelling</a:t>
-            </a:r>
-            <a:r>
-              <a:rPr lang="pt-BR" dirty="0">
-                <a:ea typeface="+mn-lt"/>
-                <a:cs typeface="+mn-lt"/>
-              </a:rPr>
-              <a:t> </a:t>
-            </a:r>
-            <a:r>
-              <a:rPr lang="pt-BR" dirty="0" err="1">
-                <a:ea typeface="+mn-lt"/>
-                <a:cs typeface="+mn-lt"/>
-              </a:rPr>
-              <a:t>salesman</a:t>
-            </a:r>
-            <a:r>
-              <a:rPr lang="pt-BR" dirty="0">
-                <a:ea typeface="+mn-lt"/>
-                <a:cs typeface="+mn-lt"/>
-              </a:rPr>
-              <a:t> problem. Disponível em: &lt;https://en.wikipedia.org/w/</a:t>
-            </a:r>
-            <a:r>
-              <a:rPr lang="pt-BR" dirty="0" err="1">
-                <a:ea typeface="+mn-lt"/>
-                <a:cs typeface="+mn-lt"/>
-              </a:rPr>
-              <a:t>index.php?title</a:t>
-            </a:r>
-            <a:r>
-              <a:rPr lang="pt-BR" dirty="0">
-                <a:ea typeface="+mn-lt"/>
-                <a:cs typeface="+mn-lt"/>
-              </a:rPr>
-              <a:t>=</a:t>
-            </a:r>
-            <a:r>
-              <a:rPr lang="pt-BR" dirty="0" err="1">
-                <a:ea typeface="+mn-lt"/>
-                <a:cs typeface="+mn-lt"/>
-              </a:rPr>
-              <a:t>Travelling_salesman_problem&amp;oldid</a:t>
-            </a:r>
-            <a:r>
-              <a:rPr lang="pt-BR" dirty="0">
-                <a:ea typeface="+mn-lt"/>
-                <a:cs typeface="+mn-lt"/>
-              </a:rPr>
-              <a:t>=1225477054&gt;.</a:t>
-            </a:r>
-            <a:endParaRPr lang="en-US" dirty="0">
-              <a:ea typeface="+mn-lt"/>
-              <a:cs typeface="+mn-lt"/>
-            </a:endParaRPr>
-          </a:p>
-          <a:p>
-            <a:endParaRPr lang="pt-BR" dirty="0"/>
-          </a:p>
-          <a:p>
-            <a:endParaRPr lang="pt-BR" dirty="0"/>
-          </a:p>
-          <a:p>
-            <a:endParaRPr lang="pt-BR" dirty="0"/>
-          </a:p>
-          <a:p>
-            <a:endParaRPr lang="pt-BR" dirty="0"/>
-          </a:p>
-          <a:p>
-            <a:endParaRPr lang="pt-BR" dirty="0"/>
-          </a:p>
-        </p:txBody>
-      </p:sp>
+            <p:extLst>
+              <p:ext uri="{D42A27DB-BD31-4B8C-83A1-F6EECF244321}">
+                <p14:modId xmlns:p14="http://schemas.microsoft.com/office/powerpoint/2010/main" val="1704114632"/>
+              </p:ext>
+            </p:extLst>
+          </p:nvPr>
+        </p:nvGraphicFramePr>
+        <p:xfrm>
+          <a:off x="700088" y="2292350"/>
+          <a:ext cx="10691811" cy="2595880"/>
+        </p:xfrm>
+        <a:graphic>
+          <a:graphicData uri="http://schemas.openxmlformats.org/drawingml/2006/table">
+            <a:tbl>
+              <a:tblPr firstRow="1" bandRow="1">
+                <a:tableStyleId>{5C22544A-7EE6-4342-B048-85BDC9FD1C3A}</a:tableStyleId>
+              </a:tblPr>
+              <a:tblGrid>
+                <a:gridCol w="3563937">
+                  <a:extLst>
+                    <a:ext uri="{9D8B030D-6E8A-4147-A177-3AD203B41FA5}">
+                      <a16:colId xmlns:a16="http://schemas.microsoft.com/office/drawing/2014/main" val="2707020456"/>
+                    </a:ext>
+                  </a:extLst>
+                </a:gridCol>
+                <a:gridCol w="3563937">
+                  <a:extLst>
+                    <a:ext uri="{9D8B030D-6E8A-4147-A177-3AD203B41FA5}">
+                      <a16:colId xmlns:a16="http://schemas.microsoft.com/office/drawing/2014/main" val="4243504787"/>
+                    </a:ext>
+                  </a:extLst>
+                </a:gridCol>
+                <a:gridCol w="3563937">
+                  <a:extLst>
+                    <a:ext uri="{9D8B030D-6E8A-4147-A177-3AD203B41FA5}">
+                      <a16:colId xmlns:a16="http://schemas.microsoft.com/office/drawing/2014/main" val="1756388231"/>
+                    </a:ext>
+                  </a:extLst>
+                </a:gridCol>
+              </a:tblGrid>
+              <a:tr h="370840">
+                <a:tc>
+                  <a:txBody>
+                    <a:bodyPr/>
+                    <a:lstStyle/>
+                    <a:p>
+                      <a:r>
+                        <a:rPr lang="pt-BR" dirty="0"/>
+                        <a:t>Atividade</a:t>
+                      </a:r>
+                    </a:p>
+                  </a:txBody>
+                  <a:tcPr/>
+                </a:tc>
+                <a:tc>
+                  <a:txBody>
+                    <a:bodyPr/>
+                    <a:lstStyle/>
+                    <a:p>
+                      <a:r>
+                        <a:rPr lang="pt-BR" dirty="0"/>
+                        <a:t>Duração</a:t>
+                      </a:r>
+                    </a:p>
+                  </a:txBody>
+                  <a:tcPr/>
+                </a:tc>
+                <a:tc>
+                  <a:txBody>
+                    <a:bodyPr/>
+                    <a:lstStyle/>
+                    <a:p>
+                      <a:r>
+                        <a:rPr lang="pt-BR" dirty="0"/>
+                        <a:t>Precedentes</a:t>
+                      </a:r>
+                    </a:p>
+                  </a:txBody>
+                  <a:tcPr/>
+                </a:tc>
+                <a:extLst>
+                  <a:ext uri="{0D108BD9-81ED-4DB2-BD59-A6C34878D82A}">
+                    <a16:rowId xmlns:a16="http://schemas.microsoft.com/office/drawing/2014/main" val="441843340"/>
+                  </a:ext>
+                </a:extLst>
+              </a:tr>
+              <a:tr h="370840">
+                <a:tc>
+                  <a:txBody>
+                    <a:bodyPr/>
+                    <a:lstStyle/>
+                    <a:p>
+                      <a:r>
+                        <a:rPr lang="pt-BR" dirty="0"/>
+                        <a:t>A</a:t>
+                      </a:r>
+                    </a:p>
+                  </a:txBody>
+                  <a:tcPr/>
+                </a:tc>
+                <a:tc>
+                  <a:txBody>
+                    <a:bodyPr/>
+                    <a:lstStyle/>
+                    <a:p>
+                      <a:r>
+                        <a:rPr lang="pt-BR" dirty="0"/>
+                        <a:t>10</a:t>
+                      </a:r>
+                    </a:p>
+                  </a:txBody>
+                  <a:tcPr/>
+                </a:tc>
+                <a:tc>
+                  <a:txBody>
+                    <a:bodyPr/>
+                    <a:lstStyle/>
+                    <a:p>
+                      <a:r>
+                        <a:rPr lang="pt-BR" dirty="0"/>
+                        <a:t>-</a:t>
+                      </a:r>
+                    </a:p>
+                  </a:txBody>
+                  <a:tcPr/>
+                </a:tc>
+                <a:extLst>
+                  <a:ext uri="{0D108BD9-81ED-4DB2-BD59-A6C34878D82A}">
+                    <a16:rowId xmlns:a16="http://schemas.microsoft.com/office/drawing/2014/main" val="3351553793"/>
+                  </a:ext>
+                </a:extLst>
+              </a:tr>
+              <a:tr h="370840">
+                <a:tc>
+                  <a:txBody>
+                    <a:bodyPr/>
+                    <a:lstStyle/>
+                    <a:p>
+                      <a:r>
+                        <a:rPr lang="pt-BR" dirty="0"/>
+                        <a:t>B</a:t>
+                      </a:r>
+                    </a:p>
+                  </a:txBody>
+                  <a:tcPr/>
+                </a:tc>
+                <a:tc>
+                  <a:txBody>
+                    <a:bodyPr/>
+                    <a:lstStyle/>
+                    <a:p>
+                      <a:r>
+                        <a:rPr lang="pt-BR" dirty="0"/>
+                        <a:t>4</a:t>
+                      </a:r>
+                    </a:p>
+                  </a:txBody>
+                  <a:tcPr/>
+                </a:tc>
+                <a:tc>
+                  <a:txBody>
+                    <a:bodyPr/>
+                    <a:lstStyle/>
+                    <a:p>
+                      <a:r>
+                        <a:rPr lang="pt-BR" dirty="0"/>
+                        <a:t>A</a:t>
+                      </a:r>
+                    </a:p>
+                  </a:txBody>
+                  <a:tcPr/>
+                </a:tc>
+                <a:extLst>
+                  <a:ext uri="{0D108BD9-81ED-4DB2-BD59-A6C34878D82A}">
+                    <a16:rowId xmlns:a16="http://schemas.microsoft.com/office/drawing/2014/main" val="403437351"/>
+                  </a:ext>
+                </a:extLst>
+              </a:tr>
+              <a:tr h="370840">
+                <a:tc>
+                  <a:txBody>
+                    <a:bodyPr/>
+                    <a:lstStyle/>
+                    <a:p>
+                      <a:r>
+                        <a:rPr lang="pt-BR" dirty="0"/>
+                        <a:t>C</a:t>
+                      </a:r>
+                    </a:p>
+                  </a:txBody>
+                  <a:tcPr/>
+                </a:tc>
+                <a:tc>
+                  <a:txBody>
+                    <a:bodyPr/>
+                    <a:lstStyle/>
+                    <a:p>
+                      <a:r>
+                        <a:rPr lang="pt-BR" dirty="0"/>
+                        <a:t>7</a:t>
+                      </a:r>
+                    </a:p>
+                  </a:txBody>
+                  <a:tcPr/>
+                </a:tc>
+                <a:tc>
+                  <a:txBody>
+                    <a:bodyPr/>
+                    <a:lstStyle/>
+                    <a:p>
+                      <a:r>
+                        <a:rPr lang="pt-BR" dirty="0"/>
+                        <a:t>A</a:t>
+                      </a:r>
+                    </a:p>
+                  </a:txBody>
+                  <a:tcPr/>
+                </a:tc>
+                <a:extLst>
+                  <a:ext uri="{0D108BD9-81ED-4DB2-BD59-A6C34878D82A}">
+                    <a16:rowId xmlns:a16="http://schemas.microsoft.com/office/drawing/2014/main" val="3938097203"/>
+                  </a:ext>
+                </a:extLst>
+              </a:tr>
+              <a:tr h="370840">
+                <a:tc>
+                  <a:txBody>
+                    <a:bodyPr/>
+                    <a:lstStyle/>
+                    <a:p>
+                      <a:r>
+                        <a:rPr lang="pt-BR" dirty="0"/>
+                        <a:t>D</a:t>
+                      </a:r>
+                    </a:p>
+                  </a:txBody>
+                  <a:tcPr/>
+                </a:tc>
+                <a:tc>
+                  <a:txBody>
+                    <a:bodyPr/>
+                    <a:lstStyle/>
+                    <a:p>
+                      <a:r>
+                        <a:rPr lang="pt-BR" dirty="0"/>
+                        <a:t>5</a:t>
+                      </a:r>
+                    </a:p>
+                  </a:txBody>
+                  <a:tcPr/>
+                </a:tc>
+                <a:tc>
+                  <a:txBody>
+                    <a:bodyPr/>
+                    <a:lstStyle/>
+                    <a:p>
+                      <a:r>
+                        <a:rPr lang="pt-BR" dirty="0"/>
+                        <a:t>C</a:t>
+                      </a:r>
+                    </a:p>
+                  </a:txBody>
+                  <a:tcPr/>
+                </a:tc>
+                <a:extLst>
+                  <a:ext uri="{0D108BD9-81ED-4DB2-BD59-A6C34878D82A}">
+                    <a16:rowId xmlns:a16="http://schemas.microsoft.com/office/drawing/2014/main" val="269424220"/>
+                  </a:ext>
+                </a:extLst>
+              </a:tr>
+              <a:tr h="370840">
+                <a:tc>
+                  <a:txBody>
+                    <a:bodyPr/>
+                    <a:lstStyle/>
+                    <a:p>
+                      <a:r>
+                        <a:rPr lang="pt-BR" dirty="0"/>
+                        <a:t>E</a:t>
+                      </a:r>
+                    </a:p>
+                  </a:txBody>
+                  <a:tcPr/>
+                </a:tc>
+                <a:tc>
+                  <a:txBody>
+                    <a:bodyPr/>
+                    <a:lstStyle/>
+                    <a:p>
+                      <a:r>
+                        <a:rPr lang="pt-BR" dirty="0"/>
+                        <a:t>5</a:t>
+                      </a:r>
+                    </a:p>
+                  </a:txBody>
+                  <a:tcPr/>
+                </a:tc>
+                <a:tc>
+                  <a:txBody>
+                    <a:bodyPr/>
+                    <a:lstStyle/>
+                    <a:p>
+                      <a:r>
+                        <a:rPr lang="pt-BR" dirty="0"/>
+                        <a:t>B,D</a:t>
+                      </a:r>
+                    </a:p>
+                  </a:txBody>
+                  <a:tcPr/>
+                </a:tc>
+                <a:extLst>
+                  <a:ext uri="{0D108BD9-81ED-4DB2-BD59-A6C34878D82A}">
+                    <a16:rowId xmlns:a16="http://schemas.microsoft.com/office/drawing/2014/main" val="3921752893"/>
+                  </a:ext>
+                </a:extLst>
+              </a:tr>
+              <a:tr h="370840">
+                <a:tc>
+                  <a:txBody>
+                    <a:bodyPr/>
+                    <a:lstStyle/>
+                    <a:p>
+                      <a:r>
+                        <a:rPr lang="pt-BR" dirty="0"/>
+                        <a:t>F</a:t>
+                      </a:r>
+                    </a:p>
+                  </a:txBody>
+                  <a:tcPr/>
+                </a:tc>
+                <a:tc>
+                  <a:txBody>
+                    <a:bodyPr/>
+                    <a:lstStyle/>
+                    <a:p>
+                      <a:r>
+                        <a:rPr lang="pt-BR" dirty="0"/>
+                        <a:t>2</a:t>
+                      </a:r>
+                    </a:p>
+                  </a:txBody>
+                  <a:tcPr/>
+                </a:tc>
+                <a:tc>
+                  <a:txBody>
+                    <a:bodyPr/>
+                    <a:lstStyle/>
+                    <a:p>
+                      <a:r>
+                        <a:rPr lang="pt-BR" dirty="0"/>
+                        <a:t>C</a:t>
+                      </a:r>
+                    </a:p>
+                  </a:txBody>
+                  <a:tcPr/>
+                </a:tc>
+                <a:extLst>
+                  <a:ext uri="{0D108BD9-81ED-4DB2-BD59-A6C34878D82A}">
+                    <a16:rowId xmlns:a16="http://schemas.microsoft.com/office/drawing/2014/main" val="711516263"/>
+                  </a:ext>
+                </a:extLst>
+              </a:tr>
+            </a:tbl>
+          </a:graphicData>
+        </a:graphic>
+      </p:graphicFrame>
       <p:sp>
         <p:nvSpPr>
           <p:cNvPr id="4" name="Espaço Reservado para Data 3">
             <a:extLst>
               <a:ext uri="{FF2B5EF4-FFF2-40B4-BE49-F238E27FC236}">
-                <a16:creationId xmlns:a16="http://schemas.microsoft.com/office/drawing/2014/main" id="{E575A558-438B-6388-C74A-CB3D2C97D3F8}"/>
+                <a16:creationId xmlns:a16="http://schemas.microsoft.com/office/drawing/2014/main" id="{D89E1D21-D74E-2AF8-EFA1-7B80857A27C5}"/>
               </a:ext>
             </a:extLst>
           </p:cNvPr>
@@ -8018,9 +8649,9 @@
           <a:bodyPr/>
           <a:lstStyle/>
           <a:p>
-            <a:fld id="{5C0E8BC3-A60E-4E31-8AE4-2BE08893AD21}" type="datetime1">
+            <a:fld id="{8E7191DB-FDA5-46F6-8FE4-01C5FB29F6E2}" type="datetime1">
               <a:rPr lang="en-US" smtClean="0"/>
-              <a:t>6/7/2024</a:t>
+              <a:t>6/18/2024</a:t>
             </a:fld>
             <a:endParaRPr lang="en-US"/>
           </a:p>
@@ -8031,7 +8662,7 @@
           <p:cNvPr id="5" name="Espaço Reservado para Rodapé 4">
             <a:extLst>
               <a:ext uri="{FF2B5EF4-FFF2-40B4-BE49-F238E27FC236}">
-                <a16:creationId xmlns:a16="http://schemas.microsoft.com/office/drawing/2014/main" id="{5792529F-47F6-73F8-4E0C-FA5B71473D22}"/>
+                <a16:creationId xmlns:a16="http://schemas.microsoft.com/office/drawing/2014/main" id="{7604F70D-3DC9-5840-DFC2-D16F2D86CA75}"/>
               </a:ext>
             </a:extLst>
           </p:cNvPr>
@@ -8060,7 +8691,7 @@
           <p:cNvPr id="6" name="Espaço Reservado para Número de Slide 5">
             <a:extLst>
               <a:ext uri="{FF2B5EF4-FFF2-40B4-BE49-F238E27FC236}">
-                <a16:creationId xmlns:a16="http://schemas.microsoft.com/office/drawing/2014/main" id="{6590052F-4EE3-8698-0A10-CB8C4E35A1E4}"/>
+                <a16:creationId xmlns:a16="http://schemas.microsoft.com/office/drawing/2014/main" id="{9ADD3356-CD69-0E37-1BD7-EBF0116D8240}"/>
               </a:ext>
             </a:extLst>
           </p:cNvPr>
@@ -8087,7 +8718,7 @@
     </p:spTree>
     <p:extLst>
       <p:ext uri="{BB962C8B-B14F-4D97-AF65-F5344CB8AC3E}">
-        <p14:creationId xmlns:p14="http://schemas.microsoft.com/office/powerpoint/2010/main" val="2097304172"/>
+        <p14:creationId xmlns:p14="http://schemas.microsoft.com/office/powerpoint/2010/main" val="2124012415"/>
       </p:ext>
     </p:extLst>
   </p:cSld>
@@ -8119,6 +8750,936 @@
           <p:cNvPr id="2" name="Título 1">
             <a:extLst>
               <a:ext uri="{FF2B5EF4-FFF2-40B4-BE49-F238E27FC236}">
+                <a16:creationId xmlns:a16="http://schemas.microsoft.com/office/drawing/2014/main" id="{D45B3DA6-2583-8662-3F54-10387839249A}"/>
+              </a:ext>
+            </a:extLst>
+          </p:cNvPr>
+          <p:cNvSpPr>
+            <a:spLocks noGrp="1"/>
+          </p:cNvSpPr>
+          <p:nvPr>
+            <p:ph type="title"/>
+          </p:nvPr>
+        </p:nvSpPr>
+        <p:spPr/>
+        <p:txBody>
+          <a:bodyPr/>
+          <a:lstStyle/>
+          <a:p>
+            <a:endParaRPr lang="pt-BR"/>
+          </a:p>
+        </p:txBody>
+      </p:sp>
+      <p:sp>
+        <p:nvSpPr>
+          <p:cNvPr id="3" name="Espaço Reservado para Conteúdo 2">
+            <a:extLst>
+              <a:ext uri="{FF2B5EF4-FFF2-40B4-BE49-F238E27FC236}">
+                <a16:creationId xmlns:a16="http://schemas.microsoft.com/office/drawing/2014/main" id="{952ACA38-F60B-B84E-65EC-5BEC1FDD2299}"/>
+              </a:ext>
+            </a:extLst>
+          </p:cNvPr>
+          <p:cNvSpPr>
+            <a:spLocks noGrp="1"/>
+          </p:cNvSpPr>
+          <p:nvPr>
+            <p:ph idx="1"/>
+          </p:nvPr>
+        </p:nvSpPr>
+        <p:spPr/>
+        <p:txBody>
+          <a:bodyPr/>
+          <a:lstStyle/>
+          <a:p>
+            <a:endParaRPr lang="pt-BR"/>
+          </a:p>
+        </p:txBody>
+      </p:sp>
+      <p:sp>
+        <p:nvSpPr>
+          <p:cNvPr id="4" name="Espaço Reservado para Data 3">
+            <a:extLst>
+              <a:ext uri="{FF2B5EF4-FFF2-40B4-BE49-F238E27FC236}">
+                <a16:creationId xmlns:a16="http://schemas.microsoft.com/office/drawing/2014/main" id="{36663F3A-55CA-CBC8-5805-8DA8921827C5}"/>
+              </a:ext>
+            </a:extLst>
+          </p:cNvPr>
+          <p:cNvSpPr>
+            <a:spLocks noGrp="1"/>
+          </p:cNvSpPr>
+          <p:nvPr>
+            <p:ph type="dt" sz="half" idx="10"/>
+          </p:nvPr>
+        </p:nvSpPr>
+        <p:spPr/>
+        <p:txBody>
+          <a:bodyPr/>
+          <a:lstStyle/>
+          <a:p>
+            <a:fld id="{565CDFF4-0A5E-4DB8-B7FA-6062564141AB}" type="datetime1">
+              <a:rPr lang="en-US" smtClean="0"/>
+              <a:t>6/18/2024</a:t>
+            </a:fld>
+            <a:endParaRPr lang="en-US"/>
+          </a:p>
+        </p:txBody>
+      </p:sp>
+      <p:sp>
+        <p:nvSpPr>
+          <p:cNvPr id="5" name="Espaço Reservado para Rodapé 4">
+            <a:extLst>
+              <a:ext uri="{FF2B5EF4-FFF2-40B4-BE49-F238E27FC236}">
+                <a16:creationId xmlns:a16="http://schemas.microsoft.com/office/drawing/2014/main" id="{E52F7FB3-0419-A423-A407-1153258608E1}"/>
+              </a:ext>
+            </a:extLst>
+          </p:cNvPr>
+          <p:cNvSpPr>
+            <a:spLocks noGrp="1"/>
+          </p:cNvSpPr>
+          <p:nvPr>
+            <p:ph type="ftr" sz="quarter" idx="11"/>
+          </p:nvPr>
+        </p:nvSpPr>
+        <p:spPr/>
+        <p:txBody>
+          <a:bodyPr/>
+          <a:lstStyle/>
+          <a:p>
+            <a:r>
+              <a:rPr lang="en-US"/>
+              <a:t>
+              </a:t>
+            </a:r>
+          </a:p>
+        </p:txBody>
+      </p:sp>
+      <p:sp>
+        <p:nvSpPr>
+          <p:cNvPr id="6" name="Espaço Reservado para Número de Slide 5">
+            <a:extLst>
+              <a:ext uri="{FF2B5EF4-FFF2-40B4-BE49-F238E27FC236}">
+                <a16:creationId xmlns:a16="http://schemas.microsoft.com/office/drawing/2014/main" id="{9E362DD9-EB6B-91BE-917D-02B67DF87FA2}"/>
+              </a:ext>
+            </a:extLst>
+          </p:cNvPr>
+          <p:cNvSpPr>
+            <a:spLocks noGrp="1"/>
+          </p:cNvSpPr>
+          <p:nvPr>
+            <p:ph type="sldNum" sz="quarter" idx="12"/>
+          </p:nvPr>
+        </p:nvSpPr>
+        <p:spPr/>
+        <p:txBody>
+          <a:bodyPr/>
+          <a:lstStyle/>
+          <a:p>
+            <a:fld id="{E30AF5A0-43BB-4336-8627-9123B9144D80}" type="slidenum">
+              <a:rPr lang="en-US" smtClean="0"/>
+              <a:t>6</a:t>
+            </a:fld>
+            <a:endParaRPr lang="en-US"/>
+          </a:p>
+        </p:txBody>
+      </p:sp>
+    </p:spTree>
+    <p:extLst>
+      <p:ext uri="{BB962C8B-B14F-4D97-AF65-F5344CB8AC3E}">
+        <p14:creationId xmlns:p14="http://schemas.microsoft.com/office/powerpoint/2010/main" val="627731158"/>
+      </p:ext>
+    </p:extLst>
+  </p:cSld>
+  <p:clrMapOvr>
+    <a:masterClrMapping/>
+  </p:clrMapOvr>
+</p:sld>
+</file>
+
+<file path=ppt/slides/slide7.xml><?xml version="1.0" encoding="utf-8"?>
+<p:sld xmlns:a="http://schemas.openxmlformats.org/drawingml/2006/main" xmlns:r="http://schemas.openxmlformats.org/officeDocument/2006/relationships" xmlns:p="http://schemas.openxmlformats.org/presentationml/2006/main">
+  <p:cSld>
+    <p:spTree>
+      <p:nvGrpSpPr>
+        <p:cNvPr id="1" name=""/>
+        <p:cNvGrpSpPr/>
+        <p:nvPr/>
+      </p:nvGrpSpPr>
+      <p:grpSpPr>
+        <a:xfrm>
+          <a:off x="0" y="0"/>
+          <a:ext cx="0" cy="0"/>
+          <a:chOff x="0" y="0"/>
+          <a:chExt cx="0" cy="0"/>
+        </a:xfrm>
+      </p:grpSpPr>
+      <p:sp>
+        <p:nvSpPr>
+          <p:cNvPr id="2" name="Título 1">
+            <a:extLst>
+              <a:ext uri="{FF2B5EF4-FFF2-40B4-BE49-F238E27FC236}">
+                <a16:creationId xmlns:a16="http://schemas.microsoft.com/office/drawing/2014/main" id="{72540168-690A-37A3-E7DF-CE9E07425A35}"/>
+              </a:ext>
+            </a:extLst>
+          </p:cNvPr>
+          <p:cNvSpPr>
+            <a:spLocks noGrp="1"/>
+          </p:cNvSpPr>
+          <p:nvPr>
+            <p:ph type="title"/>
+          </p:nvPr>
+        </p:nvSpPr>
+        <p:spPr/>
+        <p:txBody>
+          <a:bodyPr/>
+          <a:lstStyle/>
+          <a:p>
+            <a:endParaRPr lang="pt-BR"/>
+          </a:p>
+        </p:txBody>
+      </p:sp>
+      <p:sp>
+        <p:nvSpPr>
+          <p:cNvPr id="3" name="Espaço Reservado para Conteúdo 2">
+            <a:extLst>
+              <a:ext uri="{FF2B5EF4-FFF2-40B4-BE49-F238E27FC236}">
+                <a16:creationId xmlns:a16="http://schemas.microsoft.com/office/drawing/2014/main" id="{6C080BB9-26FF-5CC0-708F-C8E7C71EAD35}"/>
+              </a:ext>
+            </a:extLst>
+          </p:cNvPr>
+          <p:cNvSpPr>
+            <a:spLocks noGrp="1"/>
+          </p:cNvSpPr>
+          <p:nvPr>
+            <p:ph idx="1"/>
+          </p:nvPr>
+        </p:nvSpPr>
+        <p:spPr/>
+        <p:txBody>
+          <a:bodyPr/>
+          <a:lstStyle/>
+          <a:p>
+            <a:endParaRPr lang="pt-BR"/>
+          </a:p>
+        </p:txBody>
+      </p:sp>
+      <p:sp>
+        <p:nvSpPr>
+          <p:cNvPr id="4" name="Espaço Reservado para Data 3">
+            <a:extLst>
+              <a:ext uri="{FF2B5EF4-FFF2-40B4-BE49-F238E27FC236}">
+                <a16:creationId xmlns:a16="http://schemas.microsoft.com/office/drawing/2014/main" id="{09BF8850-3B0D-264C-1F68-170B6332FBEA}"/>
+              </a:ext>
+            </a:extLst>
+          </p:cNvPr>
+          <p:cNvSpPr>
+            <a:spLocks noGrp="1"/>
+          </p:cNvSpPr>
+          <p:nvPr>
+            <p:ph type="dt" sz="half" idx="10"/>
+          </p:nvPr>
+        </p:nvSpPr>
+        <p:spPr/>
+        <p:txBody>
+          <a:bodyPr/>
+          <a:lstStyle/>
+          <a:p>
+            <a:fld id="{804C12D4-F0C4-44A2-9DFB-3E890510E53E}" type="datetime1">
+              <a:rPr lang="en-US" smtClean="0"/>
+              <a:t>6/18/2024</a:t>
+            </a:fld>
+            <a:endParaRPr lang="en-US"/>
+          </a:p>
+        </p:txBody>
+      </p:sp>
+      <p:sp>
+        <p:nvSpPr>
+          <p:cNvPr id="5" name="Espaço Reservado para Rodapé 4">
+            <a:extLst>
+              <a:ext uri="{FF2B5EF4-FFF2-40B4-BE49-F238E27FC236}">
+                <a16:creationId xmlns:a16="http://schemas.microsoft.com/office/drawing/2014/main" id="{37ED183A-4C07-A9D8-B202-69DD13FC653B}"/>
+              </a:ext>
+            </a:extLst>
+          </p:cNvPr>
+          <p:cNvSpPr>
+            <a:spLocks noGrp="1"/>
+          </p:cNvSpPr>
+          <p:nvPr>
+            <p:ph type="ftr" sz="quarter" idx="11"/>
+          </p:nvPr>
+        </p:nvSpPr>
+        <p:spPr/>
+        <p:txBody>
+          <a:bodyPr/>
+          <a:lstStyle/>
+          <a:p>
+            <a:r>
+              <a:rPr lang="en-US"/>
+              <a:t>
+              </a:t>
+            </a:r>
+          </a:p>
+        </p:txBody>
+      </p:sp>
+      <p:sp>
+        <p:nvSpPr>
+          <p:cNvPr id="6" name="Espaço Reservado para Número de Slide 5">
+            <a:extLst>
+              <a:ext uri="{FF2B5EF4-FFF2-40B4-BE49-F238E27FC236}">
+                <a16:creationId xmlns:a16="http://schemas.microsoft.com/office/drawing/2014/main" id="{251D35ED-FB46-CBF5-372F-844D6D00F563}"/>
+              </a:ext>
+            </a:extLst>
+          </p:cNvPr>
+          <p:cNvSpPr>
+            <a:spLocks noGrp="1"/>
+          </p:cNvSpPr>
+          <p:nvPr>
+            <p:ph type="sldNum" sz="quarter" idx="12"/>
+          </p:nvPr>
+        </p:nvSpPr>
+        <p:spPr/>
+        <p:txBody>
+          <a:bodyPr/>
+          <a:lstStyle/>
+          <a:p>
+            <a:fld id="{E30AF5A0-43BB-4336-8627-9123B9144D80}" type="slidenum">
+              <a:rPr lang="en-US" smtClean="0"/>
+              <a:t>7</a:t>
+            </a:fld>
+            <a:endParaRPr lang="en-US"/>
+          </a:p>
+        </p:txBody>
+      </p:sp>
+    </p:spTree>
+    <p:extLst>
+      <p:ext uri="{BB962C8B-B14F-4D97-AF65-F5344CB8AC3E}">
+        <p14:creationId xmlns:p14="http://schemas.microsoft.com/office/powerpoint/2010/main" val="3523369083"/>
+      </p:ext>
+    </p:extLst>
+  </p:cSld>
+  <p:clrMapOvr>
+    <a:masterClrMapping/>
+  </p:clrMapOvr>
+</p:sld>
+</file>
+
+<file path=ppt/slides/slide8.xml><?xml version="1.0" encoding="utf-8"?>
+<p:sld xmlns:a="http://schemas.openxmlformats.org/drawingml/2006/main" xmlns:r="http://schemas.openxmlformats.org/officeDocument/2006/relationships" xmlns:p="http://schemas.openxmlformats.org/presentationml/2006/main">
+  <p:cSld>
+    <p:spTree>
+      <p:nvGrpSpPr>
+        <p:cNvPr id="1" name=""/>
+        <p:cNvGrpSpPr/>
+        <p:nvPr/>
+      </p:nvGrpSpPr>
+      <p:grpSpPr>
+        <a:xfrm>
+          <a:off x="0" y="0"/>
+          <a:ext cx="0" cy="0"/>
+          <a:chOff x="0" y="0"/>
+          <a:chExt cx="0" cy="0"/>
+        </a:xfrm>
+      </p:grpSpPr>
+      <p:sp>
+        <p:nvSpPr>
+          <p:cNvPr id="2" name="Título 1">
+            <a:extLst>
+              <a:ext uri="{FF2B5EF4-FFF2-40B4-BE49-F238E27FC236}">
+                <a16:creationId xmlns:a16="http://schemas.microsoft.com/office/drawing/2014/main" id="{4E319447-D02E-7C4B-241A-4A96C7ABC44D}"/>
+              </a:ext>
+            </a:extLst>
+          </p:cNvPr>
+          <p:cNvSpPr>
+            <a:spLocks noGrp="1"/>
+          </p:cNvSpPr>
+          <p:nvPr>
+            <p:ph type="title"/>
+          </p:nvPr>
+        </p:nvSpPr>
+        <p:spPr/>
+        <p:txBody>
+          <a:bodyPr/>
+          <a:lstStyle/>
+          <a:p>
+            <a:r>
+              <a:rPr lang="en-US" err="1"/>
+              <a:t>Referências</a:t>
+            </a:r>
+            <a:r>
+              <a:rPr lang="en-US"/>
+              <a:t> </a:t>
+            </a:r>
+            <a:r>
+              <a:rPr lang="en-US" err="1"/>
+              <a:t>bibliográficas</a:t>
+            </a:r>
+            <a:endParaRPr lang="pt-BR"/>
+          </a:p>
+        </p:txBody>
+      </p:sp>
+      <p:sp>
+        <p:nvSpPr>
+          <p:cNvPr id="3" name="Espaço Reservado para Conteúdo 2">
+            <a:extLst>
+              <a:ext uri="{FF2B5EF4-FFF2-40B4-BE49-F238E27FC236}">
+                <a16:creationId xmlns:a16="http://schemas.microsoft.com/office/drawing/2014/main" id="{DF5ABD57-ADCB-25E7-5CDB-095C18654DD9}"/>
+              </a:ext>
+            </a:extLst>
+          </p:cNvPr>
+          <p:cNvSpPr>
+            <a:spLocks noGrp="1"/>
+          </p:cNvSpPr>
+          <p:nvPr>
+            <p:ph idx="1"/>
+          </p:nvPr>
+        </p:nvSpPr>
+        <p:spPr/>
+        <p:txBody>
+          <a:bodyPr vert="horz" lIns="91440" tIns="45720" rIns="91440" bIns="45720" rtlCol="0" anchor="t">
+            <a:normAutofit fontScale="85000" lnSpcReduction="10000"/>
+          </a:bodyPr>
+          <a:lstStyle/>
+          <a:p>
+            <a:r>
+              <a:rPr lang="en-US" b="0" i="0" dirty="0">
+                <a:solidFill>
+                  <a:srgbClr val="37393C"/>
+                </a:solidFill>
+                <a:effectLst/>
+                <a:highlight>
+                  <a:srgbClr val="FFFFFF"/>
+                </a:highlight>
+              </a:rPr>
+              <a:t>COHEN, E. </a:t>
+            </a:r>
+            <a:r>
+              <a:rPr lang="en-US" b="1" i="0" dirty="0">
+                <a:solidFill>
+                  <a:srgbClr val="37393C"/>
+                </a:solidFill>
+                <a:effectLst/>
+                <a:highlight>
+                  <a:srgbClr val="FFFFFF"/>
+                </a:highlight>
+              </a:rPr>
+              <a:t>How to use Critical Path Method for complete beginners (with examples)</a:t>
+            </a:r>
+            <a:r>
+              <a:rPr lang="en-US" b="0" i="0" dirty="0">
+                <a:solidFill>
+                  <a:srgbClr val="37393C"/>
+                </a:solidFill>
+                <a:effectLst/>
+                <a:highlight>
+                  <a:srgbClr val="FFFFFF"/>
+                </a:highlight>
+              </a:rPr>
+              <a:t>. </a:t>
+            </a:r>
+            <a:r>
+              <a:rPr lang="en-US" b="0" i="0" dirty="0" err="1">
+                <a:solidFill>
+                  <a:srgbClr val="37393C"/>
+                </a:solidFill>
+                <a:effectLst/>
+                <a:highlight>
+                  <a:srgbClr val="FFFFFF"/>
+                </a:highlight>
+              </a:rPr>
+              <a:t>Disponível</a:t>
+            </a:r>
+            <a:r>
+              <a:rPr lang="en-US" b="0" i="0" dirty="0">
+                <a:solidFill>
+                  <a:srgbClr val="37393C"/>
+                </a:solidFill>
+                <a:effectLst/>
+                <a:highlight>
+                  <a:srgbClr val="FFFFFF"/>
+                </a:highlight>
+              </a:rPr>
+              <a:t> </a:t>
+            </a:r>
+            <a:r>
+              <a:rPr lang="en-US" b="0" i="0" dirty="0" err="1">
+                <a:solidFill>
+                  <a:srgbClr val="37393C"/>
+                </a:solidFill>
+                <a:effectLst/>
+                <a:highlight>
+                  <a:srgbClr val="FFFFFF"/>
+                </a:highlight>
+              </a:rPr>
+              <a:t>em</a:t>
+            </a:r>
+            <a:r>
+              <a:rPr lang="en-US" b="0" i="0" dirty="0">
+                <a:solidFill>
+                  <a:srgbClr val="37393C"/>
+                </a:solidFill>
+                <a:effectLst/>
+                <a:highlight>
+                  <a:srgbClr val="FFFFFF"/>
+                </a:highlight>
+              </a:rPr>
+              <a:t>: &lt;https://www.workamajig.com/blog/critical-path-method&gt;. </a:t>
+            </a:r>
+            <a:r>
+              <a:rPr lang="en-US" b="0" i="0" dirty="0" err="1">
+                <a:solidFill>
+                  <a:srgbClr val="37393C"/>
+                </a:solidFill>
+                <a:effectLst/>
+                <a:highlight>
+                  <a:srgbClr val="FFFFFF"/>
+                </a:highlight>
+              </a:rPr>
+              <a:t>Acesso</a:t>
+            </a:r>
+            <a:r>
+              <a:rPr lang="en-US" b="0" i="0" dirty="0">
+                <a:solidFill>
+                  <a:srgbClr val="37393C"/>
+                </a:solidFill>
+                <a:effectLst/>
+                <a:highlight>
+                  <a:srgbClr val="FFFFFF"/>
+                </a:highlight>
+              </a:rPr>
+              <a:t> </a:t>
+            </a:r>
+            <a:r>
+              <a:rPr lang="en-US" b="0" i="0" dirty="0" err="1">
+                <a:solidFill>
+                  <a:srgbClr val="37393C"/>
+                </a:solidFill>
+                <a:effectLst/>
+                <a:highlight>
+                  <a:srgbClr val="FFFFFF"/>
+                </a:highlight>
+              </a:rPr>
+              <a:t>em</a:t>
+            </a:r>
+            <a:r>
+              <a:rPr lang="en-US" b="0" i="0" dirty="0">
+                <a:solidFill>
+                  <a:srgbClr val="37393C"/>
+                </a:solidFill>
+                <a:effectLst/>
+                <a:highlight>
+                  <a:srgbClr val="FFFFFF"/>
+                </a:highlight>
+              </a:rPr>
+              <a:t>: 18 jun. 2024.</a:t>
+            </a:r>
+          </a:p>
+          <a:p>
+            <a:r>
+              <a:rPr lang="pt-BR" b="1" dirty="0" err="1">
+                <a:effectLst/>
+              </a:rPr>
+              <a:t>Critical</a:t>
+            </a:r>
+            <a:r>
+              <a:rPr lang="pt-BR" b="1" dirty="0">
+                <a:effectLst/>
+              </a:rPr>
+              <a:t> path </a:t>
+            </a:r>
+            <a:r>
+              <a:rPr lang="pt-BR" b="1" dirty="0" err="1">
+                <a:effectLst/>
+              </a:rPr>
+              <a:t>analysis</a:t>
+            </a:r>
+            <a:r>
+              <a:rPr lang="pt-BR" dirty="0">
+                <a:effectLst/>
+              </a:rPr>
+              <a:t>. Disponível em: &lt;https://www.studysmarter.co.uk/</a:t>
+            </a:r>
+            <a:r>
+              <a:rPr lang="pt-BR" dirty="0" err="1">
+                <a:effectLst/>
+              </a:rPr>
+              <a:t>explanations</a:t>
+            </a:r>
+            <a:r>
+              <a:rPr lang="pt-BR" dirty="0">
+                <a:effectLst/>
+              </a:rPr>
+              <a:t>/</a:t>
+            </a:r>
+            <a:r>
+              <a:rPr lang="pt-BR" dirty="0" err="1">
+                <a:effectLst/>
+              </a:rPr>
+              <a:t>math</a:t>
+            </a:r>
+            <a:r>
+              <a:rPr lang="pt-BR" dirty="0">
+                <a:effectLst/>
+              </a:rPr>
+              <a:t>/</a:t>
+            </a:r>
+            <a:r>
+              <a:rPr lang="pt-BR" dirty="0" err="1">
+                <a:effectLst/>
+              </a:rPr>
+              <a:t>decision-maths</a:t>
+            </a:r>
+            <a:r>
+              <a:rPr lang="pt-BR" dirty="0">
+                <a:effectLst/>
+              </a:rPr>
+              <a:t>/</a:t>
+            </a:r>
+            <a:r>
+              <a:rPr lang="pt-BR" dirty="0" err="1">
+                <a:effectLst/>
+              </a:rPr>
+              <a:t>critical</a:t>
+            </a:r>
+            <a:r>
+              <a:rPr lang="pt-BR" dirty="0">
+                <a:effectLst/>
+              </a:rPr>
+              <a:t>-path-</a:t>
+            </a:r>
+            <a:r>
+              <a:rPr lang="pt-BR" dirty="0" err="1">
+                <a:effectLst/>
+              </a:rPr>
+              <a:t>analysis</a:t>
+            </a:r>
+            <a:r>
+              <a:rPr lang="pt-BR" dirty="0">
+                <a:effectLst/>
+              </a:rPr>
+              <a:t>/&gt;. Acesso em: 18 jun. 2024.</a:t>
+            </a:r>
+          </a:p>
+          <a:p>
+            <a:r>
+              <a:rPr lang="pt-BR" dirty="0">
+                <a:effectLst/>
+              </a:rPr>
+              <a:t>EBY, K. </a:t>
+            </a:r>
+            <a:r>
+              <a:rPr lang="pt-BR" b="1" dirty="0">
+                <a:effectLst/>
+              </a:rPr>
+              <a:t>The </a:t>
+            </a:r>
+            <a:r>
+              <a:rPr lang="pt-BR" b="1" dirty="0" err="1">
+                <a:effectLst/>
+              </a:rPr>
+              <a:t>ultimate</a:t>
+            </a:r>
+            <a:r>
+              <a:rPr lang="pt-BR" b="1" dirty="0">
+                <a:effectLst/>
+              </a:rPr>
+              <a:t> </a:t>
+            </a:r>
+            <a:r>
+              <a:rPr lang="pt-BR" b="1" dirty="0" err="1">
+                <a:effectLst/>
+              </a:rPr>
+              <a:t>guide</a:t>
+            </a:r>
+            <a:r>
+              <a:rPr lang="pt-BR" b="1" dirty="0">
+                <a:effectLst/>
+              </a:rPr>
+              <a:t> </a:t>
+            </a:r>
+            <a:r>
+              <a:rPr lang="pt-BR" b="1" dirty="0" err="1">
+                <a:effectLst/>
+              </a:rPr>
+              <a:t>to</a:t>
+            </a:r>
+            <a:r>
+              <a:rPr lang="pt-BR" b="1" dirty="0">
+                <a:effectLst/>
+              </a:rPr>
+              <a:t> </a:t>
+            </a:r>
+            <a:r>
+              <a:rPr lang="pt-BR" b="1" dirty="0" err="1">
+                <a:effectLst/>
+              </a:rPr>
+              <a:t>the</a:t>
+            </a:r>
+            <a:r>
+              <a:rPr lang="pt-BR" b="1" dirty="0">
+                <a:effectLst/>
+              </a:rPr>
+              <a:t> </a:t>
+            </a:r>
+            <a:r>
+              <a:rPr lang="pt-BR" b="1" dirty="0" err="1">
+                <a:effectLst/>
+              </a:rPr>
+              <a:t>critical</a:t>
+            </a:r>
+            <a:r>
+              <a:rPr lang="pt-BR" b="1" dirty="0">
+                <a:effectLst/>
+              </a:rPr>
+              <a:t> path </a:t>
+            </a:r>
+            <a:r>
+              <a:rPr lang="pt-BR" b="1" dirty="0" err="1">
+                <a:effectLst/>
+              </a:rPr>
+              <a:t>method</a:t>
+            </a:r>
+            <a:r>
+              <a:rPr lang="pt-BR" dirty="0">
+                <a:effectLst/>
+              </a:rPr>
+              <a:t>. </a:t>
+            </a:r>
+            <a:r>
+              <a:rPr lang="pt-BR" b="1" dirty="0" err="1">
+                <a:effectLst/>
+              </a:rPr>
+              <a:t>Smartsheet</a:t>
+            </a:r>
+            <a:r>
+              <a:rPr lang="pt-BR" dirty="0">
+                <a:effectLst/>
+              </a:rPr>
+              <a:t>, 30 abr. 2015. Disponível em: &lt;https://www.smartsheet.com/</a:t>
+            </a:r>
+            <a:r>
+              <a:rPr lang="pt-BR" dirty="0" err="1">
+                <a:effectLst/>
+              </a:rPr>
+              <a:t>critical</a:t>
+            </a:r>
+            <a:r>
+              <a:rPr lang="pt-BR" dirty="0">
+                <a:effectLst/>
+              </a:rPr>
+              <a:t>-path-</a:t>
+            </a:r>
+            <a:r>
+              <a:rPr lang="pt-BR" dirty="0" err="1">
+                <a:effectLst/>
+              </a:rPr>
+              <a:t>method</a:t>
+            </a:r>
+            <a:r>
+              <a:rPr lang="pt-BR" dirty="0">
+                <a:effectLst/>
+              </a:rPr>
+              <a:t>&gt;. Acesso em: 18 jun. 2024</a:t>
+            </a:r>
+          </a:p>
+          <a:p>
+            <a:r>
+              <a:rPr lang="pt-BR" dirty="0">
+                <a:effectLst/>
+              </a:rPr>
+              <a:t>WIKIPEDIA CONTRIBUTORS. </a:t>
+            </a:r>
+            <a:r>
+              <a:rPr lang="pt-BR" b="1" dirty="0" err="1">
+                <a:effectLst/>
+              </a:rPr>
+              <a:t>Critical</a:t>
+            </a:r>
+            <a:r>
+              <a:rPr lang="pt-BR" b="1" dirty="0">
+                <a:effectLst/>
+              </a:rPr>
+              <a:t> path </a:t>
+            </a:r>
+            <a:r>
+              <a:rPr lang="pt-BR" b="1" dirty="0" err="1">
+                <a:effectLst/>
+              </a:rPr>
+              <a:t>method</a:t>
+            </a:r>
+            <a:r>
+              <a:rPr lang="pt-BR" dirty="0">
+                <a:effectLst/>
+              </a:rPr>
+              <a:t>. Disponível em: &lt;https://en.wikipedia.org/w/</a:t>
+            </a:r>
+            <a:r>
+              <a:rPr lang="pt-BR" dirty="0" err="1">
+                <a:effectLst/>
+              </a:rPr>
+              <a:t>index.php?title</a:t>
+            </a:r>
+            <a:r>
+              <a:rPr lang="pt-BR" dirty="0">
+                <a:effectLst/>
+              </a:rPr>
+              <a:t>=</a:t>
+            </a:r>
+            <a:r>
+              <a:rPr lang="pt-BR" dirty="0" err="1">
+                <a:effectLst/>
+              </a:rPr>
+              <a:t>Critical_path_method&amp;oldid</a:t>
+            </a:r>
+            <a:r>
+              <a:rPr lang="pt-BR" dirty="0">
+                <a:effectLst/>
+              </a:rPr>
+              <a:t>=1222967231&gt;.</a:t>
+            </a:r>
+          </a:p>
+          <a:p>
+            <a:r>
+              <a:rPr lang="pt-BR" dirty="0">
+                <a:effectLst/>
+              </a:rPr>
+              <a:t>Disponível em: &lt;https://www.pmi.org/learning/</a:t>
+            </a:r>
+            <a:r>
+              <a:rPr lang="pt-BR" dirty="0" err="1">
+                <a:effectLst/>
+              </a:rPr>
+              <a:t>library</a:t>
+            </a:r>
+            <a:r>
+              <a:rPr lang="pt-BR" dirty="0">
+                <a:effectLst/>
+              </a:rPr>
+              <a:t>/schedule-risk-analysis-simplified-10573&gt;. Acesso em: 18 jun. 2024.</a:t>
+            </a:r>
+          </a:p>
+        </p:txBody>
+      </p:sp>
+      <p:sp>
+        <p:nvSpPr>
+          <p:cNvPr id="4" name="Espaço Reservado para Data 3">
+            <a:extLst>
+              <a:ext uri="{FF2B5EF4-FFF2-40B4-BE49-F238E27FC236}">
+                <a16:creationId xmlns:a16="http://schemas.microsoft.com/office/drawing/2014/main" id="{E575A558-438B-6388-C74A-CB3D2C97D3F8}"/>
+              </a:ext>
+            </a:extLst>
+          </p:cNvPr>
+          <p:cNvSpPr>
+            <a:spLocks noGrp="1"/>
+          </p:cNvSpPr>
+          <p:nvPr>
+            <p:ph type="dt" sz="half" idx="10"/>
+          </p:nvPr>
+        </p:nvSpPr>
+        <p:spPr/>
+        <p:txBody>
+          <a:bodyPr/>
+          <a:lstStyle/>
+          <a:p>
+            <a:fld id="{5C0E8BC3-A60E-4E31-8AE4-2BE08893AD21}" type="datetime1">
+              <a:rPr lang="en-US" smtClean="0"/>
+              <a:t>6/18/2024</a:t>
+            </a:fld>
+            <a:endParaRPr lang="en-US"/>
+          </a:p>
+        </p:txBody>
+      </p:sp>
+      <p:sp>
+        <p:nvSpPr>
+          <p:cNvPr id="5" name="Espaço Reservado para Rodapé 4">
+            <a:extLst>
+              <a:ext uri="{FF2B5EF4-FFF2-40B4-BE49-F238E27FC236}">
+                <a16:creationId xmlns:a16="http://schemas.microsoft.com/office/drawing/2014/main" id="{5792529F-47F6-73F8-4E0C-FA5B71473D22}"/>
+              </a:ext>
+            </a:extLst>
+          </p:cNvPr>
+          <p:cNvSpPr>
+            <a:spLocks noGrp="1"/>
+          </p:cNvSpPr>
+          <p:nvPr>
+            <p:ph type="ftr" sz="quarter" idx="11"/>
+          </p:nvPr>
+        </p:nvSpPr>
+        <p:spPr/>
+        <p:txBody>
+          <a:bodyPr/>
+          <a:lstStyle/>
+          <a:p>
+            <a:r>
+              <a:rPr lang="en-US" dirty="0"/>
+              <a:t>
+              </a:t>
+            </a:r>
+          </a:p>
+        </p:txBody>
+      </p:sp>
+      <p:sp>
+        <p:nvSpPr>
+          <p:cNvPr id="6" name="Espaço Reservado para Número de Slide 5">
+            <a:extLst>
+              <a:ext uri="{FF2B5EF4-FFF2-40B4-BE49-F238E27FC236}">
+                <a16:creationId xmlns:a16="http://schemas.microsoft.com/office/drawing/2014/main" id="{6590052F-4EE3-8698-0A10-CB8C4E35A1E4}"/>
+              </a:ext>
+            </a:extLst>
+          </p:cNvPr>
+          <p:cNvSpPr>
+            <a:spLocks noGrp="1"/>
+          </p:cNvSpPr>
+          <p:nvPr>
+            <p:ph type="sldNum" sz="quarter" idx="12"/>
+          </p:nvPr>
+        </p:nvSpPr>
+        <p:spPr/>
+        <p:txBody>
+          <a:bodyPr/>
+          <a:lstStyle/>
+          <a:p>
+            <a:fld id="{E30AF5A0-43BB-4336-8627-9123B9144D80}" type="slidenum">
+              <a:rPr lang="en-US" smtClean="0"/>
+              <a:t>8</a:t>
+            </a:fld>
+            <a:endParaRPr lang="en-US"/>
+          </a:p>
+        </p:txBody>
+      </p:sp>
+    </p:spTree>
+    <p:extLst>
+      <p:ext uri="{BB962C8B-B14F-4D97-AF65-F5344CB8AC3E}">
+        <p14:creationId xmlns:p14="http://schemas.microsoft.com/office/powerpoint/2010/main" val="2097304172"/>
+      </p:ext>
+    </p:extLst>
+  </p:cSld>
+  <p:clrMapOvr>
+    <a:masterClrMapping/>
+  </p:clrMapOvr>
+</p:sld>
+</file>
+
+<file path=ppt/slides/slide9.xml><?xml version="1.0" encoding="utf-8"?>
+<p:sld xmlns:a="http://schemas.openxmlformats.org/drawingml/2006/main" xmlns:r="http://schemas.openxmlformats.org/officeDocument/2006/relationships" xmlns:p="http://schemas.openxmlformats.org/presentationml/2006/main">
+  <p:cSld>
+    <p:spTree>
+      <p:nvGrpSpPr>
+        <p:cNvPr id="1" name=""/>
+        <p:cNvGrpSpPr/>
+        <p:nvPr/>
+      </p:nvGrpSpPr>
+      <p:grpSpPr>
+        <a:xfrm>
+          <a:off x="0" y="0"/>
+          <a:ext cx="0" cy="0"/>
+          <a:chOff x="0" y="0"/>
+          <a:chExt cx="0" cy="0"/>
+        </a:xfrm>
+      </p:grpSpPr>
+      <p:sp>
+        <p:nvSpPr>
+          <p:cNvPr id="2" name="Título 1">
+            <a:extLst>
+              <a:ext uri="{FF2B5EF4-FFF2-40B4-BE49-F238E27FC236}">
                 <a16:creationId xmlns:a16="http://schemas.microsoft.com/office/drawing/2014/main" id="{B1F35A36-4B8A-CC21-A7B3-D24FC5357485}"/>
               </a:ext>
             </a:extLst>
@@ -8172,7 +9733,7 @@
           <a:p>
             <a:fld id="{8ADC9E49-246E-484A-926C-3041536DB8F7}" type="datetime1">
               <a:rPr lang="en-US" smtClean="0"/>
-              <a:t>6/7/2024</a:t>
+              <a:t>6/18/2024</a:t>
             </a:fld>
             <a:endParaRPr lang="en-US"/>
           </a:p>
@@ -8230,7 +9791,7 @@
           <a:p>
             <a:fld id="{196A61CA-0502-4EE4-9724-96EA822543E5}" type="slidenum">
               <a:rPr lang="en-US" smtClean="0"/>
-              <a:t>6</a:t>
+              <a:t>9</a:t>
             </a:fld>
             <a:endParaRPr lang="en-US"/>
           </a:p>

--- a/Presentation.pptx
+++ b/Presentation.pptx
@@ -11,9 +11,18 @@
     <p:sldId id="270" r:id="rId5"/>
     <p:sldId id="271" r:id="rId6"/>
     <p:sldId id="273" r:id="rId7"/>
-    <p:sldId id="274" r:id="rId8"/>
-    <p:sldId id="268" r:id="rId9"/>
-    <p:sldId id="260" r:id="rId10"/>
+    <p:sldId id="275" r:id="rId8"/>
+    <p:sldId id="276" r:id="rId9"/>
+    <p:sldId id="277" r:id="rId10"/>
+    <p:sldId id="274" r:id="rId11"/>
+    <p:sldId id="278" r:id="rId12"/>
+    <p:sldId id="279" r:id="rId13"/>
+    <p:sldId id="281" r:id="rId14"/>
+    <p:sldId id="282" r:id="rId15"/>
+    <p:sldId id="283" r:id="rId16"/>
+    <p:sldId id="284" r:id="rId17"/>
+    <p:sldId id="268" r:id="rId18"/>
+    <p:sldId id="260" r:id="rId19"/>
   </p:sldIdLst>
   <p:sldSz cx="12192000" cy="6858000"/>
   <p:notesSz cx="6858000" cy="9144000"/>
@@ -113,6 +122,44 @@
     </a:lvl9pPr>
   </p:defaultTextStyle>
   <p:extLst>
+    <p:ext uri="{521415D9-36F7-43E2-AB2F-B90AF26B5E84}">
+      <p14:sectionLst xmlns:p14="http://schemas.microsoft.com/office/powerpoint/2010/main">
+        <p14:section name="Introdução" id="{EFC5D028-02AA-4CF2-A20D-A98DF0C1FFDC}">
+          <p14:sldIdLst>
+            <p14:sldId id="256"/>
+            <p14:sldId id="257"/>
+            <p14:sldId id="269"/>
+            <p14:sldId id="270"/>
+            <p14:sldId id="271"/>
+          </p14:sldIdLst>
+        </p14:section>
+        <p14:section name="Grafo" id="{E186ECCB-28CF-4986-825F-645DE771ABF9}">
+          <p14:sldIdLst>
+            <p14:sldId id="273"/>
+            <p14:sldId id="275"/>
+            <p14:sldId id="276"/>
+            <p14:sldId id="277"/>
+            <p14:sldId id="274"/>
+          </p14:sldIdLst>
+        </p14:section>
+        <p14:section name="Pseudo-Código" id="{FED14AC1-3DA6-4E07-AAA3-2D36F5D4347B}">
+          <p14:sldIdLst>
+            <p14:sldId id="278"/>
+            <p14:sldId id="279"/>
+            <p14:sldId id="281"/>
+            <p14:sldId id="282"/>
+            <p14:sldId id="283"/>
+            <p14:sldId id="284"/>
+          </p14:sldIdLst>
+        </p14:section>
+        <p14:section name="Conclusão" id="{C7166199-B626-48D1-B67B-6C1B08882AC4}">
+          <p14:sldIdLst>
+            <p14:sldId id="268"/>
+            <p14:sldId id="260"/>
+          </p14:sldIdLst>
+        </p14:section>
+      </p14:sectionLst>
+    </p:ext>
     <p:ext uri="{EFAFB233-063F-42B5-8137-9DF3F51BA10A}">
       <p15:sldGuideLst xmlns:p15="http://schemas.microsoft.com/office/powerpoint/2012/main"/>
     </p:ext>
@@ -1642,8 +1689,8 @@
   </pc:docChgLst>
   <pc:docChgLst>
     <pc:chgData name="Eduardo Savian" userId="83fefb37af455394" providerId="LiveId" clId="{C0BAD29C-331F-4880-BE27-02788087E9E9}"/>
-    <pc:docChg chg="undo custSel addSld delSld modSld">
-      <pc:chgData name="Eduardo Savian" userId="83fefb37af455394" providerId="LiveId" clId="{C0BAD29C-331F-4880-BE27-02788087E9E9}" dt="2024-06-18T20:13:06.448" v="357" actId="2696"/>
+    <pc:docChg chg="undo custSel addSld delSld modSld addSection modSection">
+      <pc:chgData name="Eduardo Savian" userId="83fefb37af455394" providerId="LiveId" clId="{C0BAD29C-331F-4880-BE27-02788087E9E9}" dt="2024-06-19T02:23:38.154" v="475"/>
       <pc:docMkLst>
         <pc:docMk/>
       </pc:docMkLst>
@@ -1888,18 +1935,423 @@
           </ac:graphicFrameMkLst>
         </pc:graphicFrameChg>
       </pc:sldChg>
-      <pc:sldChg chg="new">
-        <pc:chgData name="Eduardo Savian" userId="83fefb37af455394" providerId="LiveId" clId="{C0BAD29C-331F-4880-BE27-02788087E9E9}" dt="2024-06-18T19:38:46.727" v="325" actId="680"/>
+      <pc:sldChg chg="addSp delSp modSp new mod">
+        <pc:chgData name="Eduardo Savian" userId="83fefb37af455394" providerId="LiveId" clId="{C0BAD29C-331F-4880-BE27-02788087E9E9}" dt="2024-06-19T02:23:28.761" v="471" actId="20577"/>
         <pc:sldMkLst>
           <pc:docMk/>
           <pc:sldMk cId="627731158" sldId="273"/>
         </pc:sldMkLst>
-      </pc:sldChg>
-      <pc:sldChg chg="new">
-        <pc:chgData name="Eduardo Savian" userId="83fefb37af455394" providerId="LiveId" clId="{C0BAD29C-331F-4880-BE27-02788087E9E9}" dt="2024-06-18T19:38:46.912" v="326" actId="680"/>
+        <pc:spChg chg="mod">
+          <ac:chgData name="Eduardo Savian" userId="83fefb37af455394" providerId="LiveId" clId="{C0BAD29C-331F-4880-BE27-02788087E9E9}" dt="2024-06-19T02:23:28.761" v="471" actId="20577"/>
+          <ac:spMkLst>
+            <pc:docMk/>
+            <pc:sldMk cId="627731158" sldId="273"/>
+            <ac:spMk id="2" creationId="{D45B3DA6-2583-8662-3F54-10387839249A}"/>
+          </ac:spMkLst>
+        </pc:spChg>
+        <pc:spChg chg="del">
+          <ac:chgData name="Eduardo Savian" userId="83fefb37af455394" providerId="LiveId" clId="{C0BAD29C-331F-4880-BE27-02788087E9E9}" dt="2024-06-19T01:53:55.888" v="358" actId="22"/>
+          <ac:spMkLst>
+            <pc:docMk/>
+            <pc:sldMk cId="627731158" sldId="273"/>
+            <ac:spMk id="3" creationId="{952ACA38-F60B-B84E-65EC-5BEC1FDD2299}"/>
+          </ac:spMkLst>
+        </pc:spChg>
+        <pc:spChg chg="add del mod">
+          <ac:chgData name="Eduardo Savian" userId="83fefb37af455394" providerId="LiveId" clId="{C0BAD29C-331F-4880-BE27-02788087E9E9}" dt="2024-06-19T02:04:22.457" v="390" actId="22"/>
+          <ac:spMkLst>
+            <pc:docMk/>
+            <pc:sldMk cId="627731158" sldId="273"/>
+            <ac:spMk id="10" creationId="{B8B9A841-3872-7D4A-2E3C-F6270E619421}"/>
+          </ac:spMkLst>
+        </pc:spChg>
+        <pc:picChg chg="add del mod ord">
+          <ac:chgData name="Eduardo Savian" userId="83fefb37af455394" providerId="LiveId" clId="{C0BAD29C-331F-4880-BE27-02788087E9E9}" dt="2024-06-19T02:04:19.789" v="389" actId="478"/>
+          <ac:picMkLst>
+            <pc:docMk/>
+            <pc:sldMk cId="627731158" sldId="273"/>
+            <ac:picMk id="8" creationId="{8CD9ECCB-D4C9-73CE-A7B3-1D6F17A7EEFD}"/>
+          </ac:picMkLst>
+        </pc:picChg>
+        <pc:picChg chg="add mod ord">
+          <ac:chgData name="Eduardo Savian" userId="83fefb37af455394" providerId="LiveId" clId="{C0BAD29C-331F-4880-BE27-02788087E9E9}" dt="2024-06-19T02:04:22.457" v="390" actId="22"/>
+          <ac:picMkLst>
+            <pc:docMk/>
+            <pc:sldMk cId="627731158" sldId="273"/>
+            <ac:picMk id="12" creationId="{B554D133-E162-8312-CF47-01FA75301D3D}"/>
+          </ac:picMkLst>
+        </pc:picChg>
+      </pc:sldChg>
+      <pc:sldChg chg="addSp delSp modSp new mod">
+        <pc:chgData name="Eduardo Savian" userId="83fefb37af455394" providerId="LiveId" clId="{C0BAD29C-331F-4880-BE27-02788087E9E9}" dt="2024-06-19T02:23:38.154" v="475"/>
         <pc:sldMkLst>
           <pc:docMk/>
           <pc:sldMk cId="3523369083" sldId="274"/>
+        </pc:sldMkLst>
+        <pc:spChg chg="mod">
+          <ac:chgData name="Eduardo Savian" userId="83fefb37af455394" providerId="LiveId" clId="{C0BAD29C-331F-4880-BE27-02788087E9E9}" dt="2024-06-19T02:23:38.154" v="475"/>
+          <ac:spMkLst>
+            <pc:docMk/>
+            <pc:sldMk cId="3523369083" sldId="274"/>
+            <ac:spMk id="2" creationId="{72540168-690A-37A3-E7DF-CE9E07425A35}"/>
+          </ac:spMkLst>
+        </pc:spChg>
+        <pc:spChg chg="del">
+          <ac:chgData name="Eduardo Savian" userId="83fefb37af455394" providerId="LiveId" clId="{C0BAD29C-331F-4880-BE27-02788087E9E9}" dt="2024-06-19T02:05:44.207" v="395" actId="22"/>
+          <ac:spMkLst>
+            <pc:docMk/>
+            <pc:sldMk cId="3523369083" sldId="274"/>
+            <ac:spMk id="3" creationId="{6C080BB9-26FF-5CC0-708F-C8E7C71EAD35}"/>
+          </ac:spMkLst>
+        </pc:spChg>
+        <pc:spChg chg="add del mod">
+          <ac:chgData name="Eduardo Savian" userId="83fefb37af455394" providerId="LiveId" clId="{C0BAD29C-331F-4880-BE27-02788087E9E9}" dt="2024-06-19T02:13:51" v="403" actId="22"/>
+          <ac:spMkLst>
+            <pc:docMk/>
+            <pc:sldMk cId="3523369083" sldId="274"/>
+            <ac:spMk id="10" creationId="{FA2A1CCA-F521-ED97-5DE4-8D39A73528EA}"/>
+          </ac:spMkLst>
+        </pc:spChg>
+        <pc:spChg chg="add del">
+          <ac:chgData name="Eduardo Savian" userId="83fefb37af455394" providerId="LiveId" clId="{C0BAD29C-331F-4880-BE27-02788087E9E9}" dt="2024-06-19T02:15:57.509" v="410" actId="22"/>
+          <ac:spMkLst>
+            <pc:docMk/>
+            <pc:sldMk cId="3523369083" sldId="274"/>
+            <ac:spMk id="14" creationId="{18F04D48-6E7F-7BB0-B029-DAEF631D4C2B}"/>
+          </ac:spMkLst>
+        </pc:spChg>
+        <pc:picChg chg="add del mod ord">
+          <ac:chgData name="Eduardo Savian" userId="83fefb37af455394" providerId="LiveId" clId="{C0BAD29C-331F-4880-BE27-02788087E9E9}" dt="2024-06-19T02:13:28.647" v="402" actId="478"/>
+          <ac:picMkLst>
+            <pc:docMk/>
+            <pc:sldMk cId="3523369083" sldId="274"/>
+            <ac:picMk id="8" creationId="{18B1403C-8148-6A5E-AEC8-758A82BC46E0}"/>
+          </ac:picMkLst>
+        </pc:picChg>
+        <pc:picChg chg="add mod ord">
+          <ac:chgData name="Eduardo Savian" userId="83fefb37af455394" providerId="LiveId" clId="{C0BAD29C-331F-4880-BE27-02788087E9E9}" dt="2024-06-19T02:13:51" v="403" actId="22"/>
+          <ac:picMkLst>
+            <pc:docMk/>
+            <pc:sldMk cId="3523369083" sldId="274"/>
+            <ac:picMk id="12" creationId="{5A4C757B-6803-E038-4398-6F3D97F5288C}"/>
+          </ac:picMkLst>
+        </pc:picChg>
+      </pc:sldChg>
+      <pc:sldChg chg="addSp delSp modSp new mod">
+        <pc:chgData name="Eduardo Savian" userId="83fefb37af455394" providerId="LiveId" clId="{C0BAD29C-331F-4880-BE27-02788087E9E9}" dt="2024-06-19T02:23:32.131" v="472"/>
+        <pc:sldMkLst>
+          <pc:docMk/>
+          <pc:sldMk cId="1217120992" sldId="275"/>
+        </pc:sldMkLst>
+        <pc:spChg chg="mod">
+          <ac:chgData name="Eduardo Savian" userId="83fefb37af455394" providerId="LiveId" clId="{C0BAD29C-331F-4880-BE27-02788087E9E9}" dt="2024-06-19T02:23:32.131" v="472"/>
+          <ac:spMkLst>
+            <pc:docMk/>
+            <pc:sldMk cId="1217120992" sldId="275"/>
+            <ac:spMk id="2" creationId="{D6EF0203-0FD0-7631-55B9-F7DBF87560D8}"/>
+          </ac:spMkLst>
+        </pc:spChg>
+        <pc:spChg chg="del">
+          <ac:chgData name="Eduardo Savian" userId="83fefb37af455394" providerId="LiveId" clId="{C0BAD29C-331F-4880-BE27-02788087E9E9}" dt="2024-06-19T02:04:58.285" v="393" actId="22"/>
+          <ac:spMkLst>
+            <pc:docMk/>
+            <pc:sldMk cId="1217120992" sldId="275"/>
+            <ac:spMk id="3" creationId="{ECEF24F9-410A-E11E-A644-1C7025266713}"/>
+          </ac:spMkLst>
+        </pc:spChg>
+        <pc:picChg chg="add mod ord">
+          <ac:chgData name="Eduardo Savian" userId="83fefb37af455394" providerId="LiveId" clId="{C0BAD29C-331F-4880-BE27-02788087E9E9}" dt="2024-06-19T02:04:58.285" v="393" actId="22"/>
+          <ac:picMkLst>
+            <pc:docMk/>
+            <pc:sldMk cId="1217120992" sldId="275"/>
+            <ac:picMk id="8" creationId="{DABDF2D5-EB21-74D7-5DB5-EAC903EE467C}"/>
+          </ac:picMkLst>
+        </pc:picChg>
+      </pc:sldChg>
+      <pc:sldChg chg="addSp delSp modSp new mod">
+        <pc:chgData name="Eduardo Savian" userId="83fefb37af455394" providerId="LiveId" clId="{C0BAD29C-331F-4880-BE27-02788087E9E9}" dt="2024-06-19T02:23:33.501" v="473"/>
+        <pc:sldMkLst>
+          <pc:docMk/>
+          <pc:sldMk cId="813822317" sldId="276"/>
+        </pc:sldMkLst>
+        <pc:spChg chg="mod">
+          <ac:chgData name="Eduardo Savian" userId="83fefb37af455394" providerId="LiveId" clId="{C0BAD29C-331F-4880-BE27-02788087E9E9}" dt="2024-06-19T02:23:33.501" v="473"/>
+          <ac:spMkLst>
+            <pc:docMk/>
+            <pc:sldMk cId="813822317" sldId="276"/>
+            <ac:spMk id="2" creationId="{9FD510CF-AB6C-8BCB-FFB1-434DCA12FCFC}"/>
+          </ac:spMkLst>
+        </pc:spChg>
+        <pc:spChg chg="del">
+          <ac:chgData name="Eduardo Savian" userId="83fefb37af455394" providerId="LiveId" clId="{C0BAD29C-331F-4880-BE27-02788087E9E9}" dt="2024-06-19T02:05:25.423" v="394" actId="22"/>
+          <ac:spMkLst>
+            <pc:docMk/>
+            <pc:sldMk cId="813822317" sldId="276"/>
+            <ac:spMk id="3" creationId="{7BE21E6B-07A7-A15F-E46C-B9E0FDB71D5F}"/>
+          </ac:spMkLst>
+        </pc:spChg>
+        <pc:picChg chg="add mod ord">
+          <ac:chgData name="Eduardo Savian" userId="83fefb37af455394" providerId="LiveId" clId="{C0BAD29C-331F-4880-BE27-02788087E9E9}" dt="2024-06-19T02:05:25.423" v="394" actId="22"/>
+          <ac:picMkLst>
+            <pc:docMk/>
+            <pc:sldMk cId="813822317" sldId="276"/>
+            <ac:picMk id="8" creationId="{7AA32744-C6BF-74B2-EC95-E84101C81EC9}"/>
+          </ac:picMkLst>
+        </pc:picChg>
+      </pc:sldChg>
+      <pc:sldChg chg="addSp delSp modSp new mod">
+        <pc:chgData name="Eduardo Savian" userId="83fefb37af455394" providerId="LiveId" clId="{C0BAD29C-331F-4880-BE27-02788087E9E9}" dt="2024-06-19T02:23:35.422" v="474"/>
+        <pc:sldMkLst>
+          <pc:docMk/>
+          <pc:sldMk cId="4261432874" sldId="277"/>
+        </pc:sldMkLst>
+        <pc:spChg chg="mod">
+          <ac:chgData name="Eduardo Savian" userId="83fefb37af455394" providerId="LiveId" clId="{C0BAD29C-331F-4880-BE27-02788087E9E9}" dt="2024-06-19T02:23:35.422" v="474"/>
+          <ac:spMkLst>
+            <pc:docMk/>
+            <pc:sldMk cId="4261432874" sldId="277"/>
+            <ac:spMk id="2" creationId="{A7EC0090-83D8-DB09-3E8D-B27611167555}"/>
+          </ac:spMkLst>
+        </pc:spChg>
+        <pc:spChg chg="del">
+          <ac:chgData name="Eduardo Savian" userId="83fefb37af455394" providerId="LiveId" clId="{C0BAD29C-331F-4880-BE27-02788087E9E9}" dt="2024-06-19T02:13:26.186" v="401" actId="22"/>
+          <ac:spMkLst>
+            <pc:docMk/>
+            <pc:sldMk cId="4261432874" sldId="277"/>
+            <ac:spMk id="3" creationId="{3D9B6C9D-7FB2-FD6E-2CA9-9D1E7B41B455}"/>
+          </ac:spMkLst>
+        </pc:spChg>
+        <pc:picChg chg="add mod ord">
+          <ac:chgData name="Eduardo Savian" userId="83fefb37af455394" providerId="LiveId" clId="{C0BAD29C-331F-4880-BE27-02788087E9E9}" dt="2024-06-19T02:13:26.186" v="401" actId="22"/>
+          <ac:picMkLst>
+            <pc:docMk/>
+            <pc:sldMk cId="4261432874" sldId="277"/>
+            <ac:picMk id="8" creationId="{511A7518-9CCE-551A-1B5E-7B91241C4971}"/>
+          </ac:picMkLst>
+        </pc:picChg>
+      </pc:sldChg>
+      <pc:sldChg chg="addSp delSp modSp new mod">
+        <pc:chgData name="Eduardo Savian" userId="83fefb37af455394" providerId="LiveId" clId="{C0BAD29C-331F-4880-BE27-02788087E9E9}" dt="2024-06-19T02:16:58.063" v="437" actId="22"/>
+        <pc:sldMkLst>
+          <pc:docMk/>
+          <pc:sldMk cId="642999662" sldId="278"/>
+        </pc:sldMkLst>
+        <pc:spChg chg="mod">
+          <ac:chgData name="Eduardo Savian" userId="83fefb37af455394" providerId="LiveId" clId="{C0BAD29C-331F-4880-BE27-02788087E9E9}" dt="2024-06-19T02:16:06.217" v="432" actId="20577"/>
+          <ac:spMkLst>
+            <pc:docMk/>
+            <pc:sldMk cId="642999662" sldId="278"/>
+            <ac:spMk id="2" creationId="{46EEE6C0-874C-DBBC-0A05-CFC3B25748E2}"/>
+          </ac:spMkLst>
+        </pc:spChg>
+        <pc:spChg chg="del">
+          <ac:chgData name="Eduardo Savian" userId="83fefb37af455394" providerId="LiveId" clId="{C0BAD29C-331F-4880-BE27-02788087E9E9}" dt="2024-06-19T02:16:58.063" v="437" actId="22"/>
+          <ac:spMkLst>
+            <pc:docMk/>
+            <pc:sldMk cId="642999662" sldId="278"/>
+            <ac:spMk id="3" creationId="{B18140EC-8C70-2B25-97D5-B03868C255CD}"/>
+          </ac:spMkLst>
+        </pc:spChg>
+        <pc:picChg chg="add mod ord">
+          <ac:chgData name="Eduardo Savian" userId="83fefb37af455394" providerId="LiveId" clId="{C0BAD29C-331F-4880-BE27-02788087E9E9}" dt="2024-06-19T02:16:58.063" v="437" actId="22"/>
+          <ac:picMkLst>
+            <pc:docMk/>
+            <pc:sldMk cId="642999662" sldId="278"/>
+            <ac:picMk id="8" creationId="{B84365D3-41D7-B117-0C3A-76323D9CE944}"/>
+          </ac:picMkLst>
+        </pc:picChg>
+      </pc:sldChg>
+      <pc:sldChg chg="addSp delSp modSp new mod">
+        <pc:chgData name="Eduardo Savian" userId="83fefb37af455394" providerId="LiveId" clId="{C0BAD29C-331F-4880-BE27-02788087E9E9}" dt="2024-06-19T02:17:22.601" v="438" actId="22"/>
+        <pc:sldMkLst>
+          <pc:docMk/>
+          <pc:sldMk cId="2061843158" sldId="279"/>
+        </pc:sldMkLst>
+        <pc:spChg chg="mod">
+          <ac:chgData name="Eduardo Savian" userId="83fefb37af455394" providerId="LiveId" clId="{C0BAD29C-331F-4880-BE27-02788087E9E9}" dt="2024-06-19T02:16:12.490" v="435"/>
+          <ac:spMkLst>
+            <pc:docMk/>
+            <pc:sldMk cId="2061843158" sldId="279"/>
+            <ac:spMk id="2" creationId="{5B2A0EA0-A363-FEA4-4CD4-4A76C4624E68}"/>
+          </ac:spMkLst>
+        </pc:spChg>
+        <pc:spChg chg="del">
+          <ac:chgData name="Eduardo Savian" userId="83fefb37af455394" providerId="LiveId" clId="{C0BAD29C-331F-4880-BE27-02788087E9E9}" dt="2024-06-19T02:17:22.601" v="438" actId="22"/>
+          <ac:spMkLst>
+            <pc:docMk/>
+            <pc:sldMk cId="2061843158" sldId="279"/>
+            <ac:spMk id="3" creationId="{68867F34-4D57-6443-8B4F-961DB7E69476}"/>
+          </ac:spMkLst>
+        </pc:spChg>
+        <pc:picChg chg="add mod ord">
+          <ac:chgData name="Eduardo Savian" userId="83fefb37af455394" providerId="LiveId" clId="{C0BAD29C-331F-4880-BE27-02788087E9E9}" dt="2024-06-19T02:17:22.601" v="438" actId="22"/>
+          <ac:picMkLst>
+            <pc:docMk/>
+            <pc:sldMk cId="2061843158" sldId="279"/>
+            <ac:picMk id="8" creationId="{7CD76E04-D522-973B-6EE1-A40171303F89}"/>
+          </ac:picMkLst>
+        </pc:picChg>
+      </pc:sldChg>
+      <pc:sldChg chg="addSp delSp modSp new del mod">
+        <pc:chgData name="Eduardo Savian" userId="83fefb37af455394" providerId="LiveId" clId="{C0BAD29C-331F-4880-BE27-02788087E9E9}" dt="2024-06-19T02:20:12.152" v="456" actId="47"/>
+        <pc:sldMkLst>
+          <pc:docMk/>
+          <pc:sldMk cId="2536522868" sldId="280"/>
+        </pc:sldMkLst>
+        <pc:spChg chg="mod">
+          <ac:chgData name="Eduardo Savian" userId="83fefb37af455394" providerId="LiveId" clId="{C0BAD29C-331F-4880-BE27-02788087E9E9}" dt="2024-06-19T02:16:13.539" v="436"/>
+          <ac:spMkLst>
+            <pc:docMk/>
+            <pc:sldMk cId="2536522868" sldId="280"/>
+            <ac:spMk id="2" creationId="{6CD8D164-605F-97AF-0EF9-C03D87FDB8FC}"/>
+          </ac:spMkLst>
+        </pc:spChg>
+        <pc:spChg chg="add del">
+          <ac:chgData name="Eduardo Savian" userId="83fefb37af455394" providerId="LiveId" clId="{C0BAD29C-331F-4880-BE27-02788087E9E9}" dt="2024-06-19T02:18:05.217" v="440" actId="22"/>
+          <ac:spMkLst>
+            <pc:docMk/>
+            <pc:sldMk cId="2536522868" sldId="280"/>
+            <ac:spMk id="3" creationId="{1E0503DA-7991-6A13-8E4B-14AF8A57C834}"/>
+          </ac:spMkLst>
+        </pc:spChg>
+        <pc:picChg chg="add del mod ord">
+          <ac:chgData name="Eduardo Savian" userId="83fefb37af455394" providerId="LiveId" clId="{C0BAD29C-331F-4880-BE27-02788087E9E9}" dt="2024-06-19T02:18:05.217" v="440" actId="22"/>
+          <ac:picMkLst>
+            <pc:docMk/>
+            <pc:sldMk cId="2536522868" sldId="280"/>
+            <ac:picMk id="8" creationId="{0632DD90-4EDA-19E5-FA53-C4251E1CF8BA}"/>
+          </ac:picMkLst>
+        </pc:picChg>
+      </pc:sldChg>
+      <pc:sldChg chg="addSp delSp modSp new mod">
+        <pc:chgData name="Eduardo Savian" userId="83fefb37af455394" providerId="LiveId" clId="{C0BAD29C-331F-4880-BE27-02788087E9E9}" dt="2024-06-19T02:20:03.116" v="452"/>
+        <pc:sldMkLst>
+          <pc:docMk/>
+          <pc:sldMk cId="3452563875" sldId="281"/>
+        </pc:sldMkLst>
+        <pc:spChg chg="mod">
+          <ac:chgData name="Eduardo Savian" userId="83fefb37af455394" providerId="LiveId" clId="{C0BAD29C-331F-4880-BE27-02788087E9E9}" dt="2024-06-19T02:20:03.116" v="452"/>
+          <ac:spMkLst>
+            <pc:docMk/>
+            <pc:sldMk cId="3452563875" sldId="281"/>
+            <ac:spMk id="2" creationId="{B181ADD0-7F40-AA4C-FCFF-A8DFD2B35DA6}"/>
+          </ac:spMkLst>
+        </pc:spChg>
+        <pc:spChg chg="del">
+          <ac:chgData name="Eduardo Savian" userId="83fefb37af455394" providerId="LiveId" clId="{C0BAD29C-331F-4880-BE27-02788087E9E9}" dt="2024-06-19T02:18:41.236" v="442" actId="22"/>
+          <ac:spMkLst>
+            <pc:docMk/>
+            <pc:sldMk cId="3452563875" sldId="281"/>
+            <ac:spMk id="3" creationId="{17A98DEB-1809-2E18-4117-2CE94AB652F8}"/>
+          </ac:spMkLst>
+        </pc:spChg>
+        <pc:picChg chg="add mod ord">
+          <ac:chgData name="Eduardo Savian" userId="83fefb37af455394" providerId="LiveId" clId="{C0BAD29C-331F-4880-BE27-02788087E9E9}" dt="2024-06-19T02:18:41.236" v="442" actId="22"/>
+          <ac:picMkLst>
+            <pc:docMk/>
+            <pc:sldMk cId="3452563875" sldId="281"/>
+            <ac:picMk id="8" creationId="{7608FD13-E51A-6B6E-957F-4F3A152E63BE}"/>
+          </ac:picMkLst>
+        </pc:picChg>
+      </pc:sldChg>
+      <pc:sldChg chg="addSp delSp modSp new mod">
+        <pc:chgData name="Eduardo Savian" userId="83fefb37af455394" providerId="LiveId" clId="{C0BAD29C-331F-4880-BE27-02788087E9E9}" dt="2024-06-19T02:20:04.205" v="453"/>
+        <pc:sldMkLst>
+          <pc:docMk/>
+          <pc:sldMk cId="2707155307" sldId="282"/>
+        </pc:sldMkLst>
+        <pc:spChg chg="mod">
+          <ac:chgData name="Eduardo Savian" userId="83fefb37af455394" providerId="LiveId" clId="{C0BAD29C-331F-4880-BE27-02788087E9E9}" dt="2024-06-19T02:20:04.205" v="453"/>
+          <ac:spMkLst>
+            <pc:docMk/>
+            <pc:sldMk cId="2707155307" sldId="282"/>
+            <ac:spMk id="2" creationId="{2C7603AB-3635-A747-D72A-F657752D300B}"/>
+          </ac:spMkLst>
+        </pc:spChg>
+        <pc:spChg chg="del">
+          <ac:chgData name="Eduardo Savian" userId="83fefb37af455394" providerId="LiveId" clId="{C0BAD29C-331F-4880-BE27-02788087E9E9}" dt="2024-06-19T02:19:05.270" v="444" actId="22"/>
+          <ac:spMkLst>
+            <pc:docMk/>
+            <pc:sldMk cId="2707155307" sldId="282"/>
+            <ac:spMk id="3" creationId="{87D5925C-1C7D-45C5-C112-09BC738A1C7F}"/>
+          </ac:spMkLst>
+        </pc:spChg>
+        <pc:picChg chg="add mod ord">
+          <ac:chgData name="Eduardo Savian" userId="83fefb37af455394" providerId="LiveId" clId="{C0BAD29C-331F-4880-BE27-02788087E9E9}" dt="2024-06-19T02:19:05.270" v="444" actId="22"/>
+          <ac:picMkLst>
+            <pc:docMk/>
+            <pc:sldMk cId="2707155307" sldId="282"/>
+            <ac:picMk id="8" creationId="{5FD4B0F7-AA97-BE6C-C927-490733EE9CAE}"/>
+          </ac:picMkLst>
+        </pc:picChg>
+      </pc:sldChg>
+      <pc:sldChg chg="addSp delSp modSp new mod">
+        <pc:chgData name="Eduardo Savian" userId="83fefb37af455394" providerId="LiveId" clId="{C0BAD29C-331F-4880-BE27-02788087E9E9}" dt="2024-06-19T02:20:06.668" v="454"/>
+        <pc:sldMkLst>
+          <pc:docMk/>
+          <pc:sldMk cId="3325068316" sldId="283"/>
+        </pc:sldMkLst>
+        <pc:spChg chg="mod">
+          <ac:chgData name="Eduardo Savian" userId="83fefb37af455394" providerId="LiveId" clId="{C0BAD29C-331F-4880-BE27-02788087E9E9}" dt="2024-06-19T02:20:06.668" v="454"/>
+          <ac:spMkLst>
+            <pc:docMk/>
+            <pc:sldMk cId="3325068316" sldId="283"/>
+            <ac:spMk id="2" creationId="{CCEC0EA6-22C1-0FD7-A031-82C300A98F3E}"/>
+          </ac:spMkLst>
+        </pc:spChg>
+        <pc:spChg chg="del mod">
+          <ac:chgData name="Eduardo Savian" userId="83fefb37af455394" providerId="LiveId" clId="{C0BAD29C-331F-4880-BE27-02788087E9E9}" dt="2024-06-19T02:19:39.730" v="449" actId="22"/>
+          <ac:spMkLst>
+            <pc:docMk/>
+            <pc:sldMk cId="3325068316" sldId="283"/>
+            <ac:spMk id="3" creationId="{960C86CA-87ED-F109-82A1-D9CA7C50895B}"/>
+          </ac:spMkLst>
+        </pc:spChg>
+        <pc:picChg chg="add mod ord">
+          <ac:chgData name="Eduardo Savian" userId="83fefb37af455394" providerId="LiveId" clId="{C0BAD29C-331F-4880-BE27-02788087E9E9}" dt="2024-06-19T02:19:39.730" v="449" actId="22"/>
+          <ac:picMkLst>
+            <pc:docMk/>
+            <pc:sldMk cId="3325068316" sldId="283"/>
+            <ac:picMk id="8" creationId="{95302D35-68A3-E70F-CF1B-F491A00FD9B6}"/>
+          </ac:picMkLst>
+        </pc:picChg>
+      </pc:sldChg>
+      <pc:sldChg chg="addSp delSp modSp new mod">
+        <pc:chgData name="Eduardo Savian" userId="83fefb37af455394" providerId="LiveId" clId="{C0BAD29C-331F-4880-BE27-02788087E9E9}" dt="2024-06-19T02:20:08.632" v="455"/>
+        <pc:sldMkLst>
+          <pc:docMk/>
+          <pc:sldMk cId="2287349985" sldId="284"/>
+        </pc:sldMkLst>
+        <pc:spChg chg="mod">
+          <ac:chgData name="Eduardo Savian" userId="83fefb37af455394" providerId="LiveId" clId="{C0BAD29C-331F-4880-BE27-02788087E9E9}" dt="2024-06-19T02:20:08.632" v="455"/>
+          <ac:spMkLst>
+            <pc:docMk/>
+            <pc:sldMk cId="2287349985" sldId="284"/>
+            <ac:spMk id="2" creationId="{5B56DE07-A52E-7B0C-ABC4-A3E924322AEE}"/>
+          </ac:spMkLst>
+        </pc:spChg>
+        <pc:spChg chg="del">
+          <ac:chgData name="Eduardo Savian" userId="83fefb37af455394" providerId="LiveId" clId="{C0BAD29C-331F-4880-BE27-02788087E9E9}" dt="2024-06-19T02:19:55.375" v="451" actId="22"/>
+          <ac:spMkLst>
+            <pc:docMk/>
+            <pc:sldMk cId="2287349985" sldId="284"/>
+            <ac:spMk id="3" creationId="{26628598-57E0-90EB-42AF-DAD7EAA7458C}"/>
+          </ac:spMkLst>
+        </pc:spChg>
+        <pc:picChg chg="add mod ord">
+          <ac:chgData name="Eduardo Savian" userId="83fefb37af455394" providerId="LiveId" clId="{C0BAD29C-331F-4880-BE27-02788087E9E9}" dt="2024-06-19T02:19:55.375" v="451" actId="22"/>
+          <ac:picMkLst>
+            <pc:docMk/>
+            <pc:sldMk cId="2287349985" sldId="284"/>
+            <ac:picMk id="8" creationId="{EF91F902-2307-EB37-3E5B-F98EB7BDA921}"/>
+          </ac:picMkLst>
+        </pc:picChg>
+      </pc:sldChg>
+      <pc:sldChg chg="new del">
+        <pc:chgData name="Eduardo Savian" userId="83fefb37af455394" providerId="LiveId" clId="{C0BAD29C-331F-4880-BE27-02788087E9E9}" dt="2024-06-19T02:21:41.419" v="466" actId="2696"/>
+        <pc:sldMkLst>
+          <pc:docMk/>
+          <pc:sldMk cId="2953710764" sldId="285"/>
         </pc:sldMkLst>
       </pc:sldChg>
     </pc:docChg>
@@ -7555,6 +8007,1979 @@
 </p:sld>
 </file>
 
+<file path=ppt/slides/slide10.xml><?xml version="1.0" encoding="utf-8"?>
+<p:sld xmlns:a="http://schemas.openxmlformats.org/drawingml/2006/main" xmlns:r="http://schemas.openxmlformats.org/officeDocument/2006/relationships" xmlns:p="http://schemas.openxmlformats.org/presentationml/2006/main">
+  <p:cSld>
+    <p:spTree>
+      <p:nvGrpSpPr>
+        <p:cNvPr id="1" name=""/>
+        <p:cNvGrpSpPr/>
+        <p:nvPr/>
+      </p:nvGrpSpPr>
+      <p:grpSpPr>
+        <a:xfrm>
+          <a:off x="0" y="0"/>
+          <a:ext cx="0" cy="0"/>
+          <a:chOff x="0" y="0"/>
+          <a:chExt cx="0" cy="0"/>
+        </a:xfrm>
+      </p:grpSpPr>
+      <p:sp>
+        <p:nvSpPr>
+          <p:cNvPr id="2" name="Título 1">
+            <a:extLst>
+              <a:ext uri="{FF2B5EF4-FFF2-40B4-BE49-F238E27FC236}">
+                <a16:creationId xmlns:a16="http://schemas.microsoft.com/office/drawing/2014/main" id="{72540168-690A-37A3-E7DF-CE9E07425A35}"/>
+              </a:ext>
+            </a:extLst>
+          </p:cNvPr>
+          <p:cNvSpPr>
+            <a:spLocks noGrp="1"/>
+          </p:cNvSpPr>
+          <p:nvPr>
+            <p:ph type="title"/>
+          </p:nvPr>
+        </p:nvSpPr>
+        <p:spPr/>
+        <p:txBody>
+          <a:bodyPr/>
+          <a:lstStyle/>
+          <a:p>
+            <a:r>
+              <a:rPr lang="pt-BR"/>
+              <a:t>Grafo</a:t>
+            </a:r>
+            <a:endParaRPr lang="pt-BR" dirty="0"/>
+          </a:p>
+        </p:txBody>
+      </p:sp>
+      <p:sp>
+        <p:nvSpPr>
+          <p:cNvPr id="4" name="Espaço Reservado para Data 3">
+            <a:extLst>
+              <a:ext uri="{FF2B5EF4-FFF2-40B4-BE49-F238E27FC236}">
+                <a16:creationId xmlns:a16="http://schemas.microsoft.com/office/drawing/2014/main" id="{09BF8850-3B0D-264C-1F68-170B6332FBEA}"/>
+              </a:ext>
+            </a:extLst>
+          </p:cNvPr>
+          <p:cNvSpPr>
+            <a:spLocks noGrp="1"/>
+          </p:cNvSpPr>
+          <p:nvPr>
+            <p:ph type="dt" sz="half" idx="10"/>
+          </p:nvPr>
+        </p:nvSpPr>
+        <p:spPr/>
+        <p:txBody>
+          <a:bodyPr/>
+          <a:lstStyle/>
+          <a:p>
+            <a:fld id="{804C12D4-F0C4-44A2-9DFB-3E890510E53E}" type="datetime1">
+              <a:rPr lang="en-US" smtClean="0"/>
+              <a:t>6/18/2024</a:t>
+            </a:fld>
+            <a:endParaRPr lang="en-US"/>
+          </a:p>
+        </p:txBody>
+      </p:sp>
+      <p:sp>
+        <p:nvSpPr>
+          <p:cNvPr id="5" name="Espaço Reservado para Rodapé 4">
+            <a:extLst>
+              <a:ext uri="{FF2B5EF4-FFF2-40B4-BE49-F238E27FC236}">
+                <a16:creationId xmlns:a16="http://schemas.microsoft.com/office/drawing/2014/main" id="{37ED183A-4C07-A9D8-B202-69DD13FC653B}"/>
+              </a:ext>
+            </a:extLst>
+          </p:cNvPr>
+          <p:cNvSpPr>
+            <a:spLocks noGrp="1"/>
+          </p:cNvSpPr>
+          <p:nvPr>
+            <p:ph type="ftr" sz="quarter" idx="11"/>
+          </p:nvPr>
+        </p:nvSpPr>
+        <p:spPr/>
+        <p:txBody>
+          <a:bodyPr/>
+          <a:lstStyle/>
+          <a:p>
+            <a:r>
+              <a:rPr lang="en-US"/>
+              <a:t>
+              </a:t>
+            </a:r>
+          </a:p>
+        </p:txBody>
+      </p:sp>
+      <p:sp>
+        <p:nvSpPr>
+          <p:cNvPr id="6" name="Espaço Reservado para Número de Slide 5">
+            <a:extLst>
+              <a:ext uri="{FF2B5EF4-FFF2-40B4-BE49-F238E27FC236}">
+                <a16:creationId xmlns:a16="http://schemas.microsoft.com/office/drawing/2014/main" id="{251D35ED-FB46-CBF5-372F-844D6D00F563}"/>
+              </a:ext>
+            </a:extLst>
+          </p:cNvPr>
+          <p:cNvSpPr>
+            <a:spLocks noGrp="1"/>
+          </p:cNvSpPr>
+          <p:nvPr>
+            <p:ph type="sldNum" sz="quarter" idx="12"/>
+          </p:nvPr>
+        </p:nvSpPr>
+        <p:spPr/>
+        <p:txBody>
+          <a:bodyPr/>
+          <a:lstStyle/>
+          <a:p>
+            <a:fld id="{E30AF5A0-43BB-4336-8627-9123B9144D80}" type="slidenum">
+              <a:rPr lang="en-US" smtClean="0"/>
+              <a:t>10</a:t>
+            </a:fld>
+            <a:endParaRPr lang="en-US"/>
+          </a:p>
+        </p:txBody>
+      </p:sp>
+      <p:pic>
+        <p:nvPicPr>
+          <p:cNvPr id="12" name="Espaço Reservado para Conteúdo 11">
+            <a:extLst>
+              <a:ext uri="{FF2B5EF4-FFF2-40B4-BE49-F238E27FC236}">
+                <a16:creationId xmlns:a16="http://schemas.microsoft.com/office/drawing/2014/main" id="{5A4C757B-6803-E038-4398-6F3D97F5288C}"/>
+              </a:ext>
+            </a:extLst>
+          </p:cNvPr>
+          <p:cNvPicPr>
+            <a:picLocks noGrp="1" noChangeAspect="1"/>
+          </p:cNvPicPr>
+          <p:nvPr>
+            <p:ph idx="1"/>
+          </p:nvPr>
+        </p:nvPicPr>
+        <p:blipFill>
+          <a:blip r:embed="rId2"/>
+          <a:stretch>
+            <a:fillRect/>
+          </a:stretch>
+        </p:blipFill>
+        <p:spPr>
+          <a:xfrm>
+            <a:off x="1591575" y="2292350"/>
+            <a:ext cx="8908838" cy="3636963"/>
+          </a:xfrm>
+        </p:spPr>
+      </p:pic>
+    </p:spTree>
+    <p:extLst>
+      <p:ext uri="{BB962C8B-B14F-4D97-AF65-F5344CB8AC3E}">
+        <p14:creationId xmlns:p14="http://schemas.microsoft.com/office/powerpoint/2010/main" val="3523369083"/>
+      </p:ext>
+    </p:extLst>
+  </p:cSld>
+  <p:clrMapOvr>
+    <a:masterClrMapping/>
+  </p:clrMapOvr>
+</p:sld>
+</file>
+
+<file path=ppt/slides/slide11.xml><?xml version="1.0" encoding="utf-8"?>
+<p:sld xmlns:a="http://schemas.openxmlformats.org/drawingml/2006/main" xmlns:r="http://schemas.openxmlformats.org/officeDocument/2006/relationships" xmlns:p="http://schemas.openxmlformats.org/presentationml/2006/main">
+  <p:cSld>
+    <p:spTree>
+      <p:nvGrpSpPr>
+        <p:cNvPr id="1" name=""/>
+        <p:cNvGrpSpPr/>
+        <p:nvPr/>
+      </p:nvGrpSpPr>
+      <p:grpSpPr>
+        <a:xfrm>
+          <a:off x="0" y="0"/>
+          <a:ext cx="0" cy="0"/>
+          <a:chOff x="0" y="0"/>
+          <a:chExt cx="0" cy="0"/>
+        </a:xfrm>
+      </p:grpSpPr>
+      <p:sp>
+        <p:nvSpPr>
+          <p:cNvPr id="2" name="Título 1">
+            <a:extLst>
+              <a:ext uri="{FF2B5EF4-FFF2-40B4-BE49-F238E27FC236}">
+                <a16:creationId xmlns:a16="http://schemas.microsoft.com/office/drawing/2014/main" id="{46EEE6C0-874C-DBBC-0A05-CFC3B25748E2}"/>
+              </a:ext>
+            </a:extLst>
+          </p:cNvPr>
+          <p:cNvSpPr>
+            <a:spLocks noGrp="1"/>
+          </p:cNvSpPr>
+          <p:nvPr>
+            <p:ph type="title"/>
+          </p:nvPr>
+        </p:nvSpPr>
+        <p:spPr/>
+        <p:txBody>
+          <a:bodyPr/>
+          <a:lstStyle/>
+          <a:p>
+            <a:r>
+              <a:rPr lang="pt-BR" dirty="0" err="1"/>
+              <a:t>Pseudo-código</a:t>
+            </a:r>
+            <a:endParaRPr lang="pt-BR" dirty="0"/>
+          </a:p>
+        </p:txBody>
+      </p:sp>
+      <p:pic>
+        <p:nvPicPr>
+          <p:cNvPr id="8" name="Espaço Reservado para Conteúdo 7">
+            <a:extLst>
+              <a:ext uri="{FF2B5EF4-FFF2-40B4-BE49-F238E27FC236}">
+                <a16:creationId xmlns:a16="http://schemas.microsoft.com/office/drawing/2014/main" id="{B84365D3-41D7-B117-0C3A-76323D9CE944}"/>
+              </a:ext>
+            </a:extLst>
+          </p:cNvPr>
+          <p:cNvPicPr>
+            <a:picLocks noGrp="1" noChangeAspect="1"/>
+          </p:cNvPicPr>
+          <p:nvPr>
+            <p:ph idx="1"/>
+          </p:nvPr>
+        </p:nvPicPr>
+        <p:blipFill>
+          <a:blip r:embed="rId2"/>
+          <a:stretch>
+            <a:fillRect/>
+          </a:stretch>
+        </p:blipFill>
+        <p:spPr>
+          <a:xfrm>
+            <a:off x="3947746" y="2292350"/>
+            <a:ext cx="4196495" cy="3636963"/>
+          </a:xfrm>
+        </p:spPr>
+      </p:pic>
+      <p:sp>
+        <p:nvSpPr>
+          <p:cNvPr id="4" name="Espaço Reservado para Data 3">
+            <a:extLst>
+              <a:ext uri="{FF2B5EF4-FFF2-40B4-BE49-F238E27FC236}">
+                <a16:creationId xmlns:a16="http://schemas.microsoft.com/office/drawing/2014/main" id="{75E0A7D2-592B-B21F-DD00-4184C5F3851B}"/>
+              </a:ext>
+            </a:extLst>
+          </p:cNvPr>
+          <p:cNvSpPr>
+            <a:spLocks noGrp="1"/>
+          </p:cNvSpPr>
+          <p:nvPr>
+            <p:ph type="dt" sz="half" idx="10"/>
+          </p:nvPr>
+        </p:nvSpPr>
+        <p:spPr/>
+        <p:txBody>
+          <a:bodyPr/>
+          <a:lstStyle/>
+          <a:p>
+            <a:fld id="{82CA5CC8-1E59-48C3-98CF-F5181DA67B1C}" type="datetime1">
+              <a:rPr lang="en-US" smtClean="0"/>
+              <a:t>6/18/2024</a:t>
+            </a:fld>
+            <a:endParaRPr lang="en-US"/>
+          </a:p>
+        </p:txBody>
+      </p:sp>
+      <p:sp>
+        <p:nvSpPr>
+          <p:cNvPr id="5" name="Espaço Reservado para Rodapé 4">
+            <a:extLst>
+              <a:ext uri="{FF2B5EF4-FFF2-40B4-BE49-F238E27FC236}">
+                <a16:creationId xmlns:a16="http://schemas.microsoft.com/office/drawing/2014/main" id="{4B6A0E27-B584-EF81-D999-64872AC03198}"/>
+              </a:ext>
+            </a:extLst>
+          </p:cNvPr>
+          <p:cNvSpPr>
+            <a:spLocks noGrp="1"/>
+          </p:cNvSpPr>
+          <p:nvPr>
+            <p:ph type="ftr" sz="quarter" idx="11"/>
+          </p:nvPr>
+        </p:nvSpPr>
+        <p:spPr/>
+        <p:txBody>
+          <a:bodyPr/>
+          <a:lstStyle/>
+          <a:p>
+            <a:r>
+              <a:rPr lang="en-US"/>
+              <a:t>
+              </a:t>
+            </a:r>
+          </a:p>
+        </p:txBody>
+      </p:sp>
+      <p:sp>
+        <p:nvSpPr>
+          <p:cNvPr id="6" name="Espaço Reservado para Número de Slide 5">
+            <a:extLst>
+              <a:ext uri="{FF2B5EF4-FFF2-40B4-BE49-F238E27FC236}">
+                <a16:creationId xmlns:a16="http://schemas.microsoft.com/office/drawing/2014/main" id="{416A80E7-3670-8B1F-1F48-F405A56D4AA5}"/>
+              </a:ext>
+            </a:extLst>
+          </p:cNvPr>
+          <p:cNvSpPr>
+            <a:spLocks noGrp="1"/>
+          </p:cNvSpPr>
+          <p:nvPr>
+            <p:ph type="sldNum" sz="quarter" idx="12"/>
+          </p:nvPr>
+        </p:nvSpPr>
+        <p:spPr/>
+        <p:txBody>
+          <a:bodyPr/>
+          <a:lstStyle/>
+          <a:p>
+            <a:fld id="{E30AF5A0-43BB-4336-8627-9123B9144D80}" type="slidenum">
+              <a:rPr lang="en-US" smtClean="0"/>
+              <a:t>11</a:t>
+            </a:fld>
+            <a:endParaRPr lang="en-US"/>
+          </a:p>
+        </p:txBody>
+      </p:sp>
+    </p:spTree>
+    <p:extLst>
+      <p:ext uri="{BB962C8B-B14F-4D97-AF65-F5344CB8AC3E}">
+        <p14:creationId xmlns:p14="http://schemas.microsoft.com/office/powerpoint/2010/main" val="642999662"/>
+      </p:ext>
+    </p:extLst>
+  </p:cSld>
+  <p:clrMapOvr>
+    <a:masterClrMapping/>
+  </p:clrMapOvr>
+</p:sld>
+</file>
+
+<file path=ppt/slides/slide12.xml><?xml version="1.0" encoding="utf-8"?>
+<p:sld xmlns:a="http://schemas.openxmlformats.org/drawingml/2006/main" xmlns:r="http://schemas.openxmlformats.org/officeDocument/2006/relationships" xmlns:p="http://schemas.openxmlformats.org/presentationml/2006/main">
+  <p:cSld>
+    <p:spTree>
+      <p:nvGrpSpPr>
+        <p:cNvPr id="1" name=""/>
+        <p:cNvGrpSpPr/>
+        <p:nvPr/>
+      </p:nvGrpSpPr>
+      <p:grpSpPr>
+        <a:xfrm>
+          <a:off x="0" y="0"/>
+          <a:ext cx="0" cy="0"/>
+          <a:chOff x="0" y="0"/>
+          <a:chExt cx="0" cy="0"/>
+        </a:xfrm>
+      </p:grpSpPr>
+      <p:sp>
+        <p:nvSpPr>
+          <p:cNvPr id="2" name="Título 1">
+            <a:extLst>
+              <a:ext uri="{FF2B5EF4-FFF2-40B4-BE49-F238E27FC236}">
+                <a16:creationId xmlns:a16="http://schemas.microsoft.com/office/drawing/2014/main" id="{5B2A0EA0-A363-FEA4-4CD4-4A76C4624E68}"/>
+              </a:ext>
+            </a:extLst>
+          </p:cNvPr>
+          <p:cNvSpPr>
+            <a:spLocks noGrp="1"/>
+          </p:cNvSpPr>
+          <p:nvPr>
+            <p:ph type="title"/>
+          </p:nvPr>
+        </p:nvSpPr>
+        <p:spPr/>
+        <p:txBody>
+          <a:bodyPr/>
+          <a:lstStyle/>
+          <a:p>
+            <a:r>
+              <a:rPr lang="pt-BR" dirty="0" err="1"/>
+              <a:t>Pseudo-código</a:t>
+            </a:r>
+            <a:endParaRPr lang="pt-BR" dirty="0"/>
+          </a:p>
+        </p:txBody>
+      </p:sp>
+      <p:pic>
+        <p:nvPicPr>
+          <p:cNvPr id="8" name="Espaço Reservado para Conteúdo 7">
+            <a:extLst>
+              <a:ext uri="{FF2B5EF4-FFF2-40B4-BE49-F238E27FC236}">
+                <a16:creationId xmlns:a16="http://schemas.microsoft.com/office/drawing/2014/main" id="{7CD76E04-D522-973B-6EE1-A40171303F89}"/>
+              </a:ext>
+            </a:extLst>
+          </p:cNvPr>
+          <p:cNvPicPr>
+            <a:picLocks noGrp="1" noChangeAspect="1"/>
+          </p:cNvPicPr>
+          <p:nvPr>
+            <p:ph idx="1"/>
+          </p:nvPr>
+        </p:nvPicPr>
+        <p:blipFill>
+          <a:blip r:embed="rId2"/>
+          <a:stretch>
+            <a:fillRect/>
+          </a:stretch>
+        </p:blipFill>
+        <p:spPr>
+          <a:xfrm>
+            <a:off x="4116096" y="2292350"/>
+            <a:ext cx="3859796" cy="3636963"/>
+          </a:xfrm>
+        </p:spPr>
+      </p:pic>
+      <p:sp>
+        <p:nvSpPr>
+          <p:cNvPr id="4" name="Espaço Reservado para Data 3">
+            <a:extLst>
+              <a:ext uri="{FF2B5EF4-FFF2-40B4-BE49-F238E27FC236}">
+                <a16:creationId xmlns:a16="http://schemas.microsoft.com/office/drawing/2014/main" id="{F1169171-50F6-26B7-CA51-7B4A8C668F9C}"/>
+              </a:ext>
+            </a:extLst>
+          </p:cNvPr>
+          <p:cNvSpPr>
+            <a:spLocks noGrp="1"/>
+          </p:cNvSpPr>
+          <p:nvPr>
+            <p:ph type="dt" sz="half" idx="10"/>
+          </p:nvPr>
+        </p:nvSpPr>
+        <p:spPr/>
+        <p:txBody>
+          <a:bodyPr/>
+          <a:lstStyle/>
+          <a:p>
+            <a:fld id="{3FED1A3B-AF4E-49AD-AF70-B4B048A9E2A4}" type="datetime1">
+              <a:rPr lang="en-US" smtClean="0"/>
+              <a:t>6/18/2024</a:t>
+            </a:fld>
+            <a:endParaRPr lang="en-US"/>
+          </a:p>
+        </p:txBody>
+      </p:sp>
+      <p:sp>
+        <p:nvSpPr>
+          <p:cNvPr id="5" name="Espaço Reservado para Rodapé 4">
+            <a:extLst>
+              <a:ext uri="{FF2B5EF4-FFF2-40B4-BE49-F238E27FC236}">
+                <a16:creationId xmlns:a16="http://schemas.microsoft.com/office/drawing/2014/main" id="{1D8C1A4C-1C25-FF6D-B647-44B070F2B3B9}"/>
+              </a:ext>
+            </a:extLst>
+          </p:cNvPr>
+          <p:cNvSpPr>
+            <a:spLocks noGrp="1"/>
+          </p:cNvSpPr>
+          <p:nvPr>
+            <p:ph type="ftr" sz="quarter" idx="11"/>
+          </p:nvPr>
+        </p:nvSpPr>
+        <p:spPr/>
+        <p:txBody>
+          <a:bodyPr/>
+          <a:lstStyle/>
+          <a:p>
+            <a:r>
+              <a:rPr lang="en-US"/>
+              <a:t>
+              </a:t>
+            </a:r>
+          </a:p>
+        </p:txBody>
+      </p:sp>
+      <p:sp>
+        <p:nvSpPr>
+          <p:cNvPr id="6" name="Espaço Reservado para Número de Slide 5">
+            <a:extLst>
+              <a:ext uri="{FF2B5EF4-FFF2-40B4-BE49-F238E27FC236}">
+                <a16:creationId xmlns:a16="http://schemas.microsoft.com/office/drawing/2014/main" id="{9702997B-5C0B-F2E4-BB6F-65DB8CF1421D}"/>
+              </a:ext>
+            </a:extLst>
+          </p:cNvPr>
+          <p:cNvSpPr>
+            <a:spLocks noGrp="1"/>
+          </p:cNvSpPr>
+          <p:nvPr>
+            <p:ph type="sldNum" sz="quarter" idx="12"/>
+          </p:nvPr>
+        </p:nvSpPr>
+        <p:spPr/>
+        <p:txBody>
+          <a:bodyPr/>
+          <a:lstStyle/>
+          <a:p>
+            <a:fld id="{E30AF5A0-43BB-4336-8627-9123B9144D80}" type="slidenum">
+              <a:rPr lang="en-US" smtClean="0"/>
+              <a:t>12</a:t>
+            </a:fld>
+            <a:endParaRPr lang="en-US"/>
+          </a:p>
+        </p:txBody>
+      </p:sp>
+    </p:spTree>
+    <p:extLst>
+      <p:ext uri="{BB962C8B-B14F-4D97-AF65-F5344CB8AC3E}">
+        <p14:creationId xmlns:p14="http://schemas.microsoft.com/office/powerpoint/2010/main" val="2061843158"/>
+      </p:ext>
+    </p:extLst>
+  </p:cSld>
+  <p:clrMapOvr>
+    <a:masterClrMapping/>
+  </p:clrMapOvr>
+</p:sld>
+</file>
+
+<file path=ppt/slides/slide13.xml><?xml version="1.0" encoding="utf-8"?>
+<p:sld xmlns:a="http://schemas.openxmlformats.org/drawingml/2006/main" xmlns:r="http://schemas.openxmlformats.org/officeDocument/2006/relationships" xmlns:p="http://schemas.openxmlformats.org/presentationml/2006/main">
+  <p:cSld>
+    <p:spTree>
+      <p:nvGrpSpPr>
+        <p:cNvPr id="1" name=""/>
+        <p:cNvGrpSpPr/>
+        <p:nvPr/>
+      </p:nvGrpSpPr>
+      <p:grpSpPr>
+        <a:xfrm>
+          <a:off x="0" y="0"/>
+          <a:ext cx="0" cy="0"/>
+          <a:chOff x="0" y="0"/>
+          <a:chExt cx="0" cy="0"/>
+        </a:xfrm>
+      </p:grpSpPr>
+      <p:sp>
+        <p:nvSpPr>
+          <p:cNvPr id="2" name="Título 1">
+            <a:extLst>
+              <a:ext uri="{FF2B5EF4-FFF2-40B4-BE49-F238E27FC236}">
+                <a16:creationId xmlns:a16="http://schemas.microsoft.com/office/drawing/2014/main" id="{B181ADD0-7F40-AA4C-FCFF-A8DFD2B35DA6}"/>
+              </a:ext>
+            </a:extLst>
+          </p:cNvPr>
+          <p:cNvSpPr>
+            <a:spLocks noGrp="1"/>
+          </p:cNvSpPr>
+          <p:nvPr>
+            <p:ph type="title"/>
+          </p:nvPr>
+        </p:nvSpPr>
+        <p:spPr/>
+        <p:txBody>
+          <a:bodyPr/>
+          <a:lstStyle/>
+          <a:p>
+            <a:r>
+              <a:rPr lang="pt-BR" dirty="0" err="1"/>
+              <a:t>Pseudo-código</a:t>
+            </a:r>
+            <a:endParaRPr lang="pt-BR" dirty="0"/>
+          </a:p>
+        </p:txBody>
+      </p:sp>
+      <p:pic>
+        <p:nvPicPr>
+          <p:cNvPr id="8" name="Espaço Reservado para Conteúdo 7">
+            <a:extLst>
+              <a:ext uri="{FF2B5EF4-FFF2-40B4-BE49-F238E27FC236}">
+                <a16:creationId xmlns:a16="http://schemas.microsoft.com/office/drawing/2014/main" id="{7608FD13-E51A-6B6E-957F-4F3A152E63BE}"/>
+              </a:ext>
+            </a:extLst>
+          </p:cNvPr>
+          <p:cNvPicPr>
+            <a:picLocks noGrp="1" noChangeAspect="1"/>
+          </p:cNvPicPr>
+          <p:nvPr>
+            <p:ph idx="1"/>
+          </p:nvPr>
+        </p:nvPicPr>
+        <p:blipFill>
+          <a:blip r:embed="rId2"/>
+          <a:stretch>
+            <a:fillRect/>
+          </a:stretch>
+        </p:blipFill>
+        <p:spPr>
+          <a:xfrm>
+            <a:off x="2565518" y="2292350"/>
+            <a:ext cx="6960952" cy="3636963"/>
+          </a:xfrm>
+        </p:spPr>
+      </p:pic>
+      <p:sp>
+        <p:nvSpPr>
+          <p:cNvPr id="4" name="Espaço Reservado para Data 3">
+            <a:extLst>
+              <a:ext uri="{FF2B5EF4-FFF2-40B4-BE49-F238E27FC236}">
+                <a16:creationId xmlns:a16="http://schemas.microsoft.com/office/drawing/2014/main" id="{9DD137EA-0D02-C6A4-510C-4ED81261E4E3}"/>
+              </a:ext>
+            </a:extLst>
+          </p:cNvPr>
+          <p:cNvSpPr>
+            <a:spLocks noGrp="1"/>
+          </p:cNvSpPr>
+          <p:nvPr>
+            <p:ph type="dt" sz="half" idx="10"/>
+          </p:nvPr>
+        </p:nvSpPr>
+        <p:spPr/>
+        <p:txBody>
+          <a:bodyPr/>
+          <a:lstStyle/>
+          <a:p>
+            <a:fld id="{19EBF08E-4C68-4F76-ACBE-10C8B68D8815}" type="datetime1">
+              <a:rPr lang="en-US" smtClean="0"/>
+              <a:t>6/18/2024</a:t>
+            </a:fld>
+            <a:endParaRPr lang="en-US"/>
+          </a:p>
+        </p:txBody>
+      </p:sp>
+      <p:sp>
+        <p:nvSpPr>
+          <p:cNvPr id="5" name="Espaço Reservado para Rodapé 4">
+            <a:extLst>
+              <a:ext uri="{FF2B5EF4-FFF2-40B4-BE49-F238E27FC236}">
+                <a16:creationId xmlns:a16="http://schemas.microsoft.com/office/drawing/2014/main" id="{565395CF-B44C-D1F4-0BF1-DBEFBDBE9B2A}"/>
+              </a:ext>
+            </a:extLst>
+          </p:cNvPr>
+          <p:cNvSpPr>
+            <a:spLocks noGrp="1"/>
+          </p:cNvSpPr>
+          <p:nvPr>
+            <p:ph type="ftr" sz="quarter" idx="11"/>
+          </p:nvPr>
+        </p:nvSpPr>
+        <p:spPr/>
+        <p:txBody>
+          <a:bodyPr/>
+          <a:lstStyle/>
+          <a:p>
+            <a:r>
+              <a:rPr lang="en-US"/>
+              <a:t>
+              </a:t>
+            </a:r>
+          </a:p>
+        </p:txBody>
+      </p:sp>
+      <p:sp>
+        <p:nvSpPr>
+          <p:cNvPr id="6" name="Espaço Reservado para Número de Slide 5">
+            <a:extLst>
+              <a:ext uri="{FF2B5EF4-FFF2-40B4-BE49-F238E27FC236}">
+                <a16:creationId xmlns:a16="http://schemas.microsoft.com/office/drawing/2014/main" id="{1D782E9B-1AE2-7D16-BAB6-4AD2D1C100A6}"/>
+              </a:ext>
+            </a:extLst>
+          </p:cNvPr>
+          <p:cNvSpPr>
+            <a:spLocks noGrp="1"/>
+          </p:cNvSpPr>
+          <p:nvPr>
+            <p:ph type="sldNum" sz="quarter" idx="12"/>
+          </p:nvPr>
+        </p:nvSpPr>
+        <p:spPr/>
+        <p:txBody>
+          <a:bodyPr/>
+          <a:lstStyle/>
+          <a:p>
+            <a:fld id="{E30AF5A0-43BB-4336-8627-9123B9144D80}" type="slidenum">
+              <a:rPr lang="en-US" smtClean="0"/>
+              <a:t>13</a:t>
+            </a:fld>
+            <a:endParaRPr lang="en-US"/>
+          </a:p>
+        </p:txBody>
+      </p:sp>
+    </p:spTree>
+    <p:extLst>
+      <p:ext uri="{BB962C8B-B14F-4D97-AF65-F5344CB8AC3E}">
+        <p14:creationId xmlns:p14="http://schemas.microsoft.com/office/powerpoint/2010/main" val="3452563875"/>
+      </p:ext>
+    </p:extLst>
+  </p:cSld>
+  <p:clrMapOvr>
+    <a:masterClrMapping/>
+  </p:clrMapOvr>
+</p:sld>
+</file>
+
+<file path=ppt/slides/slide14.xml><?xml version="1.0" encoding="utf-8"?>
+<p:sld xmlns:a="http://schemas.openxmlformats.org/drawingml/2006/main" xmlns:r="http://schemas.openxmlformats.org/officeDocument/2006/relationships" xmlns:p="http://schemas.openxmlformats.org/presentationml/2006/main">
+  <p:cSld>
+    <p:spTree>
+      <p:nvGrpSpPr>
+        <p:cNvPr id="1" name=""/>
+        <p:cNvGrpSpPr/>
+        <p:nvPr/>
+      </p:nvGrpSpPr>
+      <p:grpSpPr>
+        <a:xfrm>
+          <a:off x="0" y="0"/>
+          <a:ext cx="0" cy="0"/>
+          <a:chOff x="0" y="0"/>
+          <a:chExt cx="0" cy="0"/>
+        </a:xfrm>
+      </p:grpSpPr>
+      <p:sp>
+        <p:nvSpPr>
+          <p:cNvPr id="2" name="Título 1">
+            <a:extLst>
+              <a:ext uri="{FF2B5EF4-FFF2-40B4-BE49-F238E27FC236}">
+                <a16:creationId xmlns:a16="http://schemas.microsoft.com/office/drawing/2014/main" id="{2C7603AB-3635-A747-D72A-F657752D300B}"/>
+              </a:ext>
+            </a:extLst>
+          </p:cNvPr>
+          <p:cNvSpPr>
+            <a:spLocks noGrp="1"/>
+          </p:cNvSpPr>
+          <p:nvPr>
+            <p:ph type="title"/>
+          </p:nvPr>
+        </p:nvSpPr>
+        <p:spPr/>
+        <p:txBody>
+          <a:bodyPr/>
+          <a:lstStyle/>
+          <a:p>
+            <a:r>
+              <a:rPr lang="pt-BR" dirty="0" err="1"/>
+              <a:t>Pseudo-código</a:t>
+            </a:r>
+            <a:endParaRPr lang="pt-BR" dirty="0"/>
+          </a:p>
+        </p:txBody>
+      </p:sp>
+      <p:pic>
+        <p:nvPicPr>
+          <p:cNvPr id="8" name="Espaço Reservado para Conteúdo 7">
+            <a:extLst>
+              <a:ext uri="{FF2B5EF4-FFF2-40B4-BE49-F238E27FC236}">
+                <a16:creationId xmlns:a16="http://schemas.microsoft.com/office/drawing/2014/main" id="{5FD4B0F7-AA97-BE6C-C927-490733EE9CAE}"/>
+              </a:ext>
+            </a:extLst>
+          </p:cNvPr>
+          <p:cNvPicPr>
+            <a:picLocks noGrp="1" noChangeAspect="1"/>
+          </p:cNvPicPr>
+          <p:nvPr>
+            <p:ph idx="1"/>
+          </p:nvPr>
+        </p:nvPicPr>
+        <p:blipFill>
+          <a:blip r:embed="rId2"/>
+          <a:stretch>
+            <a:fillRect/>
+          </a:stretch>
+        </p:blipFill>
+        <p:spPr>
+          <a:xfrm>
+            <a:off x="3747817" y="2292350"/>
+            <a:ext cx="4596353" cy="3636963"/>
+          </a:xfrm>
+        </p:spPr>
+      </p:pic>
+      <p:sp>
+        <p:nvSpPr>
+          <p:cNvPr id="4" name="Espaço Reservado para Data 3">
+            <a:extLst>
+              <a:ext uri="{FF2B5EF4-FFF2-40B4-BE49-F238E27FC236}">
+                <a16:creationId xmlns:a16="http://schemas.microsoft.com/office/drawing/2014/main" id="{A019CC65-0C1B-91FD-987F-A5A74ABD9BFF}"/>
+              </a:ext>
+            </a:extLst>
+          </p:cNvPr>
+          <p:cNvSpPr>
+            <a:spLocks noGrp="1"/>
+          </p:cNvSpPr>
+          <p:nvPr>
+            <p:ph type="dt" sz="half" idx="10"/>
+          </p:nvPr>
+        </p:nvSpPr>
+        <p:spPr/>
+        <p:txBody>
+          <a:bodyPr/>
+          <a:lstStyle/>
+          <a:p>
+            <a:fld id="{37D58122-C5F7-47CD-801C-14F6A9A18FF8}" type="datetime1">
+              <a:rPr lang="en-US" smtClean="0"/>
+              <a:t>6/18/2024</a:t>
+            </a:fld>
+            <a:endParaRPr lang="en-US"/>
+          </a:p>
+        </p:txBody>
+      </p:sp>
+      <p:sp>
+        <p:nvSpPr>
+          <p:cNvPr id="5" name="Espaço Reservado para Rodapé 4">
+            <a:extLst>
+              <a:ext uri="{FF2B5EF4-FFF2-40B4-BE49-F238E27FC236}">
+                <a16:creationId xmlns:a16="http://schemas.microsoft.com/office/drawing/2014/main" id="{9F1DFAA1-6AD9-55CE-3FD8-DC93BDFAAC45}"/>
+              </a:ext>
+            </a:extLst>
+          </p:cNvPr>
+          <p:cNvSpPr>
+            <a:spLocks noGrp="1"/>
+          </p:cNvSpPr>
+          <p:nvPr>
+            <p:ph type="ftr" sz="quarter" idx="11"/>
+          </p:nvPr>
+        </p:nvSpPr>
+        <p:spPr/>
+        <p:txBody>
+          <a:bodyPr/>
+          <a:lstStyle/>
+          <a:p>
+            <a:r>
+              <a:rPr lang="en-US"/>
+              <a:t>
+              </a:t>
+            </a:r>
+          </a:p>
+        </p:txBody>
+      </p:sp>
+      <p:sp>
+        <p:nvSpPr>
+          <p:cNvPr id="6" name="Espaço Reservado para Número de Slide 5">
+            <a:extLst>
+              <a:ext uri="{FF2B5EF4-FFF2-40B4-BE49-F238E27FC236}">
+                <a16:creationId xmlns:a16="http://schemas.microsoft.com/office/drawing/2014/main" id="{9A9DD6B4-4469-2912-9ECC-C294C6A7F214}"/>
+              </a:ext>
+            </a:extLst>
+          </p:cNvPr>
+          <p:cNvSpPr>
+            <a:spLocks noGrp="1"/>
+          </p:cNvSpPr>
+          <p:nvPr>
+            <p:ph type="sldNum" sz="quarter" idx="12"/>
+          </p:nvPr>
+        </p:nvSpPr>
+        <p:spPr/>
+        <p:txBody>
+          <a:bodyPr/>
+          <a:lstStyle/>
+          <a:p>
+            <a:fld id="{E30AF5A0-43BB-4336-8627-9123B9144D80}" type="slidenum">
+              <a:rPr lang="en-US" smtClean="0"/>
+              <a:t>14</a:t>
+            </a:fld>
+            <a:endParaRPr lang="en-US"/>
+          </a:p>
+        </p:txBody>
+      </p:sp>
+    </p:spTree>
+    <p:extLst>
+      <p:ext uri="{BB962C8B-B14F-4D97-AF65-F5344CB8AC3E}">
+        <p14:creationId xmlns:p14="http://schemas.microsoft.com/office/powerpoint/2010/main" val="2707155307"/>
+      </p:ext>
+    </p:extLst>
+  </p:cSld>
+  <p:clrMapOvr>
+    <a:masterClrMapping/>
+  </p:clrMapOvr>
+</p:sld>
+</file>
+
+<file path=ppt/slides/slide15.xml><?xml version="1.0" encoding="utf-8"?>
+<p:sld xmlns:a="http://schemas.openxmlformats.org/drawingml/2006/main" xmlns:r="http://schemas.openxmlformats.org/officeDocument/2006/relationships" xmlns:p="http://schemas.openxmlformats.org/presentationml/2006/main">
+  <p:cSld>
+    <p:spTree>
+      <p:nvGrpSpPr>
+        <p:cNvPr id="1" name=""/>
+        <p:cNvGrpSpPr/>
+        <p:nvPr/>
+      </p:nvGrpSpPr>
+      <p:grpSpPr>
+        <a:xfrm>
+          <a:off x="0" y="0"/>
+          <a:ext cx="0" cy="0"/>
+          <a:chOff x="0" y="0"/>
+          <a:chExt cx="0" cy="0"/>
+        </a:xfrm>
+      </p:grpSpPr>
+      <p:sp>
+        <p:nvSpPr>
+          <p:cNvPr id="2" name="Título 1">
+            <a:extLst>
+              <a:ext uri="{FF2B5EF4-FFF2-40B4-BE49-F238E27FC236}">
+                <a16:creationId xmlns:a16="http://schemas.microsoft.com/office/drawing/2014/main" id="{CCEC0EA6-22C1-0FD7-A031-82C300A98F3E}"/>
+              </a:ext>
+            </a:extLst>
+          </p:cNvPr>
+          <p:cNvSpPr>
+            <a:spLocks noGrp="1"/>
+          </p:cNvSpPr>
+          <p:nvPr>
+            <p:ph type="title"/>
+          </p:nvPr>
+        </p:nvSpPr>
+        <p:spPr/>
+        <p:txBody>
+          <a:bodyPr/>
+          <a:lstStyle/>
+          <a:p>
+            <a:r>
+              <a:rPr lang="pt-BR" dirty="0" err="1"/>
+              <a:t>Pseudo-código</a:t>
+            </a:r>
+            <a:endParaRPr lang="pt-BR" dirty="0"/>
+          </a:p>
+        </p:txBody>
+      </p:sp>
+      <p:pic>
+        <p:nvPicPr>
+          <p:cNvPr id="8" name="Espaço Reservado para Conteúdo 7">
+            <a:extLst>
+              <a:ext uri="{FF2B5EF4-FFF2-40B4-BE49-F238E27FC236}">
+                <a16:creationId xmlns:a16="http://schemas.microsoft.com/office/drawing/2014/main" id="{95302D35-68A3-E70F-CF1B-F491A00FD9B6}"/>
+              </a:ext>
+            </a:extLst>
+          </p:cNvPr>
+          <p:cNvPicPr>
+            <a:picLocks noGrp="1" noChangeAspect="1"/>
+          </p:cNvPicPr>
+          <p:nvPr>
+            <p:ph idx="1"/>
+          </p:nvPr>
+        </p:nvPicPr>
+        <p:blipFill>
+          <a:blip r:embed="rId2"/>
+          <a:stretch>
+            <a:fillRect/>
+          </a:stretch>
+        </p:blipFill>
+        <p:spPr>
+          <a:xfrm>
+            <a:off x="3902293" y="2292350"/>
+            <a:ext cx="4287402" cy="3636963"/>
+          </a:xfrm>
+        </p:spPr>
+      </p:pic>
+      <p:sp>
+        <p:nvSpPr>
+          <p:cNvPr id="4" name="Espaço Reservado para Data 3">
+            <a:extLst>
+              <a:ext uri="{FF2B5EF4-FFF2-40B4-BE49-F238E27FC236}">
+                <a16:creationId xmlns:a16="http://schemas.microsoft.com/office/drawing/2014/main" id="{EFACD563-97C2-E351-DF86-2DFDCBD9E827}"/>
+              </a:ext>
+            </a:extLst>
+          </p:cNvPr>
+          <p:cNvSpPr>
+            <a:spLocks noGrp="1"/>
+          </p:cNvSpPr>
+          <p:nvPr>
+            <p:ph type="dt" sz="half" idx="10"/>
+          </p:nvPr>
+        </p:nvSpPr>
+        <p:spPr/>
+        <p:txBody>
+          <a:bodyPr/>
+          <a:lstStyle/>
+          <a:p>
+            <a:fld id="{80EB892E-AFAE-4AE9-8A01-B3069C9289F0}" type="datetime1">
+              <a:rPr lang="en-US" smtClean="0"/>
+              <a:t>6/18/2024</a:t>
+            </a:fld>
+            <a:endParaRPr lang="en-US"/>
+          </a:p>
+        </p:txBody>
+      </p:sp>
+      <p:sp>
+        <p:nvSpPr>
+          <p:cNvPr id="5" name="Espaço Reservado para Rodapé 4">
+            <a:extLst>
+              <a:ext uri="{FF2B5EF4-FFF2-40B4-BE49-F238E27FC236}">
+                <a16:creationId xmlns:a16="http://schemas.microsoft.com/office/drawing/2014/main" id="{DF48E822-B6F0-9680-B855-2963C6755F7C}"/>
+              </a:ext>
+            </a:extLst>
+          </p:cNvPr>
+          <p:cNvSpPr>
+            <a:spLocks noGrp="1"/>
+          </p:cNvSpPr>
+          <p:nvPr>
+            <p:ph type="ftr" sz="quarter" idx="11"/>
+          </p:nvPr>
+        </p:nvSpPr>
+        <p:spPr/>
+        <p:txBody>
+          <a:bodyPr/>
+          <a:lstStyle/>
+          <a:p>
+            <a:r>
+              <a:rPr lang="en-US"/>
+              <a:t>
+              </a:t>
+            </a:r>
+          </a:p>
+        </p:txBody>
+      </p:sp>
+      <p:sp>
+        <p:nvSpPr>
+          <p:cNvPr id="6" name="Espaço Reservado para Número de Slide 5">
+            <a:extLst>
+              <a:ext uri="{FF2B5EF4-FFF2-40B4-BE49-F238E27FC236}">
+                <a16:creationId xmlns:a16="http://schemas.microsoft.com/office/drawing/2014/main" id="{69E2FB12-A29C-67E3-E0D4-F1DA90D358DE}"/>
+              </a:ext>
+            </a:extLst>
+          </p:cNvPr>
+          <p:cNvSpPr>
+            <a:spLocks noGrp="1"/>
+          </p:cNvSpPr>
+          <p:nvPr>
+            <p:ph type="sldNum" sz="quarter" idx="12"/>
+          </p:nvPr>
+        </p:nvSpPr>
+        <p:spPr/>
+        <p:txBody>
+          <a:bodyPr/>
+          <a:lstStyle/>
+          <a:p>
+            <a:fld id="{E30AF5A0-43BB-4336-8627-9123B9144D80}" type="slidenum">
+              <a:rPr lang="en-US" smtClean="0"/>
+              <a:t>15</a:t>
+            </a:fld>
+            <a:endParaRPr lang="en-US"/>
+          </a:p>
+        </p:txBody>
+      </p:sp>
+    </p:spTree>
+    <p:extLst>
+      <p:ext uri="{BB962C8B-B14F-4D97-AF65-F5344CB8AC3E}">
+        <p14:creationId xmlns:p14="http://schemas.microsoft.com/office/powerpoint/2010/main" val="3325068316"/>
+      </p:ext>
+    </p:extLst>
+  </p:cSld>
+  <p:clrMapOvr>
+    <a:masterClrMapping/>
+  </p:clrMapOvr>
+</p:sld>
+</file>
+
+<file path=ppt/slides/slide16.xml><?xml version="1.0" encoding="utf-8"?>
+<p:sld xmlns:a="http://schemas.openxmlformats.org/drawingml/2006/main" xmlns:r="http://schemas.openxmlformats.org/officeDocument/2006/relationships" xmlns:p="http://schemas.openxmlformats.org/presentationml/2006/main">
+  <p:cSld>
+    <p:spTree>
+      <p:nvGrpSpPr>
+        <p:cNvPr id="1" name=""/>
+        <p:cNvGrpSpPr/>
+        <p:nvPr/>
+      </p:nvGrpSpPr>
+      <p:grpSpPr>
+        <a:xfrm>
+          <a:off x="0" y="0"/>
+          <a:ext cx="0" cy="0"/>
+          <a:chOff x="0" y="0"/>
+          <a:chExt cx="0" cy="0"/>
+        </a:xfrm>
+      </p:grpSpPr>
+      <p:sp>
+        <p:nvSpPr>
+          <p:cNvPr id="2" name="Título 1">
+            <a:extLst>
+              <a:ext uri="{FF2B5EF4-FFF2-40B4-BE49-F238E27FC236}">
+                <a16:creationId xmlns:a16="http://schemas.microsoft.com/office/drawing/2014/main" id="{5B56DE07-A52E-7B0C-ABC4-A3E924322AEE}"/>
+              </a:ext>
+            </a:extLst>
+          </p:cNvPr>
+          <p:cNvSpPr>
+            <a:spLocks noGrp="1"/>
+          </p:cNvSpPr>
+          <p:nvPr>
+            <p:ph type="title"/>
+          </p:nvPr>
+        </p:nvSpPr>
+        <p:spPr/>
+        <p:txBody>
+          <a:bodyPr/>
+          <a:lstStyle/>
+          <a:p>
+            <a:r>
+              <a:rPr lang="pt-BR" dirty="0" err="1"/>
+              <a:t>Pseudo-código</a:t>
+            </a:r>
+            <a:endParaRPr lang="pt-BR" dirty="0"/>
+          </a:p>
+        </p:txBody>
+      </p:sp>
+      <p:pic>
+        <p:nvPicPr>
+          <p:cNvPr id="8" name="Espaço Reservado para Conteúdo 7">
+            <a:extLst>
+              <a:ext uri="{FF2B5EF4-FFF2-40B4-BE49-F238E27FC236}">
+                <a16:creationId xmlns:a16="http://schemas.microsoft.com/office/drawing/2014/main" id="{EF91F902-2307-EB37-3E5B-F98EB7BDA921}"/>
+              </a:ext>
+            </a:extLst>
+          </p:cNvPr>
+          <p:cNvPicPr>
+            <a:picLocks noGrp="1" noChangeAspect="1"/>
+          </p:cNvPicPr>
+          <p:nvPr>
+            <p:ph idx="1"/>
+          </p:nvPr>
+        </p:nvPicPr>
+        <p:blipFill>
+          <a:blip r:embed="rId2"/>
+          <a:stretch>
+            <a:fillRect/>
+          </a:stretch>
+        </p:blipFill>
+        <p:spPr>
+          <a:xfrm>
+            <a:off x="2708275" y="2292350"/>
+            <a:ext cx="6675438" cy="3636963"/>
+          </a:xfrm>
+        </p:spPr>
+      </p:pic>
+      <p:sp>
+        <p:nvSpPr>
+          <p:cNvPr id="4" name="Espaço Reservado para Data 3">
+            <a:extLst>
+              <a:ext uri="{FF2B5EF4-FFF2-40B4-BE49-F238E27FC236}">
+                <a16:creationId xmlns:a16="http://schemas.microsoft.com/office/drawing/2014/main" id="{07B473E5-E489-E7C5-224B-D5007380083D}"/>
+              </a:ext>
+            </a:extLst>
+          </p:cNvPr>
+          <p:cNvSpPr>
+            <a:spLocks noGrp="1"/>
+          </p:cNvSpPr>
+          <p:nvPr>
+            <p:ph type="dt" sz="half" idx="10"/>
+          </p:nvPr>
+        </p:nvSpPr>
+        <p:spPr/>
+        <p:txBody>
+          <a:bodyPr/>
+          <a:lstStyle/>
+          <a:p>
+            <a:fld id="{BD8A6101-0C66-48F8-93A8-A36B06FAB579}" type="datetime1">
+              <a:rPr lang="en-US" smtClean="0"/>
+              <a:t>6/18/2024</a:t>
+            </a:fld>
+            <a:endParaRPr lang="en-US"/>
+          </a:p>
+        </p:txBody>
+      </p:sp>
+      <p:sp>
+        <p:nvSpPr>
+          <p:cNvPr id="5" name="Espaço Reservado para Rodapé 4">
+            <a:extLst>
+              <a:ext uri="{FF2B5EF4-FFF2-40B4-BE49-F238E27FC236}">
+                <a16:creationId xmlns:a16="http://schemas.microsoft.com/office/drawing/2014/main" id="{D9484BD9-C503-5AE9-0409-6C3506229377}"/>
+              </a:ext>
+            </a:extLst>
+          </p:cNvPr>
+          <p:cNvSpPr>
+            <a:spLocks noGrp="1"/>
+          </p:cNvSpPr>
+          <p:nvPr>
+            <p:ph type="ftr" sz="quarter" idx="11"/>
+          </p:nvPr>
+        </p:nvSpPr>
+        <p:spPr/>
+        <p:txBody>
+          <a:bodyPr/>
+          <a:lstStyle/>
+          <a:p>
+            <a:r>
+              <a:rPr lang="en-US"/>
+              <a:t>
+              </a:t>
+            </a:r>
+          </a:p>
+        </p:txBody>
+      </p:sp>
+      <p:sp>
+        <p:nvSpPr>
+          <p:cNvPr id="6" name="Espaço Reservado para Número de Slide 5">
+            <a:extLst>
+              <a:ext uri="{FF2B5EF4-FFF2-40B4-BE49-F238E27FC236}">
+                <a16:creationId xmlns:a16="http://schemas.microsoft.com/office/drawing/2014/main" id="{2F6417F0-86CE-3F27-11A1-0C8A286085F5}"/>
+              </a:ext>
+            </a:extLst>
+          </p:cNvPr>
+          <p:cNvSpPr>
+            <a:spLocks noGrp="1"/>
+          </p:cNvSpPr>
+          <p:nvPr>
+            <p:ph type="sldNum" sz="quarter" idx="12"/>
+          </p:nvPr>
+        </p:nvSpPr>
+        <p:spPr/>
+        <p:txBody>
+          <a:bodyPr/>
+          <a:lstStyle/>
+          <a:p>
+            <a:fld id="{E30AF5A0-43BB-4336-8627-9123B9144D80}" type="slidenum">
+              <a:rPr lang="en-US" smtClean="0"/>
+              <a:t>16</a:t>
+            </a:fld>
+            <a:endParaRPr lang="en-US"/>
+          </a:p>
+        </p:txBody>
+      </p:sp>
+    </p:spTree>
+    <p:extLst>
+      <p:ext uri="{BB962C8B-B14F-4D97-AF65-F5344CB8AC3E}">
+        <p14:creationId xmlns:p14="http://schemas.microsoft.com/office/powerpoint/2010/main" val="2287349985"/>
+      </p:ext>
+    </p:extLst>
+  </p:cSld>
+  <p:clrMapOvr>
+    <a:masterClrMapping/>
+  </p:clrMapOvr>
+</p:sld>
+</file>
+
+<file path=ppt/slides/slide17.xml><?xml version="1.0" encoding="utf-8"?>
+<p:sld xmlns:a="http://schemas.openxmlformats.org/drawingml/2006/main" xmlns:r="http://schemas.openxmlformats.org/officeDocument/2006/relationships" xmlns:p="http://schemas.openxmlformats.org/presentationml/2006/main">
+  <p:cSld>
+    <p:spTree>
+      <p:nvGrpSpPr>
+        <p:cNvPr id="1" name=""/>
+        <p:cNvGrpSpPr/>
+        <p:nvPr/>
+      </p:nvGrpSpPr>
+      <p:grpSpPr>
+        <a:xfrm>
+          <a:off x="0" y="0"/>
+          <a:ext cx="0" cy="0"/>
+          <a:chOff x="0" y="0"/>
+          <a:chExt cx="0" cy="0"/>
+        </a:xfrm>
+      </p:grpSpPr>
+      <p:sp>
+        <p:nvSpPr>
+          <p:cNvPr id="2" name="Título 1">
+            <a:extLst>
+              <a:ext uri="{FF2B5EF4-FFF2-40B4-BE49-F238E27FC236}">
+                <a16:creationId xmlns:a16="http://schemas.microsoft.com/office/drawing/2014/main" id="{4E319447-D02E-7C4B-241A-4A96C7ABC44D}"/>
+              </a:ext>
+            </a:extLst>
+          </p:cNvPr>
+          <p:cNvSpPr>
+            <a:spLocks noGrp="1"/>
+          </p:cNvSpPr>
+          <p:nvPr>
+            <p:ph type="title"/>
+          </p:nvPr>
+        </p:nvSpPr>
+        <p:spPr/>
+        <p:txBody>
+          <a:bodyPr/>
+          <a:lstStyle/>
+          <a:p>
+            <a:r>
+              <a:rPr lang="en-US" err="1"/>
+              <a:t>Referências</a:t>
+            </a:r>
+            <a:r>
+              <a:rPr lang="en-US"/>
+              <a:t> </a:t>
+            </a:r>
+            <a:r>
+              <a:rPr lang="en-US" err="1"/>
+              <a:t>bibliográficas</a:t>
+            </a:r>
+            <a:endParaRPr lang="pt-BR"/>
+          </a:p>
+        </p:txBody>
+      </p:sp>
+      <p:sp>
+        <p:nvSpPr>
+          <p:cNvPr id="3" name="Espaço Reservado para Conteúdo 2">
+            <a:extLst>
+              <a:ext uri="{FF2B5EF4-FFF2-40B4-BE49-F238E27FC236}">
+                <a16:creationId xmlns:a16="http://schemas.microsoft.com/office/drawing/2014/main" id="{DF5ABD57-ADCB-25E7-5CDB-095C18654DD9}"/>
+              </a:ext>
+            </a:extLst>
+          </p:cNvPr>
+          <p:cNvSpPr>
+            <a:spLocks noGrp="1"/>
+          </p:cNvSpPr>
+          <p:nvPr>
+            <p:ph idx="1"/>
+          </p:nvPr>
+        </p:nvSpPr>
+        <p:spPr/>
+        <p:txBody>
+          <a:bodyPr vert="horz" lIns="91440" tIns="45720" rIns="91440" bIns="45720" rtlCol="0" anchor="t">
+            <a:normAutofit fontScale="85000" lnSpcReduction="10000"/>
+          </a:bodyPr>
+          <a:lstStyle/>
+          <a:p>
+            <a:r>
+              <a:rPr lang="en-US" b="0" i="0" dirty="0">
+                <a:solidFill>
+                  <a:srgbClr val="37393C"/>
+                </a:solidFill>
+                <a:effectLst/>
+                <a:highlight>
+                  <a:srgbClr val="FFFFFF"/>
+                </a:highlight>
+              </a:rPr>
+              <a:t>COHEN, E. </a:t>
+            </a:r>
+            <a:r>
+              <a:rPr lang="en-US" b="1" i="0" dirty="0">
+                <a:solidFill>
+                  <a:srgbClr val="37393C"/>
+                </a:solidFill>
+                <a:effectLst/>
+                <a:highlight>
+                  <a:srgbClr val="FFFFFF"/>
+                </a:highlight>
+              </a:rPr>
+              <a:t>How to use Critical Path Method for complete beginners (with examples)</a:t>
+            </a:r>
+            <a:r>
+              <a:rPr lang="en-US" b="0" i="0" dirty="0">
+                <a:solidFill>
+                  <a:srgbClr val="37393C"/>
+                </a:solidFill>
+                <a:effectLst/>
+                <a:highlight>
+                  <a:srgbClr val="FFFFFF"/>
+                </a:highlight>
+              </a:rPr>
+              <a:t>. </a:t>
+            </a:r>
+            <a:r>
+              <a:rPr lang="en-US" b="0" i="0" dirty="0" err="1">
+                <a:solidFill>
+                  <a:srgbClr val="37393C"/>
+                </a:solidFill>
+                <a:effectLst/>
+                <a:highlight>
+                  <a:srgbClr val="FFFFFF"/>
+                </a:highlight>
+              </a:rPr>
+              <a:t>Disponível</a:t>
+            </a:r>
+            <a:r>
+              <a:rPr lang="en-US" b="0" i="0" dirty="0">
+                <a:solidFill>
+                  <a:srgbClr val="37393C"/>
+                </a:solidFill>
+                <a:effectLst/>
+                <a:highlight>
+                  <a:srgbClr val="FFFFFF"/>
+                </a:highlight>
+              </a:rPr>
+              <a:t> </a:t>
+            </a:r>
+            <a:r>
+              <a:rPr lang="en-US" b="0" i="0" dirty="0" err="1">
+                <a:solidFill>
+                  <a:srgbClr val="37393C"/>
+                </a:solidFill>
+                <a:effectLst/>
+                <a:highlight>
+                  <a:srgbClr val="FFFFFF"/>
+                </a:highlight>
+              </a:rPr>
+              <a:t>em</a:t>
+            </a:r>
+            <a:r>
+              <a:rPr lang="en-US" b="0" i="0" dirty="0">
+                <a:solidFill>
+                  <a:srgbClr val="37393C"/>
+                </a:solidFill>
+                <a:effectLst/>
+                <a:highlight>
+                  <a:srgbClr val="FFFFFF"/>
+                </a:highlight>
+              </a:rPr>
+              <a:t>: &lt;https://www.workamajig.com/blog/critical-path-method&gt;. </a:t>
+            </a:r>
+            <a:r>
+              <a:rPr lang="en-US" b="0" i="0" dirty="0" err="1">
+                <a:solidFill>
+                  <a:srgbClr val="37393C"/>
+                </a:solidFill>
+                <a:effectLst/>
+                <a:highlight>
+                  <a:srgbClr val="FFFFFF"/>
+                </a:highlight>
+              </a:rPr>
+              <a:t>Acesso</a:t>
+            </a:r>
+            <a:r>
+              <a:rPr lang="en-US" b="0" i="0" dirty="0">
+                <a:solidFill>
+                  <a:srgbClr val="37393C"/>
+                </a:solidFill>
+                <a:effectLst/>
+                <a:highlight>
+                  <a:srgbClr val="FFFFFF"/>
+                </a:highlight>
+              </a:rPr>
+              <a:t> </a:t>
+            </a:r>
+            <a:r>
+              <a:rPr lang="en-US" b="0" i="0" dirty="0" err="1">
+                <a:solidFill>
+                  <a:srgbClr val="37393C"/>
+                </a:solidFill>
+                <a:effectLst/>
+                <a:highlight>
+                  <a:srgbClr val="FFFFFF"/>
+                </a:highlight>
+              </a:rPr>
+              <a:t>em</a:t>
+            </a:r>
+            <a:r>
+              <a:rPr lang="en-US" b="0" i="0" dirty="0">
+                <a:solidFill>
+                  <a:srgbClr val="37393C"/>
+                </a:solidFill>
+                <a:effectLst/>
+                <a:highlight>
+                  <a:srgbClr val="FFFFFF"/>
+                </a:highlight>
+              </a:rPr>
+              <a:t>: 18 jun. 2024.</a:t>
+            </a:r>
+          </a:p>
+          <a:p>
+            <a:r>
+              <a:rPr lang="pt-BR" b="1" dirty="0" err="1">
+                <a:effectLst/>
+              </a:rPr>
+              <a:t>Critical</a:t>
+            </a:r>
+            <a:r>
+              <a:rPr lang="pt-BR" b="1" dirty="0">
+                <a:effectLst/>
+              </a:rPr>
+              <a:t> path </a:t>
+            </a:r>
+            <a:r>
+              <a:rPr lang="pt-BR" b="1" dirty="0" err="1">
+                <a:effectLst/>
+              </a:rPr>
+              <a:t>analysis</a:t>
+            </a:r>
+            <a:r>
+              <a:rPr lang="pt-BR" dirty="0">
+                <a:effectLst/>
+              </a:rPr>
+              <a:t>. Disponível em: &lt;https://www.studysmarter.co.uk/</a:t>
+            </a:r>
+            <a:r>
+              <a:rPr lang="pt-BR" dirty="0" err="1">
+                <a:effectLst/>
+              </a:rPr>
+              <a:t>explanations</a:t>
+            </a:r>
+            <a:r>
+              <a:rPr lang="pt-BR" dirty="0">
+                <a:effectLst/>
+              </a:rPr>
+              <a:t>/</a:t>
+            </a:r>
+            <a:r>
+              <a:rPr lang="pt-BR" dirty="0" err="1">
+                <a:effectLst/>
+              </a:rPr>
+              <a:t>math</a:t>
+            </a:r>
+            <a:r>
+              <a:rPr lang="pt-BR" dirty="0">
+                <a:effectLst/>
+              </a:rPr>
+              <a:t>/</a:t>
+            </a:r>
+            <a:r>
+              <a:rPr lang="pt-BR" dirty="0" err="1">
+                <a:effectLst/>
+              </a:rPr>
+              <a:t>decision-maths</a:t>
+            </a:r>
+            <a:r>
+              <a:rPr lang="pt-BR" dirty="0">
+                <a:effectLst/>
+              </a:rPr>
+              <a:t>/</a:t>
+            </a:r>
+            <a:r>
+              <a:rPr lang="pt-BR" dirty="0" err="1">
+                <a:effectLst/>
+              </a:rPr>
+              <a:t>critical</a:t>
+            </a:r>
+            <a:r>
+              <a:rPr lang="pt-BR" dirty="0">
+                <a:effectLst/>
+              </a:rPr>
+              <a:t>-path-</a:t>
+            </a:r>
+            <a:r>
+              <a:rPr lang="pt-BR" dirty="0" err="1">
+                <a:effectLst/>
+              </a:rPr>
+              <a:t>analysis</a:t>
+            </a:r>
+            <a:r>
+              <a:rPr lang="pt-BR" dirty="0">
+                <a:effectLst/>
+              </a:rPr>
+              <a:t>/&gt;. Acesso em: 18 jun. 2024.</a:t>
+            </a:r>
+          </a:p>
+          <a:p>
+            <a:r>
+              <a:rPr lang="pt-BR" dirty="0">
+                <a:effectLst/>
+              </a:rPr>
+              <a:t>EBY, K. </a:t>
+            </a:r>
+            <a:r>
+              <a:rPr lang="pt-BR" b="1" dirty="0">
+                <a:effectLst/>
+              </a:rPr>
+              <a:t>The </a:t>
+            </a:r>
+            <a:r>
+              <a:rPr lang="pt-BR" b="1" dirty="0" err="1">
+                <a:effectLst/>
+              </a:rPr>
+              <a:t>ultimate</a:t>
+            </a:r>
+            <a:r>
+              <a:rPr lang="pt-BR" b="1" dirty="0">
+                <a:effectLst/>
+              </a:rPr>
+              <a:t> </a:t>
+            </a:r>
+            <a:r>
+              <a:rPr lang="pt-BR" b="1" dirty="0" err="1">
+                <a:effectLst/>
+              </a:rPr>
+              <a:t>guide</a:t>
+            </a:r>
+            <a:r>
+              <a:rPr lang="pt-BR" b="1" dirty="0">
+                <a:effectLst/>
+              </a:rPr>
+              <a:t> </a:t>
+            </a:r>
+            <a:r>
+              <a:rPr lang="pt-BR" b="1" dirty="0" err="1">
+                <a:effectLst/>
+              </a:rPr>
+              <a:t>to</a:t>
+            </a:r>
+            <a:r>
+              <a:rPr lang="pt-BR" b="1" dirty="0">
+                <a:effectLst/>
+              </a:rPr>
+              <a:t> </a:t>
+            </a:r>
+            <a:r>
+              <a:rPr lang="pt-BR" b="1" dirty="0" err="1">
+                <a:effectLst/>
+              </a:rPr>
+              <a:t>the</a:t>
+            </a:r>
+            <a:r>
+              <a:rPr lang="pt-BR" b="1" dirty="0">
+                <a:effectLst/>
+              </a:rPr>
+              <a:t> </a:t>
+            </a:r>
+            <a:r>
+              <a:rPr lang="pt-BR" b="1" dirty="0" err="1">
+                <a:effectLst/>
+              </a:rPr>
+              <a:t>critical</a:t>
+            </a:r>
+            <a:r>
+              <a:rPr lang="pt-BR" b="1" dirty="0">
+                <a:effectLst/>
+              </a:rPr>
+              <a:t> path </a:t>
+            </a:r>
+            <a:r>
+              <a:rPr lang="pt-BR" b="1" dirty="0" err="1">
+                <a:effectLst/>
+              </a:rPr>
+              <a:t>method</a:t>
+            </a:r>
+            <a:r>
+              <a:rPr lang="pt-BR" dirty="0">
+                <a:effectLst/>
+              </a:rPr>
+              <a:t>. </a:t>
+            </a:r>
+            <a:r>
+              <a:rPr lang="pt-BR" b="1" dirty="0" err="1">
+                <a:effectLst/>
+              </a:rPr>
+              <a:t>Smartsheet</a:t>
+            </a:r>
+            <a:r>
+              <a:rPr lang="pt-BR" dirty="0">
+                <a:effectLst/>
+              </a:rPr>
+              <a:t>, 30 abr. 2015. Disponível em: &lt;https://www.smartsheet.com/</a:t>
+            </a:r>
+            <a:r>
+              <a:rPr lang="pt-BR" dirty="0" err="1">
+                <a:effectLst/>
+              </a:rPr>
+              <a:t>critical</a:t>
+            </a:r>
+            <a:r>
+              <a:rPr lang="pt-BR" dirty="0">
+                <a:effectLst/>
+              </a:rPr>
+              <a:t>-path-</a:t>
+            </a:r>
+            <a:r>
+              <a:rPr lang="pt-BR" dirty="0" err="1">
+                <a:effectLst/>
+              </a:rPr>
+              <a:t>method</a:t>
+            </a:r>
+            <a:r>
+              <a:rPr lang="pt-BR" dirty="0">
+                <a:effectLst/>
+              </a:rPr>
+              <a:t>&gt;. Acesso em: 18 jun. 2024</a:t>
+            </a:r>
+          </a:p>
+          <a:p>
+            <a:r>
+              <a:rPr lang="pt-BR" dirty="0">
+                <a:effectLst/>
+              </a:rPr>
+              <a:t>WIKIPEDIA CONTRIBUTORS. </a:t>
+            </a:r>
+            <a:r>
+              <a:rPr lang="pt-BR" b="1" dirty="0" err="1">
+                <a:effectLst/>
+              </a:rPr>
+              <a:t>Critical</a:t>
+            </a:r>
+            <a:r>
+              <a:rPr lang="pt-BR" b="1" dirty="0">
+                <a:effectLst/>
+              </a:rPr>
+              <a:t> path </a:t>
+            </a:r>
+            <a:r>
+              <a:rPr lang="pt-BR" b="1" dirty="0" err="1">
+                <a:effectLst/>
+              </a:rPr>
+              <a:t>method</a:t>
+            </a:r>
+            <a:r>
+              <a:rPr lang="pt-BR" dirty="0">
+                <a:effectLst/>
+              </a:rPr>
+              <a:t>. Disponível em: &lt;https://en.wikipedia.org/w/</a:t>
+            </a:r>
+            <a:r>
+              <a:rPr lang="pt-BR" dirty="0" err="1">
+                <a:effectLst/>
+              </a:rPr>
+              <a:t>index.php?title</a:t>
+            </a:r>
+            <a:r>
+              <a:rPr lang="pt-BR" dirty="0">
+                <a:effectLst/>
+              </a:rPr>
+              <a:t>=</a:t>
+            </a:r>
+            <a:r>
+              <a:rPr lang="pt-BR" dirty="0" err="1">
+                <a:effectLst/>
+              </a:rPr>
+              <a:t>Critical_path_method&amp;oldid</a:t>
+            </a:r>
+            <a:r>
+              <a:rPr lang="pt-BR" dirty="0">
+                <a:effectLst/>
+              </a:rPr>
+              <a:t>=1222967231&gt;.</a:t>
+            </a:r>
+          </a:p>
+          <a:p>
+            <a:r>
+              <a:rPr lang="pt-BR" dirty="0">
+                <a:effectLst/>
+              </a:rPr>
+              <a:t>Disponível em: &lt;https://www.pmi.org/learning/</a:t>
+            </a:r>
+            <a:r>
+              <a:rPr lang="pt-BR" dirty="0" err="1">
+                <a:effectLst/>
+              </a:rPr>
+              <a:t>library</a:t>
+            </a:r>
+            <a:r>
+              <a:rPr lang="pt-BR" dirty="0">
+                <a:effectLst/>
+              </a:rPr>
+              <a:t>/schedule-risk-analysis-simplified-10573&gt;. Acesso em: 18 jun. 2024.</a:t>
+            </a:r>
+          </a:p>
+        </p:txBody>
+      </p:sp>
+      <p:sp>
+        <p:nvSpPr>
+          <p:cNvPr id="4" name="Espaço Reservado para Data 3">
+            <a:extLst>
+              <a:ext uri="{FF2B5EF4-FFF2-40B4-BE49-F238E27FC236}">
+                <a16:creationId xmlns:a16="http://schemas.microsoft.com/office/drawing/2014/main" id="{E575A558-438B-6388-C74A-CB3D2C97D3F8}"/>
+              </a:ext>
+            </a:extLst>
+          </p:cNvPr>
+          <p:cNvSpPr>
+            <a:spLocks noGrp="1"/>
+          </p:cNvSpPr>
+          <p:nvPr>
+            <p:ph type="dt" sz="half" idx="10"/>
+          </p:nvPr>
+        </p:nvSpPr>
+        <p:spPr/>
+        <p:txBody>
+          <a:bodyPr/>
+          <a:lstStyle/>
+          <a:p>
+            <a:fld id="{5C0E8BC3-A60E-4E31-8AE4-2BE08893AD21}" type="datetime1">
+              <a:rPr lang="en-US" smtClean="0"/>
+              <a:t>6/18/2024</a:t>
+            </a:fld>
+            <a:endParaRPr lang="en-US"/>
+          </a:p>
+        </p:txBody>
+      </p:sp>
+      <p:sp>
+        <p:nvSpPr>
+          <p:cNvPr id="5" name="Espaço Reservado para Rodapé 4">
+            <a:extLst>
+              <a:ext uri="{FF2B5EF4-FFF2-40B4-BE49-F238E27FC236}">
+                <a16:creationId xmlns:a16="http://schemas.microsoft.com/office/drawing/2014/main" id="{5792529F-47F6-73F8-4E0C-FA5B71473D22}"/>
+              </a:ext>
+            </a:extLst>
+          </p:cNvPr>
+          <p:cNvSpPr>
+            <a:spLocks noGrp="1"/>
+          </p:cNvSpPr>
+          <p:nvPr>
+            <p:ph type="ftr" sz="quarter" idx="11"/>
+          </p:nvPr>
+        </p:nvSpPr>
+        <p:spPr/>
+        <p:txBody>
+          <a:bodyPr/>
+          <a:lstStyle/>
+          <a:p>
+            <a:r>
+              <a:rPr lang="en-US" dirty="0"/>
+              <a:t>
+              </a:t>
+            </a:r>
+          </a:p>
+        </p:txBody>
+      </p:sp>
+      <p:sp>
+        <p:nvSpPr>
+          <p:cNvPr id="6" name="Espaço Reservado para Número de Slide 5">
+            <a:extLst>
+              <a:ext uri="{FF2B5EF4-FFF2-40B4-BE49-F238E27FC236}">
+                <a16:creationId xmlns:a16="http://schemas.microsoft.com/office/drawing/2014/main" id="{6590052F-4EE3-8698-0A10-CB8C4E35A1E4}"/>
+              </a:ext>
+            </a:extLst>
+          </p:cNvPr>
+          <p:cNvSpPr>
+            <a:spLocks noGrp="1"/>
+          </p:cNvSpPr>
+          <p:nvPr>
+            <p:ph type="sldNum" sz="quarter" idx="12"/>
+          </p:nvPr>
+        </p:nvSpPr>
+        <p:spPr/>
+        <p:txBody>
+          <a:bodyPr/>
+          <a:lstStyle/>
+          <a:p>
+            <a:fld id="{E30AF5A0-43BB-4336-8627-9123B9144D80}" type="slidenum">
+              <a:rPr lang="en-US" smtClean="0"/>
+              <a:t>17</a:t>
+            </a:fld>
+            <a:endParaRPr lang="en-US"/>
+          </a:p>
+        </p:txBody>
+      </p:sp>
+    </p:spTree>
+    <p:extLst>
+      <p:ext uri="{BB962C8B-B14F-4D97-AF65-F5344CB8AC3E}">
+        <p14:creationId xmlns:p14="http://schemas.microsoft.com/office/powerpoint/2010/main" val="2097304172"/>
+      </p:ext>
+    </p:extLst>
+  </p:cSld>
+  <p:clrMapOvr>
+    <a:masterClrMapping/>
+  </p:clrMapOvr>
+</p:sld>
+</file>
+
+<file path=ppt/slides/slide18.xml><?xml version="1.0" encoding="utf-8"?>
+<p:sld xmlns:a="http://schemas.openxmlformats.org/drawingml/2006/main" xmlns:r="http://schemas.openxmlformats.org/officeDocument/2006/relationships" xmlns:p="http://schemas.openxmlformats.org/presentationml/2006/main">
+  <p:cSld>
+    <p:spTree>
+      <p:nvGrpSpPr>
+        <p:cNvPr id="1" name=""/>
+        <p:cNvGrpSpPr/>
+        <p:nvPr/>
+      </p:nvGrpSpPr>
+      <p:grpSpPr>
+        <a:xfrm>
+          <a:off x="0" y="0"/>
+          <a:ext cx="0" cy="0"/>
+          <a:chOff x="0" y="0"/>
+          <a:chExt cx="0" cy="0"/>
+        </a:xfrm>
+      </p:grpSpPr>
+      <p:sp>
+        <p:nvSpPr>
+          <p:cNvPr id="2" name="Título 1">
+            <a:extLst>
+              <a:ext uri="{FF2B5EF4-FFF2-40B4-BE49-F238E27FC236}">
+                <a16:creationId xmlns:a16="http://schemas.microsoft.com/office/drawing/2014/main" id="{B1F35A36-4B8A-CC21-A7B3-D24FC5357485}"/>
+              </a:ext>
+            </a:extLst>
+          </p:cNvPr>
+          <p:cNvSpPr>
+            <a:spLocks noGrp="1"/>
+          </p:cNvSpPr>
+          <p:nvPr>
+            <p:ph type="title"/>
+          </p:nvPr>
+        </p:nvSpPr>
+        <p:spPr>
+          <a:xfrm>
+            <a:off x="1371828" y="2217082"/>
+            <a:ext cx="9448343" cy="1820173"/>
+          </a:xfrm>
+        </p:spPr>
+        <p:txBody>
+          <a:bodyPr/>
+          <a:lstStyle/>
+          <a:p>
+            <a:pPr algn="ctr"/>
+            <a:r>
+              <a:rPr lang="en-US" sz="5400" err="1"/>
+              <a:t>Obrigado</a:t>
+            </a:r>
+            <a:endParaRPr lang="pt-BR" sz="5400"/>
+          </a:p>
+        </p:txBody>
+      </p:sp>
+      <p:sp>
+        <p:nvSpPr>
+          <p:cNvPr id="4" name="Espaço Reservado para Data 3">
+            <a:extLst>
+              <a:ext uri="{FF2B5EF4-FFF2-40B4-BE49-F238E27FC236}">
+                <a16:creationId xmlns:a16="http://schemas.microsoft.com/office/drawing/2014/main" id="{50137EE9-4887-8E0A-6349-CC3BFA083A91}"/>
+              </a:ext>
+            </a:extLst>
+          </p:cNvPr>
+          <p:cNvSpPr>
+            <a:spLocks noGrp="1"/>
+          </p:cNvSpPr>
+          <p:nvPr>
+            <p:ph type="dt" sz="half" idx="10"/>
+          </p:nvPr>
+        </p:nvSpPr>
+        <p:spPr/>
+        <p:txBody>
+          <a:bodyPr/>
+          <a:lstStyle/>
+          <a:p>
+            <a:fld id="{8ADC9E49-246E-484A-926C-3041536DB8F7}" type="datetime1">
+              <a:rPr lang="en-US" smtClean="0"/>
+              <a:t>6/18/2024</a:t>
+            </a:fld>
+            <a:endParaRPr lang="en-US"/>
+          </a:p>
+        </p:txBody>
+      </p:sp>
+      <p:sp>
+        <p:nvSpPr>
+          <p:cNvPr id="5" name="Espaço Reservado para Rodapé 4">
+            <a:extLst>
+              <a:ext uri="{FF2B5EF4-FFF2-40B4-BE49-F238E27FC236}">
+                <a16:creationId xmlns:a16="http://schemas.microsoft.com/office/drawing/2014/main" id="{F359168D-AE6A-4BA1-7FED-DC37B5B538AC}"/>
+              </a:ext>
+            </a:extLst>
+          </p:cNvPr>
+          <p:cNvSpPr>
+            <a:spLocks noGrp="1"/>
+          </p:cNvSpPr>
+          <p:nvPr>
+            <p:ph type="ftr" sz="quarter" idx="11"/>
+          </p:nvPr>
+        </p:nvSpPr>
+        <p:spPr/>
+        <p:txBody>
+          <a:bodyPr/>
+          <a:lstStyle/>
+          <a:p>
+            <a:r>
+              <a:rPr lang="en-US"/>
+              <a:t>
+              </a:t>
+            </a:r>
+          </a:p>
+        </p:txBody>
+      </p:sp>
+      <p:sp>
+        <p:nvSpPr>
+          <p:cNvPr id="6" name="Espaço Reservado para Número de Slide 5">
+            <a:extLst>
+              <a:ext uri="{FF2B5EF4-FFF2-40B4-BE49-F238E27FC236}">
+                <a16:creationId xmlns:a16="http://schemas.microsoft.com/office/drawing/2014/main" id="{4880F13E-F76E-22C7-A8C6-39DB72471046}"/>
+              </a:ext>
+            </a:extLst>
+          </p:cNvPr>
+          <p:cNvSpPr>
+            <a:spLocks noGrp="1"/>
+          </p:cNvSpPr>
+          <p:nvPr>
+            <p:ph type="sldNum" sz="quarter" idx="12"/>
+          </p:nvPr>
+        </p:nvSpPr>
+        <p:spPr/>
+        <p:txBody>
+          <a:bodyPr/>
+          <a:lstStyle/>
+          <a:p>
+            <a:fld id="{196A61CA-0502-4EE4-9724-96EA822543E5}" type="slidenum">
+              <a:rPr lang="en-US" smtClean="0"/>
+              <a:t>18</a:t>
+            </a:fld>
+            <a:endParaRPr lang="en-US"/>
+          </a:p>
+        </p:txBody>
+      </p:sp>
+    </p:spTree>
+    <p:extLst>
+      <p:ext uri="{BB962C8B-B14F-4D97-AF65-F5344CB8AC3E}">
+        <p14:creationId xmlns:p14="http://schemas.microsoft.com/office/powerpoint/2010/main" val="2210678312"/>
+      </p:ext>
+    </p:extLst>
+  </p:cSld>
+  <p:clrMapOvr>
+    <a:masterClrMapping/>
+  </p:clrMapOvr>
+</p:sld>
+</file>
+
 <file path=ppt/slides/slide2.xml><?xml version="1.0" encoding="utf-8"?>
 <p:sld xmlns:a="http://schemas.openxmlformats.org/drawingml/2006/main" xmlns:r="http://schemas.openxmlformats.org/officeDocument/2006/relationships" xmlns:p="http://schemas.openxmlformats.org/presentationml/2006/main">
   <p:cSld>
@@ -8766,32 +11191,10 @@
           <a:bodyPr/>
           <a:lstStyle/>
           <a:p>
-            <a:endParaRPr lang="pt-BR"/>
-          </a:p>
-        </p:txBody>
-      </p:sp>
-      <p:sp>
-        <p:nvSpPr>
-          <p:cNvPr id="3" name="Espaço Reservado para Conteúdo 2">
-            <a:extLst>
-              <a:ext uri="{FF2B5EF4-FFF2-40B4-BE49-F238E27FC236}">
-                <a16:creationId xmlns:a16="http://schemas.microsoft.com/office/drawing/2014/main" id="{952ACA38-F60B-B84E-65EC-5BEC1FDD2299}"/>
-              </a:ext>
-            </a:extLst>
-          </p:cNvPr>
-          <p:cNvSpPr>
-            <a:spLocks noGrp="1"/>
-          </p:cNvSpPr>
-          <p:nvPr>
-            <p:ph idx="1"/>
-          </p:nvPr>
-        </p:nvSpPr>
-        <p:spPr/>
-        <p:txBody>
-          <a:bodyPr/>
-          <a:lstStyle/>
-          <a:p>
-            <a:endParaRPr lang="pt-BR"/>
+            <a:r>
+              <a:rPr lang="pt-BR" dirty="0"/>
+              <a:t>Grafo</a:t>
+            </a:r>
           </a:p>
         </p:txBody>
       </p:sp>
@@ -8882,6 +11285,35 @@
           </a:p>
         </p:txBody>
       </p:sp>
+      <p:pic>
+        <p:nvPicPr>
+          <p:cNvPr id="12" name="Espaço Reservado para Conteúdo 11">
+            <a:extLst>
+              <a:ext uri="{FF2B5EF4-FFF2-40B4-BE49-F238E27FC236}">
+                <a16:creationId xmlns:a16="http://schemas.microsoft.com/office/drawing/2014/main" id="{B554D133-E162-8312-CF47-01FA75301D3D}"/>
+              </a:ext>
+            </a:extLst>
+          </p:cNvPr>
+          <p:cNvPicPr>
+            <a:picLocks noGrp="1" noChangeAspect="1"/>
+          </p:cNvPicPr>
+          <p:nvPr>
+            <p:ph idx="1"/>
+          </p:nvPr>
+        </p:nvPicPr>
+        <p:blipFill>
+          <a:blip r:embed="rId2"/>
+          <a:stretch>
+            <a:fillRect/>
+          </a:stretch>
+        </p:blipFill>
+        <p:spPr>
+          <a:xfrm>
+            <a:off x="1752590" y="2292350"/>
+            <a:ext cx="8586808" cy="3636963"/>
+          </a:xfrm>
+        </p:spPr>
+      </p:pic>
     </p:spTree>
     <p:extLst>
       <p:ext uri="{BB962C8B-B14F-4D97-AF65-F5344CB8AC3E}">
@@ -8917,7 +11349,7 @@
           <p:cNvPr id="2" name="Título 1">
             <a:extLst>
               <a:ext uri="{FF2B5EF4-FFF2-40B4-BE49-F238E27FC236}">
-                <a16:creationId xmlns:a16="http://schemas.microsoft.com/office/drawing/2014/main" id="{72540168-690A-37A3-E7DF-CE9E07425A35}"/>
+                <a16:creationId xmlns:a16="http://schemas.microsoft.com/office/drawing/2014/main" id="{D6EF0203-0FD0-7631-55B9-F7DBF87560D8}"/>
               </a:ext>
             </a:extLst>
           </p:cNvPr>
@@ -8933,57 +11365,64 @@
           <a:bodyPr/>
           <a:lstStyle/>
           <a:p>
-            <a:endParaRPr lang="pt-BR"/>
-          </a:p>
-        </p:txBody>
-      </p:sp>
-      <p:sp>
-        <p:nvSpPr>
-          <p:cNvPr id="3" name="Espaço Reservado para Conteúdo 2">
-            <a:extLst>
-              <a:ext uri="{FF2B5EF4-FFF2-40B4-BE49-F238E27FC236}">
-                <a16:creationId xmlns:a16="http://schemas.microsoft.com/office/drawing/2014/main" id="{6C080BB9-26FF-5CC0-708F-C8E7C71EAD35}"/>
-              </a:ext>
-            </a:extLst>
-          </p:cNvPr>
-          <p:cNvSpPr>
-            <a:spLocks noGrp="1"/>
-          </p:cNvSpPr>
+            <a:r>
+              <a:rPr lang="pt-BR" dirty="0"/>
+              <a:t>Grafo</a:t>
+            </a:r>
+          </a:p>
+        </p:txBody>
+      </p:sp>
+      <p:pic>
+        <p:nvPicPr>
+          <p:cNvPr id="8" name="Espaço Reservado para Conteúdo 7">
+            <a:extLst>
+              <a:ext uri="{FF2B5EF4-FFF2-40B4-BE49-F238E27FC236}">
+                <a16:creationId xmlns:a16="http://schemas.microsoft.com/office/drawing/2014/main" id="{DABDF2D5-EB21-74D7-5DB5-EAC903EE467C}"/>
+              </a:ext>
+            </a:extLst>
+          </p:cNvPr>
+          <p:cNvPicPr>
+            <a:picLocks noGrp="1" noChangeAspect="1"/>
+          </p:cNvPicPr>
           <p:nvPr>
             <p:ph idx="1"/>
           </p:nvPr>
+        </p:nvPicPr>
+        <p:blipFill>
+          <a:blip r:embed="rId2"/>
+          <a:stretch>
+            <a:fillRect/>
+          </a:stretch>
+        </p:blipFill>
+        <p:spPr>
+          <a:xfrm>
+            <a:off x="1457434" y="2292350"/>
+            <a:ext cx="9177119" cy="3636963"/>
+          </a:xfrm>
+        </p:spPr>
+      </p:pic>
+      <p:sp>
+        <p:nvSpPr>
+          <p:cNvPr id="4" name="Espaço Reservado para Data 3">
+            <a:extLst>
+              <a:ext uri="{FF2B5EF4-FFF2-40B4-BE49-F238E27FC236}">
+                <a16:creationId xmlns:a16="http://schemas.microsoft.com/office/drawing/2014/main" id="{6F8ADF45-D050-9649-9015-4C7D33249D67}"/>
+              </a:ext>
+            </a:extLst>
+          </p:cNvPr>
+          <p:cNvSpPr>
+            <a:spLocks noGrp="1"/>
+          </p:cNvSpPr>
+          <p:nvPr>
+            <p:ph type="dt" sz="half" idx="10"/>
+          </p:nvPr>
         </p:nvSpPr>
         <p:spPr/>
         <p:txBody>
           <a:bodyPr/>
           <a:lstStyle/>
           <a:p>
-            <a:endParaRPr lang="pt-BR"/>
-          </a:p>
-        </p:txBody>
-      </p:sp>
-      <p:sp>
-        <p:nvSpPr>
-          <p:cNvPr id="4" name="Espaço Reservado para Data 3">
-            <a:extLst>
-              <a:ext uri="{FF2B5EF4-FFF2-40B4-BE49-F238E27FC236}">
-                <a16:creationId xmlns:a16="http://schemas.microsoft.com/office/drawing/2014/main" id="{09BF8850-3B0D-264C-1F68-170B6332FBEA}"/>
-              </a:ext>
-            </a:extLst>
-          </p:cNvPr>
-          <p:cNvSpPr>
-            <a:spLocks noGrp="1"/>
-          </p:cNvSpPr>
-          <p:nvPr>
-            <p:ph type="dt" sz="half" idx="10"/>
-          </p:nvPr>
-        </p:nvSpPr>
-        <p:spPr/>
-        <p:txBody>
-          <a:bodyPr/>
-          <a:lstStyle/>
-          <a:p>
-            <a:fld id="{804C12D4-F0C4-44A2-9DFB-3E890510E53E}" type="datetime1">
+            <a:fld id="{37F9D5A5-9912-4440-AE4C-B73AD405BD32}" type="datetime1">
               <a:rPr lang="en-US" smtClean="0"/>
               <a:t>6/18/2024</a:t>
             </a:fld>
@@ -8996,7 +11435,7 @@
           <p:cNvPr id="5" name="Espaço Reservado para Rodapé 4">
             <a:extLst>
               <a:ext uri="{FF2B5EF4-FFF2-40B4-BE49-F238E27FC236}">
-                <a16:creationId xmlns:a16="http://schemas.microsoft.com/office/drawing/2014/main" id="{37ED183A-4C07-A9D8-B202-69DD13FC653B}"/>
+                <a16:creationId xmlns:a16="http://schemas.microsoft.com/office/drawing/2014/main" id="{18D5994B-9D6F-247A-E081-501F71DCDC7B}"/>
               </a:ext>
             </a:extLst>
           </p:cNvPr>
@@ -9025,7 +11464,7 @@
           <p:cNvPr id="6" name="Espaço Reservado para Número de Slide 5">
             <a:extLst>
               <a:ext uri="{FF2B5EF4-FFF2-40B4-BE49-F238E27FC236}">
-                <a16:creationId xmlns:a16="http://schemas.microsoft.com/office/drawing/2014/main" id="{251D35ED-FB46-CBF5-372F-844D6D00F563}"/>
+                <a16:creationId xmlns:a16="http://schemas.microsoft.com/office/drawing/2014/main" id="{E5FD0A63-FB0B-F8DD-0323-4BA26325DBE4}"/>
               </a:ext>
             </a:extLst>
           </p:cNvPr>
@@ -9052,7 +11491,7 @@
     </p:spTree>
     <p:extLst>
       <p:ext uri="{BB962C8B-B14F-4D97-AF65-F5344CB8AC3E}">
-        <p14:creationId xmlns:p14="http://schemas.microsoft.com/office/powerpoint/2010/main" val="3523369083"/>
+        <p14:creationId xmlns:p14="http://schemas.microsoft.com/office/powerpoint/2010/main" val="1217120992"/>
       </p:ext>
     </p:extLst>
   </p:cSld>
@@ -9084,7 +11523,7 @@
           <p:cNvPr id="2" name="Título 1">
             <a:extLst>
               <a:ext uri="{FF2B5EF4-FFF2-40B4-BE49-F238E27FC236}">
-                <a16:creationId xmlns:a16="http://schemas.microsoft.com/office/drawing/2014/main" id="{4E319447-D02E-7C4B-241A-4A96C7ABC44D}"/>
+                <a16:creationId xmlns:a16="http://schemas.microsoft.com/office/drawing/2014/main" id="{9FD510CF-AB6C-8BCB-FFB1-434DCA12FCFC}"/>
               </a:ext>
             </a:extLst>
           </p:cNvPr>
@@ -9101,485 +11540,63 @@
           <a:lstStyle/>
           <a:p>
             <a:r>
-              <a:rPr lang="en-US" err="1"/>
-              <a:t>Referências</a:t>
-            </a:r>
-            <a:r>
-              <a:rPr lang="en-US"/>
-              <a:t> </a:t>
-            </a:r>
-            <a:r>
-              <a:rPr lang="en-US" err="1"/>
-              <a:t>bibliográficas</a:t>
-            </a:r>
-            <a:endParaRPr lang="pt-BR"/>
-          </a:p>
-        </p:txBody>
-      </p:sp>
-      <p:sp>
-        <p:nvSpPr>
-          <p:cNvPr id="3" name="Espaço Reservado para Conteúdo 2">
-            <a:extLst>
-              <a:ext uri="{FF2B5EF4-FFF2-40B4-BE49-F238E27FC236}">
-                <a16:creationId xmlns:a16="http://schemas.microsoft.com/office/drawing/2014/main" id="{DF5ABD57-ADCB-25E7-5CDB-095C18654DD9}"/>
-              </a:ext>
-            </a:extLst>
-          </p:cNvPr>
-          <p:cNvSpPr>
-            <a:spLocks noGrp="1"/>
-          </p:cNvSpPr>
+              <a:rPr lang="pt-BR" dirty="0"/>
+              <a:t>Grafo</a:t>
+            </a:r>
+          </a:p>
+        </p:txBody>
+      </p:sp>
+      <p:pic>
+        <p:nvPicPr>
+          <p:cNvPr id="8" name="Espaço Reservado para Conteúdo 7">
+            <a:extLst>
+              <a:ext uri="{FF2B5EF4-FFF2-40B4-BE49-F238E27FC236}">
+                <a16:creationId xmlns:a16="http://schemas.microsoft.com/office/drawing/2014/main" id="{7AA32744-C6BF-74B2-EC95-E84101C81EC9}"/>
+              </a:ext>
+            </a:extLst>
+          </p:cNvPr>
+          <p:cNvPicPr>
+            <a:picLocks noGrp="1" noChangeAspect="1"/>
+          </p:cNvPicPr>
           <p:nvPr>
             <p:ph idx="1"/>
           </p:nvPr>
+        </p:nvPicPr>
+        <p:blipFill>
+          <a:blip r:embed="rId2"/>
+          <a:stretch>
+            <a:fillRect/>
+          </a:stretch>
+        </p:blipFill>
+        <p:spPr>
+          <a:xfrm>
+            <a:off x="1628457" y="2292350"/>
+            <a:ext cx="8835074" cy="3636963"/>
+          </a:xfrm>
+        </p:spPr>
+      </p:pic>
+      <p:sp>
+        <p:nvSpPr>
+          <p:cNvPr id="4" name="Espaço Reservado para Data 3">
+            <a:extLst>
+              <a:ext uri="{FF2B5EF4-FFF2-40B4-BE49-F238E27FC236}">
+                <a16:creationId xmlns:a16="http://schemas.microsoft.com/office/drawing/2014/main" id="{1374D3D1-EEAD-6860-0005-1912CEFD5098}"/>
+              </a:ext>
+            </a:extLst>
+          </p:cNvPr>
+          <p:cNvSpPr>
+            <a:spLocks noGrp="1"/>
+          </p:cNvSpPr>
+          <p:nvPr>
+            <p:ph type="dt" sz="half" idx="10"/>
+          </p:nvPr>
         </p:nvSpPr>
         <p:spPr/>
         <p:txBody>
-          <a:bodyPr vert="horz" lIns="91440" tIns="45720" rIns="91440" bIns="45720" rtlCol="0" anchor="t">
-            <a:normAutofit fontScale="85000" lnSpcReduction="10000"/>
-          </a:bodyPr>
-          <a:lstStyle/>
-          <a:p>
-            <a:r>
-              <a:rPr lang="en-US" b="0" i="0" dirty="0">
-                <a:solidFill>
-                  <a:srgbClr val="37393C"/>
-                </a:solidFill>
-                <a:effectLst/>
-                <a:highlight>
-                  <a:srgbClr val="FFFFFF"/>
-                </a:highlight>
-              </a:rPr>
-              <a:t>COHEN, E. </a:t>
-            </a:r>
-            <a:r>
-              <a:rPr lang="en-US" b="1" i="0" dirty="0">
-                <a:solidFill>
-                  <a:srgbClr val="37393C"/>
-                </a:solidFill>
-                <a:effectLst/>
-                <a:highlight>
-                  <a:srgbClr val="FFFFFF"/>
-                </a:highlight>
-              </a:rPr>
-              <a:t>How to use Critical Path Method for complete beginners (with examples)</a:t>
-            </a:r>
-            <a:r>
-              <a:rPr lang="en-US" b="0" i="0" dirty="0">
-                <a:solidFill>
-                  <a:srgbClr val="37393C"/>
-                </a:solidFill>
-                <a:effectLst/>
-                <a:highlight>
-                  <a:srgbClr val="FFFFFF"/>
-                </a:highlight>
-              </a:rPr>
-              <a:t>. </a:t>
-            </a:r>
-            <a:r>
-              <a:rPr lang="en-US" b="0" i="0" dirty="0" err="1">
-                <a:solidFill>
-                  <a:srgbClr val="37393C"/>
-                </a:solidFill>
-                <a:effectLst/>
-                <a:highlight>
-                  <a:srgbClr val="FFFFFF"/>
-                </a:highlight>
-              </a:rPr>
-              <a:t>Disponível</a:t>
-            </a:r>
-            <a:r>
-              <a:rPr lang="en-US" b="0" i="0" dirty="0">
-                <a:solidFill>
-                  <a:srgbClr val="37393C"/>
-                </a:solidFill>
-                <a:effectLst/>
-                <a:highlight>
-                  <a:srgbClr val="FFFFFF"/>
-                </a:highlight>
-              </a:rPr>
-              <a:t> </a:t>
-            </a:r>
-            <a:r>
-              <a:rPr lang="en-US" b="0" i="0" dirty="0" err="1">
-                <a:solidFill>
-                  <a:srgbClr val="37393C"/>
-                </a:solidFill>
-                <a:effectLst/>
-                <a:highlight>
-                  <a:srgbClr val="FFFFFF"/>
-                </a:highlight>
-              </a:rPr>
-              <a:t>em</a:t>
-            </a:r>
-            <a:r>
-              <a:rPr lang="en-US" b="0" i="0" dirty="0">
-                <a:solidFill>
-                  <a:srgbClr val="37393C"/>
-                </a:solidFill>
-                <a:effectLst/>
-                <a:highlight>
-                  <a:srgbClr val="FFFFFF"/>
-                </a:highlight>
-              </a:rPr>
-              <a:t>: &lt;https://www.workamajig.com/blog/critical-path-method&gt;. </a:t>
-            </a:r>
-            <a:r>
-              <a:rPr lang="en-US" b="0" i="0" dirty="0" err="1">
-                <a:solidFill>
-                  <a:srgbClr val="37393C"/>
-                </a:solidFill>
-                <a:effectLst/>
-                <a:highlight>
-                  <a:srgbClr val="FFFFFF"/>
-                </a:highlight>
-              </a:rPr>
-              <a:t>Acesso</a:t>
-            </a:r>
-            <a:r>
-              <a:rPr lang="en-US" b="0" i="0" dirty="0">
-                <a:solidFill>
-                  <a:srgbClr val="37393C"/>
-                </a:solidFill>
-                <a:effectLst/>
-                <a:highlight>
-                  <a:srgbClr val="FFFFFF"/>
-                </a:highlight>
-              </a:rPr>
-              <a:t> </a:t>
-            </a:r>
-            <a:r>
-              <a:rPr lang="en-US" b="0" i="0" dirty="0" err="1">
-                <a:solidFill>
-                  <a:srgbClr val="37393C"/>
-                </a:solidFill>
-                <a:effectLst/>
-                <a:highlight>
-                  <a:srgbClr val="FFFFFF"/>
-                </a:highlight>
-              </a:rPr>
-              <a:t>em</a:t>
-            </a:r>
-            <a:r>
-              <a:rPr lang="en-US" b="0" i="0" dirty="0">
-                <a:solidFill>
-                  <a:srgbClr val="37393C"/>
-                </a:solidFill>
-                <a:effectLst/>
-                <a:highlight>
-                  <a:srgbClr val="FFFFFF"/>
-                </a:highlight>
-              </a:rPr>
-              <a:t>: 18 jun. 2024.</a:t>
-            </a:r>
-          </a:p>
-          <a:p>
-            <a:r>
-              <a:rPr lang="pt-BR" b="1" dirty="0" err="1">
-                <a:effectLst/>
-              </a:rPr>
-              <a:t>Critical</a:t>
-            </a:r>
-            <a:r>
-              <a:rPr lang="pt-BR" b="1" dirty="0">
-                <a:effectLst/>
-              </a:rPr>
-              <a:t> path </a:t>
-            </a:r>
-            <a:r>
-              <a:rPr lang="pt-BR" b="1" dirty="0" err="1">
-                <a:effectLst/>
-              </a:rPr>
-              <a:t>analysis</a:t>
-            </a:r>
-            <a:r>
-              <a:rPr lang="pt-BR" dirty="0">
-                <a:effectLst/>
-              </a:rPr>
-              <a:t>. Disponível em: &lt;https://www.studysmarter.co.uk/</a:t>
-            </a:r>
-            <a:r>
-              <a:rPr lang="pt-BR" dirty="0" err="1">
-                <a:effectLst/>
-              </a:rPr>
-              <a:t>explanations</a:t>
-            </a:r>
-            <a:r>
-              <a:rPr lang="pt-BR" dirty="0">
-                <a:effectLst/>
-              </a:rPr>
-              <a:t>/</a:t>
-            </a:r>
-            <a:r>
-              <a:rPr lang="pt-BR" dirty="0" err="1">
-                <a:effectLst/>
-              </a:rPr>
-              <a:t>math</a:t>
-            </a:r>
-            <a:r>
-              <a:rPr lang="pt-BR" dirty="0">
-                <a:effectLst/>
-              </a:rPr>
-              <a:t>/</a:t>
-            </a:r>
-            <a:r>
-              <a:rPr lang="pt-BR" dirty="0" err="1">
-                <a:effectLst/>
-              </a:rPr>
-              <a:t>decision-maths</a:t>
-            </a:r>
-            <a:r>
-              <a:rPr lang="pt-BR" dirty="0">
-                <a:effectLst/>
-              </a:rPr>
-              <a:t>/</a:t>
-            </a:r>
-            <a:r>
-              <a:rPr lang="pt-BR" dirty="0" err="1">
-                <a:effectLst/>
-              </a:rPr>
-              <a:t>critical</a:t>
-            </a:r>
-            <a:r>
-              <a:rPr lang="pt-BR" dirty="0">
-                <a:effectLst/>
-              </a:rPr>
-              <a:t>-path-</a:t>
-            </a:r>
-            <a:r>
-              <a:rPr lang="pt-BR" dirty="0" err="1">
-                <a:effectLst/>
-              </a:rPr>
-              <a:t>analysis</a:t>
-            </a:r>
-            <a:r>
-              <a:rPr lang="pt-BR" dirty="0">
-                <a:effectLst/>
-              </a:rPr>
-              <a:t>/&gt;. Acesso em: 18 jun. 2024.</a:t>
-            </a:r>
-          </a:p>
-          <a:p>
-            <a:r>
-              <a:rPr lang="pt-BR" dirty="0">
-                <a:effectLst/>
-              </a:rPr>
-              <a:t>EBY, K. </a:t>
-            </a:r>
-            <a:r>
-              <a:rPr lang="pt-BR" b="1" dirty="0">
-                <a:effectLst/>
-              </a:rPr>
-              <a:t>The </a:t>
-            </a:r>
-            <a:r>
-              <a:rPr lang="pt-BR" b="1" dirty="0" err="1">
-                <a:effectLst/>
-              </a:rPr>
-              <a:t>ultimate</a:t>
-            </a:r>
-            <a:r>
-              <a:rPr lang="pt-BR" b="1" dirty="0">
-                <a:effectLst/>
-              </a:rPr>
-              <a:t> </a:t>
-            </a:r>
-            <a:r>
-              <a:rPr lang="pt-BR" b="1" dirty="0" err="1">
-                <a:effectLst/>
-              </a:rPr>
-              <a:t>guide</a:t>
-            </a:r>
-            <a:r>
-              <a:rPr lang="pt-BR" b="1" dirty="0">
-                <a:effectLst/>
-              </a:rPr>
-              <a:t> </a:t>
-            </a:r>
-            <a:r>
-              <a:rPr lang="pt-BR" b="1" dirty="0" err="1">
-                <a:effectLst/>
-              </a:rPr>
-              <a:t>to</a:t>
-            </a:r>
-            <a:r>
-              <a:rPr lang="pt-BR" b="1" dirty="0">
-                <a:effectLst/>
-              </a:rPr>
-              <a:t> </a:t>
-            </a:r>
-            <a:r>
-              <a:rPr lang="pt-BR" b="1" dirty="0" err="1">
-                <a:effectLst/>
-              </a:rPr>
-              <a:t>the</a:t>
-            </a:r>
-            <a:r>
-              <a:rPr lang="pt-BR" b="1" dirty="0">
-                <a:effectLst/>
-              </a:rPr>
-              <a:t> </a:t>
-            </a:r>
-            <a:r>
-              <a:rPr lang="pt-BR" b="1" dirty="0" err="1">
-                <a:effectLst/>
-              </a:rPr>
-              <a:t>critical</a:t>
-            </a:r>
-            <a:r>
-              <a:rPr lang="pt-BR" b="1" dirty="0">
-                <a:effectLst/>
-              </a:rPr>
-              <a:t> path </a:t>
-            </a:r>
-            <a:r>
-              <a:rPr lang="pt-BR" b="1" dirty="0" err="1">
-                <a:effectLst/>
-              </a:rPr>
-              <a:t>method</a:t>
-            </a:r>
-            <a:r>
-              <a:rPr lang="pt-BR" dirty="0">
-                <a:effectLst/>
-              </a:rPr>
-              <a:t>. </a:t>
-            </a:r>
-            <a:r>
-              <a:rPr lang="pt-BR" b="1" dirty="0" err="1">
-                <a:effectLst/>
-              </a:rPr>
-              <a:t>Smartsheet</a:t>
-            </a:r>
-            <a:r>
-              <a:rPr lang="pt-BR" dirty="0">
-                <a:effectLst/>
-              </a:rPr>
-              <a:t>, 30 abr. 2015. Disponível em: &lt;https://www.smartsheet.com/</a:t>
-            </a:r>
-            <a:r>
-              <a:rPr lang="pt-BR" dirty="0" err="1">
-                <a:effectLst/>
-              </a:rPr>
-              <a:t>critical</a:t>
-            </a:r>
-            <a:r>
-              <a:rPr lang="pt-BR" dirty="0">
-                <a:effectLst/>
-              </a:rPr>
-              <a:t>-path-</a:t>
-            </a:r>
-            <a:r>
-              <a:rPr lang="pt-BR" dirty="0" err="1">
-                <a:effectLst/>
-              </a:rPr>
-              <a:t>method</a:t>
-            </a:r>
-            <a:r>
-              <a:rPr lang="pt-BR" dirty="0">
-                <a:effectLst/>
-              </a:rPr>
-              <a:t>&gt;. Acesso em: 18 jun. 2024</a:t>
-            </a:r>
-          </a:p>
-          <a:p>
-            <a:r>
-              <a:rPr lang="pt-BR" dirty="0">
-                <a:effectLst/>
-              </a:rPr>
-              <a:t>WIKIPEDIA CONTRIBUTORS. </a:t>
-            </a:r>
-            <a:r>
-              <a:rPr lang="pt-BR" b="1" dirty="0" err="1">
-                <a:effectLst/>
-              </a:rPr>
-              <a:t>Critical</a:t>
-            </a:r>
-            <a:r>
-              <a:rPr lang="pt-BR" b="1" dirty="0">
-                <a:effectLst/>
-              </a:rPr>
-              <a:t> path </a:t>
-            </a:r>
-            <a:r>
-              <a:rPr lang="pt-BR" b="1" dirty="0" err="1">
-                <a:effectLst/>
-              </a:rPr>
-              <a:t>method</a:t>
-            </a:r>
-            <a:r>
-              <a:rPr lang="pt-BR" dirty="0">
-                <a:effectLst/>
-              </a:rPr>
-              <a:t>. Disponível em: &lt;https://en.wikipedia.org/w/</a:t>
-            </a:r>
-            <a:r>
-              <a:rPr lang="pt-BR" dirty="0" err="1">
-                <a:effectLst/>
-              </a:rPr>
-              <a:t>index.php?title</a:t>
-            </a:r>
-            <a:r>
-              <a:rPr lang="pt-BR" dirty="0">
-                <a:effectLst/>
-              </a:rPr>
-              <a:t>=</a:t>
-            </a:r>
-            <a:r>
-              <a:rPr lang="pt-BR" dirty="0" err="1">
-                <a:effectLst/>
-              </a:rPr>
-              <a:t>Critical_path_method&amp;oldid</a:t>
-            </a:r>
-            <a:r>
-              <a:rPr lang="pt-BR" dirty="0">
-                <a:effectLst/>
-              </a:rPr>
-              <a:t>=1222967231&gt;.</a:t>
-            </a:r>
-          </a:p>
-          <a:p>
-            <a:r>
-              <a:rPr lang="pt-BR" dirty="0">
-                <a:effectLst/>
-              </a:rPr>
-              <a:t>Disponível em: &lt;https://www.pmi.org/learning/</a:t>
-            </a:r>
-            <a:r>
-              <a:rPr lang="pt-BR" dirty="0" err="1">
-                <a:effectLst/>
-              </a:rPr>
-              <a:t>library</a:t>
-            </a:r>
-            <a:r>
-              <a:rPr lang="pt-BR" dirty="0">
-                <a:effectLst/>
-              </a:rPr>
-              <a:t>/schedule-risk-analysis-simplified-10573&gt;. Acesso em: 18 jun. 2024.</a:t>
-            </a:r>
-          </a:p>
-        </p:txBody>
-      </p:sp>
-      <p:sp>
-        <p:nvSpPr>
-          <p:cNvPr id="4" name="Espaço Reservado para Data 3">
-            <a:extLst>
-              <a:ext uri="{FF2B5EF4-FFF2-40B4-BE49-F238E27FC236}">
-                <a16:creationId xmlns:a16="http://schemas.microsoft.com/office/drawing/2014/main" id="{E575A558-438B-6388-C74A-CB3D2C97D3F8}"/>
-              </a:ext>
-            </a:extLst>
-          </p:cNvPr>
-          <p:cNvSpPr>
-            <a:spLocks noGrp="1"/>
-          </p:cNvSpPr>
-          <p:nvPr>
-            <p:ph type="dt" sz="half" idx="10"/>
-          </p:nvPr>
-        </p:nvSpPr>
-        <p:spPr/>
-        <p:txBody>
           <a:bodyPr/>
           <a:lstStyle/>
           <a:p>
-            <a:fld id="{5C0E8BC3-A60E-4E31-8AE4-2BE08893AD21}" type="datetime1">
+            <a:fld id="{849DBC12-8832-4109-B94F-AE3BC83E673C}" type="datetime1">
               <a:rPr lang="en-US" smtClean="0"/>
               <a:t>6/18/2024</a:t>
             </a:fld>
@@ -9592,7 +11609,7 @@
           <p:cNvPr id="5" name="Espaço Reservado para Rodapé 4">
             <a:extLst>
               <a:ext uri="{FF2B5EF4-FFF2-40B4-BE49-F238E27FC236}">
-                <a16:creationId xmlns:a16="http://schemas.microsoft.com/office/drawing/2014/main" id="{5792529F-47F6-73F8-4E0C-FA5B71473D22}"/>
+                <a16:creationId xmlns:a16="http://schemas.microsoft.com/office/drawing/2014/main" id="{7C18FCF8-F5B6-C2AF-47B5-1C3C476ADBFA}"/>
               </a:ext>
             </a:extLst>
           </p:cNvPr>
@@ -9609,7 +11626,7 @@
           <a:lstStyle/>
           <a:p>
             <a:r>
-              <a:rPr lang="en-US" dirty="0"/>
+              <a:rPr lang="en-US"/>
               <a:t>
               </a:t>
             </a:r>
@@ -9621,7 +11638,7 @@
           <p:cNvPr id="6" name="Espaço Reservado para Número de Slide 5">
             <a:extLst>
               <a:ext uri="{FF2B5EF4-FFF2-40B4-BE49-F238E27FC236}">
-                <a16:creationId xmlns:a16="http://schemas.microsoft.com/office/drawing/2014/main" id="{6590052F-4EE3-8698-0A10-CB8C4E35A1E4}"/>
+                <a16:creationId xmlns:a16="http://schemas.microsoft.com/office/drawing/2014/main" id="{783ECE08-A5C0-D382-8249-5050EB649FBE}"/>
               </a:ext>
             </a:extLst>
           </p:cNvPr>
@@ -9648,7 +11665,7 @@
     </p:spTree>
     <p:extLst>
       <p:ext uri="{BB962C8B-B14F-4D97-AF65-F5344CB8AC3E}">
-        <p14:creationId xmlns:p14="http://schemas.microsoft.com/office/powerpoint/2010/main" val="2097304172"/>
+        <p14:creationId xmlns:p14="http://schemas.microsoft.com/office/powerpoint/2010/main" val="813822317"/>
       </p:ext>
     </p:extLst>
   </p:cSld>
@@ -9680,7 +11697,7 @@
           <p:cNvPr id="2" name="Título 1">
             <a:extLst>
               <a:ext uri="{FF2B5EF4-FFF2-40B4-BE49-F238E27FC236}">
-                <a16:creationId xmlns:a16="http://schemas.microsoft.com/office/drawing/2014/main" id="{B1F35A36-4B8A-CC21-A7B3-D24FC5357485}"/>
+                <a16:creationId xmlns:a16="http://schemas.microsoft.com/office/drawing/2014/main" id="{A7EC0090-83D8-DB09-3E8D-B27611167555}"/>
               </a:ext>
             </a:extLst>
           </p:cNvPr>
@@ -9691,47 +11708,69 @@
             <p:ph type="title"/>
           </p:nvPr>
         </p:nvSpPr>
+        <p:spPr/>
+        <p:txBody>
+          <a:bodyPr/>
+          <a:lstStyle/>
+          <a:p>
+            <a:r>
+              <a:rPr lang="pt-BR" dirty="0"/>
+              <a:t>Grafo</a:t>
+            </a:r>
+          </a:p>
+        </p:txBody>
+      </p:sp>
+      <p:pic>
+        <p:nvPicPr>
+          <p:cNvPr id="8" name="Espaço Reservado para Conteúdo 7">
+            <a:extLst>
+              <a:ext uri="{FF2B5EF4-FFF2-40B4-BE49-F238E27FC236}">
+                <a16:creationId xmlns:a16="http://schemas.microsoft.com/office/drawing/2014/main" id="{511A7518-9CCE-551A-1B5E-7B91241C4971}"/>
+              </a:ext>
+            </a:extLst>
+          </p:cNvPr>
+          <p:cNvPicPr>
+            <a:picLocks noGrp="1" noChangeAspect="1"/>
+          </p:cNvPicPr>
+          <p:nvPr>
+            <p:ph idx="1"/>
+          </p:nvPr>
+        </p:nvPicPr>
+        <p:blipFill>
+          <a:blip r:embed="rId2"/>
+          <a:stretch>
+            <a:fillRect/>
+          </a:stretch>
+        </p:blipFill>
         <p:spPr>
           <a:xfrm>
-            <a:off x="1371828" y="2217082"/>
-            <a:ext cx="9448343" cy="1820173"/>
+            <a:off x="1445120" y="2292350"/>
+            <a:ext cx="9201747" cy="3636963"/>
           </a:xfrm>
         </p:spPr>
+      </p:pic>
+      <p:sp>
+        <p:nvSpPr>
+          <p:cNvPr id="4" name="Espaço Reservado para Data 3">
+            <a:extLst>
+              <a:ext uri="{FF2B5EF4-FFF2-40B4-BE49-F238E27FC236}">
+                <a16:creationId xmlns:a16="http://schemas.microsoft.com/office/drawing/2014/main" id="{6620B30F-A803-EC3F-D1E9-A71EE5A6A202}"/>
+              </a:ext>
+            </a:extLst>
+          </p:cNvPr>
+          <p:cNvSpPr>
+            <a:spLocks noGrp="1"/>
+          </p:cNvSpPr>
+          <p:nvPr>
+            <p:ph type="dt" sz="half" idx="10"/>
+          </p:nvPr>
+        </p:nvSpPr>
+        <p:spPr/>
         <p:txBody>
           <a:bodyPr/>
           <a:lstStyle/>
           <a:p>
-            <a:pPr algn="ctr"/>
-            <a:r>
-              <a:rPr lang="en-US" sz="5400" err="1"/>
-              <a:t>Obrigado</a:t>
-            </a:r>
-            <a:endParaRPr lang="pt-BR" sz="5400"/>
-          </a:p>
-        </p:txBody>
-      </p:sp>
-      <p:sp>
-        <p:nvSpPr>
-          <p:cNvPr id="4" name="Espaço Reservado para Data 3">
-            <a:extLst>
-              <a:ext uri="{FF2B5EF4-FFF2-40B4-BE49-F238E27FC236}">
-                <a16:creationId xmlns:a16="http://schemas.microsoft.com/office/drawing/2014/main" id="{50137EE9-4887-8E0A-6349-CC3BFA083A91}"/>
-              </a:ext>
-            </a:extLst>
-          </p:cNvPr>
-          <p:cNvSpPr>
-            <a:spLocks noGrp="1"/>
-          </p:cNvSpPr>
-          <p:nvPr>
-            <p:ph type="dt" sz="half" idx="10"/>
-          </p:nvPr>
-        </p:nvSpPr>
-        <p:spPr/>
-        <p:txBody>
-          <a:bodyPr/>
-          <a:lstStyle/>
-          <a:p>
-            <a:fld id="{8ADC9E49-246E-484A-926C-3041536DB8F7}" type="datetime1">
+            <a:fld id="{D5A8BB94-DC79-4995-A92F-B6C5EF989898}" type="datetime1">
               <a:rPr lang="en-US" smtClean="0"/>
               <a:t>6/18/2024</a:t>
             </a:fld>
@@ -9744,7 +11783,7 @@
           <p:cNvPr id="5" name="Espaço Reservado para Rodapé 4">
             <a:extLst>
               <a:ext uri="{FF2B5EF4-FFF2-40B4-BE49-F238E27FC236}">
-                <a16:creationId xmlns:a16="http://schemas.microsoft.com/office/drawing/2014/main" id="{F359168D-AE6A-4BA1-7FED-DC37B5B538AC}"/>
+                <a16:creationId xmlns:a16="http://schemas.microsoft.com/office/drawing/2014/main" id="{661FEDE9-AB8F-1AF8-14F3-D4DD36DE0904}"/>
               </a:ext>
             </a:extLst>
           </p:cNvPr>
@@ -9773,7 +11812,7 @@
           <p:cNvPr id="6" name="Espaço Reservado para Número de Slide 5">
             <a:extLst>
               <a:ext uri="{FF2B5EF4-FFF2-40B4-BE49-F238E27FC236}">
-                <a16:creationId xmlns:a16="http://schemas.microsoft.com/office/drawing/2014/main" id="{4880F13E-F76E-22C7-A8C6-39DB72471046}"/>
+                <a16:creationId xmlns:a16="http://schemas.microsoft.com/office/drawing/2014/main" id="{A2623F89-D306-1BE2-0611-C57A61957D68}"/>
               </a:ext>
             </a:extLst>
           </p:cNvPr>
@@ -9789,7 +11828,7 @@
           <a:bodyPr/>
           <a:lstStyle/>
           <a:p>
-            <a:fld id="{196A61CA-0502-4EE4-9724-96EA822543E5}" type="slidenum">
+            <a:fld id="{E30AF5A0-43BB-4336-8627-9123B9144D80}" type="slidenum">
               <a:rPr lang="en-US" smtClean="0"/>
               <a:t>9</a:t>
             </a:fld>
@@ -9800,7 +11839,7 @@
     </p:spTree>
     <p:extLst>
       <p:ext uri="{BB962C8B-B14F-4D97-AF65-F5344CB8AC3E}">
-        <p14:creationId xmlns:p14="http://schemas.microsoft.com/office/powerpoint/2010/main" val="2210678312"/>
+        <p14:creationId xmlns:p14="http://schemas.microsoft.com/office/powerpoint/2010/main" val="4261432874"/>
       </p:ext>
     </p:extLst>
   </p:cSld>

--- a/Presentation.pptx
+++ b/Presentation.pptx
@@ -15,14 +15,13 @@
     <p:sldId id="276" r:id="rId9"/>
     <p:sldId id="277" r:id="rId10"/>
     <p:sldId id="274" r:id="rId11"/>
-    <p:sldId id="278" r:id="rId12"/>
-    <p:sldId id="279" r:id="rId13"/>
-    <p:sldId id="281" r:id="rId14"/>
-    <p:sldId id="282" r:id="rId15"/>
-    <p:sldId id="283" r:id="rId16"/>
-    <p:sldId id="284" r:id="rId17"/>
-    <p:sldId id="268" r:id="rId18"/>
-    <p:sldId id="260" r:id="rId19"/>
+    <p:sldId id="288" r:id="rId12"/>
+    <p:sldId id="285" r:id="rId13"/>
+    <p:sldId id="289" r:id="rId14"/>
+    <p:sldId id="287" r:id="rId15"/>
+    <p:sldId id="286" r:id="rId16"/>
+    <p:sldId id="268" r:id="rId17"/>
+    <p:sldId id="260" r:id="rId18"/>
   </p:sldIdLst>
   <p:sldSz cx="12192000" cy="6858000"/>
   <p:notesSz cx="6858000" cy="9144000"/>
@@ -130,26 +129,29 @@
             <p14:sldId id="257"/>
             <p14:sldId id="269"/>
             <p14:sldId id="270"/>
-            <p14:sldId id="271"/>
           </p14:sldIdLst>
         </p14:section>
-        <p14:section name="Grafo" id="{E186ECCB-28CF-4986-825F-645DE771ABF9}">
+        <p14:section name="Exemplo 1" id="{E186ECCB-28CF-4986-825F-645DE771ABF9}">
           <p14:sldIdLst>
+            <p14:sldId id="271"/>
             <p14:sldId id="273"/>
             <p14:sldId id="275"/>
             <p14:sldId id="276"/>
             <p14:sldId id="277"/>
             <p14:sldId id="274"/>
+            <p14:sldId id="288"/>
           </p14:sldIdLst>
         </p14:section>
-        <p14:section name="Pseudo-Código" id="{FED14AC1-3DA6-4E07-AAA3-2D36F5D4347B}">
+        <p14:section name="Exemplo 2" id="{43F09F17-F820-43B1-961A-68EA1F50CBCC}">
           <p14:sldIdLst>
-            <p14:sldId id="278"/>
-            <p14:sldId id="279"/>
-            <p14:sldId id="281"/>
-            <p14:sldId id="282"/>
-            <p14:sldId id="283"/>
-            <p14:sldId id="284"/>
+            <p14:sldId id="285"/>
+            <p14:sldId id="289"/>
+          </p14:sldIdLst>
+        </p14:section>
+        <p14:section name="Exemplo 3" id="{A26A4A61-2026-4B4C-880C-28ABEDBF9CA8}">
+          <p14:sldIdLst>
+            <p14:sldId id="287"/>
+            <p14:sldId id="286"/>
           </p14:sldIdLst>
         </p14:section>
         <p14:section name="Conclusão" id="{C7166199-B626-48D1-B67B-6C1B08882AC4}">
@@ -170,7 +172,7 @@
 <file path=ppt/revisionInfo.xml><?xml version="1.0" encoding="utf-8"?>
 <p1510:revInfo xmlns:a="http://schemas.openxmlformats.org/drawingml/2006/main" xmlns:r="http://schemas.openxmlformats.org/officeDocument/2006/relationships" xmlns:p1510="http://schemas.microsoft.com/office/powerpoint/2015/10/main">
   <p1510:revLst>
-    <p1510:client id="{C0BAD29C-331F-4880-BE27-02788087E9E9}" v="49" dt="2024-06-18T19:47:32.490"/>
+    <p1510:client id="{C0BAD29C-331F-4880-BE27-02788087E9E9}" v="54" dt="2024-06-19T12:08:30.757"/>
   </p1510:revLst>
 </p1510:revInfo>
 </file>
@@ -1689,8 +1691,8 @@
   </pc:docChgLst>
   <pc:docChgLst>
     <pc:chgData name="Eduardo Savian" userId="83fefb37af455394" providerId="LiveId" clId="{C0BAD29C-331F-4880-BE27-02788087E9E9}"/>
-    <pc:docChg chg="undo custSel addSld delSld modSld addSection modSection">
-      <pc:chgData name="Eduardo Savian" userId="83fefb37af455394" providerId="LiveId" clId="{C0BAD29C-331F-4880-BE27-02788087E9E9}" dt="2024-06-19T02:23:38.154" v="475"/>
+    <pc:docChg chg="undo custSel addSld delSld modSld sldOrd addSection delSection modSection">
+      <pc:chgData name="Eduardo Savian" userId="83fefb37af455394" providerId="LiveId" clId="{C0BAD29C-331F-4880-BE27-02788087E9E9}" dt="2024-06-19T12:23:39.030" v="606" actId="732"/>
       <pc:docMkLst>
         <pc:docMk/>
       </pc:docMkLst>
@@ -1710,13 +1712,13 @@
         </pc:spChg>
       </pc:sldChg>
       <pc:sldChg chg="modSp mod">
-        <pc:chgData name="Eduardo Savian" userId="83fefb37af455394" providerId="LiveId" clId="{C0BAD29C-331F-4880-BE27-02788087E9E9}" dt="2024-06-18T19:19:17.244" v="81" actId="20577"/>
+        <pc:chgData name="Eduardo Savian" userId="83fefb37af455394" providerId="LiveId" clId="{C0BAD29C-331F-4880-BE27-02788087E9E9}" dt="2024-06-19T12:22:06.328" v="602" actId="33524"/>
         <pc:sldMkLst>
           <pc:docMk/>
           <pc:sldMk cId="3775945265" sldId="257"/>
         </pc:sldMkLst>
         <pc:spChg chg="mod">
-          <ac:chgData name="Eduardo Savian" userId="83fefb37af455394" providerId="LiveId" clId="{C0BAD29C-331F-4880-BE27-02788087E9E9}" dt="2024-06-18T19:19:17.244" v="81" actId="20577"/>
+          <ac:chgData name="Eduardo Savian" userId="83fefb37af455394" providerId="LiveId" clId="{C0BAD29C-331F-4880-BE27-02788087E9E9}" dt="2024-06-19T12:22:06.328" v="602" actId="33524"/>
           <ac:spMkLst>
             <pc:docMk/>
             <pc:sldMk cId="3775945265" sldId="257"/>
@@ -1841,8 +1843,8 @@
           </ac:spMkLst>
         </pc:spChg>
       </pc:sldChg>
-      <pc:sldChg chg="addSp delSp modSp new mod">
-        <pc:chgData name="Eduardo Savian" userId="83fefb37af455394" providerId="LiveId" clId="{C0BAD29C-331F-4880-BE27-02788087E9E9}" dt="2024-06-18T19:34:00.011" v="296" actId="20577"/>
+      <pc:sldChg chg="addSp delSp modSp new mod ord">
+        <pc:chgData name="Eduardo Savian" userId="83fefb37af455394" providerId="LiveId" clId="{C0BAD29C-331F-4880-BE27-02788087E9E9}" dt="2024-06-19T12:18:35.009" v="549" actId="20578"/>
         <pc:sldMkLst>
           <pc:docMk/>
           <pc:sldMk cId="2124012415" sldId="271"/>
@@ -2038,7 +2040,7 @@
         </pc:picChg>
       </pc:sldChg>
       <pc:sldChg chg="addSp delSp modSp new mod">
-        <pc:chgData name="Eduardo Savian" userId="83fefb37af455394" providerId="LiveId" clId="{C0BAD29C-331F-4880-BE27-02788087E9E9}" dt="2024-06-19T02:23:32.131" v="472"/>
+        <pc:chgData name="Eduardo Savian" userId="83fefb37af455394" providerId="LiveId" clId="{C0BAD29C-331F-4880-BE27-02788087E9E9}" dt="2024-06-19T12:23:39.030" v="606" actId="732"/>
         <pc:sldMkLst>
           <pc:docMk/>
           <pc:sldMk cId="1217120992" sldId="275"/>
@@ -2059,8 +2061,8 @@
             <ac:spMk id="3" creationId="{ECEF24F9-410A-E11E-A644-1C7025266713}"/>
           </ac:spMkLst>
         </pc:spChg>
-        <pc:picChg chg="add mod ord">
-          <ac:chgData name="Eduardo Savian" userId="83fefb37af455394" providerId="LiveId" clId="{C0BAD29C-331F-4880-BE27-02788087E9E9}" dt="2024-06-19T02:04:58.285" v="393" actId="22"/>
+        <pc:picChg chg="add mod ord modCrop">
+          <ac:chgData name="Eduardo Savian" userId="83fefb37af455394" providerId="LiveId" clId="{C0BAD29C-331F-4880-BE27-02788087E9E9}" dt="2024-06-19T12:23:39.030" v="606" actId="732"/>
           <ac:picMkLst>
             <pc:docMk/>
             <pc:sldMk cId="1217120992" sldId="275"/>
@@ -2130,8 +2132,8 @@
           </ac:picMkLst>
         </pc:picChg>
       </pc:sldChg>
-      <pc:sldChg chg="addSp delSp modSp new mod">
-        <pc:chgData name="Eduardo Savian" userId="83fefb37af455394" providerId="LiveId" clId="{C0BAD29C-331F-4880-BE27-02788087E9E9}" dt="2024-06-19T02:16:58.063" v="437" actId="22"/>
+      <pc:sldChg chg="addSp delSp modSp new del mod">
+        <pc:chgData name="Eduardo Savian" userId="83fefb37af455394" providerId="LiveId" clId="{C0BAD29C-331F-4880-BE27-02788087E9E9}" dt="2024-06-19T12:23:00.714" v="605" actId="18676"/>
         <pc:sldMkLst>
           <pc:docMk/>
           <pc:sldMk cId="642999662" sldId="278"/>
@@ -2161,8 +2163,8 @@
           </ac:picMkLst>
         </pc:picChg>
       </pc:sldChg>
-      <pc:sldChg chg="addSp delSp modSp new mod">
-        <pc:chgData name="Eduardo Savian" userId="83fefb37af455394" providerId="LiveId" clId="{C0BAD29C-331F-4880-BE27-02788087E9E9}" dt="2024-06-19T02:17:22.601" v="438" actId="22"/>
+      <pc:sldChg chg="addSp delSp modSp new del mod">
+        <pc:chgData name="Eduardo Savian" userId="83fefb37af455394" providerId="LiveId" clId="{C0BAD29C-331F-4880-BE27-02788087E9E9}" dt="2024-06-19T12:23:00.714" v="605" actId="18676"/>
         <pc:sldMkLst>
           <pc:docMk/>
           <pc:sldMk cId="2061843158" sldId="279"/>
@@ -2223,8 +2225,8 @@
           </ac:picMkLst>
         </pc:picChg>
       </pc:sldChg>
-      <pc:sldChg chg="addSp delSp modSp new mod">
-        <pc:chgData name="Eduardo Savian" userId="83fefb37af455394" providerId="LiveId" clId="{C0BAD29C-331F-4880-BE27-02788087E9E9}" dt="2024-06-19T02:20:03.116" v="452"/>
+      <pc:sldChg chg="addSp delSp modSp new del mod">
+        <pc:chgData name="Eduardo Savian" userId="83fefb37af455394" providerId="LiveId" clId="{C0BAD29C-331F-4880-BE27-02788087E9E9}" dt="2024-06-19T12:23:00.714" v="605" actId="18676"/>
         <pc:sldMkLst>
           <pc:docMk/>
           <pc:sldMk cId="3452563875" sldId="281"/>
@@ -2254,8 +2256,8 @@
           </ac:picMkLst>
         </pc:picChg>
       </pc:sldChg>
-      <pc:sldChg chg="addSp delSp modSp new mod">
-        <pc:chgData name="Eduardo Savian" userId="83fefb37af455394" providerId="LiveId" clId="{C0BAD29C-331F-4880-BE27-02788087E9E9}" dt="2024-06-19T02:20:04.205" v="453"/>
+      <pc:sldChg chg="addSp delSp modSp new del mod">
+        <pc:chgData name="Eduardo Savian" userId="83fefb37af455394" providerId="LiveId" clId="{C0BAD29C-331F-4880-BE27-02788087E9E9}" dt="2024-06-19T12:23:00.714" v="605" actId="18676"/>
         <pc:sldMkLst>
           <pc:docMk/>
           <pc:sldMk cId="2707155307" sldId="282"/>
@@ -2285,8 +2287,8 @@
           </ac:picMkLst>
         </pc:picChg>
       </pc:sldChg>
-      <pc:sldChg chg="addSp delSp modSp new mod">
-        <pc:chgData name="Eduardo Savian" userId="83fefb37af455394" providerId="LiveId" clId="{C0BAD29C-331F-4880-BE27-02788087E9E9}" dt="2024-06-19T02:20:06.668" v="454"/>
+      <pc:sldChg chg="addSp delSp modSp new del mod">
+        <pc:chgData name="Eduardo Savian" userId="83fefb37af455394" providerId="LiveId" clId="{C0BAD29C-331F-4880-BE27-02788087E9E9}" dt="2024-06-19T12:23:00.714" v="605" actId="18676"/>
         <pc:sldMkLst>
           <pc:docMk/>
           <pc:sldMk cId="3325068316" sldId="283"/>
@@ -2316,8 +2318,8 @@
           </ac:picMkLst>
         </pc:picChg>
       </pc:sldChg>
-      <pc:sldChg chg="addSp delSp modSp new mod">
-        <pc:chgData name="Eduardo Savian" userId="83fefb37af455394" providerId="LiveId" clId="{C0BAD29C-331F-4880-BE27-02788087E9E9}" dt="2024-06-19T02:20:08.632" v="455"/>
+      <pc:sldChg chg="addSp delSp modSp new del mod">
+        <pc:chgData name="Eduardo Savian" userId="83fefb37af455394" providerId="LiveId" clId="{C0BAD29C-331F-4880-BE27-02788087E9E9}" dt="2024-06-19T12:23:00.714" v="605" actId="18676"/>
         <pc:sldMkLst>
           <pc:docMk/>
           <pc:sldMk cId="2287349985" sldId="284"/>
@@ -2347,12 +2349,260 @@
           </ac:picMkLst>
         </pc:picChg>
       </pc:sldChg>
+      <pc:sldChg chg="addSp delSp modSp new mod">
+        <pc:chgData name="Eduardo Savian" userId="83fefb37af455394" providerId="LiveId" clId="{C0BAD29C-331F-4880-BE27-02788087E9E9}" dt="2024-06-19T12:08:31.859" v="504" actId="962"/>
+        <pc:sldMkLst>
+          <pc:docMk/>
+          <pc:sldMk cId="2436310047" sldId="285"/>
+        </pc:sldMkLst>
+        <pc:spChg chg="mod">
+          <ac:chgData name="Eduardo Savian" userId="83fefb37af455394" providerId="LiveId" clId="{C0BAD29C-331F-4880-BE27-02788087E9E9}" dt="2024-06-19T12:07:41.322" v="492" actId="20577"/>
+          <ac:spMkLst>
+            <pc:docMk/>
+            <pc:sldMk cId="2436310047" sldId="285"/>
+            <ac:spMk id="2" creationId="{B27BD75C-5767-BC95-D0BE-33D590AE3722}"/>
+          </ac:spMkLst>
+        </pc:spChg>
+        <pc:spChg chg="del">
+          <ac:chgData name="Eduardo Savian" userId="83fefb37af455394" providerId="LiveId" clId="{C0BAD29C-331F-4880-BE27-02788087E9E9}" dt="2024-06-19T12:07:34.781" v="485"/>
+          <ac:spMkLst>
+            <pc:docMk/>
+            <pc:sldMk cId="2436310047" sldId="285"/>
+            <ac:spMk id="3" creationId="{2072CBA5-61A2-40A5-F589-4DD6C1F0E30F}"/>
+          </ac:spMkLst>
+        </pc:spChg>
+        <pc:spChg chg="add del mod">
+          <ac:chgData name="Eduardo Savian" userId="83fefb37af455394" providerId="LiveId" clId="{C0BAD29C-331F-4880-BE27-02788087E9E9}" dt="2024-06-19T12:08:30.757" v="502"/>
+          <ac:spMkLst>
+            <pc:docMk/>
+            <pc:sldMk cId="2436310047" sldId="285"/>
+            <ac:spMk id="10" creationId="{CB25612A-5EC5-FC2A-E50A-76ACE0F4BBE5}"/>
+          </ac:spMkLst>
+        </pc:spChg>
+        <pc:picChg chg="add del mod">
+          <ac:chgData name="Eduardo Savian" userId="83fefb37af455394" providerId="LiveId" clId="{C0BAD29C-331F-4880-BE27-02788087E9E9}" dt="2024-06-19T12:08:26.693" v="501" actId="478"/>
+          <ac:picMkLst>
+            <pc:docMk/>
+            <pc:sldMk cId="2436310047" sldId="285"/>
+            <ac:picMk id="8" creationId="{7B708431-85C0-93DE-4932-E979B345A359}"/>
+          </ac:picMkLst>
+        </pc:picChg>
+        <pc:picChg chg="add mod">
+          <ac:chgData name="Eduardo Savian" userId="83fefb37af455394" providerId="LiveId" clId="{C0BAD29C-331F-4880-BE27-02788087E9E9}" dt="2024-06-19T12:08:31.859" v="504" actId="962"/>
+          <ac:picMkLst>
+            <pc:docMk/>
+            <pc:sldMk cId="2436310047" sldId="285"/>
+            <ac:picMk id="12" creationId="{156FE2EB-7854-21B2-BFC7-715635A4A362}"/>
+          </ac:picMkLst>
+        </pc:picChg>
+      </pc:sldChg>
       <pc:sldChg chg="new del">
         <pc:chgData name="Eduardo Savian" userId="83fefb37af455394" providerId="LiveId" clId="{C0BAD29C-331F-4880-BE27-02788087E9E9}" dt="2024-06-19T02:21:41.419" v="466" actId="2696"/>
         <pc:sldMkLst>
           <pc:docMk/>
           <pc:sldMk cId="2953710764" sldId="285"/>
         </pc:sldMkLst>
+      </pc:sldChg>
+      <pc:sldChg chg="addSp delSp modSp new mod">
+        <pc:chgData name="Eduardo Savian" userId="83fefb37af455394" providerId="LiveId" clId="{C0BAD29C-331F-4880-BE27-02788087E9E9}" dt="2024-06-19T12:17:29.794" v="525" actId="20577"/>
+        <pc:sldMkLst>
+          <pc:docMk/>
+          <pc:sldMk cId="1008255062" sldId="286"/>
+        </pc:sldMkLst>
+        <pc:spChg chg="mod">
+          <ac:chgData name="Eduardo Savian" userId="83fefb37af455394" providerId="LiveId" clId="{C0BAD29C-331F-4880-BE27-02788087E9E9}" dt="2024-06-19T12:17:29.794" v="525" actId="20577"/>
+          <ac:spMkLst>
+            <pc:docMk/>
+            <pc:sldMk cId="1008255062" sldId="286"/>
+            <ac:spMk id="2" creationId="{AD5FCB21-6D81-9652-F588-2B7F8FFD029D}"/>
+          </ac:spMkLst>
+        </pc:spChg>
+        <pc:spChg chg="add del">
+          <ac:chgData name="Eduardo Savian" userId="83fefb37af455394" providerId="LiveId" clId="{C0BAD29C-331F-4880-BE27-02788087E9E9}" dt="2024-06-19T12:17:22.435" v="512" actId="22"/>
+          <ac:spMkLst>
+            <pc:docMk/>
+            <pc:sldMk cId="1008255062" sldId="286"/>
+            <ac:spMk id="3" creationId="{36E7197D-1362-50DE-3CC5-9E2DA5834D0D}"/>
+          </ac:spMkLst>
+        </pc:spChg>
+        <pc:picChg chg="add mod">
+          <ac:chgData name="Eduardo Savian" userId="83fefb37af455394" providerId="LiveId" clId="{C0BAD29C-331F-4880-BE27-02788087E9E9}" dt="2024-06-19T12:08:22.600" v="500"/>
+          <ac:picMkLst>
+            <pc:docMk/>
+            <pc:sldMk cId="1008255062" sldId="286"/>
+            <ac:picMk id="8" creationId="{4ECA8DB2-DB2E-47A5-CBF4-9E082268920E}"/>
+          </ac:picMkLst>
+        </pc:picChg>
+        <pc:picChg chg="add mod ord">
+          <ac:chgData name="Eduardo Savian" userId="83fefb37af455394" providerId="LiveId" clId="{C0BAD29C-331F-4880-BE27-02788087E9E9}" dt="2024-06-19T12:17:22.435" v="512" actId="22"/>
+          <ac:picMkLst>
+            <pc:docMk/>
+            <pc:sldMk cId="1008255062" sldId="286"/>
+            <ac:picMk id="10" creationId="{604DE75C-A666-E188-9FA2-F88E39578776}"/>
+          </ac:picMkLst>
+        </pc:picChg>
+      </pc:sldChg>
+      <pc:sldChg chg="addSp delSp modSp new mod">
+        <pc:chgData name="Eduardo Savian" userId="83fefb37af455394" providerId="LiveId" clId="{C0BAD29C-331F-4880-BE27-02788087E9E9}" dt="2024-06-19T12:17:25.622" v="517" actId="20577"/>
+        <pc:sldMkLst>
+          <pc:docMk/>
+          <pc:sldMk cId="713337090" sldId="287"/>
+        </pc:sldMkLst>
+        <pc:spChg chg="mod">
+          <ac:chgData name="Eduardo Savian" userId="83fefb37af455394" providerId="LiveId" clId="{C0BAD29C-331F-4880-BE27-02788087E9E9}" dt="2024-06-19T12:17:25.622" v="517" actId="20577"/>
+          <ac:spMkLst>
+            <pc:docMk/>
+            <pc:sldMk cId="713337090" sldId="287"/>
+            <ac:spMk id="2" creationId="{A927CB7B-92A7-C241-0B94-5CEF109B9B4E}"/>
+          </ac:spMkLst>
+        </pc:spChg>
+        <pc:spChg chg="del">
+          <ac:chgData name="Eduardo Savian" userId="83fefb37af455394" providerId="LiveId" clId="{C0BAD29C-331F-4880-BE27-02788087E9E9}" dt="2024-06-19T12:08:04.733" v="493"/>
+          <ac:spMkLst>
+            <pc:docMk/>
+            <pc:sldMk cId="713337090" sldId="287"/>
+            <ac:spMk id="3" creationId="{F45034D1-AD15-B1F0-2C16-B55D15B7FAFE}"/>
+          </ac:spMkLst>
+        </pc:spChg>
+        <pc:picChg chg="add mod">
+          <ac:chgData name="Eduardo Savian" userId="83fefb37af455394" providerId="LiveId" clId="{C0BAD29C-331F-4880-BE27-02788087E9E9}" dt="2024-06-19T12:08:05.622" v="495" actId="962"/>
+          <ac:picMkLst>
+            <pc:docMk/>
+            <pc:sldMk cId="713337090" sldId="287"/>
+            <ac:picMk id="8" creationId="{87134060-13E6-E353-2C9B-509208B9FB68}"/>
+          </ac:picMkLst>
+        </pc:picChg>
+      </pc:sldChg>
+      <pc:sldChg chg="addSp delSp modSp new mod">
+        <pc:chgData name="Eduardo Savian" userId="83fefb37af455394" providerId="LiveId" clId="{C0BAD29C-331F-4880-BE27-02788087E9E9}" dt="2024-06-19T12:17:40.394" v="537" actId="20577"/>
+        <pc:sldMkLst>
+          <pc:docMk/>
+          <pc:sldMk cId="19251782" sldId="288"/>
+        </pc:sldMkLst>
+        <pc:spChg chg="mod">
+          <ac:chgData name="Eduardo Savian" userId="83fefb37af455394" providerId="LiveId" clId="{C0BAD29C-331F-4880-BE27-02788087E9E9}" dt="2024-06-19T12:17:40.394" v="537" actId="20577"/>
+          <ac:spMkLst>
+            <pc:docMk/>
+            <pc:sldMk cId="19251782" sldId="288"/>
+            <ac:spMk id="2" creationId="{6B49075B-BC0D-BBE2-EF79-03C799E4D82A}"/>
+          </ac:spMkLst>
+        </pc:spChg>
+        <pc:spChg chg="del">
+          <ac:chgData name="Eduardo Savian" userId="83fefb37af455394" providerId="LiveId" clId="{C0BAD29C-331F-4880-BE27-02788087E9E9}" dt="2024-06-19T12:13:29.602" v="506" actId="22"/>
+          <ac:spMkLst>
+            <pc:docMk/>
+            <pc:sldMk cId="19251782" sldId="288"/>
+            <ac:spMk id="3" creationId="{96180FFF-D651-1E60-85AF-959A1C720C60}"/>
+          </ac:spMkLst>
+        </pc:spChg>
+        <pc:picChg chg="add mod ord">
+          <ac:chgData name="Eduardo Savian" userId="83fefb37af455394" providerId="LiveId" clId="{C0BAD29C-331F-4880-BE27-02788087E9E9}" dt="2024-06-19T12:13:29.602" v="506" actId="22"/>
+          <ac:picMkLst>
+            <pc:docMk/>
+            <pc:sldMk cId="19251782" sldId="288"/>
+            <ac:picMk id="8" creationId="{02BD5F8F-AF3D-D685-C749-E2457ECCA766}"/>
+          </ac:picMkLst>
+        </pc:picChg>
+      </pc:sldChg>
+      <pc:sldChg chg="addSp delSp modSp new mod">
+        <pc:chgData name="Eduardo Savian" userId="83fefb37af455394" providerId="LiveId" clId="{C0BAD29C-331F-4880-BE27-02788087E9E9}" dt="2024-06-19T12:17:58.379" v="545" actId="20577"/>
+        <pc:sldMkLst>
+          <pc:docMk/>
+          <pc:sldMk cId="697228871" sldId="289"/>
+        </pc:sldMkLst>
+        <pc:spChg chg="mod">
+          <ac:chgData name="Eduardo Savian" userId="83fefb37af455394" providerId="LiveId" clId="{C0BAD29C-331F-4880-BE27-02788087E9E9}" dt="2024-06-19T12:17:58.379" v="545" actId="20577"/>
+          <ac:spMkLst>
+            <pc:docMk/>
+            <pc:sldMk cId="697228871" sldId="289"/>
+            <ac:spMk id="2" creationId="{1C5CCCFA-7843-42C7-C25C-2FD74769D1AD}"/>
+          </ac:spMkLst>
+        </pc:spChg>
+        <pc:spChg chg="del mod">
+          <ac:chgData name="Eduardo Savian" userId="83fefb37af455394" providerId="LiveId" clId="{C0BAD29C-331F-4880-BE27-02788087E9E9}" dt="2024-06-19T12:16:49.176" v="511" actId="22"/>
+          <ac:spMkLst>
+            <pc:docMk/>
+            <pc:sldMk cId="697228871" sldId="289"/>
+            <ac:spMk id="3" creationId="{908EBC2B-5B8F-DA97-F0DE-418BF13DDC4A}"/>
+          </ac:spMkLst>
+        </pc:spChg>
+        <pc:picChg chg="add mod ord">
+          <ac:chgData name="Eduardo Savian" userId="83fefb37af455394" providerId="LiveId" clId="{C0BAD29C-331F-4880-BE27-02788087E9E9}" dt="2024-06-19T12:16:49.176" v="511" actId="22"/>
+          <ac:picMkLst>
+            <pc:docMk/>
+            <pc:sldMk cId="697228871" sldId="289"/>
+            <ac:picMk id="8" creationId="{DACE573F-7A9B-E092-2A10-4546914C977A}"/>
+          </ac:picMkLst>
+        </pc:picChg>
+      </pc:sldChg>
+      <pc:sldChg chg="new del">
+        <pc:chgData name="Eduardo Savian" userId="83fefb37af455394" providerId="LiveId" clId="{C0BAD29C-331F-4880-BE27-02788087E9E9}" dt="2024-06-19T12:18:37.040" v="550" actId="47"/>
+        <pc:sldMkLst>
+          <pc:docMk/>
+          <pc:sldMk cId="602342734" sldId="290"/>
+        </pc:sldMkLst>
+      </pc:sldChg>
+      <pc:sldChg chg="addSp delSp modSp new del mod ord">
+        <pc:chgData name="Eduardo Savian" userId="83fefb37af455394" providerId="LiveId" clId="{C0BAD29C-331F-4880-BE27-02788087E9E9}" dt="2024-06-19T12:21:40.715" v="601" actId="2696"/>
+        <pc:sldMkLst>
+          <pc:docMk/>
+          <pc:sldMk cId="2012070260" sldId="290"/>
+        </pc:sldMkLst>
+        <pc:spChg chg="mod">
+          <ac:chgData name="Eduardo Savian" userId="83fefb37af455394" providerId="LiveId" clId="{C0BAD29C-331F-4880-BE27-02788087E9E9}" dt="2024-06-19T12:19:02.941" v="558"/>
+          <ac:spMkLst>
+            <pc:docMk/>
+            <pc:sldMk cId="2012070260" sldId="290"/>
+            <ac:spMk id="2" creationId="{A0B7A06B-3FA5-252E-ADC6-387422D7FEFC}"/>
+          </ac:spMkLst>
+        </pc:spChg>
+        <pc:spChg chg="del">
+          <ac:chgData name="Eduardo Savian" userId="83fefb37af455394" providerId="LiveId" clId="{C0BAD29C-331F-4880-BE27-02788087E9E9}" dt="2024-06-19T12:19:10.821" v="559" actId="3680"/>
+          <ac:spMkLst>
+            <pc:docMk/>
+            <pc:sldMk cId="2012070260" sldId="290"/>
+            <ac:spMk id="3" creationId="{CDBABDCB-BD9B-A6F3-2FC1-3A0173DA0A6B}"/>
+          </ac:spMkLst>
+        </pc:spChg>
+        <pc:graphicFrameChg chg="add mod ord modGraphic">
+          <ac:chgData name="Eduardo Savian" userId="83fefb37af455394" providerId="LiveId" clId="{C0BAD29C-331F-4880-BE27-02788087E9E9}" dt="2024-06-19T12:19:10.821" v="559" actId="3680"/>
+          <ac:graphicFrameMkLst>
+            <pc:docMk/>
+            <pc:sldMk cId="2012070260" sldId="290"/>
+            <ac:graphicFrameMk id="7" creationId="{D42312B8-6206-8B64-D9FF-EF3F5BED01BC}"/>
+          </ac:graphicFrameMkLst>
+        </pc:graphicFrameChg>
+      </pc:sldChg>
+      <pc:sldChg chg="addSp delSp modSp new del mod ord">
+        <pc:chgData name="Eduardo Savian" userId="83fefb37af455394" providerId="LiveId" clId="{C0BAD29C-331F-4880-BE27-02788087E9E9}" dt="2024-06-19T12:21:37.499" v="600" actId="2696"/>
+        <pc:sldMkLst>
+          <pc:docMk/>
+          <pc:sldMk cId="1792329158" sldId="291"/>
+        </pc:sldMkLst>
+        <pc:spChg chg="mod">
+          <ac:chgData name="Eduardo Savian" userId="83fefb37af455394" providerId="LiveId" clId="{C0BAD29C-331F-4880-BE27-02788087E9E9}" dt="2024-06-19T12:19:00.341" v="557"/>
+          <ac:spMkLst>
+            <pc:docMk/>
+            <pc:sldMk cId="1792329158" sldId="291"/>
+            <ac:spMk id="2" creationId="{D6AFC9DA-24F5-73B6-0EAA-9A20B8FB3537}"/>
+          </ac:spMkLst>
+        </pc:spChg>
+        <pc:spChg chg="del">
+          <ac:chgData name="Eduardo Savian" userId="83fefb37af455394" providerId="LiveId" clId="{C0BAD29C-331F-4880-BE27-02788087E9E9}" dt="2024-06-19T12:19:30.165" v="560" actId="3680"/>
+          <ac:spMkLst>
+            <pc:docMk/>
+            <pc:sldMk cId="1792329158" sldId="291"/>
+            <ac:spMk id="3" creationId="{E3F3D5A5-D201-61B5-D9D6-7A9FE0D31B27}"/>
+          </ac:spMkLst>
+        </pc:spChg>
+        <pc:graphicFrameChg chg="add mod ord modGraphic">
+          <ac:chgData name="Eduardo Savian" userId="83fefb37af455394" providerId="LiveId" clId="{C0BAD29C-331F-4880-BE27-02788087E9E9}" dt="2024-06-19T12:21:25.919" v="599" actId="2161"/>
+          <ac:graphicFrameMkLst>
+            <pc:docMk/>
+            <pc:sldMk cId="1792329158" sldId="291"/>
+            <ac:graphicFrameMk id="7" creationId="{7512E751-2959-4A47-68C5-96D4A642F40A}"/>
+          </ac:graphicFrameMkLst>
+        </pc:graphicFrameChg>
       </pc:sldChg>
     </pc:docChg>
   </pc:docChgLst>
@@ -4624,7 +4874,7 @@
           <a:p>
             <a:fld id="{12575099-B3AD-44D7-919B-BCB6DC3E7F21}" type="datetimeFigureOut">
               <a:rPr lang="en-US" dirty="0"/>
-              <a:t>6/18/2024</a:t>
+              <a:t>6/19/2024</a:t>
             </a:fld>
             <a:endParaRPr lang="en-US"/>
           </a:p>
@@ -4831,7 +5081,7 @@
           <a:p>
             <a:fld id="{F18115DA-6CBC-4AEF-A85F-371C66916CF8}" type="datetimeFigureOut">
               <a:rPr lang="en-US" dirty="0"/>
-              <a:t>6/18/2024</a:t>
+              <a:t>6/19/2024</a:t>
             </a:fld>
             <a:endParaRPr lang="en-US"/>
           </a:p>
@@ -5048,7 +5298,7 @@
           <a:p>
             <a:fld id="{2A6007E4-95E8-4ABC-B20B-51235318A487}" type="datetimeFigureOut">
               <a:rPr lang="en-US" dirty="0"/>
-              <a:t>6/18/2024</a:t>
+              <a:t>6/19/2024</a:t>
             </a:fld>
             <a:endParaRPr lang="en-US"/>
           </a:p>
@@ -5255,7 +5505,7 @@
           <a:p>
             <a:fld id="{2A4BF121-2723-4D35-ADA9-215CD054C4BC}" type="datetimeFigureOut">
               <a:rPr lang="en-US" dirty="0"/>
-              <a:t>6/18/2024</a:t>
+              <a:t>6/19/2024</a:t>
             </a:fld>
             <a:endParaRPr lang="en-US"/>
           </a:p>
@@ -5539,7 +5789,7 @@
           <a:p>
             <a:fld id="{C54F54BA-4BC6-480F-839C-951A49B248A9}" type="datetimeFigureOut">
               <a:rPr lang="en-US" dirty="0"/>
-              <a:t>6/18/2024</a:t>
+              <a:t>6/19/2024</a:t>
             </a:fld>
             <a:endParaRPr lang="en-US"/>
           </a:p>
@@ -5818,7 +6068,7 @@
           <a:p>
             <a:fld id="{0F9DD0EA-4726-4440-BF9D-E88296FC3068}" type="datetimeFigureOut">
               <a:rPr lang="en-US" dirty="0"/>
-              <a:t>6/18/2024</a:t>
+              <a:t>6/19/2024</a:t>
             </a:fld>
             <a:endParaRPr lang="en-US"/>
           </a:p>
@@ -6247,7 +6497,7 @@
           <a:p>
             <a:fld id="{19CAD10D-99D1-46B2-A85A-C16850FCF8CF}" type="datetimeFigureOut">
               <a:rPr lang="en-US" dirty="0"/>
-              <a:t>6/18/2024</a:t>
+              <a:t>6/19/2024</a:t>
             </a:fld>
             <a:endParaRPr lang="en-US"/>
           </a:p>
@@ -6392,7 +6642,7 @@
           <a:p>
             <a:fld id="{48C67E51-34D6-4E3D-8F41-CC63EA446EDD}" type="datetimeFigureOut">
               <a:rPr lang="en-US" dirty="0"/>
-              <a:t>6/18/2024</a:t>
+              <a:t>6/19/2024</a:t>
             </a:fld>
             <a:endParaRPr lang="en-US"/>
           </a:p>
@@ -6509,7 +6759,7 @@
           <a:p>
             <a:fld id="{8D49E550-CE3F-497F-B953-7DE0932F91C0}" type="datetimeFigureOut">
               <a:rPr lang="en-US" dirty="0"/>
-              <a:t>6/18/2024</a:t>
+              <a:t>6/19/2024</a:t>
             </a:fld>
             <a:endParaRPr lang="en-US"/>
           </a:p>
@@ -6824,7 +7074,7 @@
           <a:p>
             <a:fld id="{217A0BF4-BAA0-4539-95F2-9C4277F97478}" type="datetimeFigureOut">
               <a:rPr lang="en-US" dirty="0"/>
-              <a:t>6/18/2024</a:t>
+              <a:t>6/19/2024</a:t>
             </a:fld>
             <a:endParaRPr lang="en-US"/>
           </a:p>
@@ -7121,7 +7371,7 @@
           <a:p>
             <a:fld id="{52E9884E-D945-496C-84BE-49C61F78F9EC}" type="datetimeFigureOut">
               <a:rPr lang="en-US" dirty="0"/>
-              <a:t>6/18/2024</a:t>
+              <a:t>6/19/2024</a:t>
             </a:fld>
             <a:endParaRPr lang="en-US"/>
           </a:p>
@@ -7370,7 +7620,7 @@
           <a:p>
             <a:fld id="{CD438618-DEE5-47CF-A8B2-A9E090D503CD}" type="datetimeFigureOut">
               <a:rPr lang="en-US" dirty="0"/>
-              <a:t>6/18/2024</a:t>
+              <a:t>6/19/2024</a:t>
             </a:fld>
             <a:endParaRPr lang="en-US"/>
           </a:p>
@@ -8076,7 +8326,7 @@
           <a:p>
             <a:fld id="{804C12D4-F0C4-44A2-9DFB-3E890510E53E}" type="datetime1">
               <a:rPr lang="en-US" smtClean="0"/>
-              <a:t>6/18/2024</a:t>
+              <a:t>6/19/2024</a:t>
             </a:fld>
             <a:endParaRPr lang="en-US"/>
           </a:p>
@@ -8204,7 +8454,7 @@
           <p:cNvPr id="2" name="Título 1">
             <a:extLst>
               <a:ext uri="{FF2B5EF4-FFF2-40B4-BE49-F238E27FC236}">
-                <a16:creationId xmlns:a16="http://schemas.microsoft.com/office/drawing/2014/main" id="{46EEE6C0-874C-DBBC-0A05-CFC3B25748E2}"/>
+                <a16:creationId xmlns:a16="http://schemas.microsoft.com/office/drawing/2014/main" id="{6B49075B-BC0D-BBE2-EF79-03C799E4D82A}"/>
               </a:ext>
             </a:extLst>
           </p:cNvPr>
@@ -8221,10 +8471,9 @@
           <a:lstStyle/>
           <a:p>
             <a:r>
-              <a:rPr lang="pt-BR" dirty="0" err="1"/>
-              <a:t>Pseudo-código</a:t>
-            </a:r>
-            <a:endParaRPr lang="pt-BR" dirty="0"/>
+              <a:rPr lang="pt-BR" dirty="0"/>
+              <a:t>Execução</a:t>
+            </a:r>
           </a:p>
         </p:txBody>
       </p:sp>
@@ -8233,7 +8482,7 @@
           <p:cNvPr id="8" name="Espaço Reservado para Conteúdo 7">
             <a:extLst>
               <a:ext uri="{FF2B5EF4-FFF2-40B4-BE49-F238E27FC236}">
-                <a16:creationId xmlns:a16="http://schemas.microsoft.com/office/drawing/2014/main" id="{B84365D3-41D7-B117-0C3A-76323D9CE944}"/>
+                <a16:creationId xmlns:a16="http://schemas.microsoft.com/office/drawing/2014/main" id="{02BD5F8F-AF3D-D685-C749-E2457ECCA766}"/>
               </a:ext>
             </a:extLst>
           </p:cNvPr>
@@ -8252,8 +8501,8 @@
         </p:blipFill>
         <p:spPr>
           <a:xfrm>
-            <a:off x="3947746" y="2292350"/>
-            <a:ext cx="4196495" cy="3636963"/>
+            <a:off x="2021120" y="2338934"/>
+            <a:ext cx="8049748" cy="3543795"/>
           </a:xfrm>
         </p:spPr>
       </p:pic>
@@ -8262,7 +8511,7 @@
           <p:cNvPr id="4" name="Espaço Reservado para Data 3">
             <a:extLst>
               <a:ext uri="{FF2B5EF4-FFF2-40B4-BE49-F238E27FC236}">
-                <a16:creationId xmlns:a16="http://schemas.microsoft.com/office/drawing/2014/main" id="{75E0A7D2-592B-B21F-DD00-4184C5F3851B}"/>
+                <a16:creationId xmlns:a16="http://schemas.microsoft.com/office/drawing/2014/main" id="{1FA99C31-5C9D-01A1-F903-34DD16AE0F9E}"/>
               </a:ext>
             </a:extLst>
           </p:cNvPr>
@@ -8278,9 +8527,9 @@
           <a:bodyPr/>
           <a:lstStyle/>
           <a:p>
-            <a:fld id="{82CA5CC8-1E59-48C3-98CF-F5181DA67B1C}" type="datetime1">
+            <a:fld id="{21D23AA3-5958-4C8D-A649-94365A8F264E}" type="datetime1">
               <a:rPr lang="en-US" smtClean="0"/>
-              <a:t>6/18/2024</a:t>
+              <a:t>6/19/2024</a:t>
             </a:fld>
             <a:endParaRPr lang="en-US"/>
           </a:p>
@@ -8291,7 +8540,7 @@
           <p:cNvPr id="5" name="Espaço Reservado para Rodapé 4">
             <a:extLst>
               <a:ext uri="{FF2B5EF4-FFF2-40B4-BE49-F238E27FC236}">
-                <a16:creationId xmlns:a16="http://schemas.microsoft.com/office/drawing/2014/main" id="{4B6A0E27-B584-EF81-D999-64872AC03198}"/>
+                <a16:creationId xmlns:a16="http://schemas.microsoft.com/office/drawing/2014/main" id="{4E6616B4-4370-44B3-12FF-4B16D1EE0C91}"/>
               </a:ext>
             </a:extLst>
           </p:cNvPr>
@@ -8320,7 +8569,7 @@
           <p:cNvPr id="6" name="Espaço Reservado para Número de Slide 5">
             <a:extLst>
               <a:ext uri="{FF2B5EF4-FFF2-40B4-BE49-F238E27FC236}">
-                <a16:creationId xmlns:a16="http://schemas.microsoft.com/office/drawing/2014/main" id="{416A80E7-3670-8B1F-1F48-F405A56D4AA5}"/>
+                <a16:creationId xmlns:a16="http://schemas.microsoft.com/office/drawing/2014/main" id="{3311EFC0-DEFE-CAC1-33E0-B2F5E62CDCAF}"/>
               </a:ext>
             </a:extLst>
           </p:cNvPr>
@@ -8347,7 +8596,7 @@
     </p:spTree>
     <p:extLst>
       <p:ext uri="{BB962C8B-B14F-4D97-AF65-F5344CB8AC3E}">
-        <p14:creationId xmlns:p14="http://schemas.microsoft.com/office/powerpoint/2010/main" val="642999662"/>
+        <p14:creationId xmlns:p14="http://schemas.microsoft.com/office/powerpoint/2010/main" val="19251782"/>
       </p:ext>
     </p:extLst>
   </p:cSld>
@@ -8379,7 +8628,7 @@
           <p:cNvPr id="2" name="Título 1">
             <a:extLst>
               <a:ext uri="{FF2B5EF4-FFF2-40B4-BE49-F238E27FC236}">
-                <a16:creationId xmlns:a16="http://schemas.microsoft.com/office/drawing/2014/main" id="{5B2A0EA0-A363-FEA4-4CD4-4A76C4624E68}"/>
+                <a16:creationId xmlns:a16="http://schemas.microsoft.com/office/drawing/2014/main" id="{B27BD75C-5767-BC95-D0BE-33D590AE3722}"/>
               </a:ext>
             </a:extLst>
           </p:cNvPr>
@@ -8396,19 +8645,105 @@
           <a:lstStyle/>
           <a:p>
             <a:r>
-              <a:rPr lang="pt-BR" dirty="0" err="1"/>
-              <a:t>Pseudo-código</a:t>
-            </a:r>
-            <a:endParaRPr lang="pt-BR" dirty="0"/>
+              <a:rPr lang="pt-BR" dirty="0"/>
+              <a:t>Grafo</a:t>
+            </a:r>
+          </a:p>
+        </p:txBody>
+      </p:sp>
+      <p:sp>
+        <p:nvSpPr>
+          <p:cNvPr id="4" name="Espaço Reservado para Data 3">
+            <a:extLst>
+              <a:ext uri="{FF2B5EF4-FFF2-40B4-BE49-F238E27FC236}">
+                <a16:creationId xmlns:a16="http://schemas.microsoft.com/office/drawing/2014/main" id="{32594BD6-11B0-1C88-8AE5-27CEB6118A78}"/>
+              </a:ext>
+            </a:extLst>
+          </p:cNvPr>
+          <p:cNvSpPr>
+            <a:spLocks noGrp="1"/>
+          </p:cNvSpPr>
+          <p:nvPr>
+            <p:ph type="dt" sz="half" idx="10"/>
+          </p:nvPr>
+        </p:nvSpPr>
+        <p:spPr/>
+        <p:txBody>
+          <a:bodyPr/>
+          <a:lstStyle/>
+          <a:p>
+            <a:fld id="{433861E9-4B74-4DAE-A764-51593BAA1B0E}" type="datetime1">
+              <a:rPr lang="en-US" smtClean="0"/>
+              <a:t>6/19/2024</a:t>
+            </a:fld>
+            <a:endParaRPr lang="en-US"/>
+          </a:p>
+        </p:txBody>
+      </p:sp>
+      <p:sp>
+        <p:nvSpPr>
+          <p:cNvPr id="5" name="Espaço Reservado para Rodapé 4">
+            <a:extLst>
+              <a:ext uri="{FF2B5EF4-FFF2-40B4-BE49-F238E27FC236}">
+                <a16:creationId xmlns:a16="http://schemas.microsoft.com/office/drawing/2014/main" id="{29057B4A-D6FB-1854-D207-E17E4C8B8FDD}"/>
+              </a:ext>
+            </a:extLst>
+          </p:cNvPr>
+          <p:cNvSpPr>
+            <a:spLocks noGrp="1"/>
+          </p:cNvSpPr>
+          <p:nvPr>
+            <p:ph type="ftr" sz="quarter" idx="11"/>
+          </p:nvPr>
+        </p:nvSpPr>
+        <p:spPr/>
+        <p:txBody>
+          <a:bodyPr/>
+          <a:lstStyle/>
+          <a:p>
+            <a:r>
+              <a:rPr lang="en-US"/>
+              <a:t>
+              </a:t>
+            </a:r>
+          </a:p>
+        </p:txBody>
+      </p:sp>
+      <p:sp>
+        <p:nvSpPr>
+          <p:cNvPr id="6" name="Espaço Reservado para Número de Slide 5">
+            <a:extLst>
+              <a:ext uri="{FF2B5EF4-FFF2-40B4-BE49-F238E27FC236}">
+                <a16:creationId xmlns:a16="http://schemas.microsoft.com/office/drawing/2014/main" id="{5BF9C897-CCE4-FEFA-4F9C-E1A714D39626}"/>
+              </a:ext>
+            </a:extLst>
+          </p:cNvPr>
+          <p:cNvSpPr>
+            <a:spLocks noGrp="1"/>
+          </p:cNvSpPr>
+          <p:nvPr>
+            <p:ph type="sldNum" sz="quarter" idx="12"/>
+          </p:nvPr>
+        </p:nvSpPr>
+        <p:spPr/>
+        <p:txBody>
+          <a:bodyPr/>
+          <a:lstStyle/>
+          <a:p>
+            <a:fld id="{E30AF5A0-43BB-4336-8627-9123B9144D80}" type="slidenum">
+              <a:rPr lang="en-US" smtClean="0"/>
+              <a:t>12</a:t>
+            </a:fld>
+            <a:endParaRPr lang="en-US"/>
           </a:p>
         </p:txBody>
       </p:sp>
       <p:pic>
         <p:nvPicPr>
-          <p:cNvPr id="8" name="Espaço Reservado para Conteúdo 7">
-            <a:extLst>
-              <a:ext uri="{FF2B5EF4-FFF2-40B4-BE49-F238E27FC236}">
-                <a16:creationId xmlns:a16="http://schemas.microsoft.com/office/drawing/2014/main" id="{7CD76E04-D522-973B-6EE1-A40171303F89}"/>
+          <p:cNvPr id="12" name="Espaço Reservado para Conteúdo 11" descr="A diagram of a number diagram&#10;&#10;Descrição gerada automaticamente">
+            <a:extLst>
+              <a:ext uri="{FF2B5EF4-FFF2-40B4-BE49-F238E27FC236}">
+                <a16:creationId xmlns:a16="http://schemas.microsoft.com/office/drawing/2014/main" id="{156FE2EB-7854-21B2-BFC7-715635A4A362}"/>
               </a:ext>
             </a:extLst>
           </p:cNvPr>
@@ -8420,109 +8755,28 @@
           </p:nvPr>
         </p:nvPicPr>
         <p:blipFill>
-          <a:blip r:embed="rId2"/>
+          <a:blip r:embed="rId2">
+            <a:extLst>
+              <a:ext uri="{28A0092B-C50C-407E-A947-70E740481C1C}">
+                <a14:useLocalDpi xmlns:a14="http://schemas.microsoft.com/office/drawing/2010/main" val="0"/>
+              </a:ext>
+            </a:extLst>
+          </a:blip>
           <a:stretch>
             <a:fillRect/>
           </a:stretch>
         </p:blipFill>
         <p:spPr>
           <a:xfrm>
-            <a:off x="4116096" y="2292350"/>
-            <a:ext cx="3859796" cy="3636963"/>
+            <a:off x="3150737" y="2292350"/>
+            <a:ext cx="5790513" cy="3636963"/>
           </a:xfrm>
         </p:spPr>
       </p:pic>
-      <p:sp>
-        <p:nvSpPr>
-          <p:cNvPr id="4" name="Espaço Reservado para Data 3">
-            <a:extLst>
-              <a:ext uri="{FF2B5EF4-FFF2-40B4-BE49-F238E27FC236}">
-                <a16:creationId xmlns:a16="http://schemas.microsoft.com/office/drawing/2014/main" id="{F1169171-50F6-26B7-CA51-7B4A8C668F9C}"/>
-              </a:ext>
-            </a:extLst>
-          </p:cNvPr>
-          <p:cNvSpPr>
-            <a:spLocks noGrp="1"/>
-          </p:cNvSpPr>
-          <p:nvPr>
-            <p:ph type="dt" sz="half" idx="10"/>
-          </p:nvPr>
-        </p:nvSpPr>
-        <p:spPr/>
-        <p:txBody>
-          <a:bodyPr/>
-          <a:lstStyle/>
-          <a:p>
-            <a:fld id="{3FED1A3B-AF4E-49AD-AF70-B4B048A9E2A4}" type="datetime1">
-              <a:rPr lang="en-US" smtClean="0"/>
-              <a:t>6/18/2024</a:t>
-            </a:fld>
-            <a:endParaRPr lang="en-US"/>
-          </a:p>
-        </p:txBody>
-      </p:sp>
-      <p:sp>
-        <p:nvSpPr>
-          <p:cNvPr id="5" name="Espaço Reservado para Rodapé 4">
-            <a:extLst>
-              <a:ext uri="{FF2B5EF4-FFF2-40B4-BE49-F238E27FC236}">
-                <a16:creationId xmlns:a16="http://schemas.microsoft.com/office/drawing/2014/main" id="{1D8C1A4C-1C25-FF6D-B647-44B070F2B3B9}"/>
-              </a:ext>
-            </a:extLst>
-          </p:cNvPr>
-          <p:cNvSpPr>
-            <a:spLocks noGrp="1"/>
-          </p:cNvSpPr>
-          <p:nvPr>
-            <p:ph type="ftr" sz="quarter" idx="11"/>
-          </p:nvPr>
-        </p:nvSpPr>
-        <p:spPr/>
-        <p:txBody>
-          <a:bodyPr/>
-          <a:lstStyle/>
-          <a:p>
-            <a:r>
-              <a:rPr lang="en-US"/>
-              <a:t>
-              </a:t>
-            </a:r>
-          </a:p>
-        </p:txBody>
-      </p:sp>
-      <p:sp>
-        <p:nvSpPr>
-          <p:cNvPr id="6" name="Espaço Reservado para Número de Slide 5">
-            <a:extLst>
-              <a:ext uri="{FF2B5EF4-FFF2-40B4-BE49-F238E27FC236}">
-                <a16:creationId xmlns:a16="http://schemas.microsoft.com/office/drawing/2014/main" id="{9702997B-5C0B-F2E4-BB6F-65DB8CF1421D}"/>
-              </a:ext>
-            </a:extLst>
-          </p:cNvPr>
-          <p:cNvSpPr>
-            <a:spLocks noGrp="1"/>
-          </p:cNvSpPr>
-          <p:nvPr>
-            <p:ph type="sldNum" sz="quarter" idx="12"/>
-          </p:nvPr>
-        </p:nvSpPr>
-        <p:spPr/>
-        <p:txBody>
-          <a:bodyPr/>
-          <a:lstStyle/>
-          <a:p>
-            <a:fld id="{E30AF5A0-43BB-4336-8627-9123B9144D80}" type="slidenum">
-              <a:rPr lang="en-US" smtClean="0"/>
-              <a:t>12</a:t>
-            </a:fld>
-            <a:endParaRPr lang="en-US"/>
-          </a:p>
-        </p:txBody>
-      </p:sp>
     </p:spTree>
     <p:extLst>
       <p:ext uri="{BB962C8B-B14F-4D97-AF65-F5344CB8AC3E}">
-        <p14:creationId xmlns:p14="http://schemas.microsoft.com/office/powerpoint/2010/main" val="2061843158"/>
+        <p14:creationId xmlns:p14="http://schemas.microsoft.com/office/powerpoint/2010/main" val="2436310047"/>
       </p:ext>
     </p:extLst>
   </p:cSld>
@@ -8554,7 +8808,7 @@
           <p:cNvPr id="2" name="Título 1">
             <a:extLst>
               <a:ext uri="{FF2B5EF4-FFF2-40B4-BE49-F238E27FC236}">
-                <a16:creationId xmlns:a16="http://schemas.microsoft.com/office/drawing/2014/main" id="{B181ADD0-7F40-AA4C-FCFF-A8DFD2B35DA6}"/>
+                <a16:creationId xmlns:a16="http://schemas.microsoft.com/office/drawing/2014/main" id="{1C5CCCFA-7843-42C7-C25C-2FD74769D1AD}"/>
               </a:ext>
             </a:extLst>
           </p:cNvPr>
@@ -8571,10 +8825,9 @@
           <a:lstStyle/>
           <a:p>
             <a:r>
-              <a:rPr lang="pt-BR" dirty="0" err="1"/>
-              <a:t>Pseudo-código</a:t>
-            </a:r>
-            <a:endParaRPr lang="pt-BR" dirty="0"/>
+              <a:rPr lang="pt-BR" dirty="0"/>
+              <a:t>Execução</a:t>
+            </a:r>
           </a:p>
         </p:txBody>
       </p:sp>
@@ -8583,7 +8836,7 @@
           <p:cNvPr id="8" name="Espaço Reservado para Conteúdo 7">
             <a:extLst>
               <a:ext uri="{FF2B5EF4-FFF2-40B4-BE49-F238E27FC236}">
-                <a16:creationId xmlns:a16="http://schemas.microsoft.com/office/drawing/2014/main" id="{7608FD13-E51A-6B6E-957F-4F3A152E63BE}"/>
+                <a16:creationId xmlns:a16="http://schemas.microsoft.com/office/drawing/2014/main" id="{DACE573F-7A9B-E092-2A10-4546914C977A}"/>
               </a:ext>
             </a:extLst>
           </p:cNvPr>
@@ -8602,8 +8855,8 @@
         </p:blipFill>
         <p:spPr>
           <a:xfrm>
-            <a:off x="2565518" y="2292350"/>
-            <a:ext cx="6960952" cy="3636963"/>
+            <a:off x="3612482" y="2292350"/>
+            <a:ext cx="4867024" cy="3636963"/>
           </a:xfrm>
         </p:spPr>
       </p:pic>
@@ -8612,7 +8865,7 @@
           <p:cNvPr id="4" name="Espaço Reservado para Data 3">
             <a:extLst>
               <a:ext uri="{FF2B5EF4-FFF2-40B4-BE49-F238E27FC236}">
-                <a16:creationId xmlns:a16="http://schemas.microsoft.com/office/drawing/2014/main" id="{9DD137EA-0D02-C6A4-510C-4ED81261E4E3}"/>
+                <a16:creationId xmlns:a16="http://schemas.microsoft.com/office/drawing/2014/main" id="{FACF1E5F-377F-3501-DB83-4157F9B66AA7}"/>
               </a:ext>
             </a:extLst>
           </p:cNvPr>
@@ -8628,9 +8881,9 @@
           <a:bodyPr/>
           <a:lstStyle/>
           <a:p>
-            <a:fld id="{19EBF08E-4C68-4F76-ACBE-10C8B68D8815}" type="datetime1">
+            <a:fld id="{A206FFE9-BB80-4F94-B6D3-49A1D0E2B07A}" type="datetime1">
               <a:rPr lang="en-US" smtClean="0"/>
-              <a:t>6/18/2024</a:t>
+              <a:t>6/19/2024</a:t>
             </a:fld>
             <a:endParaRPr lang="en-US"/>
           </a:p>
@@ -8641,7 +8894,7 @@
           <p:cNvPr id="5" name="Espaço Reservado para Rodapé 4">
             <a:extLst>
               <a:ext uri="{FF2B5EF4-FFF2-40B4-BE49-F238E27FC236}">
-                <a16:creationId xmlns:a16="http://schemas.microsoft.com/office/drawing/2014/main" id="{565395CF-B44C-D1F4-0BF1-DBEFBDBE9B2A}"/>
+                <a16:creationId xmlns:a16="http://schemas.microsoft.com/office/drawing/2014/main" id="{CC099069-6B98-2134-D22E-75E4DB4FE1A6}"/>
               </a:ext>
             </a:extLst>
           </p:cNvPr>
@@ -8670,7 +8923,7 @@
           <p:cNvPr id="6" name="Espaço Reservado para Número de Slide 5">
             <a:extLst>
               <a:ext uri="{FF2B5EF4-FFF2-40B4-BE49-F238E27FC236}">
-                <a16:creationId xmlns:a16="http://schemas.microsoft.com/office/drawing/2014/main" id="{1D782E9B-1AE2-7D16-BAB6-4AD2D1C100A6}"/>
+                <a16:creationId xmlns:a16="http://schemas.microsoft.com/office/drawing/2014/main" id="{06DFAFF9-EEE4-6E85-9467-B33DC9991EB0}"/>
               </a:ext>
             </a:extLst>
           </p:cNvPr>
@@ -8697,7 +8950,7 @@
     </p:spTree>
     <p:extLst>
       <p:ext uri="{BB962C8B-B14F-4D97-AF65-F5344CB8AC3E}">
-        <p14:creationId xmlns:p14="http://schemas.microsoft.com/office/powerpoint/2010/main" val="3452563875"/>
+        <p14:creationId xmlns:p14="http://schemas.microsoft.com/office/powerpoint/2010/main" val="697228871"/>
       </p:ext>
     </p:extLst>
   </p:cSld>
@@ -8729,7 +8982,7 @@
           <p:cNvPr id="2" name="Título 1">
             <a:extLst>
               <a:ext uri="{FF2B5EF4-FFF2-40B4-BE49-F238E27FC236}">
-                <a16:creationId xmlns:a16="http://schemas.microsoft.com/office/drawing/2014/main" id="{2C7603AB-3635-A747-D72A-F657752D300B}"/>
+                <a16:creationId xmlns:a16="http://schemas.microsoft.com/office/drawing/2014/main" id="{A927CB7B-92A7-C241-0B94-5CEF109B9B4E}"/>
               </a:ext>
             </a:extLst>
           </p:cNvPr>
@@ -8746,19 +8999,18 @@
           <a:lstStyle/>
           <a:p>
             <a:r>
-              <a:rPr lang="pt-BR" dirty="0" err="1"/>
-              <a:t>Pseudo-código</a:t>
-            </a:r>
-            <a:endParaRPr lang="pt-BR" dirty="0"/>
+              <a:rPr lang="pt-BR" dirty="0"/>
+              <a:t>Grafo</a:t>
+            </a:r>
           </a:p>
         </p:txBody>
       </p:sp>
       <p:pic>
         <p:nvPicPr>
-          <p:cNvPr id="8" name="Espaço Reservado para Conteúdo 7">
-            <a:extLst>
-              <a:ext uri="{FF2B5EF4-FFF2-40B4-BE49-F238E27FC236}">
-                <a16:creationId xmlns:a16="http://schemas.microsoft.com/office/drawing/2014/main" id="{5FD4B0F7-AA97-BE6C-C927-490733EE9CAE}"/>
+          <p:cNvPr id="8" name="Espaço Reservado para Conteúdo 7" descr="A diagram of a graph&#10;&#10;Descrição gerada automaticamente">
+            <a:extLst>
+              <a:ext uri="{FF2B5EF4-FFF2-40B4-BE49-F238E27FC236}">
+                <a16:creationId xmlns:a16="http://schemas.microsoft.com/office/drawing/2014/main" id="{87134060-13E6-E353-2C9B-509208B9FB68}"/>
               </a:ext>
             </a:extLst>
           </p:cNvPr>
@@ -8770,15 +9022,21 @@
           </p:nvPr>
         </p:nvPicPr>
         <p:blipFill>
-          <a:blip r:embed="rId2"/>
+          <a:blip r:embed="rId2">
+            <a:extLst>
+              <a:ext uri="{28A0092B-C50C-407E-A947-70E740481C1C}">
+                <a14:useLocalDpi xmlns:a14="http://schemas.microsoft.com/office/drawing/2010/main" val="0"/>
+              </a:ext>
+            </a:extLst>
+          </a:blip>
           <a:stretch>
             <a:fillRect/>
           </a:stretch>
         </p:blipFill>
         <p:spPr>
           <a:xfrm>
-            <a:off x="3747817" y="2292350"/>
-            <a:ext cx="4596353" cy="3636963"/>
+            <a:off x="1630974" y="2292350"/>
+            <a:ext cx="8830040" cy="3636963"/>
           </a:xfrm>
         </p:spPr>
       </p:pic>
@@ -8787,7 +9045,7 @@
           <p:cNvPr id="4" name="Espaço Reservado para Data 3">
             <a:extLst>
               <a:ext uri="{FF2B5EF4-FFF2-40B4-BE49-F238E27FC236}">
-                <a16:creationId xmlns:a16="http://schemas.microsoft.com/office/drawing/2014/main" id="{A019CC65-0C1B-91FD-987F-A5A74ABD9BFF}"/>
+                <a16:creationId xmlns:a16="http://schemas.microsoft.com/office/drawing/2014/main" id="{85E65726-E111-6CA4-00EE-1D06A1BFA392}"/>
               </a:ext>
             </a:extLst>
           </p:cNvPr>
@@ -8803,9 +9061,9 @@
           <a:bodyPr/>
           <a:lstStyle/>
           <a:p>
-            <a:fld id="{37D58122-C5F7-47CD-801C-14F6A9A18FF8}" type="datetime1">
+            <a:fld id="{E7899BB1-E2A5-4208-BCB7-BC828AD26BCE}" type="datetime1">
               <a:rPr lang="en-US" smtClean="0"/>
-              <a:t>6/18/2024</a:t>
+              <a:t>6/19/2024</a:t>
             </a:fld>
             <a:endParaRPr lang="en-US"/>
           </a:p>
@@ -8816,7 +9074,7 @@
           <p:cNvPr id="5" name="Espaço Reservado para Rodapé 4">
             <a:extLst>
               <a:ext uri="{FF2B5EF4-FFF2-40B4-BE49-F238E27FC236}">
-                <a16:creationId xmlns:a16="http://schemas.microsoft.com/office/drawing/2014/main" id="{9F1DFAA1-6AD9-55CE-3FD8-DC93BDFAAC45}"/>
+                <a16:creationId xmlns:a16="http://schemas.microsoft.com/office/drawing/2014/main" id="{AC2C8A53-0D28-E31E-6BA9-772150A3F1FB}"/>
               </a:ext>
             </a:extLst>
           </p:cNvPr>
@@ -8845,7 +9103,7 @@
           <p:cNvPr id="6" name="Espaço Reservado para Número de Slide 5">
             <a:extLst>
               <a:ext uri="{FF2B5EF4-FFF2-40B4-BE49-F238E27FC236}">
-                <a16:creationId xmlns:a16="http://schemas.microsoft.com/office/drawing/2014/main" id="{9A9DD6B4-4469-2912-9ECC-C294C6A7F214}"/>
+                <a16:creationId xmlns:a16="http://schemas.microsoft.com/office/drawing/2014/main" id="{06F9E31B-A710-9B61-A17A-D906D4450540}"/>
               </a:ext>
             </a:extLst>
           </p:cNvPr>
@@ -8872,7 +9130,7 @@
     </p:spTree>
     <p:extLst>
       <p:ext uri="{BB962C8B-B14F-4D97-AF65-F5344CB8AC3E}">
-        <p14:creationId xmlns:p14="http://schemas.microsoft.com/office/powerpoint/2010/main" val="2707155307"/>
+        <p14:creationId xmlns:p14="http://schemas.microsoft.com/office/powerpoint/2010/main" val="713337090"/>
       </p:ext>
     </p:extLst>
   </p:cSld>
@@ -8904,7 +9162,7 @@
           <p:cNvPr id="2" name="Título 1">
             <a:extLst>
               <a:ext uri="{FF2B5EF4-FFF2-40B4-BE49-F238E27FC236}">
-                <a16:creationId xmlns:a16="http://schemas.microsoft.com/office/drawing/2014/main" id="{CCEC0EA6-22C1-0FD7-A031-82C300A98F3E}"/>
+                <a16:creationId xmlns:a16="http://schemas.microsoft.com/office/drawing/2014/main" id="{AD5FCB21-6D81-9652-F588-2B7F8FFD029D}"/>
               </a:ext>
             </a:extLst>
           </p:cNvPr>
@@ -8921,19 +9179,18 @@
           <a:lstStyle/>
           <a:p>
             <a:r>
-              <a:rPr lang="pt-BR" dirty="0" err="1"/>
-              <a:t>Pseudo-código</a:t>
-            </a:r>
-            <a:endParaRPr lang="pt-BR" dirty="0"/>
+              <a:rPr lang="pt-BR" dirty="0"/>
+              <a:t>Execução</a:t>
+            </a:r>
           </a:p>
         </p:txBody>
       </p:sp>
       <p:pic>
         <p:nvPicPr>
-          <p:cNvPr id="8" name="Espaço Reservado para Conteúdo 7">
-            <a:extLst>
-              <a:ext uri="{FF2B5EF4-FFF2-40B4-BE49-F238E27FC236}">
-                <a16:creationId xmlns:a16="http://schemas.microsoft.com/office/drawing/2014/main" id="{95302D35-68A3-E70F-CF1B-F491A00FD9B6}"/>
+          <p:cNvPr id="10" name="Espaço Reservado para Conteúdo 9">
+            <a:extLst>
+              <a:ext uri="{FF2B5EF4-FFF2-40B4-BE49-F238E27FC236}">
+                <a16:creationId xmlns:a16="http://schemas.microsoft.com/office/drawing/2014/main" id="{604DE75C-A666-E188-9FA2-F88E39578776}"/>
               </a:ext>
             </a:extLst>
           </p:cNvPr>
@@ -8952,8 +9209,8 @@
         </p:blipFill>
         <p:spPr>
           <a:xfrm>
-            <a:off x="3902293" y="2292350"/>
-            <a:ext cx="4287402" cy="3636963"/>
+            <a:off x="3878200" y="2292350"/>
+            <a:ext cx="4335588" cy="3636963"/>
           </a:xfrm>
         </p:spPr>
       </p:pic>
@@ -8962,7 +9219,7 @@
           <p:cNvPr id="4" name="Espaço Reservado para Data 3">
             <a:extLst>
               <a:ext uri="{FF2B5EF4-FFF2-40B4-BE49-F238E27FC236}">
-                <a16:creationId xmlns:a16="http://schemas.microsoft.com/office/drawing/2014/main" id="{EFACD563-97C2-E351-DF86-2DFDCBD9E827}"/>
+                <a16:creationId xmlns:a16="http://schemas.microsoft.com/office/drawing/2014/main" id="{17C43CAF-2BB8-C26B-D253-3251D5913BB3}"/>
               </a:ext>
             </a:extLst>
           </p:cNvPr>
@@ -8978,9 +9235,9 @@
           <a:bodyPr/>
           <a:lstStyle/>
           <a:p>
-            <a:fld id="{80EB892E-AFAE-4AE9-8A01-B3069C9289F0}" type="datetime1">
+            <a:fld id="{BC01C88A-67A0-4358-BEA7-D330F5D3D9BE}" type="datetime1">
               <a:rPr lang="en-US" smtClean="0"/>
-              <a:t>6/18/2024</a:t>
+              <a:t>6/19/2024</a:t>
             </a:fld>
             <a:endParaRPr lang="en-US"/>
           </a:p>
@@ -8991,7 +9248,7 @@
           <p:cNvPr id="5" name="Espaço Reservado para Rodapé 4">
             <a:extLst>
               <a:ext uri="{FF2B5EF4-FFF2-40B4-BE49-F238E27FC236}">
-                <a16:creationId xmlns:a16="http://schemas.microsoft.com/office/drawing/2014/main" id="{DF48E822-B6F0-9680-B855-2963C6755F7C}"/>
+                <a16:creationId xmlns:a16="http://schemas.microsoft.com/office/drawing/2014/main" id="{B8558087-3A94-A7AE-BFB4-1BBED3E6E52E}"/>
               </a:ext>
             </a:extLst>
           </p:cNvPr>
@@ -9020,7 +9277,7 @@
           <p:cNvPr id="6" name="Espaço Reservado para Número de Slide 5">
             <a:extLst>
               <a:ext uri="{FF2B5EF4-FFF2-40B4-BE49-F238E27FC236}">
-                <a16:creationId xmlns:a16="http://schemas.microsoft.com/office/drawing/2014/main" id="{69E2FB12-A29C-67E3-E0D4-F1DA90D358DE}"/>
+                <a16:creationId xmlns:a16="http://schemas.microsoft.com/office/drawing/2014/main" id="{02D43AA0-1F87-EC1F-3345-3801D1B7CB4E}"/>
               </a:ext>
             </a:extLst>
           </p:cNvPr>
@@ -9047,7 +9304,7 @@
     </p:spTree>
     <p:extLst>
       <p:ext uri="{BB962C8B-B14F-4D97-AF65-F5344CB8AC3E}">
-        <p14:creationId xmlns:p14="http://schemas.microsoft.com/office/powerpoint/2010/main" val="3325068316"/>
+        <p14:creationId xmlns:p14="http://schemas.microsoft.com/office/powerpoint/2010/main" val="1008255062"/>
       </p:ext>
     </p:extLst>
   </p:cSld>
@@ -9079,7 +9336,7 @@
           <p:cNvPr id="2" name="Título 1">
             <a:extLst>
               <a:ext uri="{FF2B5EF4-FFF2-40B4-BE49-F238E27FC236}">
-                <a16:creationId xmlns:a16="http://schemas.microsoft.com/office/drawing/2014/main" id="{5B56DE07-A52E-7B0C-ABC4-A3E924322AEE}"/>
+                <a16:creationId xmlns:a16="http://schemas.microsoft.com/office/drawing/2014/main" id="{4E319447-D02E-7C4B-241A-4A96C7ABC44D}"/>
               </a:ext>
             </a:extLst>
           </p:cNvPr>
@@ -9096,48 +9353,469 @@
           <a:lstStyle/>
           <a:p>
             <a:r>
-              <a:rPr lang="pt-BR" dirty="0" err="1"/>
-              <a:t>Pseudo-código</a:t>
-            </a:r>
-            <a:endParaRPr lang="pt-BR" dirty="0"/>
-          </a:p>
-        </p:txBody>
-      </p:sp>
-      <p:pic>
-        <p:nvPicPr>
-          <p:cNvPr id="8" name="Espaço Reservado para Conteúdo 7">
-            <a:extLst>
-              <a:ext uri="{FF2B5EF4-FFF2-40B4-BE49-F238E27FC236}">
-                <a16:creationId xmlns:a16="http://schemas.microsoft.com/office/drawing/2014/main" id="{EF91F902-2307-EB37-3E5B-F98EB7BDA921}"/>
-              </a:ext>
-            </a:extLst>
-          </p:cNvPr>
-          <p:cNvPicPr>
-            <a:picLocks noGrp="1" noChangeAspect="1"/>
-          </p:cNvPicPr>
+              <a:rPr lang="en-US" err="1"/>
+              <a:t>Referências</a:t>
+            </a:r>
+            <a:r>
+              <a:rPr lang="en-US"/>
+              <a:t> </a:t>
+            </a:r>
+            <a:r>
+              <a:rPr lang="en-US" err="1"/>
+              <a:t>bibliográficas</a:t>
+            </a:r>
+            <a:endParaRPr lang="pt-BR"/>
+          </a:p>
+        </p:txBody>
+      </p:sp>
+      <p:sp>
+        <p:nvSpPr>
+          <p:cNvPr id="3" name="Espaço Reservado para Conteúdo 2">
+            <a:extLst>
+              <a:ext uri="{FF2B5EF4-FFF2-40B4-BE49-F238E27FC236}">
+                <a16:creationId xmlns:a16="http://schemas.microsoft.com/office/drawing/2014/main" id="{DF5ABD57-ADCB-25E7-5CDB-095C18654DD9}"/>
+              </a:ext>
+            </a:extLst>
+          </p:cNvPr>
+          <p:cNvSpPr>
+            <a:spLocks noGrp="1"/>
+          </p:cNvSpPr>
           <p:nvPr>
             <p:ph idx="1"/>
           </p:nvPr>
-        </p:nvPicPr>
-        <p:blipFill>
-          <a:blip r:embed="rId2"/>
-          <a:stretch>
-            <a:fillRect/>
-          </a:stretch>
-        </p:blipFill>
-        <p:spPr>
-          <a:xfrm>
-            <a:off x="2708275" y="2292350"/>
-            <a:ext cx="6675438" cy="3636963"/>
-          </a:xfrm>
-        </p:spPr>
-      </p:pic>
+        </p:nvSpPr>
+        <p:spPr/>
+        <p:txBody>
+          <a:bodyPr vert="horz" lIns="91440" tIns="45720" rIns="91440" bIns="45720" rtlCol="0" anchor="t">
+            <a:normAutofit fontScale="85000" lnSpcReduction="10000"/>
+          </a:bodyPr>
+          <a:lstStyle/>
+          <a:p>
+            <a:r>
+              <a:rPr lang="en-US" b="0" i="0" dirty="0">
+                <a:solidFill>
+                  <a:srgbClr val="37393C"/>
+                </a:solidFill>
+                <a:effectLst/>
+                <a:highlight>
+                  <a:srgbClr val="FFFFFF"/>
+                </a:highlight>
+              </a:rPr>
+              <a:t>COHEN, E. </a:t>
+            </a:r>
+            <a:r>
+              <a:rPr lang="en-US" b="1" i="0" dirty="0">
+                <a:solidFill>
+                  <a:srgbClr val="37393C"/>
+                </a:solidFill>
+                <a:effectLst/>
+                <a:highlight>
+                  <a:srgbClr val="FFFFFF"/>
+                </a:highlight>
+              </a:rPr>
+              <a:t>How to use Critical Path Method for complete beginners (with examples)</a:t>
+            </a:r>
+            <a:r>
+              <a:rPr lang="en-US" b="0" i="0" dirty="0">
+                <a:solidFill>
+                  <a:srgbClr val="37393C"/>
+                </a:solidFill>
+                <a:effectLst/>
+                <a:highlight>
+                  <a:srgbClr val="FFFFFF"/>
+                </a:highlight>
+              </a:rPr>
+              <a:t>. </a:t>
+            </a:r>
+            <a:r>
+              <a:rPr lang="en-US" b="0" i="0" dirty="0" err="1">
+                <a:solidFill>
+                  <a:srgbClr val="37393C"/>
+                </a:solidFill>
+                <a:effectLst/>
+                <a:highlight>
+                  <a:srgbClr val="FFFFFF"/>
+                </a:highlight>
+              </a:rPr>
+              <a:t>Disponível</a:t>
+            </a:r>
+            <a:r>
+              <a:rPr lang="en-US" b="0" i="0" dirty="0">
+                <a:solidFill>
+                  <a:srgbClr val="37393C"/>
+                </a:solidFill>
+                <a:effectLst/>
+                <a:highlight>
+                  <a:srgbClr val="FFFFFF"/>
+                </a:highlight>
+              </a:rPr>
+              <a:t> </a:t>
+            </a:r>
+            <a:r>
+              <a:rPr lang="en-US" b="0" i="0" dirty="0" err="1">
+                <a:solidFill>
+                  <a:srgbClr val="37393C"/>
+                </a:solidFill>
+                <a:effectLst/>
+                <a:highlight>
+                  <a:srgbClr val="FFFFFF"/>
+                </a:highlight>
+              </a:rPr>
+              <a:t>em</a:t>
+            </a:r>
+            <a:r>
+              <a:rPr lang="en-US" b="0" i="0" dirty="0">
+                <a:solidFill>
+                  <a:srgbClr val="37393C"/>
+                </a:solidFill>
+                <a:effectLst/>
+                <a:highlight>
+                  <a:srgbClr val="FFFFFF"/>
+                </a:highlight>
+              </a:rPr>
+              <a:t>: &lt;https://www.workamajig.com/blog/critical-path-method&gt;. </a:t>
+            </a:r>
+            <a:r>
+              <a:rPr lang="en-US" b="0" i="0" dirty="0" err="1">
+                <a:solidFill>
+                  <a:srgbClr val="37393C"/>
+                </a:solidFill>
+                <a:effectLst/>
+                <a:highlight>
+                  <a:srgbClr val="FFFFFF"/>
+                </a:highlight>
+              </a:rPr>
+              <a:t>Acesso</a:t>
+            </a:r>
+            <a:r>
+              <a:rPr lang="en-US" b="0" i="0" dirty="0">
+                <a:solidFill>
+                  <a:srgbClr val="37393C"/>
+                </a:solidFill>
+                <a:effectLst/>
+                <a:highlight>
+                  <a:srgbClr val="FFFFFF"/>
+                </a:highlight>
+              </a:rPr>
+              <a:t> </a:t>
+            </a:r>
+            <a:r>
+              <a:rPr lang="en-US" b="0" i="0" dirty="0" err="1">
+                <a:solidFill>
+                  <a:srgbClr val="37393C"/>
+                </a:solidFill>
+                <a:effectLst/>
+                <a:highlight>
+                  <a:srgbClr val="FFFFFF"/>
+                </a:highlight>
+              </a:rPr>
+              <a:t>em</a:t>
+            </a:r>
+            <a:r>
+              <a:rPr lang="en-US" b="0" i="0" dirty="0">
+                <a:solidFill>
+                  <a:srgbClr val="37393C"/>
+                </a:solidFill>
+                <a:effectLst/>
+                <a:highlight>
+                  <a:srgbClr val="FFFFFF"/>
+                </a:highlight>
+              </a:rPr>
+              <a:t>: 18 jun. 2024.</a:t>
+            </a:r>
+          </a:p>
+          <a:p>
+            <a:r>
+              <a:rPr lang="pt-BR" b="1" dirty="0" err="1">
+                <a:effectLst/>
+              </a:rPr>
+              <a:t>Critical</a:t>
+            </a:r>
+            <a:r>
+              <a:rPr lang="pt-BR" b="1" dirty="0">
+                <a:effectLst/>
+              </a:rPr>
+              <a:t> path </a:t>
+            </a:r>
+            <a:r>
+              <a:rPr lang="pt-BR" b="1" dirty="0" err="1">
+                <a:effectLst/>
+              </a:rPr>
+              <a:t>analysis</a:t>
+            </a:r>
+            <a:r>
+              <a:rPr lang="pt-BR" dirty="0">
+                <a:effectLst/>
+              </a:rPr>
+              <a:t>. Disponível em: &lt;https://www.studysmarter.co.uk/</a:t>
+            </a:r>
+            <a:r>
+              <a:rPr lang="pt-BR" dirty="0" err="1">
+                <a:effectLst/>
+              </a:rPr>
+              <a:t>explanations</a:t>
+            </a:r>
+            <a:r>
+              <a:rPr lang="pt-BR" dirty="0">
+                <a:effectLst/>
+              </a:rPr>
+              <a:t>/</a:t>
+            </a:r>
+            <a:r>
+              <a:rPr lang="pt-BR" dirty="0" err="1">
+                <a:effectLst/>
+              </a:rPr>
+              <a:t>math</a:t>
+            </a:r>
+            <a:r>
+              <a:rPr lang="pt-BR" dirty="0">
+                <a:effectLst/>
+              </a:rPr>
+              <a:t>/</a:t>
+            </a:r>
+            <a:r>
+              <a:rPr lang="pt-BR" dirty="0" err="1">
+                <a:effectLst/>
+              </a:rPr>
+              <a:t>decision-maths</a:t>
+            </a:r>
+            <a:r>
+              <a:rPr lang="pt-BR" dirty="0">
+                <a:effectLst/>
+              </a:rPr>
+              <a:t>/</a:t>
+            </a:r>
+            <a:r>
+              <a:rPr lang="pt-BR" dirty="0" err="1">
+                <a:effectLst/>
+              </a:rPr>
+              <a:t>critical</a:t>
+            </a:r>
+            <a:r>
+              <a:rPr lang="pt-BR" dirty="0">
+                <a:effectLst/>
+              </a:rPr>
+              <a:t>-path-</a:t>
+            </a:r>
+            <a:r>
+              <a:rPr lang="pt-BR" dirty="0" err="1">
+                <a:effectLst/>
+              </a:rPr>
+              <a:t>analysis</a:t>
+            </a:r>
+            <a:r>
+              <a:rPr lang="pt-BR" dirty="0">
+                <a:effectLst/>
+              </a:rPr>
+              <a:t>/&gt;. Acesso em: 18 jun. 2024.</a:t>
+            </a:r>
+          </a:p>
+          <a:p>
+            <a:r>
+              <a:rPr lang="pt-BR" dirty="0">
+                <a:effectLst/>
+              </a:rPr>
+              <a:t>EBY, K. </a:t>
+            </a:r>
+            <a:r>
+              <a:rPr lang="pt-BR" b="1" dirty="0">
+                <a:effectLst/>
+              </a:rPr>
+              <a:t>The </a:t>
+            </a:r>
+            <a:r>
+              <a:rPr lang="pt-BR" b="1" dirty="0" err="1">
+                <a:effectLst/>
+              </a:rPr>
+              <a:t>ultimate</a:t>
+            </a:r>
+            <a:r>
+              <a:rPr lang="pt-BR" b="1" dirty="0">
+                <a:effectLst/>
+              </a:rPr>
+              <a:t> </a:t>
+            </a:r>
+            <a:r>
+              <a:rPr lang="pt-BR" b="1" dirty="0" err="1">
+                <a:effectLst/>
+              </a:rPr>
+              <a:t>guide</a:t>
+            </a:r>
+            <a:r>
+              <a:rPr lang="pt-BR" b="1" dirty="0">
+                <a:effectLst/>
+              </a:rPr>
+              <a:t> </a:t>
+            </a:r>
+            <a:r>
+              <a:rPr lang="pt-BR" b="1" dirty="0" err="1">
+                <a:effectLst/>
+              </a:rPr>
+              <a:t>to</a:t>
+            </a:r>
+            <a:r>
+              <a:rPr lang="pt-BR" b="1" dirty="0">
+                <a:effectLst/>
+              </a:rPr>
+              <a:t> </a:t>
+            </a:r>
+            <a:r>
+              <a:rPr lang="pt-BR" b="1" dirty="0" err="1">
+                <a:effectLst/>
+              </a:rPr>
+              <a:t>the</a:t>
+            </a:r>
+            <a:r>
+              <a:rPr lang="pt-BR" b="1" dirty="0">
+                <a:effectLst/>
+              </a:rPr>
+              <a:t> </a:t>
+            </a:r>
+            <a:r>
+              <a:rPr lang="pt-BR" b="1" dirty="0" err="1">
+                <a:effectLst/>
+              </a:rPr>
+              <a:t>critical</a:t>
+            </a:r>
+            <a:r>
+              <a:rPr lang="pt-BR" b="1" dirty="0">
+                <a:effectLst/>
+              </a:rPr>
+              <a:t> path </a:t>
+            </a:r>
+            <a:r>
+              <a:rPr lang="pt-BR" b="1" dirty="0" err="1">
+                <a:effectLst/>
+              </a:rPr>
+              <a:t>method</a:t>
+            </a:r>
+            <a:r>
+              <a:rPr lang="pt-BR" dirty="0">
+                <a:effectLst/>
+              </a:rPr>
+              <a:t>. </a:t>
+            </a:r>
+            <a:r>
+              <a:rPr lang="pt-BR" b="1" dirty="0" err="1">
+                <a:effectLst/>
+              </a:rPr>
+              <a:t>Smartsheet</a:t>
+            </a:r>
+            <a:r>
+              <a:rPr lang="pt-BR" dirty="0">
+                <a:effectLst/>
+              </a:rPr>
+              <a:t>, 30 abr. 2015. Disponível em: &lt;https://www.smartsheet.com/</a:t>
+            </a:r>
+            <a:r>
+              <a:rPr lang="pt-BR" dirty="0" err="1">
+                <a:effectLst/>
+              </a:rPr>
+              <a:t>critical</a:t>
+            </a:r>
+            <a:r>
+              <a:rPr lang="pt-BR" dirty="0">
+                <a:effectLst/>
+              </a:rPr>
+              <a:t>-path-</a:t>
+            </a:r>
+            <a:r>
+              <a:rPr lang="pt-BR" dirty="0" err="1">
+                <a:effectLst/>
+              </a:rPr>
+              <a:t>method</a:t>
+            </a:r>
+            <a:r>
+              <a:rPr lang="pt-BR" dirty="0">
+                <a:effectLst/>
+              </a:rPr>
+              <a:t>&gt;. Acesso em: 18 jun. 2024</a:t>
+            </a:r>
+          </a:p>
+          <a:p>
+            <a:r>
+              <a:rPr lang="pt-BR" dirty="0">
+                <a:effectLst/>
+              </a:rPr>
+              <a:t>WIKIPEDIA CONTRIBUTORS. </a:t>
+            </a:r>
+            <a:r>
+              <a:rPr lang="pt-BR" b="1" dirty="0" err="1">
+                <a:effectLst/>
+              </a:rPr>
+              <a:t>Critical</a:t>
+            </a:r>
+            <a:r>
+              <a:rPr lang="pt-BR" b="1" dirty="0">
+                <a:effectLst/>
+              </a:rPr>
+              <a:t> path </a:t>
+            </a:r>
+            <a:r>
+              <a:rPr lang="pt-BR" b="1" dirty="0" err="1">
+                <a:effectLst/>
+              </a:rPr>
+              <a:t>method</a:t>
+            </a:r>
+            <a:r>
+              <a:rPr lang="pt-BR" dirty="0">
+                <a:effectLst/>
+              </a:rPr>
+              <a:t>. Disponível em: &lt;https://en.wikipedia.org/w/</a:t>
+            </a:r>
+            <a:r>
+              <a:rPr lang="pt-BR" dirty="0" err="1">
+                <a:effectLst/>
+              </a:rPr>
+              <a:t>index.php?title</a:t>
+            </a:r>
+            <a:r>
+              <a:rPr lang="pt-BR" dirty="0">
+                <a:effectLst/>
+              </a:rPr>
+              <a:t>=</a:t>
+            </a:r>
+            <a:r>
+              <a:rPr lang="pt-BR" dirty="0" err="1">
+                <a:effectLst/>
+              </a:rPr>
+              <a:t>Critical_path_method&amp;oldid</a:t>
+            </a:r>
+            <a:r>
+              <a:rPr lang="pt-BR" dirty="0">
+                <a:effectLst/>
+              </a:rPr>
+              <a:t>=1222967231&gt;.</a:t>
+            </a:r>
+          </a:p>
+          <a:p>
+            <a:r>
+              <a:rPr lang="pt-BR" dirty="0">
+                <a:effectLst/>
+              </a:rPr>
+              <a:t>Disponível em: &lt;https://www.pmi.org/learning/</a:t>
+            </a:r>
+            <a:r>
+              <a:rPr lang="pt-BR" dirty="0" err="1">
+                <a:effectLst/>
+              </a:rPr>
+              <a:t>library</a:t>
+            </a:r>
+            <a:r>
+              <a:rPr lang="pt-BR" dirty="0">
+                <a:effectLst/>
+              </a:rPr>
+              <a:t>/schedule-risk-analysis-simplified-10573&gt;. Acesso em: 18 jun. 2024.</a:t>
+            </a:r>
+          </a:p>
+        </p:txBody>
+      </p:sp>
       <p:sp>
         <p:nvSpPr>
           <p:cNvPr id="4" name="Espaço Reservado para Data 3">
             <a:extLst>
               <a:ext uri="{FF2B5EF4-FFF2-40B4-BE49-F238E27FC236}">
-                <a16:creationId xmlns:a16="http://schemas.microsoft.com/office/drawing/2014/main" id="{07B473E5-E489-E7C5-224B-D5007380083D}"/>
+                <a16:creationId xmlns:a16="http://schemas.microsoft.com/office/drawing/2014/main" id="{E575A558-438B-6388-C74A-CB3D2C97D3F8}"/>
               </a:ext>
             </a:extLst>
           </p:cNvPr>
@@ -9153,9 +9831,9 @@
           <a:bodyPr/>
           <a:lstStyle/>
           <a:p>
-            <a:fld id="{BD8A6101-0C66-48F8-93A8-A36B06FAB579}" type="datetime1">
+            <a:fld id="{5C0E8BC3-A60E-4E31-8AE4-2BE08893AD21}" type="datetime1">
               <a:rPr lang="en-US" smtClean="0"/>
-              <a:t>6/18/2024</a:t>
+              <a:t>6/19/2024</a:t>
             </a:fld>
             <a:endParaRPr lang="en-US"/>
           </a:p>
@@ -9166,7 +9844,7 @@
           <p:cNvPr id="5" name="Espaço Reservado para Rodapé 4">
             <a:extLst>
               <a:ext uri="{FF2B5EF4-FFF2-40B4-BE49-F238E27FC236}">
-                <a16:creationId xmlns:a16="http://schemas.microsoft.com/office/drawing/2014/main" id="{D9484BD9-C503-5AE9-0409-6C3506229377}"/>
+                <a16:creationId xmlns:a16="http://schemas.microsoft.com/office/drawing/2014/main" id="{5792529F-47F6-73F8-4E0C-FA5B71473D22}"/>
               </a:ext>
             </a:extLst>
           </p:cNvPr>
@@ -9183,7 +9861,7 @@
           <a:lstStyle/>
           <a:p>
             <a:r>
-              <a:rPr lang="en-US"/>
+              <a:rPr lang="en-US" dirty="0"/>
               <a:t>
               </a:t>
             </a:r>
@@ -9195,7 +9873,7 @@
           <p:cNvPr id="6" name="Espaço Reservado para Número de Slide 5">
             <a:extLst>
               <a:ext uri="{FF2B5EF4-FFF2-40B4-BE49-F238E27FC236}">
-                <a16:creationId xmlns:a16="http://schemas.microsoft.com/office/drawing/2014/main" id="{2F6417F0-86CE-3F27-11A1-0C8A286085F5}"/>
+                <a16:creationId xmlns:a16="http://schemas.microsoft.com/office/drawing/2014/main" id="{6590052F-4EE3-8698-0A10-CB8C4E35A1E4}"/>
               </a:ext>
             </a:extLst>
           </p:cNvPr>
@@ -9222,7 +9900,7 @@
     </p:spTree>
     <p:extLst>
       <p:ext uri="{BB962C8B-B14F-4D97-AF65-F5344CB8AC3E}">
-        <p14:creationId xmlns:p14="http://schemas.microsoft.com/office/powerpoint/2010/main" val="2287349985"/>
+        <p14:creationId xmlns:p14="http://schemas.microsoft.com/office/powerpoint/2010/main" val="2097304172"/>
       </p:ext>
     </p:extLst>
   </p:cSld>
@@ -9254,602 +9932,6 @@
           <p:cNvPr id="2" name="Título 1">
             <a:extLst>
               <a:ext uri="{FF2B5EF4-FFF2-40B4-BE49-F238E27FC236}">
-                <a16:creationId xmlns:a16="http://schemas.microsoft.com/office/drawing/2014/main" id="{4E319447-D02E-7C4B-241A-4A96C7ABC44D}"/>
-              </a:ext>
-            </a:extLst>
-          </p:cNvPr>
-          <p:cNvSpPr>
-            <a:spLocks noGrp="1"/>
-          </p:cNvSpPr>
-          <p:nvPr>
-            <p:ph type="title"/>
-          </p:nvPr>
-        </p:nvSpPr>
-        <p:spPr/>
-        <p:txBody>
-          <a:bodyPr/>
-          <a:lstStyle/>
-          <a:p>
-            <a:r>
-              <a:rPr lang="en-US" err="1"/>
-              <a:t>Referências</a:t>
-            </a:r>
-            <a:r>
-              <a:rPr lang="en-US"/>
-              <a:t> </a:t>
-            </a:r>
-            <a:r>
-              <a:rPr lang="en-US" err="1"/>
-              <a:t>bibliográficas</a:t>
-            </a:r>
-            <a:endParaRPr lang="pt-BR"/>
-          </a:p>
-        </p:txBody>
-      </p:sp>
-      <p:sp>
-        <p:nvSpPr>
-          <p:cNvPr id="3" name="Espaço Reservado para Conteúdo 2">
-            <a:extLst>
-              <a:ext uri="{FF2B5EF4-FFF2-40B4-BE49-F238E27FC236}">
-                <a16:creationId xmlns:a16="http://schemas.microsoft.com/office/drawing/2014/main" id="{DF5ABD57-ADCB-25E7-5CDB-095C18654DD9}"/>
-              </a:ext>
-            </a:extLst>
-          </p:cNvPr>
-          <p:cNvSpPr>
-            <a:spLocks noGrp="1"/>
-          </p:cNvSpPr>
-          <p:nvPr>
-            <p:ph idx="1"/>
-          </p:nvPr>
-        </p:nvSpPr>
-        <p:spPr/>
-        <p:txBody>
-          <a:bodyPr vert="horz" lIns="91440" tIns="45720" rIns="91440" bIns="45720" rtlCol="0" anchor="t">
-            <a:normAutofit fontScale="85000" lnSpcReduction="10000"/>
-          </a:bodyPr>
-          <a:lstStyle/>
-          <a:p>
-            <a:r>
-              <a:rPr lang="en-US" b="0" i="0" dirty="0">
-                <a:solidFill>
-                  <a:srgbClr val="37393C"/>
-                </a:solidFill>
-                <a:effectLst/>
-                <a:highlight>
-                  <a:srgbClr val="FFFFFF"/>
-                </a:highlight>
-              </a:rPr>
-              <a:t>COHEN, E. </a:t>
-            </a:r>
-            <a:r>
-              <a:rPr lang="en-US" b="1" i="0" dirty="0">
-                <a:solidFill>
-                  <a:srgbClr val="37393C"/>
-                </a:solidFill>
-                <a:effectLst/>
-                <a:highlight>
-                  <a:srgbClr val="FFFFFF"/>
-                </a:highlight>
-              </a:rPr>
-              <a:t>How to use Critical Path Method for complete beginners (with examples)</a:t>
-            </a:r>
-            <a:r>
-              <a:rPr lang="en-US" b="0" i="0" dirty="0">
-                <a:solidFill>
-                  <a:srgbClr val="37393C"/>
-                </a:solidFill>
-                <a:effectLst/>
-                <a:highlight>
-                  <a:srgbClr val="FFFFFF"/>
-                </a:highlight>
-              </a:rPr>
-              <a:t>. </a:t>
-            </a:r>
-            <a:r>
-              <a:rPr lang="en-US" b="0" i="0" dirty="0" err="1">
-                <a:solidFill>
-                  <a:srgbClr val="37393C"/>
-                </a:solidFill>
-                <a:effectLst/>
-                <a:highlight>
-                  <a:srgbClr val="FFFFFF"/>
-                </a:highlight>
-              </a:rPr>
-              <a:t>Disponível</a:t>
-            </a:r>
-            <a:r>
-              <a:rPr lang="en-US" b="0" i="0" dirty="0">
-                <a:solidFill>
-                  <a:srgbClr val="37393C"/>
-                </a:solidFill>
-                <a:effectLst/>
-                <a:highlight>
-                  <a:srgbClr val="FFFFFF"/>
-                </a:highlight>
-              </a:rPr>
-              <a:t> </a:t>
-            </a:r>
-            <a:r>
-              <a:rPr lang="en-US" b="0" i="0" dirty="0" err="1">
-                <a:solidFill>
-                  <a:srgbClr val="37393C"/>
-                </a:solidFill>
-                <a:effectLst/>
-                <a:highlight>
-                  <a:srgbClr val="FFFFFF"/>
-                </a:highlight>
-              </a:rPr>
-              <a:t>em</a:t>
-            </a:r>
-            <a:r>
-              <a:rPr lang="en-US" b="0" i="0" dirty="0">
-                <a:solidFill>
-                  <a:srgbClr val="37393C"/>
-                </a:solidFill>
-                <a:effectLst/>
-                <a:highlight>
-                  <a:srgbClr val="FFFFFF"/>
-                </a:highlight>
-              </a:rPr>
-              <a:t>: &lt;https://www.workamajig.com/blog/critical-path-method&gt;. </a:t>
-            </a:r>
-            <a:r>
-              <a:rPr lang="en-US" b="0" i="0" dirty="0" err="1">
-                <a:solidFill>
-                  <a:srgbClr val="37393C"/>
-                </a:solidFill>
-                <a:effectLst/>
-                <a:highlight>
-                  <a:srgbClr val="FFFFFF"/>
-                </a:highlight>
-              </a:rPr>
-              <a:t>Acesso</a:t>
-            </a:r>
-            <a:r>
-              <a:rPr lang="en-US" b="0" i="0" dirty="0">
-                <a:solidFill>
-                  <a:srgbClr val="37393C"/>
-                </a:solidFill>
-                <a:effectLst/>
-                <a:highlight>
-                  <a:srgbClr val="FFFFFF"/>
-                </a:highlight>
-              </a:rPr>
-              <a:t> </a:t>
-            </a:r>
-            <a:r>
-              <a:rPr lang="en-US" b="0" i="0" dirty="0" err="1">
-                <a:solidFill>
-                  <a:srgbClr val="37393C"/>
-                </a:solidFill>
-                <a:effectLst/>
-                <a:highlight>
-                  <a:srgbClr val="FFFFFF"/>
-                </a:highlight>
-              </a:rPr>
-              <a:t>em</a:t>
-            </a:r>
-            <a:r>
-              <a:rPr lang="en-US" b="0" i="0" dirty="0">
-                <a:solidFill>
-                  <a:srgbClr val="37393C"/>
-                </a:solidFill>
-                <a:effectLst/>
-                <a:highlight>
-                  <a:srgbClr val="FFFFFF"/>
-                </a:highlight>
-              </a:rPr>
-              <a:t>: 18 jun. 2024.</a:t>
-            </a:r>
-          </a:p>
-          <a:p>
-            <a:r>
-              <a:rPr lang="pt-BR" b="1" dirty="0" err="1">
-                <a:effectLst/>
-              </a:rPr>
-              <a:t>Critical</a:t>
-            </a:r>
-            <a:r>
-              <a:rPr lang="pt-BR" b="1" dirty="0">
-                <a:effectLst/>
-              </a:rPr>
-              <a:t> path </a:t>
-            </a:r>
-            <a:r>
-              <a:rPr lang="pt-BR" b="1" dirty="0" err="1">
-                <a:effectLst/>
-              </a:rPr>
-              <a:t>analysis</a:t>
-            </a:r>
-            <a:r>
-              <a:rPr lang="pt-BR" dirty="0">
-                <a:effectLst/>
-              </a:rPr>
-              <a:t>. Disponível em: &lt;https://www.studysmarter.co.uk/</a:t>
-            </a:r>
-            <a:r>
-              <a:rPr lang="pt-BR" dirty="0" err="1">
-                <a:effectLst/>
-              </a:rPr>
-              <a:t>explanations</a:t>
-            </a:r>
-            <a:r>
-              <a:rPr lang="pt-BR" dirty="0">
-                <a:effectLst/>
-              </a:rPr>
-              <a:t>/</a:t>
-            </a:r>
-            <a:r>
-              <a:rPr lang="pt-BR" dirty="0" err="1">
-                <a:effectLst/>
-              </a:rPr>
-              <a:t>math</a:t>
-            </a:r>
-            <a:r>
-              <a:rPr lang="pt-BR" dirty="0">
-                <a:effectLst/>
-              </a:rPr>
-              <a:t>/</a:t>
-            </a:r>
-            <a:r>
-              <a:rPr lang="pt-BR" dirty="0" err="1">
-                <a:effectLst/>
-              </a:rPr>
-              <a:t>decision-maths</a:t>
-            </a:r>
-            <a:r>
-              <a:rPr lang="pt-BR" dirty="0">
-                <a:effectLst/>
-              </a:rPr>
-              <a:t>/</a:t>
-            </a:r>
-            <a:r>
-              <a:rPr lang="pt-BR" dirty="0" err="1">
-                <a:effectLst/>
-              </a:rPr>
-              <a:t>critical</a:t>
-            </a:r>
-            <a:r>
-              <a:rPr lang="pt-BR" dirty="0">
-                <a:effectLst/>
-              </a:rPr>
-              <a:t>-path-</a:t>
-            </a:r>
-            <a:r>
-              <a:rPr lang="pt-BR" dirty="0" err="1">
-                <a:effectLst/>
-              </a:rPr>
-              <a:t>analysis</a:t>
-            </a:r>
-            <a:r>
-              <a:rPr lang="pt-BR" dirty="0">
-                <a:effectLst/>
-              </a:rPr>
-              <a:t>/&gt;. Acesso em: 18 jun. 2024.</a:t>
-            </a:r>
-          </a:p>
-          <a:p>
-            <a:r>
-              <a:rPr lang="pt-BR" dirty="0">
-                <a:effectLst/>
-              </a:rPr>
-              <a:t>EBY, K. </a:t>
-            </a:r>
-            <a:r>
-              <a:rPr lang="pt-BR" b="1" dirty="0">
-                <a:effectLst/>
-              </a:rPr>
-              <a:t>The </a:t>
-            </a:r>
-            <a:r>
-              <a:rPr lang="pt-BR" b="1" dirty="0" err="1">
-                <a:effectLst/>
-              </a:rPr>
-              <a:t>ultimate</a:t>
-            </a:r>
-            <a:r>
-              <a:rPr lang="pt-BR" b="1" dirty="0">
-                <a:effectLst/>
-              </a:rPr>
-              <a:t> </a:t>
-            </a:r>
-            <a:r>
-              <a:rPr lang="pt-BR" b="1" dirty="0" err="1">
-                <a:effectLst/>
-              </a:rPr>
-              <a:t>guide</a:t>
-            </a:r>
-            <a:r>
-              <a:rPr lang="pt-BR" b="1" dirty="0">
-                <a:effectLst/>
-              </a:rPr>
-              <a:t> </a:t>
-            </a:r>
-            <a:r>
-              <a:rPr lang="pt-BR" b="1" dirty="0" err="1">
-                <a:effectLst/>
-              </a:rPr>
-              <a:t>to</a:t>
-            </a:r>
-            <a:r>
-              <a:rPr lang="pt-BR" b="1" dirty="0">
-                <a:effectLst/>
-              </a:rPr>
-              <a:t> </a:t>
-            </a:r>
-            <a:r>
-              <a:rPr lang="pt-BR" b="1" dirty="0" err="1">
-                <a:effectLst/>
-              </a:rPr>
-              <a:t>the</a:t>
-            </a:r>
-            <a:r>
-              <a:rPr lang="pt-BR" b="1" dirty="0">
-                <a:effectLst/>
-              </a:rPr>
-              <a:t> </a:t>
-            </a:r>
-            <a:r>
-              <a:rPr lang="pt-BR" b="1" dirty="0" err="1">
-                <a:effectLst/>
-              </a:rPr>
-              <a:t>critical</a:t>
-            </a:r>
-            <a:r>
-              <a:rPr lang="pt-BR" b="1" dirty="0">
-                <a:effectLst/>
-              </a:rPr>
-              <a:t> path </a:t>
-            </a:r>
-            <a:r>
-              <a:rPr lang="pt-BR" b="1" dirty="0" err="1">
-                <a:effectLst/>
-              </a:rPr>
-              <a:t>method</a:t>
-            </a:r>
-            <a:r>
-              <a:rPr lang="pt-BR" dirty="0">
-                <a:effectLst/>
-              </a:rPr>
-              <a:t>. </a:t>
-            </a:r>
-            <a:r>
-              <a:rPr lang="pt-BR" b="1" dirty="0" err="1">
-                <a:effectLst/>
-              </a:rPr>
-              <a:t>Smartsheet</a:t>
-            </a:r>
-            <a:r>
-              <a:rPr lang="pt-BR" dirty="0">
-                <a:effectLst/>
-              </a:rPr>
-              <a:t>, 30 abr. 2015. Disponível em: &lt;https://www.smartsheet.com/</a:t>
-            </a:r>
-            <a:r>
-              <a:rPr lang="pt-BR" dirty="0" err="1">
-                <a:effectLst/>
-              </a:rPr>
-              <a:t>critical</a:t>
-            </a:r>
-            <a:r>
-              <a:rPr lang="pt-BR" dirty="0">
-                <a:effectLst/>
-              </a:rPr>
-              <a:t>-path-</a:t>
-            </a:r>
-            <a:r>
-              <a:rPr lang="pt-BR" dirty="0" err="1">
-                <a:effectLst/>
-              </a:rPr>
-              <a:t>method</a:t>
-            </a:r>
-            <a:r>
-              <a:rPr lang="pt-BR" dirty="0">
-                <a:effectLst/>
-              </a:rPr>
-              <a:t>&gt;. Acesso em: 18 jun. 2024</a:t>
-            </a:r>
-          </a:p>
-          <a:p>
-            <a:r>
-              <a:rPr lang="pt-BR" dirty="0">
-                <a:effectLst/>
-              </a:rPr>
-              <a:t>WIKIPEDIA CONTRIBUTORS. </a:t>
-            </a:r>
-            <a:r>
-              <a:rPr lang="pt-BR" b="1" dirty="0" err="1">
-                <a:effectLst/>
-              </a:rPr>
-              <a:t>Critical</a:t>
-            </a:r>
-            <a:r>
-              <a:rPr lang="pt-BR" b="1" dirty="0">
-                <a:effectLst/>
-              </a:rPr>
-              <a:t> path </a:t>
-            </a:r>
-            <a:r>
-              <a:rPr lang="pt-BR" b="1" dirty="0" err="1">
-                <a:effectLst/>
-              </a:rPr>
-              <a:t>method</a:t>
-            </a:r>
-            <a:r>
-              <a:rPr lang="pt-BR" dirty="0">
-                <a:effectLst/>
-              </a:rPr>
-              <a:t>. Disponível em: &lt;https://en.wikipedia.org/w/</a:t>
-            </a:r>
-            <a:r>
-              <a:rPr lang="pt-BR" dirty="0" err="1">
-                <a:effectLst/>
-              </a:rPr>
-              <a:t>index.php?title</a:t>
-            </a:r>
-            <a:r>
-              <a:rPr lang="pt-BR" dirty="0">
-                <a:effectLst/>
-              </a:rPr>
-              <a:t>=</a:t>
-            </a:r>
-            <a:r>
-              <a:rPr lang="pt-BR" dirty="0" err="1">
-                <a:effectLst/>
-              </a:rPr>
-              <a:t>Critical_path_method&amp;oldid</a:t>
-            </a:r>
-            <a:r>
-              <a:rPr lang="pt-BR" dirty="0">
-                <a:effectLst/>
-              </a:rPr>
-              <a:t>=1222967231&gt;.</a:t>
-            </a:r>
-          </a:p>
-          <a:p>
-            <a:r>
-              <a:rPr lang="pt-BR" dirty="0">
-                <a:effectLst/>
-              </a:rPr>
-              <a:t>Disponível em: &lt;https://www.pmi.org/learning/</a:t>
-            </a:r>
-            <a:r>
-              <a:rPr lang="pt-BR" dirty="0" err="1">
-                <a:effectLst/>
-              </a:rPr>
-              <a:t>library</a:t>
-            </a:r>
-            <a:r>
-              <a:rPr lang="pt-BR" dirty="0">
-                <a:effectLst/>
-              </a:rPr>
-              <a:t>/schedule-risk-analysis-simplified-10573&gt;. Acesso em: 18 jun. 2024.</a:t>
-            </a:r>
-          </a:p>
-        </p:txBody>
-      </p:sp>
-      <p:sp>
-        <p:nvSpPr>
-          <p:cNvPr id="4" name="Espaço Reservado para Data 3">
-            <a:extLst>
-              <a:ext uri="{FF2B5EF4-FFF2-40B4-BE49-F238E27FC236}">
-                <a16:creationId xmlns:a16="http://schemas.microsoft.com/office/drawing/2014/main" id="{E575A558-438B-6388-C74A-CB3D2C97D3F8}"/>
-              </a:ext>
-            </a:extLst>
-          </p:cNvPr>
-          <p:cNvSpPr>
-            <a:spLocks noGrp="1"/>
-          </p:cNvSpPr>
-          <p:nvPr>
-            <p:ph type="dt" sz="half" idx="10"/>
-          </p:nvPr>
-        </p:nvSpPr>
-        <p:spPr/>
-        <p:txBody>
-          <a:bodyPr/>
-          <a:lstStyle/>
-          <a:p>
-            <a:fld id="{5C0E8BC3-A60E-4E31-8AE4-2BE08893AD21}" type="datetime1">
-              <a:rPr lang="en-US" smtClean="0"/>
-              <a:t>6/18/2024</a:t>
-            </a:fld>
-            <a:endParaRPr lang="en-US"/>
-          </a:p>
-        </p:txBody>
-      </p:sp>
-      <p:sp>
-        <p:nvSpPr>
-          <p:cNvPr id="5" name="Espaço Reservado para Rodapé 4">
-            <a:extLst>
-              <a:ext uri="{FF2B5EF4-FFF2-40B4-BE49-F238E27FC236}">
-                <a16:creationId xmlns:a16="http://schemas.microsoft.com/office/drawing/2014/main" id="{5792529F-47F6-73F8-4E0C-FA5B71473D22}"/>
-              </a:ext>
-            </a:extLst>
-          </p:cNvPr>
-          <p:cNvSpPr>
-            <a:spLocks noGrp="1"/>
-          </p:cNvSpPr>
-          <p:nvPr>
-            <p:ph type="ftr" sz="quarter" idx="11"/>
-          </p:nvPr>
-        </p:nvSpPr>
-        <p:spPr/>
-        <p:txBody>
-          <a:bodyPr/>
-          <a:lstStyle/>
-          <a:p>
-            <a:r>
-              <a:rPr lang="en-US" dirty="0"/>
-              <a:t>
-              </a:t>
-            </a:r>
-          </a:p>
-        </p:txBody>
-      </p:sp>
-      <p:sp>
-        <p:nvSpPr>
-          <p:cNvPr id="6" name="Espaço Reservado para Número de Slide 5">
-            <a:extLst>
-              <a:ext uri="{FF2B5EF4-FFF2-40B4-BE49-F238E27FC236}">
-                <a16:creationId xmlns:a16="http://schemas.microsoft.com/office/drawing/2014/main" id="{6590052F-4EE3-8698-0A10-CB8C4E35A1E4}"/>
-              </a:ext>
-            </a:extLst>
-          </p:cNvPr>
-          <p:cNvSpPr>
-            <a:spLocks noGrp="1"/>
-          </p:cNvSpPr>
-          <p:nvPr>
-            <p:ph type="sldNum" sz="quarter" idx="12"/>
-          </p:nvPr>
-        </p:nvSpPr>
-        <p:spPr/>
-        <p:txBody>
-          <a:bodyPr/>
-          <a:lstStyle/>
-          <a:p>
-            <a:fld id="{E30AF5A0-43BB-4336-8627-9123B9144D80}" type="slidenum">
-              <a:rPr lang="en-US" smtClean="0"/>
-              <a:t>17</a:t>
-            </a:fld>
-            <a:endParaRPr lang="en-US"/>
-          </a:p>
-        </p:txBody>
-      </p:sp>
-    </p:spTree>
-    <p:extLst>
-      <p:ext uri="{BB962C8B-B14F-4D97-AF65-F5344CB8AC3E}">
-        <p14:creationId xmlns:p14="http://schemas.microsoft.com/office/powerpoint/2010/main" val="2097304172"/>
-      </p:ext>
-    </p:extLst>
-  </p:cSld>
-  <p:clrMapOvr>
-    <a:masterClrMapping/>
-  </p:clrMapOvr>
-</p:sld>
-</file>
-
-<file path=ppt/slides/slide18.xml><?xml version="1.0" encoding="utf-8"?>
-<p:sld xmlns:a="http://schemas.openxmlformats.org/drawingml/2006/main" xmlns:r="http://schemas.openxmlformats.org/officeDocument/2006/relationships" xmlns:p="http://schemas.openxmlformats.org/presentationml/2006/main">
-  <p:cSld>
-    <p:spTree>
-      <p:nvGrpSpPr>
-        <p:cNvPr id="1" name=""/>
-        <p:cNvGrpSpPr/>
-        <p:nvPr/>
-      </p:nvGrpSpPr>
-      <p:grpSpPr>
-        <a:xfrm>
-          <a:off x="0" y="0"/>
-          <a:ext cx="0" cy="0"/>
-          <a:chOff x="0" y="0"/>
-          <a:chExt cx="0" cy="0"/>
-        </a:xfrm>
-      </p:grpSpPr>
-      <p:sp>
-        <p:nvSpPr>
-          <p:cNvPr id="2" name="Título 1">
-            <a:extLst>
-              <a:ext uri="{FF2B5EF4-FFF2-40B4-BE49-F238E27FC236}">
                 <a16:creationId xmlns:a16="http://schemas.microsoft.com/office/drawing/2014/main" id="{B1F35A36-4B8A-CC21-A7B3-D24FC5357485}"/>
               </a:ext>
             </a:extLst>
@@ -9903,7 +9985,7 @@
           <a:p>
             <a:fld id="{8ADC9E49-246E-484A-926C-3041536DB8F7}" type="datetime1">
               <a:rPr lang="en-US" smtClean="0"/>
-              <a:t>6/18/2024</a:t>
+              <a:t>6/19/2024</a:t>
             </a:fld>
             <a:endParaRPr lang="en-US"/>
           </a:p>
@@ -9961,7 +10043,7 @@
           <a:p>
             <a:fld id="{196A61CA-0502-4EE4-9724-96EA822543E5}" type="slidenum">
               <a:rPr lang="en-US" smtClean="0"/>
-              <a:t>18</a:t>
+              <a:t>17</a:t>
             </a:fld>
             <a:endParaRPr lang="en-US"/>
           </a:p>
@@ -10062,7 +10144,7 @@
           <a:p>
             <a:r>
               <a:rPr lang="pt-BR" dirty="0"/>
-              <a:t>É comumente usado em conjunto com a técnica de avaliação e revisão de programas (PERT).</a:t>
+              <a:t>É comumente usados em conjunto com a técnica de avaliação e revisão de programas (PERT).</a:t>
             </a:r>
           </a:p>
         </p:txBody>
@@ -10090,7 +10172,7 @@
           <a:p>
             <a:fld id="{9FBE1B50-9130-47DA-B4F9-EEE798F3A0B6}" type="datetime1">
               <a:rPr lang="en-US" smtClean="0"/>
-              <a:t>6/18/2024</a:t>
+              <a:t>6/19/2024</a:t>
             </a:fld>
             <a:endParaRPr lang="en-US"/>
           </a:p>
@@ -10326,7 +10408,7 @@
           <a:p>
             <a:fld id="{B4EA89E8-3B98-4FD1-88D7-71179ABDB4AC}" type="datetime1">
               <a:rPr lang="en-US" smtClean="0"/>
-              <a:t>6/18/2024</a:t>
+              <a:t>6/19/2024</a:t>
             </a:fld>
             <a:endParaRPr lang="en-US"/>
           </a:p>
@@ -10551,7 +10633,7 @@
           <a:p>
             <a:fld id="{BC977DA9-E637-49AD-9C16-6A2326F8B3B6}" type="datetime1">
               <a:rPr lang="pt-BR"/>
-              <a:t>18/06/2024</a:t>
+              <a:t>19/06/2024</a:t>
             </a:fld>
             <a:endParaRPr lang="en-US"/>
           </a:p>
@@ -11076,7 +11158,7 @@
           <a:p>
             <a:fld id="{8E7191DB-FDA5-46F6-8FE4-01C5FB29F6E2}" type="datetime1">
               <a:rPr lang="en-US" smtClean="0"/>
-              <a:t>6/18/2024</a:t>
+              <a:t>6/19/2024</a:t>
             </a:fld>
             <a:endParaRPr lang="en-US"/>
           </a:p>
@@ -11221,7 +11303,7 @@
           <a:p>
             <a:fld id="{565CDFF4-0A5E-4DB8-B7FA-6062564141AB}" type="datetime1">
               <a:rPr lang="en-US" smtClean="0"/>
-              <a:t>6/18/2024</a:t>
+              <a:t>6/19/2024</a:t>
             </a:fld>
             <a:endParaRPr lang="en-US"/>
           </a:p>
@@ -11388,16 +11470,15 @@
             <p:ph idx="1"/>
           </p:nvPr>
         </p:nvPicPr>
-        <p:blipFill>
+        <p:blipFill rotWithShape="1">
           <a:blip r:embed="rId2"/>
-          <a:stretch>
-            <a:fillRect/>
-          </a:stretch>
+          <a:srcRect l="659"/>
+          <a:stretch/>
         </p:blipFill>
         <p:spPr>
           <a:xfrm>
-            <a:off x="1457434" y="2292350"/>
-            <a:ext cx="9177119" cy="3636963"/>
+            <a:off x="1517904" y="2292350"/>
+            <a:ext cx="9116649" cy="3636963"/>
           </a:xfrm>
         </p:spPr>
       </p:pic>
@@ -11424,7 +11505,7 @@
           <a:p>
             <a:fld id="{37F9D5A5-9912-4440-AE4C-B73AD405BD32}" type="datetime1">
               <a:rPr lang="en-US" smtClean="0"/>
-              <a:t>6/18/2024</a:t>
+              <a:t>6/19/2024</a:t>
             </a:fld>
             <a:endParaRPr lang="en-US"/>
           </a:p>
@@ -11598,7 +11679,7 @@
           <a:p>
             <a:fld id="{849DBC12-8832-4109-B94F-AE3BC83E673C}" type="datetime1">
               <a:rPr lang="en-US" smtClean="0"/>
-              <a:t>6/18/2024</a:t>
+              <a:t>6/19/2024</a:t>
             </a:fld>
             <a:endParaRPr lang="en-US"/>
           </a:p>
@@ -11772,7 +11853,7 @@
           <a:p>
             <a:fld id="{D5A8BB94-DC79-4995-A92F-B6C5EF989898}" type="datetime1">
               <a:rPr lang="en-US" smtClean="0"/>
-              <a:t>6/18/2024</a:t>
+              <a:t>6/19/2024</a:t>
             </a:fld>
             <a:endParaRPr lang="en-US"/>
           </a:p>
